--- a/Milestones/M6 poster event/poster.pptx
+++ b/Milestones/M6 poster event/poster.pptx
@@ -1193,7 +1193,7 @@
           </a:ln>
           <a:extLst>
             <a:ext uri="{C572A759-6A51-4108-AA02-DFA0A04FC94B}">
-              <ma14:wrappingTextBoxFlag xmlns="" xmlns:m="http://schemas.openxmlformats.org/officeDocument/2006/math" xmlns:a14="http://schemas.microsoft.com/office/drawing/2010/main" xmlns:ma14="http://schemas.microsoft.com/office/mac/drawingml/2011/main" val="1"/>
+              <ma14:wrappingTextBoxFlag xmlns:ma14="http://schemas.microsoft.com/office/mac/drawingml/2011/main" xmlns:a14="http://schemas.microsoft.com/office/drawing/2010/main" xmlns:m="http://schemas.openxmlformats.org/officeDocument/2006/math" xmlns="" val="1"/>
             </a:ext>
           </a:extLst>
         </p:spPr>
@@ -1264,7 +1264,7 @@
           </a:ln>
           <a:extLst>
             <a:ext uri="{C572A759-6A51-4108-AA02-DFA0A04FC94B}">
-              <ma14:wrappingTextBoxFlag xmlns="" xmlns:m="http://schemas.openxmlformats.org/officeDocument/2006/math" xmlns:a14="http://schemas.microsoft.com/office/drawing/2010/main" xmlns:ma14="http://schemas.microsoft.com/office/mac/drawingml/2011/main" val="1"/>
+              <ma14:wrappingTextBoxFlag xmlns:ma14="http://schemas.microsoft.com/office/mac/drawingml/2011/main" xmlns:a14="http://schemas.microsoft.com/office/drawing/2010/main" xmlns:m="http://schemas.openxmlformats.org/officeDocument/2006/math" xmlns="" val="1"/>
             </a:ext>
           </a:extLst>
         </p:spPr>
@@ -1366,7 +1366,7 @@
           </a:ln>
           <a:extLst>
             <a:ext uri="{C572A759-6A51-4108-AA02-DFA0A04FC94B}">
-              <ma14:wrappingTextBoxFlag xmlns="" xmlns:m="http://schemas.openxmlformats.org/officeDocument/2006/math" xmlns:a14="http://schemas.microsoft.com/office/drawing/2010/main" xmlns:ma14="http://schemas.microsoft.com/office/mac/drawingml/2011/main" val="1"/>
+              <ma14:wrappingTextBoxFlag xmlns:ma14="http://schemas.microsoft.com/office/mac/drawingml/2011/main" xmlns:a14="http://schemas.microsoft.com/office/drawing/2010/main" xmlns:m="http://schemas.openxmlformats.org/officeDocument/2006/math" xmlns="" val="1"/>
             </a:ext>
           </a:extLst>
         </p:spPr>
@@ -1429,7 +1429,7 @@
           </a:ln>
           <a:extLst>
             <a:ext uri="{C572A759-6A51-4108-AA02-DFA0A04FC94B}">
-              <ma14:wrappingTextBoxFlag xmlns="" xmlns:m="http://schemas.openxmlformats.org/officeDocument/2006/math" xmlns:a14="http://schemas.microsoft.com/office/drawing/2010/main" xmlns:ma14="http://schemas.microsoft.com/office/mac/drawingml/2011/main" val="1"/>
+              <ma14:wrappingTextBoxFlag xmlns:ma14="http://schemas.microsoft.com/office/mac/drawingml/2011/main" xmlns:a14="http://schemas.microsoft.com/office/drawing/2010/main" xmlns:m="http://schemas.openxmlformats.org/officeDocument/2006/math" xmlns="" val="1"/>
             </a:ext>
           </a:extLst>
         </p:spPr>
@@ -2255,9 +2255,10 @@
           <a:p>
             <a:pPr algn="ctr"/>
             <a:r>
-              <a:rPr lang="en-US" sz="6000"/>
-              <a:t>Fuzzing constraint programming languages</a:t>
-            </a:r>
+              <a:rPr lang="en-GB" sz="6000"/>
+              <a:t>Fuzz Testing of Constraint Programming</a:t>
+            </a:r>
+            <a:endParaRPr lang="en-US" sz="6000" dirty="0"/>
           </a:p>
         </p:txBody>
       </p:sp>

--- a/Milestones/M6 poster event/poster.pptx
+++ b/Milestones/M6 poster event/poster.pptx
@@ -1193,7 +1193,7 @@
           </a:ln>
           <a:extLst>
             <a:ext uri="{C572A759-6A51-4108-AA02-DFA0A04FC94B}">
-              <ma14:wrappingTextBoxFlag xmlns:ma14="http://schemas.microsoft.com/office/mac/drawingml/2011/main" xmlns:a14="http://schemas.microsoft.com/office/drawing/2010/main" xmlns:m="http://schemas.openxmlformats.org/officeDocument/2006/math" xmlns="" val="1"/>
+              <ma14:wrappingTextBoxFlag xmlns="" xmlns:m="http://schemas.openxmlformats.org/officeDocument/2006/math" xmlns:a14="http://schemas.microsoft.com/office/drawing/2010/main" xmlns:ma14="http://schemas.microsoft.com/office/mac/drawingml/2011/main" val="1"/>
             </a:ext>
           </a:extLst>
         </p:spPr>
@@ -1264,7 +1264,7 @@
           </a:ln>
           <a:extLst>
             <a:ext uri="{C572A759-6A51-4108-AA02-DFA0A04FC94B}">
-              <ma14:wrappingTextBoxFlag xmlns:ma14="http://schemas.microsoft.com/office/mac/drawingml/2011/main" xmlns:a14="http://schemas.microsoft.com/office/drawing/2010/main" xmlns:m="http://schemas.openxmlformats.org/officeDocument/2006/math" xmlns="" val="1"/>
+              <ma14:wrappingTextBoxFlag xmlns="" xmlns:m="http://schemas.openxmlformats.org/officeDocument/2006/math" xmlns:a14="http://schemas.microsoft.com/office/drawing/2010/main" xmlns:ma14="http://schemas.microsoft.com/office/mac/drawingml/2011/main" val="1"/>
             </a:ext>
           </a:extLst>
         </p:spPr>
@@ -1366,7 +1366,7 @@
           </a:ln>
           <a:extLst>
             <a:ext uri="{C572A759-6A51-4108-AA02-DFA0A04FC94B}">
-              <ma14:wrappingTextBoxFlag xmlns:ma14="http://schemas.microsoft.com/office/mac/drawingml/2011/main" xmlns:a14="http://schemas.microsoft.com/office/drawing/2010/main" xmlns:m="http://schemas.openxmlformats.org/officeDocument/2006/math" xmlns="" val="1"/>
+              <ma14:wrappingTextBoxFlag xmlns="" xmlns:m="http://schemas.openxmlformats.org/officeDocument/2006/math" xmlns:a14="http://schemas.microsoft.com/office/drawing/2010/main" xmlns:ma14="http://schemas.microsoft.com/office/mac/drawingml/2011/main" val="1"/>
             </a:ext>
           </a:extLst>
         </p:spPr>
@@ -1429,7 +1429,7 @@
           </a:ln>
           <a:extLst>
             <a:ext uri="{C572A759-6A51-4108-AA02-DFA0A04FC94B}">
-              <ma14:wrappingTextBoxFlag xmlns:ma14="http://schemas.microsoft.com/office/mac/drawingml/2011/main" xmlns:a14="http://schemas.microsoft.com/office/drawing/2010/main" xmlns:m="http://schemas.openxmlformats.org/officeDocument/2006/math" xmlns="" val="1"/>
+              <ma14:wrappingTextBoxFlag xmlns="" xmlns:m="http://schemas.openxmlformats.org/officeDocument/2006/math" xmlns:a14="http://schemas.microsoft.com/office/drawing/2010/main" xmlns:ma14="http://schemas.microsoft.com/office/mac/drawingml/2011/main" val="1"/>
             </a:ext>
           </a:extLst>
         </p:spPr>
@@ -2302,18 +2302,11 @@
                 <a:latin typeface="Arial" panose="020B0604020202020204" pitchFamily="34" charset="0"/>
                 <a:cs typeface="Arial" panose="020B0604020202020204" pitchFamily="34" charset="0"/>
               </a:rPr>
-              <a:t>	The second technique takes the constraints of the problem and turns them into an 	equivalent but complex constraints. For example, a ‘variable1 == 4’ will be 	changed into ‘(</a:t>
+              <a:t>	The second technique takes the constraints of the problem and turns them into 	equivalent but complex constraints. For example, a ‘variable1 == 4’ will be 	changed into ‘(variable1 &gt;= 4) and (variable1 =&lt; 4)’</a:t>
             </a:r>
-            <a:r>
-              <a:rPr lang="en-US" sz="1800" dirty="0">
-                <a:solidFill>
-                  <a:srgbClr val="000000"/>
-                </a:solidFill>
-                <a:latin typeface="Arial" panose="020B0604020202020204" pitchFamily="34" charset="0"/>
-                <a:cs typeface="Arial" panose="020B0604020202020204" pitchFamily="34" charset="0"/>
-              </a:rPr>
-              <a:t>variable1 &gt;= 4) and </a:t>
-            </a:r>
+          </a:p>
+          <a:p>
+            <a:pPr defTabSz="411480"/>
             <a:r>
               <a:rPr lang="en-US" sz="2000" dirty="0">
                 <a:solidFill>
@@ -2322,30 +2315,7 @@
                 <a:latin typeface="Arial" panose="020B0604020202020204" pitchFamily="34" charset="0"/>
                 <a:cs typeface="Arial" panose="020B0604020202020204" pitchFamily="34" charset="0"/>
               </a:rPr>
-              <a:t>(</a:t>
-            </a:r>
-            <a:r>
-              <a:rPr lang="en-US" sz="1800" dirty="0">
-                <a:solidFill>
-                  <a:srgbClr val="000000"/>
-                </a:solidFill>
-                <a:latin typeface="Arial" panose="020B0604020202020204" pitchFamily="34" charset="0"/>
-                <a:cs typeface="Arial" panose="020B0604020202020204" pitchFamily="34" charset="0"/>
-              </a:rPr>
-              <a:t>variable1 =&lt; 4)’</a:t>
-            </a:r>
-          </a:p>
-          <a:p>
-            <a:pPr defTabSz="411480"/>
-            <a:r>
-              <a:rPr lang="en-US" sz="1800" dirty="0">
-                <a:solidFill>
-                  <a:srgbClr val="000000"/>
-                </a:solidFill>
-                <a:latin typeface="Arial" panose="020B0604020202020204" pitchFamily="34" charset="0"/>
-                <a:cs typeface="Arial" panose="020B0604020202020204" pitchFamily="34" charset="0"/>
-              </a:rPr>
-              <a:t>	In total 30 metamorphic transformations were implemented and can be reformed on an 	already transformed constraints to built even more complex ones.</a:t>
+              <a:t>	In total 30 metamorphic transformations were implemented and can be reformed 	on already transformed constraints to built even more complex ones.</a:t>
             </a:r>
           </a:p>
           <a:p>
@@ -2528,7 +2498,7 @@
                 <a:latin typeface="Arial" panose="020B0604020202020204" pitchFamily="34" charset="0"/>
                 <a:cs typeface="Arial" panose="020B0604020202020204" pitchFamily="34" charset="0"/>
               </a:rPr>
-              <a:t>	The last technique moves away from the fuzz testing world since no changes were 	made to the seed inputs. Instead of changes here the advantage of having multiple 	solvers was used.</a:t>
+              <a:t>	The last technique moves away from the fuzz testing world since no changes were 	made to the seed inputs. Instead of changing constraints, here the advantage of 	having 	multiple solvers was used.</a:t>
             </a:r>
           </a:p>
           <a:p>
@@ -2877,7 +2847,7 @@
                 <a:latin typeface="Arial" panose="020B0604020202020204" pitchFamily="34" charset="0"/>
                 <a:cs typeface="Arial" panose="020B0604020202020204" pitchFamily="34" charset="0"/>
               </a:rPr>
-              <a:t>	None of the techniques got a perfect score meaning that when looking for all bugs 	a combination of tools will be needed as in the real world there is no silver bullet on 	bug catching. This does not take away the utility of each of the techniques. 	Metamorphic testing can be used to guide the fuzz tester on a specific code area 	by choosing which metamorphic transformations used and differential testing is 	easy to set up and to test between similar solvers.</a:t>
+              <a:t>	None of the techniques got a perfect score, meaning that when looking for all bugs 	a combination of tools will be needed. As in the real world there is no silver bullet 	on bug catching. This does not take away the utility of each of the techniques 	used. Metamorphic testing can be used to guide the fuzz tester on a specific code 	area by choosing which metamorphic transformations used and differential testing 	is easy to set up and to test between similar solvers.</a:t>
             </a:r>
             <a:endParaRPr lang="en-US" sz="2800" dirty="0">
               <a:solidFill>
@@ -2937,14 +2907,14 @@
                 <a:effectLst/>
                 <a:latin typeface="Arial" panose="020B0604020202020204" pitchFamily="34" charset="0"/>
               </a:rPr>
-              <a:t>	T</a:t>
+              <a:t>	M</a:t>
             </a:r>
             <a:r>
               <a:rPr lang="en-GB" sz="2000" dirty="0">
                 <a:effectLst/>
                 <a:latin typeface="Arial" panose="020B0604020202020204" pitchFamily="34" charset="0"/>
               </a:rPr>
-              <a:t>he most interesting is fuzz testing the configuration space of the solvers on top of 	fuzz testing the input, as discussed by </a:t>
+              <a:t>ost interesting is fuzz testing the configuration space of the solvers on top of 	fuzz testing the input, as discussed by </a:t>
             </a:r>
             <a:r>
               <a:rPr lang="en-US" sz="2000" dirty="0">
@@ -2958,7 +2928,21 @@
                 <a:effectLst/>
                 <a:latin typeface="Arial" panose="020B0604020202020204" pitchFamily="34" charset="0"/>
               </a:rPr>
-              <a:t> [2]. or example, there 	could be bugs that only occur when certain optimizations are turned on or off like: 	dynamic symmetry breaking or others.</a:t>
+              <a:t> [2]. </a:t>
+            </a:r>
+            <a:r>
+              <a:rPr lang="en-GB" sz="2000">
+                <a:effectLst/>
+                <a:latin typeface="Arial" panose="020B0604020202020204" pitchFamily="34" charset="0"/>
+              </a:rPr>
+              <a:t>For </a:t>
+            </a:r>
+            <a:r>
+              <a:rPr lang="en-GB" sz="2000" dirty="0">
+                <a:effectLst/>
+                <a:latin typeface="Arial" panose="020B0604020202020204" pitchFamily="34" charset="0"/>
+              </a:rPr>
+              <a:t>example, there 	could be bugs that only occur when certain optimizations are turned on or off like: 	dynamic symmetry breaking or others.</a:t>
             </a:r>
             <a:endParaRPr lang="en-US" sz="2000" dirty="0">
               <a:solidFill>
@@ -3148,7 +3132,7 @@
             </a:br>
             <a:r>
               <a:rPr lang="en-US" sz="1600" dirty="0"/>
-              <a:t>Prof. Dr. T. Guns, Ir. I. Bleukx</a:t>
+              <a:t>Prof. dr. T. Guns, Ir. I. Bleukx</a:t>
             </a:r>
           </a:p>
         </p:txBody>
@@ -3258,8 +3242,8 @@
         </p:nvCxnSpPr>
         <p:spPr>
           <a:xfrm>
-            <a:off x="10691806" y="2089460"/>
-            <a:ext cx="80379" cy="24171106"/>
+            <a:off x="10691812" y="1717914"/>
+            <a:ext cx="80373" cy="24542652"/>
           </a:xfrm>
           <a:prstGeom prst="line">
             <a:avLst/>
@@ -3492,7 +3476,7 @@
                 <a:latin typeface="Arial" panose="020B0604020202020204" pitchFamily="34" charset="0"/>
                 <a:cs typeface="Arial" panose="020B0604020202020204" pitchFamily="34" charset="0"/>
               </a:rPr>
-              <a:t>	Regression tests?			(no focus on finding new bugs)</a:t>
+              <a:t>	Regression tests?			(No focus on finding new bugs)</a:t>
             </a:r>
             <a:endParaRPr kumimoji="0" lang="en-US" sz="1600" b="0" i="0" u="none" strike="noStrike" cap="none" spc="0" normalizeH="0" baseline="0" dirty="0">
               <a:ln>
@@ -3631,7 +3615,7 @@
                 <a:latin typeface="Arial" panose="020B0604020202020204" pitchFamily="34" charset="0"/>
                 <a:cs typeface="Arial" panose="020B0604020202020204" pitchFamily="34" charset="0"/>
               </a:rPr>
-              <a:t>	Bugs are practically unavoidable and always unwanted, especially when a user 	can not easily doublecheck the result, which is the case in constraint 	programming (CP). On top of that, CP often requires combinations of constraints 	to model a problem, these combinations of constraints may have never been 	seen by a CP-solver and therefore include untested code and bugs. </a:t>
+              <a:t>	Bugs are practically unavoidable and always unwanted, especially when a user 	can not easily doublecheck the result, which is the case in constraint 	programming (CP). On top of that, CP often requires combinations of constraints 	to model a problem, these combinations of constraints may have never been 	seen by a CP-solver and therefore could include untested code and bugs. </a:t>
             </a:r>
           </a:p>
           <a:p>
@@ -3729,7 +3713,7 @@
                 <a:latin typeface="Arial" panose="020B0604020202020204" pitchFamily="34" charset="0"/>
                 <a:cs typeface="Arial" panose="020B0604020202020204" pitchFamily="34" charset="0"/>
               </a:rPr>
-              <a:t>	Constraint programming (CP) is used to give solutions to </a:t>
+              <a:t>	CP is used to give solutions to </a:t>
             </a:r>
             <a:r>
               <a:rPr kumimoji="0" lang="en-US" sz="2000" b="0" i="0" u="none" strike="noStrike" cap="none" spc="0" normalizeH="0" baseline="0" dirty="0">
@@ -3755,7 +3739,7 @@
                 <a:latin typeface="Arial" panose="020B0604020202020204" pitchFamily="34" charset="0"/>
                 <a:cs typeface="Arial" panose="020B0604020202020204" pitchFamily="34" charset="0"/>
               </a:rPr>
-              <a:t> and 	logical problems in the form of constraints. In order to convey the problem to the 	solver, modeling languages have been like MiniZinc and CPMpy. </a:t>
+              <a:t> and logical problems in the form of 	constraints. In order to convey the problem to the solver, modeling languages 	have been created like MiniZinc and CPMpy. </a:t>
             </a:r>
           </a:p>
           <a:p>
@@ -3768,7 +3752,7 @@
                 <a:latin typeface="Arial" panose="020B0604020202020204" pitchFamily="34" charset="0"/>
                 <a:cs typeface="Arial" panose="020B0604020202020204" pitchFamily="34" charset="0"/>
               </a:rPr>
-              <a:t>	Fuzz testing is a way of creating new and complex inputs to test them on the 	software.</a:t>
+              <a:t>	Fuzz testing is a way of creating new and complex inputs, in order to test them 	on the 	software.</a:t>
             </a:r>
           </a:p>
           <a:p>
@@ -4888,8 +4872,8 @@
           <a:fontRef idx="none"/>
         </p:style>
       </p:cxnSp>
-      <mc:AlternateContent xmlns:mc="http://schemas.openxmlformats.org/markup-compatibility/2006">
-        <mc:Choice xmlns:a14="http://schemas.microsoft.com/office/drawing/2010/main" Requires="a14">
+      <mc:AlternateContent xmlns:mc="http://schemas.openxmlformats.org/markup-compatibility/2006" xmlns:a14="http://schemas.microsoft.com/office/drawing/2010/main">
+        <mc:Choice Requires="a14">
           <p:sp>
             <p:nvSpPr>
               <p:cNvPr id="66" name="TextBox 65">
@@ -5034,7 +5018,7 @@
             </p:txBody>
           </p:sp>
         </mc:Choice>
-        <mc:Fallback>
+        <mc:Fallback xmlns="">
           <p:sp>
             <p:nvSpPr>
               <p:cNvPr id="66" name="TextBox 65">
@@ -5973,6 +5957,14 @@
               <a:tabLst/>
             </a:pPr>
             <a:r>
+              <a:rPr lang="en-GB" sz="2400" dirty="0">
+                <a:solidFill>
+                  <a:srgbClr val="000000"/>
+                </a:solidFill>
+              </a:rPr>
+              <a:t>B</a:t>
+            </a:r>
+            <a:r>
               <a:rPr kumimoji="0" lang="en-GB" sz="2400" b="0" i="0" u="none" strike="noStrike" cap="none" spc="0" normalizeH="0" baseline="0" dirty="0">
                 <a:ln>
                   <a:noFill/>
@@ -5987,7 +5979,7 @@
                 <a:cs typeface="Gill Sans Nova"/>
                 <a:sym typeface="Gill Sans Nova"/>
               </a:rPr>
-              <a:t>bugs</a:t>
+              <a:t>ugs</a:t>
             </a:r>
             <a:endParaRPr kumimoji="0" lang="en-US" sz="1600" b="0" i="0" u="none" strike="noStrike" cap="none" spc="0" normalizeH="0" baseline="0" dirty="0">
               <a:ln>
@@ -7440,6 +7432,14 @@
               <a:tabLst/>
             </a:pPr>
             <a:r>
+              <a:rPr lang="en-GB" sz="2400" dirty="0">
+                <a:solidFill>
+                  <a:srgbClr val="000000"/>
+                </a:solidFill>
+              </a:rPr>
+              <a:t>B</a:t>
+            </a:r>
+            <a:r>
               <a:rPr kumimoji="0" lang="en-GB" sz="2400" b="0" i="0" u="none" strike="noStrike" cap="none" spc="0" normalizeH="0" baseline="0" dirty="0">
                 <a:ln>
                   <a:noFill/>
@@ -7454,7 +7454,7 @@
                 <a:cs typeface="Gill Sans Nova"/>
                 <a:sym typeface="Gill Sans Nova"/>
               </a:rPr>
-              <a:t>bugs</a:t>
+              <a:t>ugs</a:t>
             </a:r>
             <a:endParaRPr kumimoji="0" lang="en-US" sz="1600" b="0" i="0" u="none" strike="noStrike" cap="none" spc="0" normalizeH="0" baseline="0" dirty="0">
               <a:ln>
@@ -7541,7 +7541,7 @@
         <p:spPr>
           <a:xfrm>
             <a:off x="13359556" y="4679882"/>
-            <a:ext cx="6221283" cy="3563588"/>
+            <a:ext cx="6221283" cy="3474583"/>
           </a:xfrm>
           <a:prstGeom prst="rect">
             <a:avLst/>
@@ -8050,7 +8050,7 @@
         </p:nvSpPr>
         <p:spPr>
           <a:xfrm>
-            <a:off x="18131250" y="4983870"/>
+            <a:off x="18104879" y="4807386"/>
             <a:ext cx="1355888" cy="1200327"/>
           </a:xfrm>
           <a:prstGeom prst="rect">
@@ -8204,7 +8204,7 @@
         </p:nvSpPr>
         <p:spPr>
           <a:xfrm>
-            <a:off x="16008871" y="6583890"/>
+            <a:off x="16008871" y="6447560"/>
             <a:ext cx="3479163" cy="1569658"/>
           </a:xfrm>
           <a:prstGeom prst="rect">
@@ -8412,7 +8412,7 @@
         </p:nvCxnSpPr>
         <p:spPr>
           <a:xfrm rot="5400000">
-            <a:off x="18675833" y="6371516"/>
+            <a:off x="18611098" y="6175273"/>
             <a:ext cx="382797" cy="0"/>
           </a:xfrm>
           <a:prstGeom prst="straightConnector1">
@@ -9202,6 +9202,14 @@
               <a:tabLst/>
             </a:pPr>
             <a:r>
+              <a:rPr lang="en-GB" sz="2400" dirty="0">
+                <a:solidFill>
+                  <a:srgbClr val="000000"/>
+                </a:solidFill>
+              </a:rPr>
+              <a:t>s</a:t>
+            </a:r>
+            <a:r>
               <a:rPr kumimoji="0" lang="en-GB" sz="2400" b="0" i="0" u="none" strike="noStrike" cap="none" spc="0" normalizeH="0" baseline="0" dirty="0">
                 <a:ln>
                   <a:noFill/>
@@ -9216,7 +9224,7 @@
                 <a:cs typeface="Gill Sans Nova"/>
                 <a:sym typeface="Gill Sans Nova"/>
               </a:rPr>
-              <a:t>Solution 1 to solution 2 </a:t>
+              <a:t>olution 1 to solution 2 </a:t>
             </a:r>
             <a:r>
               <a:rPr lang="en-GB" sz="2400" dirty="0">
@@ -12010,7 +12018,7 @@
                     <a:lstStyle/>
                     <a:p>
                       <a:pPr algn="ctr" fontAlgn="b"/>
-                      <a:endParaRPr lang="en-US" sz="1400" b="0" i="0" u="none" strike="noStrike">
+                      <a:endParaRPr lang="en-US" sz="1400" b="0" i="0" u="none" strike="noStrike" dirty="0">
                         <a:solidFill>
                           <a:srgbClr val="000000"/>
                         </a:solidFill>

--- a/Milestones/M6 poster event/poster.pptx
+++ b/Milestones/M6 poster event/poster.pptx
@@ -1193,7 +1193,7 @@
           </a:ln>
           <a:extLst>
             <a:ext uri="{C572A759-6A51-4108-AA02-DFA0A04FC94B}">
-              <ma14:wrappingTextBoxFlag xmlns="" xmlns:m="http://schemas.openxmlformats.org/officeDocument/2006/math" xmlns:a14="http://schemas.microsoft.com/office/drawing/2010/main" xmlns:ma14="http://schemas.microsoft.com/office/mac/drawingml/2011/main" val="1"/>
+              <ma14:wrappingTextBoxFlag xmlns:ma14="http://schemas.microsoft.com/office/mac/drawingml/2011/main" xmlns:a14="http://schemas.microsoft.com/office/drawing/2010/main" xmlns:m="http://schemas.openxmlformats.org/officeDocument/2006/math" xmlns="" val="1"/>
             </a:ext>
           </a:extLst>
         </p:spPr>
@@ -1264,7 +1264,7 @@
           </a:ln>
           <a:extLst>
             <a:ext uri="{C572A759-6A51-4108-AA02-DFA0A04FC94B}">
-              <ma14:wrappingTextBoxFlag xmlns="" xmlns:m="http://schemas.openxmlformats.org/officeDocument/2006/math" xmlns:a14="http://schemas.microsoft.com/office/drawing/2010/main" xmlns:ma14="http://schemas.microsoft.com/office/mac/drawingml/2011/main" val="1"/>
+              <ma14:wrappingTextBoxFlag xmlns:ma14="http://schemas.microsoft.com/office/mac/drawingml/2011/main" xmlns:a14="http://schemas.microsoft.com/office/drawing/2010/main" xmlns:m="http://schemas.openxmlformats.org/officeDocument/2006/math" xmlns="" val="1"/>
             </a:ext>
           </a:extLst>
         </p:spPr>
@@ -1366,7 +1366,7 @@
           </a:ln>
           <a:extLst>
             <a:ext uri="{C572A759-6A51-4108-AA02-DFA0A04FC94B}">
-              <ma14:wrappingTextBoxFlag xmlns="" xmlns:m="http://schemas.openxmlformats.org/officeDocument/2006/math" xmlns:a14="http://schemas.microsoft.com/office/drawing/2010/main" xmlns:ma14="http://schemas.microsoft.com/office/mac/drawingml/2011/main" val="1"/>
+              <ma14:wrappingTextBoxFlag xmlns:ma14="http://schemas.microsoft.com/office/mac/drawingml/2011/main" xmlns:a14="http://schemas.microsoft.com/office/drawing/2010/main" xmlns:m="http://schemas.openxmlformats.org/officeDocument/2006/math" xmlns="" val="1"/>
             </a:ext>
           </a:extLst>
         </p:spPr>
@@ -1429,7 +1429,7 @@
           </a:ln>
           <a:extLst>
             <a:ext uri="{C572A759-6A51-4108-AA02-DFA0A04FC94B}">
-              <ma14:wrappingTextBoxFlag xmlns="" xmlns:m="http://schemas.openxmlformats.org/officeDocument/2006/math" xmlns:a14="http://schemas.microsoft.com/office/drawing/2010/main" xmlns:ma14="http://schemas.microsoft.com/office/mac/drawingml/2011/main" val="1"/>
+              <ma14:wrappingTextBoxFlag xmlns:ma14="http://schemas.microsoft.com/office/mac/drawingml/2011/main" xmlns:a14="http://schemas.microsoft.com/office/drawing/2010/main" xmlns:m="http://schemas.openxmlformats.org/officeDocument/2006/math" xmlns="" val="1"/>
             </a:ext>
           </a:extLst>
         </p:spPr>
@@ -2978,7 +2978,7 @@
         </p:nvSpPr>
         <p:spPr>
           <a:xfrm>
-            <a:off x="1578263" y="18362931"/>
+            <a:off x="1577697" y="18512502"/>
             <a:ext cx="7638738" cy="2885463"/>
           </a:xfrm>
           <a:prstGeom prst="rect">
@@ -3278,913 +3278,851 @@
           <a:fontRef idx="none"/>
         </p:style>
       </p:cxnSp>
-      <p:sp>
-        <p:nvSpPr>
-          <p:cNvPr id="15" name="TextBox 14">
-            <a:extLst>
-              <a:ext uri="{FF2B5EF4-FFF2-40B4-BE49-F238E27FC236}">
-                <a16:creationId xmlns:a16="http://schemas.microsoft.com/office/drawing/2014/main" id="{92A8A40A-7EC1-8A0D-20E4-59A347C53C8D}"/>
-              </a:ext>
-            </a:extLst>
-          </p:cNvPr>
-          <p:cNvSpPr txBox="1"/>
-          <p:nvPr/>
-        </p:nvSpPr>
-        <p:spPr>
-          <a:xfrm>
-            <a:off x="504627" y="2277064"/>
-            <a:ext cx="9586795" cy="22621575"/>
-          </a:xfrm>
-          <a:prstGeom prst="rect">
-            <a:avLst/>
-          </a:prstGeom>
-          <a:noFill/>
-          <a:ln w="12700" cap="flat">
-            <a:noFill/>
-            <a:miter lim="400000"/>
-          </a:ln>
-          <a:effectLst/>
-          <a:sp3d/>
-        </p:spPr>
-        <p:style>
-          <a:lnRef idx="0">
-            <a:scrgbClr r="0" g="0" b="0"/>
-          </a:lnRef>
-          <a:fillRef idx="0">
-            <a:scrgbClr r="0" g="0" b="0"/>
-          </a:fillRef>
-          <a:effectRef idx="0">
-            <a:scrgbClr r="0" g="0" b="0"/>
-          </a:effectRef>
-          <a:fontRef idx="none"/>
-        </p:style>
-        <p:txBody>
-          <a:bodyPr rot="0" spcFirstLastPara="1" vertOverflow="overflow" horzOverflow="overflow" vert="horz" wrap="square" lIns="45719" tIns="45719" rIns="45719" bIns="45719" numCol="1" spcCol="38100" rtlCol="0" anchor="t">
-            <a:spAutoFit/>
-          </a:bodyPr>
-          <a:lstStyle/>
-          <a:p>
-            <a:pPr marL="0" marR="0" indent="0" algn="l" defTabSz="411480" rtl="0" fontAlgn="auto" latinLnBrk="0" hangingPunct="0">
-              <a:lnSpc>
-                <a:spcPct val="100000"/>
-              </a:lnSpc>
-              <a:spcBef>
-                <a:spcPts val="0"/>
-              </a:spcBef>
-              <a:spcAft>
-                <a:spcPts val="0"/>
-              </a:spcAft>
-              <a:buClrTx/>
-              <a:buSzTx/>
-              <a:buFontTx/>
-              <a:buNone/>
-              <a:tabLst/>
-            </a:pPr>
-            <a:r>
-              <a:rPr kumimoji="0" lang="en-US" sz="2800" b="0" i="0" u="none" strike="noStrike" cap="none" spc="0" normalizeH="0" baseline="0" dirty="0">
-                <a:ln>
-                  <a:noFill/>
-                </a:ln>
-                <a:solidFill>
-                  <a:srgbClr val="000000"/>
-                </a:solidFill>
-                <a:effectLst/>
-                <a:uFillTx/>
-                <a:latin typeface="Arial" panose="020B0604020202020204" pitchFamily="34" charset="0"/>
-                <a:cs typeface="Arial" panose="020B0604020202020204" pitchFamily="34" charset="0"/>
-                <a:sym typeface="Gill Sans Nova"/>
-              </a:rPr>
-              <a:t>Motivation</a:t>
-            </a:r>
-          </a:p>
-          <a:p>
-            <a:pPr marL="0" marR="0" indent="0" algn="l" defTabSz="411480" rtl="0" fontAlgn="auto" latinLnBrk="0" hangingPunct="0">
-              <a:lnSpc>
-                <a:spcPct val="100000"/>
-              </a:lnSpc>
-              <a:spcBef>
-                <a:spcPts val="0"/>
-              </a:spcBef>
-              <a:spcAft>
-                <a:spcPts val="0"/>
-              </a:spcAft>
-              <a:buClrTx/>
-              <a:buSzTx/>
-              <a:buFontTx/>
-              <a:buNone/>
-              <a:tabLst/>
-            </a:pPr>
-            <a:endParaRPr kumimoji="0" lang="en-US" sz="2000" b="0" i="0" u="none" strike="noStrike" cap="none" spc="0" normalizeH="0" baseline="0" dirty="0">
-              <a:ln>
+      <mc:AlternateContent xmlns:mc="http://schemas.openxmlformats.org/markup-compatibility/2006">
+        <mc:Choice xmlns:a14="http://schemas.microsoft.com/office/drawing/2010/main" Requires="a14">
+          <p:sp>
+            <p:nvSpPr>
+              <p:cNvPr id="15" name="TextBox 14">
+                <a:extLst>
+                  <a:ext uri="{FF2B5EF4-FFF2-40B4-BE49-F238E27FC236}">
+                    <a16:creationId xmlns:a16="http://schemas.microsoft.com/office/drawing/2014/main" id="{92A8A40A-7EC1-8A0D-20E4-59A347C53C8D}"/>
+                  </a:ext>
+                </a:extLst>
+              </p:cNvPr>
+              <p:cNvSpPr txBox="1"/>
+              <p:nvPr/>
+            </p:nvSpPr>
+            <p:spPr>
+              <a:xfrm>
+                <a:off x="504627" y="2277064"/>
+                <a:ext cx="9586795" cy="16479253"/>
+              </a:xfrm>
+              <a:prstGeom prst="rect">
+                <a:avLst/>
+              </a:prstGeom>
+              <a:noFill/>
+              <a:ln w="12700" cap="flat">
                 <a:noFill/>
+                <a:miter lim="400000"/>
               </a:ln>
-              <a:solidFill>
-                <a:srgbClr val="000000"/>
-              </a:solidFill>
               <a:effectLst/>
-              <a:uFillTx/>
-              <a:latin typeface="Arial" panose="020B0604020202020204" pitchFamily="34" charset="0"/>
-              <a:cs typeface="Arial" panose="020B0604020202020204" pitchFamily="34" charset="0"/>
-              <a:sym typeface="Gill Sans Nova"/>
-            </a:endParaRPr>
-          </a:p>
-          <a:p>
-            <a:pPr marL="0" marR="0" indent="0" algn="l" defTabSz="411480" rtl="0" fontAlgn="auto" latinLnBrk="0" hangingPunct="0">
-              <a:lnSpc>
-                <a:spcPct val="100000"/>
-              </a:lnSpc>
-              <a:spcBef>
-                <a:spcPts val="0"/>
-              </a:spcBef>
-              <a:spcAft>
-                <a:spcPts val="0"/>
-              </a:spcAft>
-              <a:buClrTx/>
-              <a:buSzTx/>
-              <a:buFontTx/>
-              <a:buNone/>
-              <a:tabLst/>
-            </a:pPr>
-            <a:r>
-              <a:rPr kumimoji="0" lang="en-US" sz="2000" b="0" i="0" u="none" strike="noStrike" cap="none" spc="0" normalizeH="0" baseline="0" dirty="0">
-                <a:ln>
-                  <a:noFill/>
-                </a:ln>
-                <a:solidFill>
-                  <a:srgbClr val="000000"/>
-                </a:solidFill>
-                <a:effectLst/>
-                <a:uFillTx/>
-                <a:latin typeface="Arial" panose="020B0604020202020204" pitchFamily="34" charset="0"/>
-                <a:cs typeface="Arial" panose="020B0604020202020204" pitchFamily="34" charset="0"/>
-                <a:sym typeface="Gill Sans Nova"/>
-              </a:rPr>
-              <a:t>	Given a program that returns the solvability and solutions on mathematical and 	logical problems with complex constraints, how would we test that it always give 	the correct solution?</a:t>
-            </a:r>
-          </a:p>
-          <a:p>
-            <a:pPr marL="0" marR="0" indent="0" algn="l" defTabSz="411480" rtl="0" fontAlgn="auto" latinLnBrk="0" hangingPunct="0">
-              <a:lnSpc>
-                <a:spcPct val="100000"/>
-              </a:lnSpc>
-              <a:spcBef>
-                <a:spcPts val="0"/>
-              </a:spcBef>
-              <a:spcAft>
-                <a:spcPts val="0"/>
-              </a:spcAft>
-              <a:buClrTx/>
-              <a:buSzTx/>
-              <a:buFontTx/>
-              <a:buNone/>
-              <a:tabLst/>
-            </a:pPr>
-            <a:endParaRPr lang="en-US" sz="2000" dirty="0">
-              <a:solidFill>
-                <a:srgbClr val="000000"/>
-              </a:solidFill>
-              <a:latin typeface="Arial" panose="020B0604020202020204" pitchFamily="34" charset="0"/>
-              <a:cs typeface="Arial" panose="020B0604020202020204" pitchFamily="34" charset="0"/>
-            </a:endParaRPr>
-          </a:p>
-          <a:p>
-            <a:pPr lvl="6" indent="0" defTabSz="411480"/>
-            <a:r>
-              <a:rPr kumimoji="0" lang="en-US" sz="1600" b="0" i="0" u="none" strike="noStrike" cap="none" spc="0" normalizeH="0" baseline="0" dirty="0">
-                <a:ln>
-                  <a:noFill/>
-                </a:ln>
-                <a:solidFill>
-                  <a:srgbClr val="000000"/>
-                </a:solidFill>
-                <a:effectLst/>
-                <a:uFillTx/>
-                <a:latin typeface="Arial" panose="020B0604020202020204" pitchFamily="34" charset="0"/>
-                <a:cs typeface="Arial" panose="020B0604020202020204" pitchFamily="34" charset="0"/>
-                <a:sym typeface="Gill Sans Nova"/>
-              </a:rPr>
-              <a:t>	Code review? 			(Lot of work, can it find complex combinations bugs)</a:t>
-            </a:r>
-          </a:p>
-          <a:p>
-            <a:pPr lvl="6" indent="0" defTabSz="411480"/>
-            <a:r>
-              <a:rPr lang="en-US" sz="1600" dirty="0">
-                <a:solidFill>
-                  <a:srgbClr val="000000"/>
-                </a:solidFill>
-                <a:latin typeface="Arial" panose="020B0604020202020204" pitchFamily="34" charset="0"/>
-                <a:cs typeface="Arial" panose="020B0604020202020204" pitchFamily="34" charset="0"/>
-              </a:rPr>
-              <a:t>	Regression tests?			(No focus on finding new bugs)</a:t>
-            </a:r>
-            <a:endParaRPr kumimoji="0" lang="en-US" sz="1600" b="0" i="0" u="none" strike="noStrike" cap="none" spc="0" normalizeH="0" baseline="0" dirty="0">
-              <a:ln>
+              <a:sp3d/>
+            </p:spPr>
+            <p:style>
+              <a:lnRef idx="0">
+                <a:scrgbClr r="0" g="0" b="0"/>
+              </a:lnRef>
+              <a:fillRef idx="0">
+                <a:scrgbClr r="0" g="0" b="0"/>
+              </a:fillRef>
+              <a:effectRef idx="0">
+                <a:scrgbClr r="0" g="0" b="0"/>
+              </a:effectRef>
+              <a:fontRef idx="none"/>
+            </p:style>
+            <p:txBody>
+              <a:bodyPr rot="0" spcFirstLastPara="1" vertOverflow="overflow" horzOverflow="overflow" vert="horz" wrap="square" lIns="45719" tIns="45719" rIns="45719" bIns="45719" numCol="1" spcCol="38100" rtlCol="0" anchor="t">
+                <a:spAutoFit/>
+              </a:bodyPr>
+              <a:lstStyle/>
+              <a:p>
+                <a:pPr marL="0" marR="0" indent="0" algn="l" defTabSz="411480" rtl="0" fontAlgn="auto" latinLnBrk="0" hangingPunct="0">
+                  <a:lnSpc>
+                    <a:spcPct val="100000"/>
+                  </a:lnSpc>
+                  <a:spcBef>
+                    <a:spcPts val="0"/>
+                  </a:spcBef>
+                  <a:spcAft>
+                    <a:spcPts val="0"/>
+                  </a:spcAft>
+                  <a:buClrTx/>
+                  <a:buSzTx/>
+                  <a:buFontTx/>
+                  <a:buNone/>
+                  <a:tabLst/>
+                </a:pPr>
+                <a:r>
+                  <a:rPr kumimoji="0" lang="en-US" sz="2800" b="0" i="0" u="none" strike="noStrike" cap="none" spc="0" normalizeH="0" baseline="0" dirty="0">
+                    <a:ln>
+                      <a:noFill/>
+                    </a:ln>
+                    <a:solidFill>
+                      <a:srgbClr val="000000"/>
+                    </a:solidFill>
+                    <a:effectLst/>
+                    <a:uFillTx/>
+                    <a:latin typeface="Arial" panose="020B0604020202020204" pitchFamily="34" charset="0"/>
+                    <a:cs typeface="Arial" panose="020B0604020202020204" pitchFamily="34" charset="0"/>
+                    <a:sym typeface="Gill Sans Nova"/>
+                  </a:rPr>
+                  <a:t>Motivation</a:t>
+                </a:r>
+              </a:p>
+              <a:p>
+                <a:pPr marL="0" marR="0" indent="0" algn="l" defTabSz="411480" rtl="0" fontAlgn="auto" latinLnBrk="0" hangingPunct="0">
+                  <a:lnSpc>
+                    <a:spcPct val="100000"/>
+                  </a:lnSpc>
+                  <a:spcBef>
+                    <a:spcPts val="0"/>
+                  </a:spcBef>
+                  <a:spcAft>
+                    <a:spcPts val="0"/>
+                  </a:spcAft>
+                  <a:buClrTx/>
+                  <a:buSzTx/>
+                  <a:buFontTx/>
+                  <a:buNone/>
+                  <a:tabLst/>
+                </a:pPr>
+                <a:endParaRPr kumimoji="0" lang="en-US" sz="2000" b="0" i="0" u="none" strike="noStrike" cap="none" spc="0" normalizeH="0" baseline="0" dirty="0">
+                  <a:ln>
+                    <a:noFill/>
+                  </a:ln>
+                  <a:solidFill>
+                    <a:srgbClr val="000000"/>
+                  </a:solidFill>
+                  <a:effectLst/>
+                  <a:uFillTx/>
+                  <a:latin typeface="Arial" panose="020B0604020202020204" pitchFamily="34" charset="0"/>
+                  <a:cs typeface="Arial" panose="020B0604020202020204" pitchFamily="34" charset="0"/>
+                  <a:sym typeface="Gill Sans Nova"/>
+                </a:endParaRPr>
+              </a:p>
+              <a:p>
+                <a:pPr marL="0" marR="0" indent="0" algn="l" defTabSz="411480" rtl="0" fontAlgn="auto" latinLnBrk="0" hangingPunct="0">
+                  <a:lnSpc>
+                    <a:spcPct val="100000"/>
+                  </a:lnSpc>
+                  <a:spcBef>
+                    <a:spcPts val="0"/>
+                  </a:spcBef>
+                  <a:spcAft>
+                    <a:spcPts val="0"/>
+                  </a:spcAft>
+                  <a:buClrTx/>
+                  <a:buSzTx/>
+                  <a:buFontTx/>
+                  <a:buNone/>
+                  <a:tabLst/>
+                </a:pPr>
+                <a:r>
+                  <a:rPr kumimoji="0" lang="en-US" sz="2000" b="0" i="0" u="none" strike="noStrike" cap="none" spc="0" normalizeH="0" baseline="0" dirty="0">
+                    <a:ln>
+                      <a:noFill/>
+                    </a:ln>
+                    <a:solidFill>
+                      <a:srgbClr val="000000"/>
+                    </a:solidFill>
+                    <a:effectLst/>
+                    <a:uFillTx/>
+                    <a:latin typeface="Arial" panose="020B0604020202020204" pitchFamily="34" charset="0"/>
+                    <a:cs typeface="Arial" panose="020B0604020202020204" pitchFamily="34" charset="0"/>
+                    <a:sym typeface="Gill Sans Nova"/>
+                  </a:rPr>
+                  <a:t>	Given a program that returns the solvability and solutions on mathematical and 	logical problems with complex constraints, how would we test that it always give 	the correct solution?</a:t>
+                </a:r>
+              </a:p>
+              <a:p>
+                <a:pPr marL="0" marR="0" indent="0" algn="l" defTabSz="411480" rtl="0" fontAlgn="auto" latinLnBrk="0" hangingPunct="0">
+                  <a:lnSpc>
+                    <a:spcPct val="100000"/>
+                  </a:lnSpc>
+                  <a:spcBef>
+                    <a:spcPts val="0"/>
+                  </a:spcBef>
+                  <a:spcAft>
+                    <a:spcPts val="0"/>
+                  </a:spcAft>
+                  <a:buClrTx/>
+                  <a:buSzTx/>
+                  <a:buFontTx/>
+                  <a:buNone/>
+                  <a:tabLst/>
+                </a:pPr>
+                <a:endParaRPr lang="en-US" sz="2000" dirty="0">
+                  <a:solidFill>
+                    <a:srgbClr val="000000"/>
+                  </a:solidFill>
+                  <a:latin typeface="Arial" panose="020B0604020202020204" pitchFamily="34" charset="0"/>
+                  <a:cs typeface="Arial" panose="020B0604020202020204" pitchFamily="34" charset="0"/>
+                </a:endParaRPr>
+              </a:p>
+              <a:p>
+                <a:pPr lvl="6" indent="0" defTabSz="411480"/>
+                <a:r>
+                  <a:rPr kumimoji="0" lang="en-US" sz="1600" b="0" i="0" u="none" strike="noStrike" cap="none" spc="0" normalizeH="0" baseline="0" dirty="0">
+                    <a:ln>
+                      <a:noFill/>
+                    </a:ln>
+                    <a:solidFill>
+                      <a:srgbClr val="000000"/>
+                    </a:solidFill>
+                    <a:effectLst/>
+                    <a:uFillTx/>
+                    <a:latin typeface="Arial" panose="020B0604020202020204" pitchFamily="34" charset="0"/>
+                    <a:cs typeface="Arial" panose="020B0604020202020204" pitchFamily="34" charset="0"/>
+                    <a:sym typeface="Gill Sans Nova"/>
+                  </a:rPr>
+                  <a:t>	Code review? 			(Lot of work, can it find complex combinations bugs)</a:t>
+                </a:r>
+              </a:p>
+              <a:p>
+                <a:pPr lvl="6" indent="0" defTabSz="411480"/>
+                <a:r>
+                  <a:rPr lang="en-US" sz="1600" dirty="0">
+                    <a:solidFill>
+                      <a:srgbClr val="000000"/>
+                    </a:solidFill>
+                    <a:latin typeface="Arial" panose="020B0604020202020204" pitchFamily="34" charset="0"/>
+                    <a:cs typeface="Arial" panose="020B0604020202020204" pitchFamily="34" charset="0"/>
+                  </a:rPr>
+                  <a:t>	Regression tests?			(No focus on finding new bugs)</a:t>
+                </a:r>
+                <a:endParaRPr kumimoji="0" lang="en-US" sz="1600" b="0" i="0" u="none" strike="noStrike" cap="none" spc="0" normalizeH="0" baseline="0" dirty="0">
+                  <a:ln>
+                    <a:noFill/>
+                  </a:ln>
+                  <a:solidFill>
+                    <a:srgbClr val="000000"/>
+                  </a:solidFill>
+                  <a:effectLst/>
+                  <a:uFillTx/>
+                  <a:latin typeface="Arial" panose="020B0604020202020204" pitchFamily="34" charset="0"/>
+                  <a:cs typeface="Arial" panose="020B0604020202020204" pitchFamily="34" charset="0"/>
+                  <a:sym typeface="Gill Sans Nova"/>
+                </a:endParaRPr>
+              </a:p>
+              <a:p>
+                <a:pPr lvl="6" indent="0" defTabSz="411480"/>
+                <a:r>
+                  <a:rPr lang="en-US" sz="1600" dirty="0">
+                    <a:solidFill>
+                      <a:srgbClr val="000000"/>
+                    </a:solidFill>
+                    <a:latin typeface="Arial" panose="020B0604020202020204" pitchFamily="34" charset="0"/>
+                    <a:cs typeface="Arial" panose="020B0604020202020204" pitchFamily="34" charset="0"/>
+                  </a:rPr>
+                  <a:t>	Unit tests?				(Lot of work to make and keep up to date)</a:t>
+                </a:r>
+              </a:p>
+              <a:p>
+                <a:pPr lvl="6" indent="0" defTabSz="411480"/>
+                <a:r>
+                  <a:rPr kumimoji="0" lang="en-US" sz="1600" b="0" i="0" u="none" strike="noStrike" cap="none" spc="0" normalizeH="0" baseline="0" dirty="0">
+                    <a:ln>
+                      <a:noFill/>
+                    </a:ln>
+                    <a:solidFill>
+                      <a:srgbClr val="000000"/>
+                    </a:solidFill>
+                    <a:effectLst/>
+                    <a:uFillTx/>
+                    <a:latin typeface="Arial" panose="020B0604020202020204" pitchFamily="34" charset="0"/>
+                    <a:cs typeface="Arial" panose="020B0604020202020204" pitchFamily="34" charset="0"/>
+                    <a:sym typeface="Gill Sans Nova"/>
+                  </a:rPr>
+                  <a:t>	Integration tests?			(Combinatorial explosions, to much to test)</a:t>
+                </a:r>
+              </a:p>
+              <a:p>
+                <a:pPr lvl="6" indent="0" defTabSz="411480"/>
+                <a:r>
+                  <a:rPr lang="en-US" sz="1600" dirty="0">
+                    <a:solidFill>
+                      <a:srgbClr val="000000"/>
+                    </a:solidFill>
+                    <a:latin typeface="Arial" panose="020B0604020202020204" pitchFamily="34" charset="0"/>
+                    <a:cs typeface="Arial" panose="020B0604020202020204" pitchFamily="34" charset="0"/>
+                  </a:rPr>
+                  <a:t>	Fuzz tests?				(Excels in creating and testing of newly unseen inputs)</a:t>
+                </a:r>
+              </a:p>
+              <a:p>
+                <a:pPr lvl="6" indent="0" defTabSz="411480"/>
+                <a:endParaRPr lang="en-US" sz="2000" dirty="0">
+                  <a:solidFill>
+                    <a:srgbClr val="000000"/>
+                  </a:solidFill>
+                  <a:latin typeface="Arial" panose="020B0604020202020204" pitchFamily="34" charset="0"/>
+                  <a:cs typeface="Arial" panose="020B0604020202020204" pitchFamily="34" charset="0"/>
+                </a:endParaRPr>
+              </a:p>
+              <a:p>
+                <a:pPr marL="0" marR="0" indent="0" algn="l" defTabSz="411480" rtl="0" fontAlgn="auto" latinLnBrk="0" hangingPunct="0">
+                  <a:lnSpc>
+                    <a:spcPct val="100000"/>
+                  </a:lnSpc>
+                  <a:spcBef>
+                    <a:spcPts val="0"/>
+                  </a:spcBef>
+                  <a:spcAft>
+                    <a:spcPts val="0"/>
+                  </a:spcAft>
+                  <a:buClrTx/>
+                  <a:buSzTx/>
+                  <a:buFontTx/>
+                  <a:buNone/>
+                  <a:tabLst/>
+                </a:pPr>
+                <a:r>
+                  <a:rPr kumimoji="0" lang="en-US" sz="2800" b="0" i="0" u="none" strike="noStrike" cap="none" spc="0" normalizeH="0" baseline="0" dirty="0">
+                    <a:ln>
+                      <a:noFill/>
+                    </a:ln>
+                    <a:solidFill>
+                      <a:srgbClr val="000000"/>
+                    </a:solidFill>
+                    <a:effectLst/>
+                    <a:uFillTx/>
+                    <a:latin typeface="Arial" panose="020B0604020202020204" pitchFamily="34" charset="0"/>
+                    <a:cs typeface="Arial" panose="020B0604020202020204" pitchFamily="34" charset="0"/>
+                    <a:sym typeface="Gill Sans Nova"/>
+                  </a:rPr>
+                  <a:t>Problem</a:t>
+                </a:r>
+                <a:endParaRPr kumimoji="0" lang="en-US" sz="1800" b="0" i="0" u="none" strike="noStrike" cap="none" spc="0" normalizeH="0" baseline="0" dirty="0">
+                  <a:ln>
+                    <a:noFill/>
+                  </a:ln>
+                  <a:solidFill>
+                    <a:srgbClr val="000000"/>
+                  </a:solidFill>
+                  <a:effectLst/>
+                  <a:uFillTx/>
+                  <a:latin typeface="Arial" panose="020B0604020202020204" pitchFamily="34" charset="0"/>
+                  <a:cs typeface="Arial" panose="020B0604020202020204" pitchFamily="34" charset="0"/>
+                  <a:sym typeface="Gill Sans Nova"/>
+                </a:endParaRPr>
+              </a:p>
+              <a:p>
+                <a:pPr defTabSz="411480"/>
+                <a:endParaRPr lang="en-US" sz="1800" dirty="0">
+                  <a:solidFill>
+                    <a:srgbClr val="000000"/>
+                  </a:solidFill>
+                  <a:latin typeface="Arial" panose="020B0604020202020204" pitchFamily="34" charset="0"/>
+                  <a:cs typeface="Arial" panose="020B0604020202020204" pitchFamily="34" charset="0"/>
+                </a:endParaRPr>
+              </a:p>
+              <a:p>
+                <a:pPr defTabSz="411480"/>
+                <a:r>
+                  <a:rPr lang="en-GB" sz="2000" dirty="0">
+                    <a:solidFill>
+                      <a:srgbClr val="000000"/>
+                    </a:solidFill>
+                    <a:effectLst/>
+                    <a:latin typeface="Arial" panose="020B0604020202020204" pitchFamily="34" charset="0"/>
+                    <a:cs typeface="Arial" panose="020B0604020202020204" pitchFamily="34" charset="0"/>
+                  </a:rPr>
+                  <a:t>	Bugs are practically unavoidable and always unwanted, especially when a user 	can not easily doublecheck the result, which is the case in constraint 	programming (CP). On top of that, CP often requires combinations of constraints 	to model a problem, these combinations of constraints may have never been 	seen by a CP-solver and therefore could include untested code and bugs. </a:t>
+                </a:r>
+              </a:p>
+              <a:p>
+                <a:pPr defTabSz="411480"/>
+                <a:r>
+                  <a:rPr lang="en-GB" sz="2000">
+                    <a:solidFill>
+                      <a:srgbClr val="000000"/>
+                    </a:solidFill>
+                    <a:effectLst/>
+                    <a:latin typeface="Arial" panose="020B0604020202020204" pitchFamily="34" charset="0"/>
+                    <a:cs typeface="Arial" panose="020B0604020202020204" pitchFamily="34" charset="0"/>
+                  </a:rPr>
+                  <a:t>	With </a:t>
+                </a:r>
+                <a:r>
+                  <a:rPr lang="en-GB" sz="2000" dirty="0">
+                    <a:solidFill>
+                      <a:srgbClr val="000000"/>
+                    </a:solidFill>
+                    <a:effectLst/>
+                    <a:latin typeface="Arial" panose="020B0604020202020204" pitchFamily="34" charset="0"/>
+                    <a:cs typeface="Arial" panose="020B0604020202020204" pitchFamily="34" charset="0"/>
+                  </a:rPr>
+                  <a:t>fuzz testing we can create new (and </a:t>
+                </a:r>
+                <a:r>
+                  <a:rPr lang="en-GB" sz="2000">
+                    <a:solidFill>
+                      <a:srgbClr val="000000"/>
+                    </a:solidFill>
+                    <a:effectLst/>
+                    <a:latin typeface="Arial" panose="020B0604020202020204" pitchFamily="34" charset="0"/>
+                    <a:cs typeface="Arial" panose="020B0604020202020204" pitchFamily="34" charset="0"/>
+                  </a:rPr>
+                  <a:t>hopefully untested) </a:t>
+                </a:r>
+                <a:r>
+                  <a:rPr lang="en-GB" sz="2000" dirty="0">
+                    <a:solidFill>
+                      <a:srgbClr val="000000"/>
+                    </a:solidFill>
+                    <a:effectLst/>
+                    <a:latin typeface="Arial" panose="020B0604020202020204" pitchFamily="34" charset="0"/>
+                    <a:cs typeface="Arial" panose="020B0604020202020204" pitchFamily="34" charset="0"/>
+                  </a:rPr>
+                  <a:t>problems but we 	will need to know the true solution of the problem, since we can not trust the 	solution given by the CP-solvers to detect mistakes made by the solvers.</a:t>
+                </a:r>
+              </a:p>
+              <a:p>
+                <a:pPr defTabSz="411480"/>
+                <a:endParaRPr lang="en-GB" sz="2000" dirty="0">
+                  <a:solidFill>
+                    <a:srgbClr val="000000"/>
+                  </a:solidFill>
+                  <a:effectLst/>
+                  <a:latin typeface="Arial" panose="020B0604020202020204" pitchFamily="34" charset="0"/>
+                  <a:cs typeface="Arial" panose="020B0604020202020204" pitchFamily="34" charset="0"/>
+                </a:endParaRPr>
+              </a:p>
+              <a:p>
+                <a:pPr marL="0" marR="0" indent="0" algn="l" defTabSz="411480" rtl="0" fontAlgn="auto" latinLnBrk="0" hangingPunct="0">
+                  <a:lnSpc>
+                    <a:spcPct val="100000"/>
+                  </a:lnSpc>
+                  <a:spcBef>
+                    <a:spcPts val="0"/>
+                  </a:spcBef>
+                  <a:spcAft>
+                    <a:spcPts val="0"/>
+                  </a:spcAft>
+                  <a:buClrTx/>
+                  <a:buSzTx/>
+                  <a:buFontTx/>
+                  <a:buNone/>
+                  <a:tabLst/>
+                </a:pPr>
+                <a:r>
+                  <a:rPr kumimoji="0" lang="en-US" sz="2400" b="0" i="0" u="none" strike="noStrike" cap="none" spc="0" normalizeH="0" baseline="0" dirty="0">
+                    <a:ln>
+                      <a:noFill/>
+                    </a:ln>
+                    <a:solidFill>
+                      <a:srgbClr val="000000"/>
+                    </a:solidFill>
+                    <a:effectLst/>
+                    <a:uFillTx/>
+                    <a:latin typeface="Arial" panose="020B0604020202020204" pitchFamily="34" charset="0"/>
+                    <a:cs typeface="Arial" panose="020B0604020202020204" pitchFamily="34" charset="0"/>
+                    <a:sym typeface="Gill Sans Nova"/>
+                  </a:rPr>
+                  <a:t>Background</a:t>
+                </a:r>
+                <a:endParaRPr kumimoji="0" lang="en-US" sz="2000" b="0" i="0" u="none" strike="noStrike" cap="none" spc="0" normalizeH="0" baseline="0" dirty="0">
+                  <a:ln>
+                    <a:noFill/>
+                  </a:ln>
+                  <a:solidFill>
+                    <a:srgbClr val="000000"/>
+                  </a:solidFill>
+                  <a:effectLst/>
+                  <a:uFillTx/>
+                  <a:latin typeface="Arial" panose="020B0604020202020204" pitchFamily="34" charset="0"/>
+                  <a:cs typeface="Arial" panose="020B0604020202020204" pitchFamily="34" charset="0"/>
+                  <a:sym typeface="Gill Sans Nova"/>
+                </a:endParaRPr>
+              </a:p>
+              <a:p>
+                <a:pPr defTabSz="411480"/>
+                <a:r>
+                  <a:rPr lang="en-US" sz="2000" dirty="0">
+                    <a:solidFill>
+                      <a:srgbClr val="000000"/>
+                    </a:solidFill>
+                    <a:latin typeface="Arial" panose="020B0604020202020204" pitchFamily="34" charset="0"/>
+                    <a:cs typeface="Arial" panose="020B0604020202020204" pitchFamily="34" charset="0"/>
+                  </a:rPr>
+                  <a:t>	</a:t>
+                </a:r>
+              </a:p>
+              <a:p>
+                <a:pPr defTabSz="411480"/>
+                <a:r>
+                  <a:rPr lang="en-US" sz="2000" dirty="0">
+                    <a:solidFill>
+                      <a:srgbClr val="000000"/>
+                    </a:solidFill>
+                    <a:latin typeface="Arial" panose="020B0604020202020204" pitchFamily="34" charset="0"/>
+                    <a:cs typeface="Arial" panose="020B0604020202020204" pitchFamily="34" charset="0"/>
+                  </a:rPr>
+                  <a:t>	CP is used to give solutions to </a:t>
+                </a:r>
+                <a:r>
+                  <a:rPr kumimoji="0" lang="en-US" sz="2000" b="0" i="0" u="none" strike="noStrike" cap="none" spc="0" normalizeH="0" baseline="0" dirty="0">
+                    <a:ln>
+                      <a:noFill/>
+                    </a:ln>
+                    <a:solidFill>
+                      <a:srgbClr val="000000"/>
+                    </a:solidFill>
+                    <a:effectLst/>
+                    <a:uFillTx/>
+                    <a:latin typeface="Arial" panose="020B0604020202020204" pitchFamily="34" charset="0"/>
+                    <a:cs typeface="Arial" panose="020B0604020202020204" pitchFamily="34" charset="0"/>
+                    <a:sym typeface="Gill Sans Nova"/>
+                  </a:rPr>
+                  <a:t>mathematical</a:t>
+                </a:r>
+                <a:r>
+                  <a:rPr lang="en-US" sz="2000" dirty="0">
+                    <a:solidFill>
+                      <a:srgbClr val="000000"/>
+                    </a:solidFill>
+                    <a:latin typeface="Arial" panose="020B0604020202020204" pitchFamily="34" charset="0"/>
+                    <a:cs typeface="Arial" panose="020B0604020202020204" pitchFamily="34" charset="0"/>
+                  </a:rPr>
+                  <a:t> and logical problems in the form of 	constraints. In order to convey the problem to the solver, modeling languages 	have been created like MiniZinc and CPMpy. </a:t>
+                </a:r>
+              </a:p>
+              <a:p>
+                <a:pPr defTabSz="411480"/>
+                <a:r>
+                  <a:rPr lang="en-US" sz="2000" dirty="0">
+                    <a:solidFill>
+                      <a:srgbClr val="000000"/>
+                    </a:solidFill>
+                    <a:latin typeface="Arial" panose="020B0604020202020204" pitchFamily="34" charset="0"/>
+                    <a:cs typeface="Arial" panose="020B0604020202020204" pitchFamily="34" charset="0"/>
+                  </a:rPr>
+                  <a:t>	Fuzz testing is a way of creating new and complex inputs, in order to test them 	on the 	software.</a:t>
+                </a:r>
+              </a:p>
+              <a:p>
+                <a:pPr defTabSz="411480"/>
+                <a:endParaRPr lang="en-US" sz="2000" dirty="0">
+                  <a:solidFill>
+                    <a:srgbClr val="000000"/>
+                  </a:solidFill>
+                  <a:latin typeface="Arial" panose="020B0604020202020204" pitchFamily="34" charset="0"/>
+                  <a:cs typeface="Arial" panose="020B0604020202020204" pitchFamily="34" charset="0"/>
+                </a:endParaRPr>
+              </a:p>
+              <a:p>
+                <a:pPr defTabSz="411480"/>
+                <a:r>
+                  <a:rPr kumimoji="0" lang="en-US" sz="2800" b="0" i="0" u="none" strike="noStrike" cap="none" spc="0" normalizeH="0" baseline="0" dirty="0">
+                    <a:ln>
+                      <a:noFill/>
+                    </a:ln>
+                    <a:solidFill>
+                      <a:srgbClr val="000000"/>
+                    </a:solidFill>
+                    <a:effectLst/>
+                    <a:uFillTx/>
+                    <a:latin typeface="Arial" panose="020B0604020202020204" pitchFamily="34" charset="0"/>
+                    <a:cs typeface="Arial" panose="020B0604020202020204" pitchFamily="34" charset="0"/>
+                    <a:sym typeface="Gill Sans Nova"/>
+                  </a:rPr>
+                  <a:t>Approach</a:t>
+                </a:r>
+                <a:endParaRPr kumimoji="0" lang="en-US" sz="2000" b="0" i="0" u="none" strike="noStrike" cap="none" spc="0" normalizeH="0" baseline="0" dirty="0">
+                  <a:ln>
+                    <a:noFill/>
+                  </a:ln>
+                  <a:solidFill>
+                    <a:srgbClr val="000000"/>
+                  </a:solidFill>
+                  <a:effectLst/>
+                  <a:uFillTx/>
+                  <a:latin typeface="Arial" panose="020B0604020202020204" pitchFamily="34" charset="0"/>
+                  <a:cs typeface="Arial" panose="020B0604020202020204" pitchFamily="34" charset="0"/>
+                  <a:sym typeface="Gill Sans Nova"/>
+                </a:endParaRPr>
+              </a:p>
+              <a:p>
+                <a:pPr defTabSz="411480"/>
+                <a:endParaRPr lang="en-US" sz="2000" dirty="0">
+                  <a:solidFill>
+                    <a:srgbClr val="000000"/>
+                  </a:solidFill>
+                  <a:latin typeface="Arial" panose="020B0604020202020204" pitchFamily="34" charset="0"/>
+                  <a:cs typeface="Arial" panose="020B0604020202020204" pitchFamily="34" charset="0"/>
+                </a:endParaRPr>
+              </a:p>
+              <a:p>
+                <a:pPr defTabSz="411480"/>
+                <a:r>
+                  <a:rPr lang="en-US" sz="2000" dirty="0">
+                    <a:solidFill>
+                      <a:srgbClr val="000000"/>
+                    </a:solidFill>
+                    <a:latin typeface="Arial" panose="020B0604020202020204" pitchFamily="34" charset="0"/>
+                    <a:cs typeface="Arial" panose="020B0604020202020204" pitchFamily="34" charset="0"/>
+                  </a:rPr>
+                  <a:t>	In order to create new inputs we need seed-inputs, since generating problems 	often results in the parser complaining that the problem does not make sense. 	We want to test deeper in the program, not just the parser.</a:t>
+                </a:r>
+              </a:p>
+              <a:p>
+                <a:pPr defTabSz="411480"/>
+                <a:endParaRPr lang="en-US" sz="2400" dirty="0">
+                  <a:solidFill>
+                    <a:srgbClr val="000000"/>
+                  </a:solidFill>
+                  <a:latin typeface="Arial" panose="020B0604020202020204" pitchFamily="34" charset="0"/>
+                  <a:cs typeface="Arial" panose="020B0604020202020204" pitchFamily="34" charset="0"/>
+                </a:endParaRPr>
+              </a:p>
+              <a:p>
+                <a:pPr defTabSz="411480"/>
+                <a:endParaRPr lang="en-US" sz="2000" dirty="0">
+                  <a:solidFill>
+                    <a:srgbClr val="000000"/>
+                  </a:solidFill>
+                  <a:latin typeface="Arial" panose="020B0604020202020204" pitchFamily="34" charset="0"/>
+                  <a:cs typeface="Arial" panose="020B0604020202020204" pitchFamily="34" charset="0"/>
+                </a:endParaRPr>
+              </a:p>
+              <a:p>
+                <a:pPr defTabSz="411480"/>
+                <a:endParaRPr lang="en-US" sz="2000" dirty="0">
+                  <a:solidFill>
+                    <a:srgbClr val="000000"/>
+                  </a:solidFill>
+                  <a:latin typeface="Arial" panose="020B0604020202020204" pitchFamily="34" charset="0"/>
+                  <a:cs typeface="Arial" panose="020B0604020202020204" pitchFamily="34" charset="0"/>
+                </a:endParaRPr>
+              </a:p>
+              <a:p>
+                <a:pPr defTabSz="411480"/>
+                <a:endParaRPr lang="en-US" sz="2000" dirty="0">
+                  <a:solidFill>
+                    <a:srgbClr val="000000"/>
+                  </a:solidFill>
+                  <a:latin typeface="Arial" panose="020B0604020202020204" pitchFamily="34" charset="0"/>
+                  <a:cs typeface="Arial" panose="020B0604020202020204" pitchFamily="34" charset="0"/>
+                </a:endParaRPr>
+              </a:p>
+              <a:p>
+                <a:pPr defTabSz="411480"/>
+                <a:endParaRPr lang="en-US" sz="2000" dirty="0">
+                  <a:solidFill>
+                    <a:srgbClr val="000000"/>
+                  </a:solidFill>
+                  <a:latin typeface="Arial" panose="020B0604020202020204" pitchFamily="34" charset="0"/>
+                  <a:cs typeface="Arial" panose="020B0604020202020204" pitchFamily="34" charset="0"/>
+                </a:endParaRPr>
+              </a:p>
+              <a:p>
+                <a:pPr defTabSz="411480"/>
+                <a:endParaRPr lang="en-US" sz="2000" dirty="0">
+                  <a:solidFill>
+                    <a:srgbClr val="000000"/>
+                  </a:solidFill>
+                  <a:latin typeface="Arial" panose="020B0604020202020204" pitchFamily="34" charset="0"/>
+                  <a:cs typeface="Arial" panose="020B0604020202020204" pitchFamily="34" charset="0"/>
+                </a:endParaRPr>
+              </a:p>
+              <a:p>
+                <a:pPr defTabSz="411480"/>
+                <a:endParaRPr lang="en-US" sz="2400" dirty="0">
+                  <a:solidFill>
+                    <a:srgbClr val="000000"/>
+                  </a:solidFill>
+                  <a:latin typeface="Arial" panose="020B0604020202020204" pitchFamily="34" charset="0"/>
+                  <a:cs typeface="Arial" panose="020B0604020202020204" pitchFamily="34" charset="0"/>
+                </a:endParaRPr>
+              </a:p>
+              <a:p>
+                <a:pPr defTabSz="411480"/>
+                <a:endParaRPr lang="en-US" sz="2400" dirty="0">
+                  <a:solidFill>
+                    <a:srgbClr val="000000"/>
+                  </a:solidFill>
+                  <a:latin typeface="Arial" panose="020B0604020202020204" pitchFamily="34" charset="0"/>
+                  <a:cs typeface="Arial" panose="020B0604020202020204" pitchFamily="34" charset="0"/>
+                </a:endParaRPr>
+              </a:p>
+              <a:p>
+                <a:pPr defTabSz="411480"/>
+                <a:endParaRPr lang="en-US" sz="2400" dirty="0">
+                  <a:solidFill>
+                    <a:srgbClr val="000000"/>
+                  </a:solidFill>
+                  <a:latin typeface="Arial" panose="020B0604020202020204" pitchFamily="34" charset="0"/>
+                  <a:cs typeface="Arial" panose="020B0604020202020204" pitchFamily="34" charset="0"/>
+                </a:endParaRPr>
+              </a:p>
+              <a:p>
+                <a:pPr defTabSz="411480"/>
+                <a:r>
+                  <a:rPr lang="en-US" sz="2400" dirty="0">
+                    <a:solidFill>
+                      <a:srgbClr val="000000"/>
+                    </a:solidFill>
+                    <a:latin typeface="Arial" panose="020B0604020202020204" pitchFamily="34" charset="0"/>
+                    <a:cs typeface="Arial" panose="020B0604020202020204" pitchFamily="34" charset="0"/>
+                  </a:rPr>
+                  <a:t>Technique 1: CTORM</a:t>
+                </a:r>
+                <a:endParaRPr lang="en-US" sz="1800" dirty="0">
+                  <a:solidFill>
+                    <a:srgbClr val="000000"/>
+                  </a:solidFill>
+                  <a:latin typeface="Arial" panose="020B0604020202020204" pitchFamily="34" charset="0"/>
+                  <a:cs typeface="Arial" panose="020B0604020202020204" pitchFamily="34" charset="0"/>
+                </a:endParaRPr>
+              </a:p>
+              <a:p>
+                <a:pPr defTabSz="411480"/>
+                <a:endParaRPr lang="en-US" sz="1800" dirty="0">
+                  <a:solidFill>
+                    <a:srgbClr val="000000"/>
+                  </a:solidFill>
+                  <a:latin typeface="Arial" panose="020B0604020202020204" pitchFamily="34" charset="0"/>
+                  <a:cs typeface="Arial" panose="020B0604020202020204" pitchFamily="34" charset="0"/>
+                </a:endParaRPr>
+              </a:p>
+              <a:p>
+                <a:pPr defTabSz="411480"/>
+                <a:r>
+                  <a:rPr lang="en-US" sz="2000" dirty="0">
+                    <a:solidFill>
+                      <a:srgbClr val="000000"/>
+                    </a:solidFill>
+                    <a:latin typeface="Arial" panose="020B0604020202020204" pitchFamily="34" charset="0"/>
+                    <a:cs typeface="Arial" panose="020B0604020202020204" pitchFamily="34" charset="0"/>
+                  </a:rPr>
+                  <a:t>	The first technique starts from an existing SMT fuzz tester, </a:t>
+                </a:r>
+                <a14:m>
+                  <m:oMath xmlns:m="http://schemas.openxmlformats.org/officeDocument/2006/math">
+                    <m:sSup>
+                      <m:sSupPr>
+                        <m:ctrlPr>
+                          <a:rPr kumimoji="0" lang="en-GB" sz="2000" b="0" i="1" u="none" strike="noStrike" kern="0" cap="none" spc="0" normalizeH="0" baseline="0" noProof="0" smtClean="0">
+                            <a:ln>
+                              <a:noFill/>
+                            </a:ln>
+                            <a:solidFill>
+                              <a:srgbClr val="3C3C3B"/>
+                            </a:solidFill>
+                            <a:effectLst/>
+                            <a:uLnTx/>
+                            <a:uFillTx/>
+                            <a:latin typeface="Cambria Math" panose="02040503050406030204" pitchFamily="18" charset="0"/>
+                            <a:sym typeface="Gill Sans Nova"/>
+                          </a:rPr>
+                        </m:ctrlPr>
+                      </m:sSupPr>
+                      <m:e>
+                        <m:r>
+                          <m:rPr>
+                            <m:sty m:val="p"/>
+                          </m:rPr>
+                          <a:rPr kumimoji="0" lang="en-GB" sz="2000" b="0" i="0" u="none" strike="noStrike" kern="0" cap="none" spc="0" normalizeH="0" baseline="0" noProof="0" smtClean="0">
+                            <a:ln>
+                              <a:noFill/>
+                            </a:ln>
+                            <a:solidFill>
+                              <a:srgbClr val="000000"/>
+                            </a:solidFill>
+                            <a:effectLst/>
+                            <a:uLnTx/>
+                            <a:uFillTx/>
+                            <a:latin typeface="Cambria Math" panose="02040503050406030204" pitchFamily="18" charset="0"/>
+                            <a:sym typeface="Gill Sans Nova"/>
+                          </a:rPr>
+                          <m:t>STORM</m:t>
+                        </m:r>
+                      </m:e>
+                      <m:sup>
+                        <m:r>
+                          <a:rPr kumimoji="0" lang="en-GB" sz="2000" b="0" i="1" u="none" strike="noStrike" kern="0" cap="none" spc="0" normalizeH="0" baseline="0" noProof="0" smtClean="0">
+                            <a:ln>
+                              <a:noFill/>
+                            </a:ln>
+                            <a:solidFill>
+                              <a:srgbClr val="3C3C3B"/>
+                            </a:solidFill>
+                            <a:effectLst/>
+                            <a:uLnTx/>
+                            <a:uFillTx/>
+                            <a:latin typeface="Cambria Math" panose="02040503050406030204" pitchFamily="18" charset="0"/>
+                            <a:sym typeface="Gill Sans Nova"/>
+                          </a:rPr>
+                          <m:t>[1]</m:t>
+                        </m:r>
+                      </m:sup>
+                    </m:sSup>
+                  </m:oMath>
+                </a14:m>
+                <a:r>
+                  <a:rPr lang="en-US" sz="2000" dirty="0">
+                    <a:solidFill>
+                      <a:srgbClr val="000000"/>
+                    </a:solidFill>
+                    <a:latin typeface="Arial" panose="020B0604020202020204" pitchFamily="34" charset="0"/>
+                    <a:cs typeface="Arial" panose="020B0604020202020204" pitchFamily="34" charset="0"/>
+                  </a:rPr>
+                  <a:t> and 	converts it to a CP fuzz tester in order to test CPMpy, hence the name CSTORM 	(from CPMpy-STORM).</a:t>
+                </a:r>
+              </a:p>
+              <a:p>
+                <a:pPr defTabSz="411480"/>
+                <a:endParaRPr lang="en-US" sz="2000" dirty="0">
+                  <a:solidFill>
+                    <a:srgbClr val="000000"/>
+                  </a:solidFill>
+                  <a:latin typeface="Arial" panose="020B0604020202020204" pitchFamily="34" charset="0"/>
+                  <a:cs typeface="Arial" panose="020B0604020202020204" pitchFamily="34" charset="0"/>
+                </a:endParaRPr>
+              </a:p>
+            </p:txBody>
+          </p:sp>
+        </mc:Choice>
+        <mc:Fallback>
+          <p:sp>
+            <p:nvSpPr>
+              <p:cNvPr id="15" name="TextBox 14">
+                <a:extLst>
+                  <a:ext uri="{FF2B5EF4-FFF2-40B4-BE49-F238E27FC236}">
+                    <a16:creationId xmlns:a16="http://schemas.microsoft.com/office/drawing/2014/main" id="{92A8A40A-7EC1-8A0D-20E4-59A347C53C8D}"/>
+                  </a:ext>
+                </a:extLst>
+              </p:cNvPr>
+              <p:cNvSpPr txBox="1">
+                <a:spLocks noRot="1" noChangeAspect="1" noMove="1" noResize="1" noEditPoints="1" noAdjustHandles="1" noChangeArrowheads="1" noChangeShapeType="1" noTextEdit="1"/>
+              </p:cNvSpPr>
+              <p:nvPr/>
+            </p:nvSpPr>
+            <p:spPr>
+              <a:xfrm>
+                <a:off x="504627" y="2277064"/>
+                <a:ext cx="9586795" cy="16479253"/>
+              </a:xfrm>
+              <a:prstGeom prst="rect">
+                <a:avLst/>
+              </a:prstGeom>
+              <a:blipFill>
+                <a:blip r:embed="rId5"/>
+                <a:stretch>
+                  <a:fillRect l="-1781" t="-407" r="-1399"/>
+                </a:stretch>
+              </a:blipFill>
+              <a:ln w="12700" cap="flat">
                 <a:noFill/>
+                <a:miter lim="400000"/>
               </a:ln>
-              <a:solidFill>
-                <a:srgbClr val="000000"/>
-              </a:solidFill>
               <a:effectLst/>
-              <a:uFillTx/>
-              <a:latin typeface="Arial" panose="020B0604020202020204" pitchFamily="34" charset="0"/>
-              <a:cs typeface="Arial" panose="020B0604020202020204" pitchFamily="34" charset="0"/>
-              <a:sym typeface="Gill Sans Nova"/>
-            </a:endParaRPr>
-          </a:p>
-          <a:p>
-            <a:pPr lvl="6" indent="0" defTabSz="411480"/>
-            <a:r>
-              <a:rPr lang="en-US" sz="1600" dirty="0">
-                <a:solidFill>
-                  <a:srgbClr val="000000"/>
-                </a:solidFill>
-                <a:latin typeface="Arial" panose="020B0604020202020204" pitchFamily="34" charset="0"/>
-                <a:cs typeface="Arial" panose="020B0604020202020204" pitchFamily="34" charset="0"/>
-              </a:rPr>
-              <a:t>	Unit tests?				(Lot of work to make and keep up to date)</a:t>
-            </a:r>
-          </a:p>
-          <a:p>
-            <a:pPr lvl="6" indent="0" defTabSz="411480"/>
-            <a:r>
-              <a:rPr kumimoji="0" lang="en-US" sz="1600" b="0" i="0" u="none" strike="noStrike" cap="none" spc="0" normalizeH="0" baseline="0" dirty="0">
-                <a:ln>
-                  <a:noFill/>
-                </a:ln>
-                <a:solidFill>
-                  <a:srgbClr val="000000"/>
-                </a:solidFill>
-                <a:effectLst/>
-                <a:uFillTx/>
-                <a:latin typeface="Arial" panose="020B0604020202020204" pitchFamily="34" charset="0"/>
-                <a:cs typeface="Arial" panose="020B0604020202020204" pitchFamily="34" charset="0"/>
-                <a:sym typeface="Gill Sans Nova"/>
-              </a:rPr>
-              <a:t>	Integration tests?			(Combinatorial explosions, to much to test)</a:t>
-            </a:r>
-          </a:p>
-          <a:p>
-            <a:pPr lvl="6" indent="0" defTabSz="411480"/>
-            <a:r>
-              <a:rPr lang="en-US" sz="1600" dirty="0">
-                <a:solidFill>
-                  <a:srgbClr val="000000"/>
-                </a:solidFill>
-                <a:latin typeface="Arial" panose="020B0604020202020204" pitchFamily="34" charset="0"/>
-                <a:cs typeface="Arial" panose="020B0604020202020204" pitchFamily="34" charset="0"/>
-              </a:rPr>
-              <a:t>	Fuzz tests?				(Excels in creating and testing of newly unseen inputs)</a:t>
-            </a:r>
-          </a:p>
-          <a:p>
-            <a:pPr lvl="6" indent="0" defTabSz="411480"/>
-            <a:endParaRPr lang="en-US" sz="2000" dirty="0">
-              <a:solidFill>
-                <a:srgbClr val="000000"/>
-              </a:solidFill>
-              <a:latin typeface="Arial" panose="020B0604020202020204" pitchFamily="34" charset="0"/>
-              <a:cs typeface="Arial" panose="020B0604020202020204" pitchFamily="34" charset="0"/>
-            </a:endParaRPr>
-          </a:p>
-          <a:p>
-            <a:pPr marL="0" marR="0" indent="0" algn="l" defTabSz="411480" rtl="0" fontAlgn="auto" latinLnBrk="0" hangingPunct="0">
-              <a:lnSpc>
-                <a:spcPct val="100000"/>
-              </a:lnSpc>
-              <a:spcBef>
-                <a:spcPts val="0"/>
-              </a:spcBef>
-              <a:spcAft>
-                <a:spcPts val="0"/>
-              </a:spcAft>
-              <a:buClrTx/>
-              <a:buSzTx/>
-              <a:buFontTx/>
-              <a:buNone/>
-              <a:tabLst/>
-            </a:pPr>
-            <a:r>
-              <a:rPr kumimoji="0" lang="en-US" sz="2800" b="0" i="0" u="none" strike="noStrike" cap="none" spc="0" normalizeH="0" baseline="0" dirty="0">
-                <a:ln>
-                  <a:noFill/>
-                </a:ln>
-                <a:solidFill>
-                  <a:srgbClr val="000000"/>
-                </a:solidFill>
-                <a:effectLst/>
-                <a:uFillTx/>
-                <a:latin typeface="Arial" panose="020B0604020202020204" pitchFamily="34" charset="0"/>
-                <a:cs typeface="Arial" panose="020B0604020202020204" pitchFamily="34" charset="0"/>
-                <a:sym typeface="Gill Sans Nova"/>
-              </a:rPr>
-              <a:t>Problem</a:t>
-            </a:r>
-            <a:endParaRPr kumimoji="0" lang="en-US" sz="1800" b="0" i="0" u="none" strike="noStrike" cap="none" spc="0" normalizeH="0" baseline="0" dirty="0">
-              <a:ln>
-                <a:noFill/>
-              </a:ln>
-              <a:solidFill>
-                <a:srgbClr val="000000"/>
-              </a:solidFill>
-              <a:effectLst/>
-              <a:uFillTx/>
-              <a:latin typeface="Arial" panose="020B0604020202020204" pitchFamily="34" charset="0"/>
-              <a:cs typeface="Arial" panose="020B0604020202020204" pitchFamily="34" charset="0"/>
-              <a:sym typeface="Gill Sans Nova"/>
-            </a:endParaRPr>
-          </a:p>
-          <a:p>
-            <a:pPr defTabSz="411480"/>
-            <a:endParaRPr lang="en-US" sz="1800" dirty="0">
-              <a:solidFill>
-                <a:srgbClr val="000000"/>
-              </a:solidFill>
-              <a:latin typeface="Arial" panose="020B0604020202020204" pitchFamily="34" charset="0"/>
-              <a:cs typeface="Arial" panose="020B0604020202020204" pitchFamily="34" charset="0"/>
-            </a:endParaRPr>
-          </a:p>
-          <a:p>
-            <a:pPr defTabSz="411480"/>
-            <a:r>
-              <a:rPr lang="en-GB" sz="2000" dirty="0">
-                <a:solidFill>
-                  <a:srgbClr val="000000"/>
-                </a:solidFill>
-                <a:effectLst/>
-                <a:latin typeface="Arial" panose="020B0604020202020204" pitchFamily="34" charset="0"/>
-                <a:cs typeface="Arial" panose="020B0604020202020204" pitchFamily="34" charset="0"/>
-              </a:rPr>
-              <a:t>	Bugs are practically unavoidable and always unwanted, especially when a user 	can not easily doublecheck the result, which is the case in constraint 	programming (CP). On top of that, CP often requires combinations of constraints 	to model a problem, these combinations of constraints may have never been 	seen by a CP-solver and therefore could include untested code and bugs. </a:t>
-            </a:r>
-          </a:p>
-          <a:p>
-            <a:pPr defTabSz="411480"/>
-            <a:r>
-              <a:rPr lang="en-GB" sz="2000" dirty="0">
-                <a:solidFill>
-                  <a:srgbClr val="000000"/>
-                </a:solidFill>
-                <a:effectLst/>
-                <a:latin typeface="Arial" panose="020B0604020202020204" pitchFamily="34" charset="0"/>
-                <a:cs typeface="Arial" panose="020B0604020202020204" pitchFamily="34" charset="0"/>
-              </a:rPr>
-              <a:t>	With fuzz testing we can create new (and hopefully unseen) problems but we will 	need to know the true solution of the problem, since we can not trust the solution 	given by the CP-solvers to detect mistakes made by the solvers.</a:t>
-            </a:r>
-          </a:p>
-          <a:p>
-            <a:pPr defTabSz="411480"/>
-            <a:endParaRPr lang="en-GB" sz="2000" dirty="0">
-              <a:solidFill>
-                <a:srgbClr val="000000"/>
-              </a:solidFill>
-              <a:effectLst/>
-              <a:latin typeface="Arial" panose="020B0604020202020204" pitchFamily="34" charset="0"/>
-              <a:cs typeface="Arial" panose="020B0604020202020204" pitchFamily="34" charset="0"/>
-            </a:endParaRPr>
-          </a:p>
-          <a:p>
-            <a:pPr marL="0" marR="0" indent="0" algn="l" defTabSz="411480" rtl="0" fontAlgn="auto" latinLnBrk="0" hangingPunct="0">
-              <a:lnSpc>
-                <a:spcPct val="100000"/>
-              </a:lnSpc>
-              <a:spcBef>
-                <a:spcPts val="0"/>
-              </a:spcBef>
-              <a:spcAft>
-                <a:spcPts val="0"/>
-              </a:spcAft>
-              <a:buClrTx/>
-              <a:buSzTx/>
-              <a:buFontTx/>
-              <a:buNone/>
-              <a:tabLst/>
-            </a:pPr>
-            <a:r>
-              <a:rPr kumimoji="0" lang="en-US" sz="2400" b="0" i="0" u="none" strike="noStrike" cap="none" spc="0" normalizeH="0" baseline="0" dirty="0">
-                <a:ln>
-                  <a:noFill/>
-                </a:ln>
-                <a:solidFill>
-                  <a:srgbClr val="000000"/>
-                </a:solidFill>
-                <a:effectLst/>
-                <a:uFillTx/>
-                <a:latin typeface="Arial" panose="020B0604020202020204" pitchFamily="34" charset="0"/>
-                <a:cs typeface="Arial" panose="020B0604020202020204" pitchFamily="34" charset="0"/>
-                <a:sym typeface="Gill Sans Nova"/>
-              </a:rPr>
-              <a:t>Background</a:t>
-            </a:r>
-            <a:endParaRPr kumimoji="0" lang="en-US" sz="2000" b="0" i="0" u="none" strike="noStrike" cap="none" spc="0" normalizeH="0" baseline="0" dirty="0">
-              <a:ln>
-                <a:noFill/>
-              </a:ln>
-              <a:solidFill>
-                <a:srgbClr val="000000"/>
-              </a:solidFill>
-              <a:effectLst/>
-              <a:uFillTx/>
-              <a:latin typeface="Arial" panose="020B0604020202020204" pitchFamily="34" charset="0"/>
-              <a:cs typeface="Arial" panose="020B0604020202020204" pitchFamily="34" charset="0"/>
-              <a:sym typeface="Gill Sans Nova"/>
-            </a:endParaRPr>
-          </a:p>
-          <a:p>
-            <a:pPr defTabSz="411480"/>
-            <a:r>
-              <a:rPr lang="en-US" sz="2000" dirty="0">
-                <a:solidFill>
-                  <a:srgbClr val="000000"/>
-                </a:solidFill>
-                <a:latin typeface="Arial" panose="020B0604020202020204" pitchFamily="34" charset="0"/>
-                <a:cs typeface="Arial" panose="020B0604020202020204" pitchFamily="34" charset="0"/>
-              </a:rPr>
-              <a:t>	</a:t>
-            </a:r>
-          </a:p>
-          <a:p>
-            <a:pPr defTabSz="411480"/>
-            <a:r>
-              <a:rPr lang="en-US" sz="2000" dirty="0">
-                <a:solidFill>
-                  <a:srgbClr val="000000"/>
-                </a:solidFill>
-                <a:latin typeface="Arial" panose="020B0604020202020204" pitchFamily="34" charset="0"/>
-                <a:cs typeface="Arial" panose="020B0604020202020204" pitchFamily="34" charset="0"/>
-              </a:rPr>
-              <a:t>	CP is used to give solutions to </a:t>
-            </a:r>
-            <a:r>
-              <a:rPr kumimoji="0" lang="en-US" sz="2000" b="0" i="0" u="none" strike="noStrike" cap="none" spc="0" normalizeH="0" baseline="0" dirty="0">
-                <a:ln>
-                  <a:noFill/>
-                </a:ln>
-                <a:solidFill>
-                  <a:srgbClr val="000000"/>
-                </a:solidFill>
-                <a:effectLst/>
-                <a:uFillTx/>
-                <a:latin typeface="Arial" panose="020B0604020202020204" pitchFamily="34" charset="0"/>
-                <a:cs typeface="Arial" panose="020B0604020202020204" pitchFamily="34" charset="0"/>
-                <a:sym typeface="Gill Sans Nova"/>
-              </a:rPr>
-              <a:t>mathematical</a:t>
-            </a:r>
-            <a:r>
-              <a:rPr lang="en-US" sz="2000" dirty="0">
-                <a:solidFill>
-                  <a:srgbClr val="000000"/>
-                </a:solidFill>
-                <a:latin typeface="Arial" panose="020B0604020202020204" pitchFamily="34" charset="0"/>
-                <a:cs typeface="Arial" panose="020B0604020202020204" pitchFamily="34" charset="0"/>
-              </a:rPr>
-              <a:t> and logical problems in the form of 	constraints. In order to convey the problem to the solver, modeling languages 	have been created like MiniZinc and CPMpy. </a:t>
-            </a:r>
-          </a:p>
-          <a:p>
-            <a:pPr defTabSz="411480"/>
-            <a:r>
-              <a:rPr lang="en-US" sz="2000" dirty="0">
-                <a:solidFill>
-                  <a:srgbClr val="000000"/>
-                </a:solidFill>
-                <a:latin typeface="Arial" panose="020B0604020202020204" pitchFamily="34" charset="0"/>
-                <a:cs typeface="Arial" panose="020B0604020202020204" pitchFamily="34" charset="0"/>
-              </a:rPr>
-              <a:t>	Fuzz testing is a way of creating new and complex inputs, in order to test them 	on the 	software.</a:t>
-            </a:r>
-          </a:p>
-          <a:p>
-            <a:pPr defTabSz="411480"/>
-            <a:endParaRPr lang="en-US" sz="2000" dirty="0">
-              <a:solidFill>
-                <a:srgbClr val="000000"/>
-              </a:solidFill>
-              <a:latin typeface="Arial" panose="020B0604020202020204" pitchFamily="34" charset="0"/>
-              <a:cs typeface="Arial" panose="020B0604020202020204" pitchFamily="34" charset="0"/>
-            </a:endParaRPr>
-          </a:p>
-          <a:p>
-            <a:pPr defTabSz="411480"/>
-            <a:r>
-              <a:rPr kumimoji="0" lang="en-US" sz="2800" b="0" i="0" u="none" strike="noStrike" cap="none" spc="0" normalizeH="0" baseline="0" dirty="0">
-                <a:ln>
-                  <a:noFill/>
-                </a:ln>
-                <a:solidFill>
-                  <a:srgbClr val="000000"/>
-                </a:solidFill>
-                <a:effectLst/>
-                <a:uFillTx/>
-                <a:latin typeface="Arial" panose="020B0604020202020204" pitchFamily="34" charset="0"/>
-                <a:cs typeface="Arial" panose="020B0604020202020204" pitchFamily="34" charset="0"/>
-                <a:sym typeface="Gill Sans Nova"/>
-              </a:rPr>
-              <a:t>Approach</a:t>
-            </a:r>
-            <a:endParaRPr kumimoji="0" lang="en-US" sz="2000" b="0" i="0" u="none" strike="noStrike" cap="none" spc="0" normalizeH="0" baseline="0" dirty="0">
-              <a:ln>
-                <a:noFill/>
-              </a:ln>
-              <a:solidFill>
-                <a:srgbClr val="000000"/>
-              </a:solidFill>
-              <a:effectLst/>
-              <a:uFillTx/>
-              <a:latin typeface="Arial" panose="020B0604020202020204" pitchFamily="34" charset="0"/>
-              <a:cs typeface="Arial" panose="020B0604020202020204" pitchFamily="34" charset="0"/>
-              <a:sym typeface="Gill Sans Nova"/>
-            </a:endParaRPr>
-          </a:p>
-          <a:p>
-            <a:pPr defTabSz="411480"/>
-            <a:endParaRPr lang="en-US" sz="2000" dirty="0">
-              <a:solidFill>
-                <a:srgbClr val="000000"/>
-              </a:solidFill>
-              <a:latin typeface="Arial" panose="020B0604020202020204" pitchFamily="34" charset="0"/>
-              <a:cs typeface="Arial" panose="020B0604020202020204" pitchFamily="34" charset="0"/>
-            </a:endParaRPr>
-          </a:p>
-          <a:p>
-            <a:pPr defTabSz="411480"/>
-            <a:r>
-              <a:rPr lang="en-US" sz="2000" dirty="0">
-                <a:solidFill>
-                  <a:srgbClr val="000000"/>
-                </a:solidFill>
-                <a:latin typeface="Arial" panose="020B0604020202020204" pitchFamily="34" charset="0"/>
-                <a:cs typeface="Arial" panose="020B0604020202020204" pitchFamily="34" charset="0"/>
-              </a:rPr>
-              <a:t>	In order to create new inputs we need seed-inputs, since generating problems 	often results in the parser complaining that the problem does not make sense. 	We want to test deeper in the program, not just the parser.</a:t>
-            </a:r>
-          </a:p>
-          <a:p>
-            <a:pPr defTabSz="411480"/>
-            <a:endParaRPr lang="en-US" sz="2400" dirty="0">
-              <a:solidFill>
-                <a:srgbClr val="000000"/>
-              </a:solidFill>
-              <a:latin typeface="Arial" panose="020B0604020202020204" pitchFamily="34" charset="0"/>
-              <a:cs typeface="Arial" panose="020B0604020202020204" pitchFamily="34" charset="0"/>
-            </a:endParaRPr>
-          </a:p>
-          <a:p>
-            <a:pPr defTabSz="411480"/>
-            <a:endParaRPr lang="en-US" sz="2000" dirty="0">
-              <a:solidFill>
-                <a:srgbClr val="000000"/>
-              </a:solidFill>
-              <a:latin typeface="Arial" panose="020B0604020202020204" pitchFamily="34" charset="0"/>
-              <a:cs typeface="Arial" panose="020B0604020202020204" pitchFamily="34" charset="0"/>
-            </a:endParaRPr>
-          </a:p>
-          <a:p>
-            <a:pPr defTabSz="411480"/>
-            <a:endParaRPr lang="en-US" sz="2000" dirty="0">
-              <a:solidFill>
-                <a:srgbClr val="000000"/>
-              </a:solidFill>
-              <a:latin typeface="Arial" panose="020B0604020202020204" pitchFamily="34" charset="0"/>
-              <a:cs typeface="Arial" panose="020B0604020202020204" pitchFamily="34" charset="0"/>
-            </a:endParaRPr>
-          </a:p>
-          <a:p>
-            <a:pPr defTabSz="411480"/>
-            <a:endParaRPr lang="en-US" sz="2000" dirty="0">
-              <a:solidFill>
-                <a:srgbClr val="000000"/>
-              </a:solidFill>
-              <a:latin typeface="Arial" panose="020B0604020202020204" pitchFamily="34" charset="0"/>
-              <a:cs typeface="Arial" panose="020B0604020202020204" pitchFamily="34" charset="0"/>
-            </a:endParaRPr>
-          </a:p>
-          <a:p>
-            <a:pPr defTabSz="411480"/>
-            <a:endParaRPr lang="en-US" sz="2000" dirty="0">
-              <a:solidFill>
-                <a:srgbClr val="000000"/>
-              </a:solidFill>
-              <a:latin typeface="Arial" panose="020B0604020202020204" pitchFamily="34" charset="0"/>
-              <a:cs typeface="Arial" panose="020B0604020202020204" pitchFamily="34" charset="0"/>
-            </a:endParaRPr>
-          </a:p>
-          <a:p>
-            <a:pPr defTabSz="411480"/>
-            <a:endParaRPr lang="en-US" sz="2000" dirty="0">
-              <a:solidFill>
-                <a:srgbClr val="000000"/>
-              </a:solidFill>
-              <a:latin typeface="Arial" panose="020B0604020202020204" pitchFamily="34" charset="0"/>
-              <a:cs typeface="Arial" panose="020B0604020202020204" pitchFamily="34" charset="0"/>
-            </a:endParaRPr>
-          </a:p>
-          <a:p>
-            <a:pPr defTabSz="411480"/>
-            <a:endParaRPr lang="en-US" sz="2400" dirty="0">
-              <a:solidFill>
-                <a:srgbClr val="000000"/>
-              </a:solidFill>
-              <a:latin typeface="Arial" panose="020B0604020202020204" pitchFamily="34" charset="0"/>
-              <a:cs typeface="Arial" panose="020B0604020202020204" pitchFamily="34" charset="0"/>
-            </a:endParaRPr>
-          </a:p>
-          <a:p>
-            <a:pPr defTabSz="411480"/>
-            <a:endParaRPr lang="en-US" sz="2400" dirty="0">
-              <a:solidFill>
-                <a:srgbClr val="000000"/>
-              </a:solidFill>
-              <a:latin typeface="Arial" panose="020B0604020202020204" pitchFamily="34" charset="0"/>
-              <a:cs typeface="Arial" panose="020B0604020202020204" pitchFamily="34" charset="0"/>
-            </a:endParaRPr>
-          </a:p>
-          <a:p>
-            <a:pPr defTabSz="411480"/>
-            <a:endParaRPr lang="en-US" sz="2400" dirty="0">
-              <a:solidFill>
-                <a:srgbClr val="000000"/>
-              </a:solidFill>
-              <a:latin typeface="Arial" panose="020B0604020202020204" pitchFamily="34" charset="0"/>
-              <a:cs typeface="Arial" panose="020B0604020202020204" pitchFamily="34" charset="0"/>
-            </a:endParaRPr>
-          </a:p>
-          <a:p>
-            <a:pPr defTabSz="411480"/>
-            <a:r>
-              <a:rPr lang="en-US" sz="2400" dirty="0">
-                <a:solidFill>
-                  <a:srgbClr val="000000"/>
-                </a:solidFill>
-                <a:latin typeface="Arial" panose="020B0604020202020204" pitchFamily="34" charset="0"/>
-                <a:cs typeface="Arial" panose="020B0604020202020204" pitchFamily="34" charset="0"/>
-              </a:rPr>
-              <a:t>Technique 1: CTORM</a:t>
-            </a:r>
-            <a:endParaRPr lang="en-US" sz="1800" dirty="0">
-              <a:solidFill>
-                <a:srgbClr val="000000"/>
-              </a:solidFill>
-              <a:latin typeface="Arial" panose="020B0604020202020204" pitchFamily="34" charset="0"/>
-              <a:cs typeface="Arial" panose="020B0604020202020204" pitchFamily="34" charset="0"/>
-            </a:endParaRPr>
-          </a:p>
-          <a:p>
-            <a:pPr defTabSz="411480"/>
-            <a:endParaRPr lang="en-US" sz="1800" dirty="0">
-              <a:solidFill>
-                <a:srgbClr val="000000"/>
-              </a:solidFill>
-              <a:latin typeface="Arial" panose="020B0604020202020204" pitchFamily="34" charset="0"/>
-              <a:cs typeface="Arial" panose="020B0604020202020204" pitchFamily="34" charset="0"/>
-            </a:endParaRPr>
-          </a:p>
-          <a:p>
-            <a:pPr defTabSz="411480"/>
-            <a:r>
-              <a:rPr lang="en-US" sz="2000" dirty="0">
-                <a:solidFill>
-                  <a:srgbClr val="000000"/>
-                </a:solidFill>
-                <a:latin typeface="Arial" panose="020B0604020202020204" pitchFamily="34" charset="0"/>
-                <a:cs typeface="Arial" panose="020B0604020202020204" pitchFamily="34" charset="0"/>
-              </a:rPr>
-              <a:t>	The first technique starts from an existing SMT fuzz tester, STORM and converts 	it to a CP fuzz tester.</a:t>
-            </a:r>
-          </a:p>
-          <a:p>
-            <a:pPr defTabSz="411480"/>
-            <a:endParaRPr lang="en-US" sz="2000" dirty="0">
-              <a:solidFill>
-                <a:srgbClr val="000000"/>
-              </a:solidFill>
-              <a:latin typeface="Arial" panose="020B0604020202020204" pitchFamily="34" charset="0"/>
-              <a:cs typeface="Arial" panose="020B0604020202020204" pitchFamily="34" charset="0"/>
-            </a:endParaRPr>
-          </a:p>
-          <a:p>
-            <a:pPr defTabSz="411480"/>
-            <a:endParaRPr lang="en-US" sz="2000" dirty="0">
-              <a:solidFill>
-                <a:srgbClr val="000000"/>
-              </a:solidFill>
-              <a:latin typeface="Arial" panose="020B0604020202020204" pitchFamily="34" charset="0"/>
-              <a:cs typeface="Arial" panose="020B0604020202020204" pitchFamily="34" charset="0"/>
-            </a:endParaRPr>
-          </a:p>
-          <a:p>
-            <a:pPr defTabSz="411480"/>
-            <a:endParaRPr lang="en-US" sz="2000" dirty="0">
-              <a:solidFill>
-                <a:srgbClr val="000000"/>
-              </a:solidFill>
-              <a:latin typeface="Arial" panose="020B0604020202020204" pitchFamily="34" charset="0"/>
-              <a:cs typeface="Arial" panose="020B0604020202020204" pitchFamily="34" charset="0"/>
-            </a:endParaRPr>
-          </a:p>
-          <a:p>
-            <a:pPr defTabSz="411480"/>
-            <a:endParaRPr lang="en-US" sz="2000" dirty="0">
-              <a:solidFill>
-                <a:srgbClr val="000000"/>
-              </a:solidFill>
-              <a:latin typeface="Arial" panose="020B0604020202020204" pitchFamily="34" charset="0"/>
-              <a:cs typeface="Arial" panose="020B0604020202020204" pitchFamily="34" charset="0"/>
-            </a:endParaRPr>
-          </a:p>
-          <a:p>
-            <a:pPr defTabSz="411480"/>
-            <a:endParaRPr lang="en-US" sz="2000" dirty="0">
-              <a:solidFill>
-                <a:srgbClr val="000000"/>
-              </a:solidFill>
-              <a:latin typeface="Arial" panose="020B0604020202020204" pitchFamily="34" charset="0"/>
-              <a:cs typeface="Arial" panose="020B0604020202020204" pitchFamily="34" charset="0"/>
-            </a:endParaRPr>
-          </a:p>
-          <a:p>
-            <a:pPr defTabSz="411480"/>
-            <a:endParaRPr lang="en-US" sz="2000" dirty="0">
-              <a:solidFill>
-                <a:srgbClr val="000000"/>
-              </a:solidFill>
-              <a:latin typeface="Arial" panose="020B0604020202020204" pitchFamily="34" charset="0"/>
-              <a:cs typeface="Arial" panose="020B0604020202020204" pitchFamily="34" charset="0"/>
-            </a:endParaRPr>
-          </a:p>
-          <a:p>
-            <a:pPr defTabSz="411480"/>
-            <a:endParaRPr lang="en-US" sz="2000" dirty="0">
-              <a:solidFill>
-                <a:srgbClr val="000000"/>
-              </a:solidFill>
-              <a:latin typeface="Arial" panose="020B0604020202020204" pitchFamily="34" charset="0"/>
-              <a:cs typeface="Arial" panose="020B0604020202020204" pitchFamily="34" charset="0"/>
-            </a:endParaRPr>
-          </a:p>
-          <a:p>
-            <a:pPr defTabSz="411480"/>
-            <a:endParaRPr lang="en-US" sz="2000" dirty="0">
-              <a:solidFill>
-                <a:srgbClr val="000000"/>
-              </a:solidFill>
-              <a:latin typeface="Arial" panose="020B0604020202020204" pitchFamily="34" charset="0"/>
-              <a:cs typeface="Arial" panose="020B0604020202020204" pitchFamily="34" charset="0"/>
-            </a:endParaRPr>
-          </a:p>
-          <a:p>
-            <a:pPr defTabSz="411480"/>
-            <a:endParaRPr lang="en-US" sz="2000" dirty="0">
-              <a:solidFill>
-                <a:srgbClr val="000000"/>
-              </a:solidFill>
-              <a:latin typeface="Arial" panose="020B0604020202020204" pitchFamily="34" charset="0"/>
-              <a:cs typeface="Arial" panose="020B0604020202020204" pitchFamily="34" charset="0"/>
-            </a:endParaRPr>
-          </a:p>
-          <a:p>
-            <a:pPr defTabSz="411480"/>
-            <a:endParaRPr lang="en-US" sz="2000" dirty="0">
-              <a:solidFill>
-                <a:srgbClr val="000000"/>
-              </a:solidFill>
-              <a:latin typeface="Arial" panose="020B0604020202020204" pitchFamily="34" charset="0"/>
-              <a:cs typeface="Arial" panose="020B0604020202020204" pitchFamily="34" charset="0"/>
-            </a:endParaRPr>
-          </a:p>
-          <a:p>
-            <a:pPr defTabSz="411480"/>
-            <a:endParaRPr lang="en-US" sz="2000" dirty="0">
-              <a:solidFill>
-                <a:srgbClr val="000000"/>
-              </a:solidFill>
-              <a:latin typeface="Arial" panose="020B0604020202020204" pitchFamily="34" charset="0"/>
-              <a:cs typeface="Arial" panose="020B0604020202020204" pitchFamily="34" charset="0"/>
-            </a:endParaRPr>
-          </a:p>
-          <a:p>
-            <a:pPr defTabSz="411480"/>
-            <a:endParaRPr lang="en-US" sz="2000" dirty="0">
-              <a:solidFill>
-                <a:srgbClr val="000000"/>
-              </a:solidFill>
-              <a:latin typeface="Arial" panose="020B0604020202020204" pitchFamily="34" charset="0"/>
-              <a:cs typeface="Arial" panose="020B0604020202020204" pitchFamily="34" charset="0"/>
-            </a:endParaRPr>
-          </a:p>
-          <a:p>
-            <a:pPr defTabSz="411480"/>
-            <a:endParaRPr lang="en-US" sz="2000" dirty="0">
-              <a:solidFill>
-                <a:srgbClr val="000000"/>
-              </a:solidFill>
-              <a:latin typeface="Arial" panose="020B0604020202020204" pitchFamily="34" charset="0"/>
-              <a:cs typeface="Arial" panose="020B0604020202020204" pitchFamily="34" charset="0"/>
-            </a:endParaRPr>
-          </a:p>
-          <a:p>
-            <a:pPr defTabSz="411480"/>
-            <a:endParaRPr lang="en-US" sz="2000" dirty="0">
-              <a:solidFill>
-                <a:srgbClr val="000000"/>
-              </a:solidFill>
-              <a:latin typeface="Arial" panose="020B0604020202020204" pitchFamily="34" charset="0"/>
-              <a:cs typeface="Arial" panose="020B0604020202020204" pitchFamily="34" charset="0"/>
-            </a:endParaRPr>
-          </a:p>
-          <a:p>
-            <a:pPr defTabSz="411480"/>
-            <a:endParaRPr lang="en-US" sz="2000" dirty="0">
-              <a:solidFill>
-                <a:srgbClr val="000000"/>
-              </a:solidFill>
-              <a:latin typeface="Arial" panose="020B0604020202020204" pitchFamily="34" charset="0"/>
-              <a:cs typeface="Arial" panose="020B0604020202020204" pitchFamily="34" charset="0"/>
-            </a:endParaRPr>
-          </a:p>
-          <a:p>
-            <a:pPr defTabSz="411480"/>
-            <a:endParaRPr lang="en-US" sz="2000" dirty="0">
-              <a:solidFill>
-                <a:srgbClr val="000000"/>
-              </a:solidFill>
-              <a:latin typeface="Arial" panose="020B0604020202020204" pitchFamily="34" charset="0"/>
-              <a:cs typeface="Arial" panose="020B0604020202020204" pitchFamily="34" charset="0"/>
-            </a:endParaRPr>
-          </a:p>
-          <a:p>
-            <a:pPr defTabSz="411480"/>
-            <a:endParaRPr lang="en-US" sz="2000" dirty="0">
-              <a:solidFill>
-                <a:srgbClr val="000000"/>
-              </a:solidFill>
-              <a:latin typeface="Arial" panose="020B0604020202020204" pitchFamily="34" charset="0"/>
-              <a:cs typeface="Arial" panose="020B0604020202020204" pitchFamily="34" charset="0"/>
-            </a:endParaRPr>
-          </a:p>
-          <a:p>
-            <a:pPr defTabSz="411480"/>
-            <a:endParaRPr lang="en-US" sz="2000" dirty="0">
-              <a:solidFill>
-                <a:srgbClr val="000000"/>
-              </a:solidFill>
-              <a:latin typeface="Arial" panose="020B0604020202020204" pitchFamily="34" charset="0"/>
-              <a:cs typeface="Arial" panose="020B0604020202020204" pitchFamily="34" charset="0"/>
-            </a:endParaRPr>
-          </a:p>
-          <a:p>
-            <a:pPr defTabSz="411480"/>
-            <a:endParaRPr lang="en-US" sz="2000" dirty="0">
-              <a:solidFill>
-                <a:srgbClr val="000000"/>
-              </a:solidFill>
-              <a:latin typeface="Arial" panose="020B0604020202020204" pitchFamily="34" charset="0"/>
-              <a:cs typeface="Arial" panose="020B0604020202020204" pitchFamily="34" charset="0"/>
-            </a:endParaRPr>
-          </a:p>
-          <a:p>
-            <a:pPr defTabSz="411480"/>
-            <a:endParaRPr lang="en-US" sz="2000" dirty="0">
-              <a:solidFill>
-                <a:srgbClr val="000000"/>
-              </a:solidFill>
-              <a:latin typeface="Arial" panose="020B0604020202020204" pitchFamily="34" charset="0"/>
-              <a:cs typeface="Arial" panose="020B0604020202020204" pitchFamily="34" charset="0"/>
-            </a:endParaRPr>
-          </a:p>
-          <a:p>
-            <a:pPr defTabSz="411480"/>
-            <a:endParaRPr lang="en-US" sz="2000" dirty="0">
-              <a:solidFill>
-                <a:srgbClr val="000000"/>
-              </a:solidFill>
-              <a:latin typeface="Arial" panose="020B0604020202020204" pitchFamily="34" charset="0"/>
-              <a:cs typeface="Arial" panose="020B0604020202020204" pitchFamily="34" charset="0"/>
-            </a:endParaRPr>
-          </a:p>
-          <a:p>
-            <a:pPr defTabSz="411480"/>
-            <a:endParaRPr lang="en-US" sz="2000" dirty="0">
-              <a:solidFill>
-                <a:srgbClr val="000000"/>
-              </a:solidFill>
-              <a:latin typeface="Arial" panose="020B0604020202020204" pitchFamily="34" charset="0"/>
-              <a:cs typeface="Arial" panose="020B0604020202020204" pitchFamily="34" charset="0"/>
-            </a:endParaRPr>
-          </a:p>
-          <a:p>
-            <a:pPr defTabSz="411480"/>
-            <a:endParaRPr lang="en-US" sz="2000" dirty="0">
-              <a:solidFill>
-                <a:srgbClr val="000000"/>
-              </a:solidFill>
-              <a:latin typeface="Arial" panose="020B0604020202020204" pitchFamily="34" charset="0"/>
-              <a:cs typeface="Arial" panose="020B0604020202020204" pitchFamily="34" charset="0"/>
-            </a:endParaRPr>
-          </a:p>
-        </p:txBody>
-      </p:sp>
+            </p:spPr>
+            <p:txBody>
+              <a:bodyPr/>
+              <a:lstStyle/>
+              <a:p>
+                <a:r>
+                  <a:rPr lang="en-US">
+                    <a:noFill/>
+                  </a:rPr>
+                  <a:t> </a:t>
+                </a:r>
+              </a:p>
+            </p:txBody>
+          </p:sp>
+        </mc:Fallback>
+      </mc:AlternateContent>
       <p:sp>
         <p:nvSpPr>
           <p:cNvPr id="44" name="Rectangle 43">
@@ -4737,7 +4675,7 @@
         </p:nvSpPr>
         <p:spPr>
           <a:xfrm>
-            <a:off x="58899" y="19460452"/>
+            <a:off x="58333" y="19610023"/>
             <a:ext cx="1574196" cy="461663"/>
           </a:xfrm>
           <a:prstGeom prst="rect">
@@ -4835,7 +4773,7 @@
         </p:nvCxnSpPr>
         <p:spPr>
           <a:xfrm>
-            <a:off x="180587" y="19244279"/>
+            <a:off x="180021" y="19393850"/>
             <a:ext cx="1397675" cy="0"/>
           </a:xfrm>
           <a:prstGeom prst="straightConnector1">
@@ -4888,8 +4826,8 @@
             </p:nvSpPr>
             <p:spPr>
               <a:xfrm>
-                <a:off x="1565618" y="17822746"/>
-                <a:ext cx="7647854" cy="541621"/>
+                <a:off x="1565052" y="17981519"/>
+                <a:ext cx="7647854" cy="523218"/>
               </a:xfrm>
               <a:prstGeom prst="rect">
                 <a:avLst/>
@@ -4942,65 +4880,28 @@
                       <m:jc m:val="centerGroup"/>
                     </m:oMathParaPr>
                     <m:oMath xmlns:m="http://schemas.openxmlformats.org/officeDocument/2006/math">
-                      <m:sSup>
-                        <m:sSupPr>
-                          <m:ctrlPr>
-                            <a:rPr kumimoji="0" lang="en-GB" sz="2800" b="0" i="1" u="none" strike="noStrike" cap="none" spc="0" normalizeH="0" baseline="0" smtClean="0">
-                              <a:ln>
-                                <a:noFill/>
-                              </a:ln>
-                              <a:solidFill>
-                                <a:srgbClr val="3C3C3B"/>
-                              </a:solidFill>
-                              <a:effectLst/>
-                              <a:uFillTx/>
-                              <a:latin typeface="Cambria Math" panose="02040503050406030204" pitchFamily="18" charset="0"/>
-                              <a:sym typeface="Gill Sans Nova"/>
-                            </a:rPr>
-                          </m:ctrlPr>
-                        </m:sSupPr>
-                        <m:e>
-                          <m:r>
-                            <m:rPr>
-                              <m:sty m:val="p"/>
-                            </m:rPr>
-                            <a:rPr kumimoji="0" lang="en-GB" sz="2800" b="0" i="0" u="none" strike="noStrike" cap="none" spc="0" normalizeH="0" baseline="0" smtClean="0">
-                              <a:ln>
-                                <a:noFill/>
-                              </a:ln>
-                              <a:solidFill>
-                                <a:srgbClr val="3C3C3B"/>
-                              </a:solidFill>
-                              <a:effectLst/>
-                              <a:uFillTx/>
-                              <a:latin typeface="Cambria Math" panose="02040503050406030204" pitchFamily="18" charset="0"/>
-                              <a:sym typeface="Gill Sans Nova"/>
-                            </a:rPr>
-                            <m:t>STORM</m:t>
-                          </m:r>
-                        </m:e>
-                        <m:sup>
-                          <m:r>
-                            <a:rPr kumimoji="0" lang="en-GB" sz="2800" b="0" i="1" u="none" strike="noStrike" cap="none" spc="0" normalizeH="0" baseline="0" smtClean="0">
-                              <a:ln>
-                                <a:noFill/>
-                              </a:ln>
-                              <a:solidFill>
-                                <a:srgbClr val="3C3C3B"/>
-                              </a:solidFill>
-                              <a:effectLst/>
-                              <a:uFillTx/>
-                              <a:latin typeface="Cambria Math" panose="02040503050406030204" pitchFamily="18" charset="0"/>
-                              <a:sym typeface="Gill Sans Nova"/>
-                            </a:rPr>
-                            <m:t>[1]</m:t>
-                          </m:r>
-                        </m:sup>
-                      </m:sSup>
+                      <m:r>
+                        <m:rPr>
+                          <m:sty m:val="p"/>
+                        </m:rPr>
+                        <a:rPr kumimoji="0" lang="en-GB" sz="2800" b="0" i="0" u="none" strike="noStrike" cap="none" spc="0" normalizeH="0" baseline="0" smtClean="0">
+                          <a:ln>
+                            <a:noFill/>
+                          </a:ln>
+                          <a:solidFill>
+                            <a:srgbClr val="3C3C3B"/>
+                          </a:solidFill>
+                          <a:effectLst/>
+                          <a:uFillTx/>
+                          <a:latin typeface="Cambria Math" panose="02040503050406030204" pitchFamily="18" charset="0"/>
+                          <a:sym typeface="Gill Sans Nova"/>
+                        </a:rPr>
+                        <m:t>STORM</m:t>
+                      </m:r>
                     </m:oMath>
                   </m:oMathPara>
                 </a14:m>
-                <a:endParaRPr kumimoji="0" lang="en-US" sz="1600" b="0" i="0" u="none" strike="noStrike" cap="none" spc="0" normalizeH="0" baseline="0" dirty="0">
+                <a:endParaRPr kumimoji="0" lang="en-US" sz="1600" b="0" u="none" strike="noStrike" cap="none" spc="0" normalizeH="0" baseline="0" dirty="0">
                   <a:ln>
                     <a:noFill/>
                   </a:ln>
@@ -5009,9 +4910,8 @@
                   </a:solidFill>
                   <a:effectLst/>
                   <a:uFillTx/>
-                  <a:latin typeface="Gill Sans Nova"/>
-                  <a:ea typeface="Gill Sans Nova"/>
-                  <a:cs typeface="Gill Sans Nova"/>
+                  <a:latin typeface="Arial" panose="020B0604020202020204" pitchFamily="34" charset="0"/>
+                  <a:cs typeface="Arial" panose="020B0604020202020204" pitchFamily="34" charset="0"/>
                   <a:sym typeface="Gill Sans Nova"/>
                 </a:endParaRPr>
               </a:p>
@@ -5035,14 +4935,14 @@
             </p:nvSpPr>
             <p:spPr>
               <a:xfrm>
-                <a:off x="1565618" y="17822746"/>
-                <a:ext cx="7647854" cy="541621"/>
+                <a:off x="1565052" y="17981519"/>
+                <a:ext cx="7647854" cy="523218"/>
               </a:xfrm>
               <a:prstGeom prst="rect">
                 <a:avLst/>
               </a:prstGeom>
               <a:blipFill>
-                <a:blip r:embed="rId5"/>
+                <a:blip r:embed="rId6"/>
                 <a:stretch>
                   <a:fillRect/>
                 </a:stretch>
@@ -5082,7 +4982,7 @@
         </p:nvSpPr>
         <p:spPr>
           <a:xfrm>
-            <a:off x="1699174" y="18536023"/>
+            <a:off x="1698608" y="18685594"/>
             <a:ext cx="1355888" cy="1200327"/>
           </a:xfrm>
           <a:prstGeom prst="rect">
@@ -5185,7 +5085,7 @@
         </p:nvCxnSpPr>
         <p:spPr>
           <a:xfrm>
-            <a:off x="3109835" y="19101098"/>
+            <a:off x="3109269" y="19250669"/>
             <a:ext cx="382797" cy="0"/>
           </a:xfrm>
           <a:prstGeom prst="straightConnector1">
@@ -5236,7 +5136,7 @@
         </p:nvSpPr>
         <p:spPr>
           <a:xfrm>
-            <a:off x="3532026" y="18536023"/>
+            <a:off x="3531460" y="18685594"/>
             <a:ext cx="1499988" cy="1200327"/>
           </a:xfrm>
           <a:prstGeom prst="rect">
@@ -5339,7 +5239,7 @@
         </p:nvCxnSpPr>
         <p:spPr>
           <a:xfrm>
-            <a:off x="5057501" y="19101098"/>
+            <a:off x="5056935" y="19250669"/>
             <a:ext cx="382797" cy="0"/>
           </a:xfrm>
           <a:prstGeom prst="straightConnector1">
@@ -5390,7 +5290,7 @@
         </p:nvSpPr>
         <p:spPr>
           <a:xfrm>
-            <a:off x="5486692" y="18572164"/>
+            <a:off x="5486126" y="18721735"/>
             <a:ext cx="1836391" cy="1200327"/>
           </a:xfrm>
           <a:prstGeom prst="rect">
@@ -5512,7 +5412,7 @@
         </p:nvSpPr>
         <p:spPr>
           <a:xfrm>
-            <a:off x="7746354" y="18593762"/>
+            <a:off x="7745788" y="18743333"/>
             <a:ext cx="1355888" cy="1200327"/>
           </a:xfrm>
           <a:prstGeom prst="rect">
@@ -5615,7 +5515,7 @@
         </p:nvCxnSpPr>
         <p:spPr>
           <a:xfrm>
-            <a:off x="7363557" y="19244279"/>
+            <a:off x="7362991" y="19393850"/>
             <a:ext cx="382797" cy="0"/>
           </a:xfrm>
           <a:prstGeom prst="straightConnector1">
@@ -5668,7 +5568,7 @@
         </p:nvCxnSpPr>
         <p:spPr>
           <a:xfrm rot="5400000">
-            <a:off x="6226242" y="19927749"/>
+            <a:off x="6225676" y="20077320"/>
             <a:ext cx="382797" cy="0"/>
           </a:xfrm>
           <a:prstGeom prst="straightConnector1">
@@ -5719,7 +5619,7 @@
         </p:nvSpPr>
         <p:spPr>
           <a:xfrm>
-            <a:off x="5623079" y="20190548"/>
+            <a:off x="5622513" y="20340119"/>
             <a:ext cx="3479163" cy="890023"/>
           </a:xfrm>
           <a:prstGeom prst="rect">
@@ -5857,7 +5757,7 @@
         </p:nvCxnSpPr>
         <p:spPr>
           <a:xfrm rot="5400000">
-            <a:off x="8110070" y="20007824"/>
+            <a:off x="8109504" y="20157395"/>
             <a:ext cx="382797" cy="0"/>
           </a:xfrm>
           <a:prstGeom prst="straightConnector1">
@@ -5908,7 +5808,7 @@
         </p:nvSpPr>
         <p:spPr>
           <a:xfrm>
-            <a:off x="9400938" y="20105297"/>
+            <a:off x="9400372" y="20254868"/>
             <a:ext cx="784353" cy="461663"/>
           </a:xfrm>
           <a:prstGeom prst="rect">
@@ -6014,7 +5914,7 @@
         </p:nvCxnSpPr>
         <p:spPr>
           <a:xfrm>
-            <a:off x="9229618" y="20736856"/>
+            <a:off x="9229052" y="20886427"/>
             <a:ext cx="1066805" cy="0"/>
           </a:xfrm>
           <a:prstGeom prst="straightConnector1">
@@ -6065,7 +5965,7 @@
         </p:nvSpPr>
         <p:spPr>
           <a:xfrm>
-            <a:off x="1590880" y="22393141"/>
+            <a:off x="1590315" y="22277563"/>
             <a:ext cx="7638738" cy="3530822"/>
           </a:xfrm>
           <a:prstGeom prst="rect">
@@ -6264,7 +6164,7 @@
         </p:nvCxnSpPr>
         <p:spPr>
           <a:xfrm>
-            <a:off x="193204" y="23274489"/>
+            <a:off x="192639" y="23158911"/>
             <a:ext cx="1397675" cy="0"/>
           </a:xfrm>
           <a:prstGeom prst="straightConnector1">
@@ -6315,7 +6215,7 @@
         </p:nvSpPr>
         <p:spPr>
           <a:xfrm>
-            <a:off x="1581763" y="21860246"/>
+            <a:off x="1581198" y="21744668"/>
             <a:ext cx="7647854" cy="523218"/>
           </a:xfrm>
           <a:prstGeom prst="rect">
@@ -6419,7 +6319,7 @@
         </p:nvSpPr>
         <p:spPr>
           <a:xfrm>
-            <a:off x="1711791" y="22566233"/>
+            <a:off x="1711226" y="22450655"/>
             <a:ext cx="1355888" cy="1200327"/>
           </a:xfrm>
           <a:prstGeom prst="rect">
@@ -6556,7 +6456,7 @@
         </p:nvCxnSpPr>
         <p:spPr>
           <a:xfrm>
-            <a:off x="3122452" y="23131308"/>
+            <a:off x="3121887" y="23015730"/>
             <a:ext cx="382797" cy="0"/>
           </a:xfrm>
           <a:prstGeom prst="straightConnector1">
@@ -6607,7 +6507,7 @@
         </p:nvSpPr>
         <p:spPr>
           <a:xfrm>
-            <a:off x="3544643" y="22566233"/>
+            <a:off x="3544078" y="22450655"/>
             <a:ext cx="1499988" cy="1200327"/>
           </a:xfrm>
           <a:prstGeom prst="rect">
@@ -6710,7 +6610,7 @@
         </p:nvCxnSpPr>
         <p:spPr>
           <a:xfrm>
-            <a:off x="5070118" y="23131308"/>
+            <a:off x="5069553" y="23015730"/>
             <a:ext cx="382797" cy="0"/>
           </a:xfrm>
           <a:prstGeom prst="straightConnector1">
@@ -6761,7 +6661,7 @@
         </p:nvSpPr>
         <p:spPr>
           <a:xfrm>
-            <a:off x="5499309" y="22602374"/>
+            <a:off x="5498744" y="22486796"/>
             <a:ext cx="1836391" cy="1200327"/>
           </a:xfrm>
           <a:prstGeom prst="rect">
@@ -6883,7 +6783,7 @@
         </p:nvSpPr>
         <p:spPr>
           <a:xfrm>
-            <a:off x="7758971" y="22623972"/>
+            <a:off x="7758406" y="22508394"/>
             <a:ext cx="1355888" cy="1200327"/>
           </a:xfrm>
           <a:prstGeom prst="rect">
@@ -7020,7 +6920,7 @@
         </p:nvCxnSpPr>
         <p:spPr>
           <a:xfrm>
-            <a:off x="7376174" y="23274489"/>
+            <a:off x="7375609" y="23158911"/>
             <a:ext cx="382797" cy="0"/>
           </a:xfrm>
           <a:prstGeom prst="straightConnector1">
@@ -7073,7 +6973,7 @@
         </p:nvCxnSpPr>
         <p:spPr>
           <a:xfrm rot="5400000">
-            <a:off x="6238859" y="23957959"/>
+            <a:off x="6238294" y="23842381"/>
             <a:ext cx="382797" cy="0"/>
           </a:xfrm>
           <a:prstGeom prst="straightConnector1">
@@ -7124,7 +7024,7 @@
         </p:nvSpPr>
         <p:spPr>
           <a:xfrm>
-            <a:off x="5635696" y="24220758"/>
+            <a:off x="5635131" y="24105180"/>
             <a:ext cx="3479163" cy="1569658"/>
           </a:xfrm>
           <a:prstGeom prst="rect">
@@ -7332,7 +7232,7 @@
         </p:nvCxnSpPr>
         <p:spPr>
           <a:xfrm rot="5400000">
-            <a:off x="8122687" y="24038034"/>
+            <a:off x="8122122" y="23922456"/>
             <a:ext cx="382797" cy="0"/>
           </a:xfrm>
           <a:prstGeom prst="straightConnector1">
@@ -7383,7 +7283,7 @@
         </p:nvSpPr>
         <p:spPr>
           <a:xfrm>
-            <a:off x="9413560" y="24229433"/>
+            <a:off x="9412995" y="24113855"/>
             <a:ext cx="784353" cy="461663"/>
           </a:xfrm>
           <a:prstGeom prst="rect">
@@ -7489,7 +7389,7 @@
         </p:nvCxnSpPr>
         <p:spPr>
           <a:xfrm>
-            <a:off x="9229617" y="24970266"/>
+            <a:off x="9229052" y="24854688"/>
             <a:ext cx="1066805" cy="0"/>
           </a:xfrm>
           <a:prstGeom prst="straightConnector1">
@@ -13445,7 +13345,7 @@
           <p:nvPr/>
         </p:nvPicPr>
         <p:blipFill>
-          <a:blip r:embed="rId6" cstate="print">
+          <a:blip r:embed="rId7" cstate="print">
             <a:extLst>
               <a:ext uri="{28A0092B-C50C-407E-A947-70E740481C1C}">
                 <a14:useLocalDpi xmlns:a14="http://schemas.microsoft.com/office/drawing/2010/main" val="0"/>
@@ -13458,7 +13358,7 @@
         </p:blipFill>
         <p:spPr>
           <a:xfrm>
-            <a:off x="-140680" y="29791885"/>
+            <a:off x="20833572" y="29750720"/>
             <a:ext cx="645307" cy="645307"/>
           </a:xfrm>
           <a:prstGeom prst="rect">
@@ -13732,7 +13632,7 @@
                 <a:latin typeface="Arial" panose="020B0604020202020204" pitchFamily="34" charset="0"/>
                 <a:cs typeface="Arial" panose="020B0604020202020204" pitchFamily="34" charset="0"/>
               </a:rPr>
-              <a:t>- ing. Ruben Kindt</a:t>
+              <a:t>- Ruben Kindt</a:t>
             </a:r>
             <a:endParaRPr lang="en-GB" sz="2000" i="1" dirty="0">
               <a:solidFill>

--- a/Milestones/M6 poster event/poster.pptx
+++ b/Milestones/M6 poster event/poster.pptx
@@ -1193,7 +1193,7 @@
           </a:ln>
           <a:extLst>
             <a:ext uri="{C572A759-6A51-4108-AA02-DFA0A04FC94B}">
-              <ma14:wrappingTextBoxFlag xmlns:ma14="http://schemas.microsoft.com/office/mac/drawingml/2011/main" xmlns:a14="http://schemas.microsoft.com/office/drawing/2010/main" xmlns:m="http://schemas.openxmlformats.org/officeDocument/2006/math" xmlns="" val="1"/>
+              <ma14:wrappingTextBoxFlag xmlns="" xmlns:m="http://schemas.openxmlformats.org/officeDocument/2006/math" xmlns:a14="http://schemas.microsoft.com/office/drawing/2010/main" xmlns:ma14="http://schemas.microsoft.com/office/mac/drawingml/2011/main" val="1"/>
             </a:ext>
           </a:extLst>
         </p:spPr>
@@ -1264,7 +1264,7 @@
           </a:ln>
           <a:extLst>
             <a:ext uri="{C572A759-6A51-4108-AA02-DFA0A04FC94B}">
-              <ma14:wrappingTextBoxFlag xmlns:ma14="http://schemas.microsoft.com/office/mac/drawingml/2011/main" xmlns:a14="http://schemas.microsoft.com/office/drawing/2010/main" xmlns:m="http://schemas.openxmlformats.org/officeDocument/2006/math" xmlns="" val="1"/>
+              <ma14:wrappingTextBoxFlag xmlns="" xmlns:m="http://schemas.openxmlformats.org/officeDocument/2006/math" xmlns:a14="http://schemas.microsoft.com/office/drawing/2010/main" xmlns:ma14="http://schemas.microsoft.com/office/mac/drawingml/2011/main" val="1"/>
             </a:ext>
           </a:extLst>
         </p:spPr>
@@ -1366,7 +1366,7 @@
           </a:ln>
           <a:extLst>
             <a:ext uri="{C572A759-6A51-4108-AA02-DFA0A04FC94B}">
-              <ma14:wrappingTextBoxFlag xmlns:ma14="http://schemas.microsoft.com/office/mac/drawingml/2011/main" xmlns:a14="http://schemas.microsoft.com/office/drawing/2010/main" xmlns:m="http://schemas.openxmlformats.org/officeDocument/2006/math" xmlns="" val="1"/>
+              <ma14:wrappingTextBoxFlag xmlns="" xmlns:m="http://schemas.openxmlformats.org/officeDocument/2006/math" xmlns:a14="http://schemas.microsoft.com/office/drawing/2010/main" xmlns:ma14="http://schemas.microsoft.com/office/mac/drawingml/2011/main" val="1"/>
             </a:ext>
           </a:extLst>
         </p:spPr>
@@ -1429,7 +1429,7 @@
           </a:ln>
           <a:extLst>
             <a:ext uri="{C572A759-6A51-4108-AA02-DFA0A04FC94B}">
-              <ma14:wrappingTextBoxFlag xmlns:ma14="http://schemas.microsoft.com/office/mac/drawingml/2011/main" xmlns:a14="http://schemas.microsoft.com/office/drawing/2010/main" xmlns:m="http://schemas.openxmlformats.org/officeDocument/2006/math" xmlns="" val="1"/>
+              <ma14:wrappingTextBoxFlag xmlns="" xmlns:m="http://schemas.openxmlformats.org/officeDocument/2006/math" xmlns:a14="http://schemas.microsoft.com/office/drawing/2010/main" xmlns:ma14="http://schemas.microsoft.com/office/mac/drawingml/2011/main" val="1"/>
             </a:ext>
           </a:extLst>
         </p:spPr>
@@ -2239,7 +2239,7 @@
         <p:spPr>
           <a:xfrm>
             <a:off x="11103652" y="2233973"/>
-            <a:ext cx="9835583" cy="24222013"/>
+            <a:ext cx="9835583" cy="24706762"/>
           </a:xfrm>
           <a:prstGeom prst="rect">
             <a:avLst/>
@@ -2284,7 +2284,7 @@
           </a:p>
           <a:p>
             <a:pPr defTabSz="411480"/>
-            <a:endParaRPr lang="en-US" sz="2400" dirty="0">
+            <a:endParaRPr lang="en-US" sz="2000" dirty="0">
               <a:solidFill>
                 <a:srgbClr val="000000"/>
               </a:solidFill>
@@ -2302,7 +2302,7 @@
                 <a:latin typeface="Arial" panose="020B0604020202020204" pitchFamily="34" charset="0"/>
                 <a:cs typeface="Arial" panose="020B0604020202020204" pitchFamily="34" charset="0"/>
               </a:rPr>
-              <a:t>	The second technique takes the constraints of the problem and turns them into 	equivalent but complex constraints. For example, a ‘variable1 == 4’ will be 	changed into ‘(variable1 &gt;= 4) and (variable1 =&lt; 4)’</a:t>
+              <a:t>	This technique takes the constraints of the problem and turns them into 	equivalent but complex constraints. For example, a ‘variable1 == 4’ will be 	changed into ‘(variable1 &gt;= 4) and (variable1 =&lt; 4)’</a:t>
             </a:r>
           </a:p>
           <a:p>
@@ -2498,7 +2498,7 @@
                 <a:latin typeface="Arial" panose="020B0604020202020204" pitchFamily="34" charset="0"/>
                 <a:cs typeface="Arial" panose="020B0604020202020204" pitchFamily="34" charset="0"/>
               </a:rPr>
-              <a:t>	The last technique moves away from the fuzz testing world since no changes were 	made to the seed inputs. Instead of changing constraints, here the advantage of 	having 	multiple solvers was used.</a:t>
+              <a:t>	The last technique moves away from the fuzz testing world since no changes were 	made to the seed inputs. Instead of changing constraints, here the advantage of 	having 	multiple solvers is used.</a:t>
             </a:r>
           </a:p>
           <a:p>
@@ -2621,7 +2621,67 @@
                 <a:latin typeface="Arial" panose="020B0604020202020204" pitchFamily="34" charset="0"/>
                 <a:cs typeface="Arial" panose="020B0604020202020204" pitchFamily="34" charset="0"/>
               </a:rPr>
-              <a:t>	The table below shows the found bugs, around two-thirds of the bugs were the 	result of a crash, the others are more critical and result in a wrong output. The 	bugs found surrounding the OR-Tools solver were also found in the Gurobi solver 	this due to both solver sharing a substantial amount of code in the transformations 	of CPMpy. Of the techniques used CTORM found 10 bugs, metamorphic testing 	found the most bug at 13 and differential testing found 11 out of 19 total found 	bugs.</a:t>
+              <a:t>	The table below shows the found bugs, around two-thirds of the bugs were the 	result of a crash, the others are more critical and result in a wrong output. The 	bugs found surrounding the OR-Tools solver were also found in the Gurobi solver 	this due to both solver sharing a substantial amount of code in the transformations 	of CPMpy. Of the techniques used CTORM found </a:t>
+            </a:r>
+            <a:r>
+              <a:rPr lang="en-US" sz="2000" b="1" dirty="0">
+                <a:solidFill>
+                  <a:srgbClr val="000000"/>
+                </a:solidFill>
+                <a:latin typeface="Arial" panose="020B0604020202020204" pitchFamily="34" charset="0"/>
+                <a:cs typeface="Arial" panose="020B0604020202020204" pitchFamily="34" charset="0"/>
+              </a:rPr>
+              <a:t>10</a:t>
+            </a:r>
+            <a:r>
+              <a:rPr lang="en-US" sz="2000" dirty="0">
+                <a:solidFill>
+                  <a:srgbClr val="000000"/>
+                </a:solidFill>
+                <a:latin typeface="Arial" panose="020B0604020202020204" pitchFamily="34" charset="0"/>
+                <a:cs typeface="Arial" panose="020B0604020202020204" pitchFamily="34" charset="0"/>
+              </a:rPr>
+              <a:t> bugs, metamorphic testing 	found the most bug at </a:t>
+            </a:r>
+            <a:r>
+              <a:rPr lang="en-US" sz="2000" b="1" dirty="0">
+                <a:solidFill>
+                  <a:srgbClr val="000000"/>
+                </a:solidFill>
+                <a:latin typeface="Arial" panose="020B0604020202020204" pitchFamily="34" charset="0"/>
+                <a:cs typeface="Arial" panose="020B0604020202020204" pitchFamily="34" charset="0"/>
+              </a:rPr>
+              <a:t>13</a:t>
+            </a:r>
+            <a:r>
+              <a:rPr lang="en-US" sz="2000" dirty="0">
+                <a:solidFill>
+                  <a:srgbClr val="000000"/>
+                </a:solidFill>
+                <a:latin typeface="Arial" panose="020B0604020202020204" pitchFamily="34" charset="0"/>
+                <a:cs typeface="Arial" panose="020B0604020202020204" pitchFamily="34" charset="0"/>
+              </a:rPr>
+              <a:t> and differential testing found </a:t>
+            </a:r>
+            <a:r>
+              <a:rPr lang="en-US" sz="2000" b="1" dirty="0">
+                <a:solidFill>
+                  <a:srgbClr val="000000"/>
+                </a:solidFill>
+                <a:latin typeface="Arial" panose="020B0604020202020204" pitchFamily="34" charset="0"/>
+                <a:cs typeface="Arial" panose="020B0604020202020204" pitchFamily="34" charset="0"/>
+              </a:rPr>
+              <a:t>11</a:t>
+            </a:r>
+            <a:r>
+              <a:rPr lang="en-US" sz="2000" dirty="0">
+                <a:solidFill>
+                  <a:srgbClr val="000000"/>
+                </a:solidFill>
+                <a:latin typeface="Arial" panose="020B0604020202020204" pitchFamily="34" charset="0"/>
+                <a:cs typeface="Arial" panose="020B0604020202020204" pitchFamily="34" charset="0"/>
+              </a:rPr>
+              <a:t> out of 19 total found 	bugs.</a:t>
             </a:r>
           </a:p>
           <a:p>
@@ -2847,7 +2907,7 @@
                 <a:latin typeface="Arial" panose="020B0604020202020204" pitchFamily="34" charset="0"/>
                 <a:cs typeface="Arial" panose="020B0604020202020204" pitchFamily="34" charset="0"/>
               </a:rPr>
-              <a:t>	None of the techniques got a perfect score, meaning that when looking for all bugs 	a combination of tools will be needed. As in the real world there is no silver bullet 	on bug catching. This does not take away the utility of each of the techniques 	used. Metamorphic testing can be used to guide the fuzz tester on a specific code 	area by choosing which metamorphic transformations used and differential testing 	is easy to set up and to test between similar solvers.</a:t>
+              <a:t>	None of the techniques got a perfect score, meaning that when looking for all bugs 	a combination of tools will be needed. As in the real world there is no silver bullet 	on bug catching. This does not take away the utility of each of the techniques 	used. CTORM is relatively easy to turn on and to forget about until it is done.	Metamorphic testing can be used to guide the fuzz tester on a specific code 	area 	by choosing which metamorphic transformations used. Differential testing is easy 	to set up and to test between similar solvers.</a:t>
             </a:r>
             <a:endParaRPr lang="en-US" sz="2800" dirty="0">
               <a:solidFill>
@@ -2859,7 +2919,7 @@
           </a:p>
           <a:p>
             <a:pPr defTabSz="411480"/>
-            <a:endParaRPr lang="en-US" sz="2800" dirty="0">
+            <a:endParaRPr lang="en-US" sz="1800" dirty="0">
               <a:solidFill>
                 <a:srgbClr val="000000"/>
               </a:solidFill>
@@ -2907,17 +2967,13 @@
                 <a:effectLst/>
                 <a:latin typeface="Arial" panose="020B0604020202020204" pitchFamily="34" charset="0"/>
               </a:rPr>
-              <a:t>	M</a:t>
-            </a:r>
-            <a:r>
-              <a:rPr lang="en-GB" sz="2000" dirty="0">
-                <a:effectLst/>
-                <a:latin typeface="Arial" panose="020B0604020202020204" pitchFamily="34" charset="0"/>
-              </a:rPr>
-              <a:t>ost interesting is fuzz testing the configuration space of the solvers on top of 	fuzz testing the input, as discussed by </a:t>
+              <a:t>	Most interesting is fuzz testing the configuration space of the solvers on top of 	fuzz testing the input, as discussed by </a:t>
             </a:r>
             <a:r>
               <a:rPr lang="en-US" sz="2000" dirty="0">
+                <a:solidFill>
+                  <a:srgbClr val="000000"/>
+                </a:solidFill>
                 <a:effectLst/>
                 <a:latin typeface="Arial" panose="020B0604020202020204" pitchFamily="34" charset="0"/>
               </a:rPr>
@@ -2925,24 +2981,13 @@
             </a:r>
             <a:r>
               <a:rPr lang="en-GB" sz="2000" dirty="0">
+                <a:solidFill>
+                  <a:srgbClr val="000000"/>
+                </a:solidFill>
                 <a:effectLst/>
                 <a:latin typeface="Arial" panose="020B0604020202020204" pitchFamily="34" charset="0"/>
               </a:rPr>
-              <a:t> [2]. </a:t>
-            </a:r>
-            <a:r>
-              <a:rPr lang="en-GB" sz="2000">
-                <a:effectLst/>
-                <a:latin typeface="Arial" panose="020B0604020202020204" pitchFamily="34" charset="0"/>
-              </a:rPr>
-              <a:t>For </a:t>
-            </a:r>
-            <a:r>
-              <a:rPr lang="en-GB" sz="2000" dirty="0">
-                <a:effectLst/>
-                <a:latin typeface="Arial" panose="020B0604020202020204" pitchFamily="34" charset="0"/>
-              </a:rPr>
-              <a:t>example, there 	could be bugs that only occur when certain optimizations are turned on or off like: 	dynamic symmetry breaking or others.</a:t>
+              <a:t> [2]. For example, there 	could be bugs that only occur when certain optimizations are turned on or off like: 	dynamic symmetry breaking or others.</a:t>
             </a:r>
             <a:endParaRPr lang="en-US" sz="2000" dirty="0">
               <a:solidFill>
@@ -2978,8 +3023,8 @@
         </p:nvSpPr>
         <p:spPr>
           <a:xfrm>
-            <a:off x="1577697" y="18512502"/>
-            <a:ext cx="7638738" cy="2885463"/>
+            <a:off x="1719192" y="18385352"/>
+            <a:ext cx="7822675" cy="2885463"/>
           </a:xfrm>
           <a:prstGeom prst="rect">
             <a:avLst/>
@@ -3278,851 +3323,1025 @@
           <a:fontRef idx="none"/>
         </p:style>
       </p:cxnSp>
-      <mc:AlternateContent xmlns:mc="http://schemas.openxmlformats.org/markup-compatibility/2006">
-        <mc:Choice xmlns:a14="http://schemas.microsoft.com/office/drawing/2010/main" Requires="a14">
-          <p:sp>
-            <p:nvSpPr>
-              <p:cNvPr id="15" name="TextBox 14">
-                <a:extLst>
-                  <a:ext uri="{FF2B5EF4-FFF2-40B4-BE49-F238E27FC236}">
-                    <a16:creationId xmlns:a16="http://schemas.microsoft.com/office/drawing/2014/main" id="{92A8A40A-7EC1-8A0D-20E4-59A347C53C8D}"/>
-                  </a:ext>
-                </a:extLst>
-              </p:cNvPr>
-              <p:cNvSpPr txBox="1"/>
-              <p:nvPr/>
-            </p:nvSpPr>
-            <p:spPr>
-              <a:xfrm>
-                <a:off x="504627" y="2277064"/>
-                <a:ext cx="9586795" cy="16479253"/>
-              </a:xfrm>
-              <a:prstGeom prst="rect">
-                <a:avLst/>
-              </a:prstGeom>
-              <a:noFill/>
-              <a:ln w="12700" cap="flat">
+      <p:sp>
+        <p:nvSpPr>
+          <p:cNvPr id="15" name="TextBox 14">
+            <a:extLst>
+              <a:ext uri="{FF2B5EF4-FFF2-40B4-BE49-F238E27FC236}">
+                <a16:creationId xmlns:a16="http://schemas.microsoft.com/office/drawing/2014/main" id="{92A8A40A-7EC1-8A0D-20E4-59A347C53C8D}"/>
+              </a:ext>
+            </a:extLst>
+          </p:cNvPr>
+          <p:cNvSpPr txBox="1"/>
+          <p:nvPr/>
+        </p:nvSpPr>
+        <p:spPr>
+          <a:xfrm>
+            <a:off x="504627" y="2277064"/>
+            <a:ext cx="9586795" cy="16725474"/>
+          </a:xfrm>
+          <a:prstGeom prst="rect">
+            <a:avLst/>
+          </a:prstGeom>
+          <a:noFill/>
+          <a:ln w="12700" cap="flat">
+            <a:noFill/>
+            <a:miter lim="400000"/>
+          </a:ln>
+          <a:effectLst/>
+          <a:sp3d/>
+        </p:spPr>
+        <p:style>
+          <a:lnRef idx="0">
+            <a:scrgbClr r="0" g="0" b="0"/>
+          </a:lnRef>
+          <a:fillRef idx="0">
+            <a:scrgbClr r="0" g="0" b="0"/>
+          </a:fillRef>
+          <a:effectRef idx="0">
+            <a:scrgbClr r="0" g="0" b="0"/>
+          </a:effectRef>
+          <a:fontRef idx="none"/>
+        </p:style>
+        <p:txBody>
+          <a:bodyPr rot="0" spcFirstLastPara="1" vertOverflow="overflow" horzOverflow="overflow" vert="horz" wrap="square" lIns="45719" tIns="45719" rIns="45719" bIns="45719" numCol="1" spcCol="38100" rtlCol="0" anchor="t">
+            <a:spAutoFit/>
+          </a:bodyPr>
+          <a:lstStyle/>
+          <a:p>
+            <a:pPr marL="0" marR="0" indent="0" algn="l" defTabSz="411480" rtl="0" fontAlgn="auto" latinLnBrk="0" hangingPunct="0">
+              <a:lnSpc>
+                <a:spcPct val="100000"/>
+              </a:lnSpc>
+              <a:spcBef>
+                <a:spcPts val="0"/>
+              </a:spcBef>
+              <a:spcAft>
+                <a:spcPts val="0"/>
+              </a:spcAft>
+              <a:buClrTx/>
+              <a:buSzTx/>
+              <a:buFontTx/>
+              <a:buNone/>
+              <a:tabLst/>
+            </a:pPr>
+            <a:r>
+              <a:rPr kumimoji="0" lang="en-US" sz="2800" b="0" i="0" u="none" strike="noStrike" cap="none" spc="0" normalizeH="0" baseline="0" dirty="0">
+                <a:ln>
+                  <a:noFill/>
+                </a:ln>
+                <a:solidFill>
+                  <a:srgbClr val="000000"/>
+                </a:solidFill>
+                <a:effectLst/>
+                <a:uFillTx/>
+                <a:latin typeface="Arial" panose="020B0604020202020204" pitchFamily="34" charset="0"/>
+                <a:cs typeface="Arial" panose="020B0604020202020204" pitchFamily="34" charset="0"/>
+                <a:sym typeface="Gill Sans Nova"/>
+              </a:rPr>
+              <a:t>Motivation</a:t>
+            </a:r>
+          </a:p>
+          <a:p>
+            <a:pPr marL="0" marR="0" indent="0" algn="l" defTabSz="411480" rtl="0" fontAlgn="auto" latinLnBrk="0" hangingPunct="0">
+              <a:lnSpc>
+                <a:spcPct val="100000"/>
+              </a:lnSpc>
+              <a:spcBef>
+                <a:spcPts val="0"/>
+              </a:spcBef>
+              <a:spcAft>
+                <a:spcPts val="0"/>
+              </a:spcAft>
+              <a:buClrTx/>
+              <a:buSzTx/>
+              <a:buFontTx/>
+              <a:buNone/>
+              <a:tabLst/>
+            </a:pPr>
+            <a:endParaRPr kumimoji="0" lang="en-US" sz="2000" b="0" i="0" u="none" strike="noStrike" cap="none" spc="0" normalizeH="0" baseline="0" dirty="0">
+              <a:ln>
                 <a:noFill/>
-                <a:miter lim="400000"/>
               </a:ln>
+              <a:solidFill>
+                <a:srgbClr val="000000"/>
+              </a:solidFill>
               <a:effectLst/>
-              <a:sp3d/>
-            </p:spPr>
-            <p:style>
-              <a:lnRef idx="0">
-                <a:scrgbClr r="0" g="0" b="0"/>
-              </a:lnRef>
-              <a:fillRef idx="0">
-                <a:scrgbClr r="0" g="0" b="0"/>
-              </a:fillRef>
-              <a:effectRef idx="0">
-                <a:scrgbClr r="0" g="0" b="0"/>
-              </a:effectRef>
-              <a:fontRef idx="none"/>
-            </p:style>
-            <p:txBody>
-              <a:bodyPr rot="0" spcFirstLastPara="1" vertOverflow="overflow" horzOverflow="overflow" vert="horz" wrap="square" lIns="45719" tIns="45719" rIns="45719" bIns="45719" numCol="1" spcCol="38100" rtlCol="0" anchor="t">
-                <a:spAutoFit/>
-              </a:bodyPr>
-              <a:lstStyle/>
-              <a:p>
-                <a:pPr marL="0" marR="0" indent="0" algn="l" defTabSz="411480" rtl="0" fontAlgn="auto" latinLnBrk="0" hangingPunct="0">
-                  <a:lnSpc>
-                    <a:spcPct val="100000"/>
-                  </a:lnSpc>
-                  <a:spcBef>
-                    <a:spcPts val="0"/>
-                  </a:spcBef>
-                  <a:spcAft>
-                    <a:spcPts val="0"/>
-                  </a:spcAft>
-                  <a:buClrTx/>
-                  <a:buSzTx/>
-                  <a:buFontTx/>
-                  <a:buNone/>
-                  <a:tabLst/>
-                </a:pPr>
-                <a:r>
-                  <a:rPr kumimoji="0" lang="en-US" sz="2800" b="0" i="0" u="none" strike="noStrike" cap="none" spc="0" normalizeH="0" baseline="0" dirty="0">
-                    <a:ln>
-                      <a:noFill/>
-                    </a:ln>
-                    <a:solidFill>
-                      <a:srgbClr val="000000"/>
-                    </a:solidFill>
-                    <a:effectLst/>
-                    <a:uFillTx/>
-                    <a:latin typeface="Arial" panose="020B0604020202020204" pitchFamily="34" charset="0"/>
-                    <a:cs typeface="Arial" panose="020B0604020202020204" pitchFamily="34" charset="0"/>
-                    <a:sym typeface="Gill Sans Nova"/>
-                  </a:rPr>
-                  <a:t>Motivation</a:t>
-                </a:r>
-              </a:p>
-              <a:p>
-                <a:pPr marL="0" marR="0" indent="0" algn="l" defTabSz="411480" rtl="0" fontAlgn="auto" latinLnBrk="0" hangingPunct="0">
-                  <a:lnSpc>
-                    <a:spcPct val="100000"/>
-                  </a:lnSpc>
-                  <a:spcBef>
-                    <a:spcPts val="0"/>
-                  </a:spcBef>
-                  <a:spcAft>
-                    <a:spcPts val="0"/>
-                  </a:spcAft>
-                  <a:buClrTx/>
-                  <a:buSzTx/>
-                  <a:buFontTx/>
-                  <a:buNone/>
-                  <a:tabLst/>
-                </a:pPr>
-                <a:endParaRPr kumimoji="0" lang="en-US" sz="2000" b="0" i="0" u="none" strike="noStrike" cap="none" spc="0" normalizeH="0" baseline="0" dirty="0">
-                  <a:ln>
-                    <a:noFill/>
-                  </a:ln>
-                  <a:solidFill>
-                    <a:srgbClr val="000000"/>
-                  </a:solidFill>
-                  <a:effectLst/>
-                  <a:uFillTx/>
-                  <a:latin typeface="Arial" panose="020B0604020202020204" pitchFamily="34" charset="0"/>
-                  <a:cs typeface="Arial" panose="020B0604020202020204" pitchFamily="34" charset="0"/>
-                  <a:sym typeface="Gill Sans Nova"/>
-                </a:endParaRPr>
-              </a:p>
-              <a:p>
-                <a:pPr marL="0" marR="0" indent="0" algn="l" defTabSz="411480" rtl="0" fontAlgn="auto" latinLnBrk="0" hangingPunct="0">
-                  <a:lnSpc>
-                    <a:spcPct val="100000"/>
-                  </a:lnSpc>
-                  <a:spcBef>
-                    <a:spcPts val="0"/>
-                  </a:spcBef>
-                  <a:spcAft>
-                    <a:spcPts val="0"/>
-                  </a:spcAft>
-                  <a:buClrTx/>
-                  <a:buSzTx/>
-                  <a:buFontTx/>
-                  <a:buNone/>
-                  <a:tabLst/>
-                </a:pPr>
-                <a:r>
-                  <a:rPr kumimoji="0" lang="en-US" sz="2000" b="0" i="0" u="none" strike="noStrike" cap="none" spc="0" normalizeH="0" baseline="0" dirty="0">
-                    <a:ln>
-                      <a:noFill/>
-                    </a:ln>
-                    <a:solidFill>
-                      <a:srgbClr val="000000"/>
-                    </a:solidFill>
-                    <a:effectLst/>
-                    <a:uFillTx/>
-                    <a:latin typeface="Arial" panose="020B0604020202020204" pitchFamily="34" charset="0"/>
-                    <a:cs typeface="Arial" panose="020B0604020202020204" pitchFamily="34" charset="0"/>
-                    <a:sym typeface="Gill Sans Nova"/>
-                  </a:rPr>
-                  <a:t>	Given a program that returns the solvability and solutions on mathematical and 	logical problems with complex constraints, how would we test that it always give 	the correct solution?</a:t>
-                </a:r>
-              </a:p>
-              <a:p>
-                <a:pPr marL="0" marR="0" indent="0" algn="l" defTabSz="411480" rtl="0" fontAlgn="auto" latinLnBrk="0" hangingPunct="0">
-                  <a:lnSpc>
-                    <a:spcPct val="100000"/>
-                  </a:lnSpc>
-                  <a:spcBef>
-                    <a:spcPts val="0"/>
-                  </a:spcBef>
-                  <a:spcAft>
-                    <a:spcPts val="0"/>
-                  </a:spcAft>
-                  <a:buClrTx/>
-                  <a:buSzTx/>
-                  <a:buFontTx/>
-                  <a:buNone/>
-                  <a:tabLst/>
-                </a:pPr>
-                <a:endParaRPr lang="en-US" sz="2000" dirty="0">
-                  <a:solidFill>
-                    <a:srgbClr val="000000"/>
-                  </a:solidFill>
-                  <a:latin typeface="Arial" panose="020B0604020202020204" pitchFamily="34" charset="0"/>
-                  <a:cs typeface="Arial" panose="020B0604020202020204" pitchFamily="34" charset="0"/>
-                </a:endParaRPr>
-              </a:p>
-              <a:p>
-                <a:pPr lvl="6" indent="0" defTabSz="411480"/>
-                <a:r>
-                  <a:rPr kumimoji="0" lang="en-US" sz="1600" b="0" i="0" u="none" strike="noStrike" cap="none" spc="0" normalizeH="0" baseline="0" dirty="0">
-                    <a:ln>
-                      <a:noFill/>
-                    </a:ln>
-                    <a:solidFill>
-                      <a:srgbClr val="000000"/>
-                    </a:solidFill>
-                    <a:effectLst/>
-                    <a:uFillTx/>
-                    <a:latin typeface="Arial" panose="020B0604020202020204" pitchFamily="34" charset="0"/>
-                    <a:cs typeface="Arial" panose="020B0604020202020204" pitchFamily="34" charset="0"/>
-                    <a:sym typeface="Gill Sans Nova"/>
-                  </a:rPr>
-                  <a:t>	Code review? 			(Lot of work, can it find complex combinations bugs)</a:t>
-                </a:r>
-              </a:p>
-              <a:p>
-                <a:pPr lvl="6" indent="0" defTabSz="411480"/>
-                <a:r>
-                  <a:rPr lang="en-US" sz="1600" dirty="0">
-                    <a:solidFill>
-                      <a:srgbClr val="000000"/>
-                    </a:solidFill>
-                    <a:latin typeface="Arial" panose="020B0604020202020204" pitchFamily="34" charset="0"/>
-                    <a:cs typeface="Arial" panose="020B0604020202020204" pitchFamily="34" charset="0"/>
-                  </a:rPr>
-                  <a:t>	Regression tests?			(No focus on finding new bugs)</a:t>
-                </a:r>
-                <a:endParaRPr kumimoji="0" lang="en-US" sz="1600" b="0" i="0" u="none" strike="noStrike" cap="none" spc="0" normalizeH="0" baseline="0" dirty="0">
-                  <a:ln>
-                    <a:noFill/>
-                  </a:ln>
-                  <a:solidFill>
-                    <a:srgbClr val="000000"/>
-                  </a:solidFill>
-                  <a:effectLst/>
-                  <a:uFillTx/>
-                  <a:latin typeface="Arial" panose="020B0604020202020204" pitchFamily="34" charset="0"/>
-                  <a:cs typeface="Arial" panose="020B0604020202020204" pitchFamily="34" charset="0"/>
-                  <a:sym typeface="Gill Sans Nova"/>
-                </a:endParaRPr>
-              </a:p>
-              <a:p>
-                <a:pPr lvl="6" indent="0" defTabSz="411480"/>
-                <a:r>
-                  <a:rPr lang="en-US" sz="1600" dirty="0">
-                    <a:solidFill>
-                      <a:srgbClr val="000000"/>
-                    </a:solidFill>
-                    <a:latin typeface="Arial" panose="020B0604020202020204" pitchFamily="34" charset="0"/>
-                    <a:cs typeface="Arial" panose="020B0604020202020204" pitchFamily="34" charset="0"/>
-                  </a:rPr>
-                  <a:t>	Unit tests?				(Lot of work to make and keep up to date)</a:t>
-                </a:r>
-              </a:p>
-              <a:p>
-                <a:pPr lvl="6" indent="0" defTabSz="411480"/>
-                <a:r>
-                  <a:rPr kumimoji="0" lang="en-US" sz="1600" b="0" i="0" u="none" strike="noStrike" cap="none" spc="0" normalizeH="0" baseline="0" dirty="0">
-                    <a:ln>
-                      <a:noFill/>
-                    </a:ln>
-                    <a:solidFill>
-                      <a:srgbClr val="000000"/>
-                    </a:solidFill>
-                    <a:effectLst/>
-                    <a:uFillTx/>
-                    <a:latin typeface="Arial" panose="020B0604020202020204" pitchFamily="34" charset="0"/>
-                    <a:cs typeface="Arial" panose="020B0604020202020204" pitchFamily="34" charset="0"/>
-                    <a:sym typeface="Gill Sans Nova"/>
-                  </a:rPr>
-                  <a:t>	Integration tests?			(Combinatorial explosions, to much to test)</a:t>
-                </a:r>
-              </a:p>
-              <a:p>
-                <a:pPr lvl="6" indent="0" defTabSz="411480"/>
-                <a:r>
-                  <a:rPr lang="en-US" sz="1600" dirty="0">
-                    <a:solidFill>
-                      <a:srgbClr val="000000"/>
-                    </a:solidFill>
-                    <a:latin typeface="Arial" panose="020B0604020202020204" pitchFamily="34" charset="0"/>
-                    <a:cs typeface="Arial" panose="020B0604020202020204" pitchFamily="34" charset="0"/>
-                  </a:rPr>
-                  <a:t>	Fuzz tests?				(Excels in creating and testing of newly unseen inputs)</a:t>
-                </a:r>
-              </a:p>
-              <a:p>
-                <a:pPr lvl="6" indent="0" defTabSz="411480"/>
-                <a:endParaRPr lang="en-US" sz="2000" dirty="0">
-                  <a:solidFill>
-                    <a:srgbClr val="000000"/>
-                  </a:solidFill>
-                  <a:latin typeface="Arial" panose="020B0604020202020204" pitchFamily="34" charset="0"/>
-                  <a:cs typeface="Arial" panose="020B0604020202020204" pitchFamily="34" charset="0"/>
-                </a:endParaRPr>
-              </a:p>
-              <a:p>
-                <a:pPr marL="0" marR="0" indent="0" algn="l" defTabSz="411480" rtl="0" fontAlgn="auto" latinLnBrk="0" hangingPunct="0">
-                  <a:lnSpc>
-                    <a:spcPct val="100000"/>
-                  </a:lnSpc>
-                  <a:spcBef>
-                    <a:spcPts val="0"/>
-                  </a:spcBef>
-                  <a:spcAft>
-                    <a:spcPts val="0"/>
-                  </a:spcAft>
-                  <a:buClrTx/>
-                  <a:buSzTx/>
-                  <a:buFontTx/>
-                  <a:buNone/>
-                  <a:tabLst/>
-                </a:pPr>
-                <a:r>
-                  <a:rPr kumimoji="0" lang="en-US" sz="2800" b="0" i="0" u="none" strike="noStrike" cap="none" spc="0" normalizeH="0" baseline="0" dirty="0">
-                    <a:ln>
-                      <a:noFill/>
-                    </a:ln>
-                    <a:solidFill>
-                      <a:srgbClr val="000000"/>
-                    </a:solidFill>
-                    <a:effectLst/>
-                    <a:uFillTx/>
-                    <a:latin typeface="Arial" panose="020B0604020202020204" pitchFamily="34" charset="0"/>
-                    <a:cs typeface="Arial" panose="020B0604020202020204" pitchFamily="34" charset="0"/>
-                    <a:sym typeface="Gill Sans Nova"/>
-                  </a:rPr>
-                  <a:t>Problem</a:t>
-                </a:r>
-                <a:endParaRPr kumimoji="0" lang="en-US" sz="1800" b="0" i="0" u="none" strike="noStrike" cap="none" spc="0" normalizeH="0" baseline="0" dirty="0">
-                  <a:ln>
-                    <a:noFill/>
-                  </a:ln>
-                  <a:solidFill>
-                    <a:srgbClr val="000000"/>
-                  </a:solidFill>
-                  <a:effectLst/>
-                  <a:uFillTx/>
-                  <a:latin typeface="Arial" panose="020B0604020202020204" pitchFamily="34" charset="0"/>
-                  <a:cs typeface="Arial" panose="020B0604020202020204" pitchFamily="34" charset="0"/>
-                  <a:sym typeface="Gill Sans Nova"/>
-                </a:endParaRPr>
-              </a:p>
-              <a:p>
-                <a:pPr defTabSz="411480"/>
-                <a:endParaRPr lang="en-US" sz="1800" dirty="0">
-                  <a:solidFill>
-                    <a:srgbClr val="000000"/>
-                  </a:solidFill>
-                  <a:latin typeface="Arial" panose="020B0604020202020204" pitchFamily="34" charset="0"/>
-                  <a:cs typeface="Arial" panose="020B0604020202020204" pitchFamily="34" charset="0"/>
-                </a:endParaRPr>
-              </a:p>
-              <a:p>
-                <a:pPr defTabSz="411480"/>
-                <a:r>
-                  <a:rPr lang="en-GB" sz="2000" dirty="0">
-                    <a:solidFill>
-                      <a:srgbClr val="000000"/>
-                    </a:solidFill>
-                    <a:effectLst/>
-                    <a:latin typeface="Arial" panose="020B0604020202020204" pitchFamily="34" charset="0"/>
-                    <a:cs typeface="Arial" panose="020B0604020202020204" pitchFamily="34" charset="0"/>
-                  </a:rPr>
-                  <a:t>	Bugs are practically unavoidable and always unwanted, especially when a user 	can not easily doublecheck the result, which is the case in constraint 	programming (CP). On top of that, CP often requires combinations of constraints 	to model a problem, these combinations of constraints may have never been 	seen by a CP-solver and therefore could include untested code and bugs. </a:t>
-                </a:r>
-              </a:p>
-              <a:p>
-                <a:pPr defTabSz="411480"/>
-                <a:r>
-                  <a:rPr lang="en-GB" sz="2000">
-                    <a:solidFill>
-                      <a:srgbClr val="000000"/>
-                    </a:solidFill>
-                    <a:effectLst/>
-                    <a:latin typeface="Arial" panose="020B0604020202020204" pitchFamily="34" charset="0"/>
-                    <a:cs typeface="Arial" panose="020B0604020202020204" pitchFamily="34" charset="0"/>
-                  </a:rPr>
-                  <a:t>	With </a:t>
-                </a:r>
-                <a:r>
-                  <a:rPr lang="en-GB" sz="2000" dirty="0">
-                    <a:solidFill>
-                      <a:srgbClr val="000000"/>
-                    </a:solidFill>
-                    <a:effectLst/>
-                    <a:latin typeface="Arial" panose="020B0604020202020204" pitchFamily="34" charset="0"/>
-                    <a:cs typeface="Arial" panose="020B0604020202020204" pitchFamily="34" charset="0"/>
-                  </a:rPr>
-                  <a:t>fuzz testing we can create new (and </a:t>
-                </a:r>
-                <a:r>
-                  <a:rPr lang="en-GB" sz="2000">
-                    <a:solidFill>
-                      <a:srgbClr val="000000"/>
-                    </a:solidFill>
-                    <a:effectLst/>
-                    <a:latin typeface="Arial" panose="020B0604020202020204" pitchFamily="34" charset="0"/>
-                    <a:cs typeface="Arial" panose="020B0604020202020204" pitchFamily="34" charset="0"/>
-                  </a:rPr>
-                  <a:t>hopefully untested) </a:t>
-                </a:r>
-                <a:r>
-                  <a:rPr lang="en-GB" sz="2000" dirty="0">
-                    <a:solidFill>
-                      <a:srgbClr val="000000"/>
-                    </a:solidFill>
-                    <a:effectLst/>
-                    <a:latin typeface="Arial" panose="020B0604020202020204" pitchFamily="34" charset="0"/>
-                    <a:cs typeface="Arial" panose="020B0604020202020204" pitchFamily="34" charset="0"/>
-                  </a:rPr>
-                  <a:t>problems but we 	will need to know the true solution of the problem, since we can not trust the 	solution given by the CP-solvers to detect mistakes made by the solvers.</a:t>
-                </a:r>
-              </a:p>
-              <a:p>
-                <a:pPr defTabSz="411480"/>
-                <a:endParaRPr lang="en-GB" sz="2000" dirty="0">
-                  <a:solidFill>
-                    <a:srgbClr val="000000"/>
-                  </a:solidFill>
-                  <a:effectLst/>
-                  <a:latin typeface="Arial" panose="020B0604020202020204" pitchFamily="34" charset="0"/>
-                  <a:cs typeface="Arial" panose="020B0604020202020204" pitchFamily="34" charset="0"/>
-                </a:endParaRPr>
-              </a:p>
-              <a:p>
-                <a:pPr marL="0" marR="0" indent="0" algn="l" defTabSz="411480" rtl="0" fontAlgn="auto" latinLnBrk="0" hangingPunct="0">
-                  <a:lnSpc>
-                    <a:spcPct val="100000"/>
-                  </a:lnSpc>
-                  <a:spcBef>
-                    <a:spcPts val="0"/>
-                  </a:spcBef>
-                  <a:spcAft>
-                    <a:spcPts val="0"/>
-                  </a:spcAft>
-                  <a:buClrTx/>
-                  <a:buSzTx/>
-                  <a:buFontTx/>
-                  <a:buNone/>
-                  <a:tabLst/>
-                </a:pPr>
-                <a:r>
-                  <a:rPr kumimoji="0" lang="en-US" sz="2400" b="0" i="0" u="none" strike="noStrike" cap="none" spc="0" normalizeH="0" baseline="0" dirty="0">
-                    <a:ln>
-                      <a:noFill/>
-                    </a:ln>
-                    <a:solidFill>
-                      <a:srgbClr val="000000"/>
-                    </a:solidFill>
-                    <a:effectLst/>
-                    <a:uFillTx/>
-                    <a:latin typeface="Arial" panose="020B0604020202020204" pitchFamily="34" charset="0"/>
-                    <a:cs typeface="Arial" panose="020B0604020202020204" pitchFamily="34" charset="0"/>
-                    <a:sym typeface="Gill Sans Nova"/>
-                  </a:rPr>
-                  <a:t>Background</a:t>
-                </a:r>
-                <a:endParaRPr kumimoji="0" lang="en-US" sz="2000" b="0" i="0" u="none" strike="noStrike" cap="none" spc="0" normalizeH="0" baseline="0" dirty="0">
-                  <a:ln>
-                    <a:noFill/>
-                  </a:ln>
-                  <a:solidFill>
-                    <a:srgbClr val="000000"/>
-                  </a:solidFill>
-                  <a:effectLst/>
-                  <a:uFillTx/>
-                  <a:latin typeface="Arial" panose="020B0604020202020204" pitchFamily="34" charset="0"/>
-                  <a:cs typeface="Arial" panose="020B0604020202020204" pitchFamily="34" charset="0"/>
-                  <a:sym typeface="Gill Sans Nova"/>
-                </a:endParaRPr>
-              </a:p>
-              <a:p>
-                <a:pPr defTabSz="411480"/>
-                <a:r>
-                  <a:rPr lang="en-US" sz="2000" dirty="0">
-                    <a:solidFill>
-                      <a:srgbClr val="000000"/>
-                    </a:solidFill>
-                    <a:latin typeface="Arial" panose="020B0604020202020204" pitchFamily="34" charset="0"/>
-                    <a:cs typeface="Arial" panose="020B0604020202020204" pitchFamily="34" charset="0"/>
-                  </a:rPr>
-                  <a:t>	</a:t>
-                </a:r>
-              </a:p>
-              <a:p>
-                <a:pPr defTabSz="411480"/>
-                <a:r>
-                  <a:rPr lang="en-US" sz="2000" dirty="0">
-                    <a:solidFill>
-                      <a:srgbClr val="000000"/>
-                    </a:solidFill>
-                    <a:latin typeface="Arial" panose="020B0604020202020204" pitchFamily="34" charset="0"/>
-                    <a:cs typeface="Arial" panose="020B0604020202020204" pitchFamily="34" charset="0"/>
-                  </a:rPr>
-                  <a:t>	CP is used to give solutions to </a:t>
-                </a:r>
-                <a:r>
-                  <a:rPr kumimoji="0" lang="en-US" sz="2000" b="0" i="0" u="none" strike="noStrike" cap="none" spc="0" normalizeH="0" baseline="0" dirty="0">
-                    <a:ln>
-                      <a:noFill/>
-                    </a:ln>
-                    <a:solidFill>
-                      <a:srgbClr val="000000"/>
-                    </a:solidFill>
-                    <a:effectLst/>
-                    <a:uFillTx/>
-                    <a:latin typeface="Arial" panose="020B0604020202020204" pitchFamily="34" charset="0"/>
-                    <a:cs typeface="Arial" panose="020B0604020202020204" pitchFamily="34" charset="0"/>
-                    <a:sym typeface="Gill Sans Nova"/>
-                  </a:rPr>
-                  <a:t>mathematical</a:t>
-                </a:r>
-                <a:r>
-                  <a:rPr lang="en-US" sz="2000" dirty="0">
-                    <a:solidFill>
-                      <a:srgbClr val="000000"/>
-                    </a:solidFill>
-                    <a:latin typeface="Arial" panose="020B0604020202020204" pitchFamily="34" charset="0"/>
-                    <a:cs typeface="Arial" panose="020B0604020202020204" pitchFamily="34" charset="0"/>
-                  </a:rPr>
-                  <a:t> and logical problems in the form of 	constraints. In order to convey the problem to the solver, modeling languages 	have been created like MiniZinc and CPMpy. </a:t>
-                </a:r>
-              </a:p>
-              <a:p>
-                <a:pPr defTabSz="411480"/>
-                <a:r>
-                  <a:rPr lang="en-US" sz="2000" dirty="0">
-                    <a:solidFill>
-                      <a:srgbClr val="000000"/>
-                    </a:solidFill>
-                    <a:latin typeface="Arial" panose="020B0604020202020204" pitchFamily="34" charset="0"/>
-                    <a:cs typeface="Arial" panose="020B0604020202020204" pitchFamily="34" charset="0"/>
-                  </a:rPr>
-                  <a:t>	Fuzz testing is a way of creating new and complex inputs, in order to test them 	on the 	software.</a:t>
-                </a:r>
-              </a:p>
-              <a:p>
-                <a:pPr defTabSz="411480"/>
-                <a:endParaRPr lang="en-US" sz="2000" dirty="0">
-                  <a:solidFill>
-                    <a:srgbClr val="000000"/>
-                  </a:solidFill>
-                  <a:latin typeface="Arial" panose="020B0604020202020204" pitchFamily="34" charset="0"/>
-                  <a:cs typeface="Arial" panose="020B0604020202020204" pitchFamily="34" charset="0"/>
-                </a:endParaRPr>
-              </a:p>
-              <a:p>
-                <a:pPr defTabSz="411480"/>
-                <a:r>
-                  <a:rPr kumimoji="0" lang="en-US" sz="2800" b="0" i="0" u="none" strike="noStrike" cap="none" spc="0" normalizeH="0" baseline="0" dirty="0">
-                    <a:ln>
-                      <a:noFill/>
-                    </a:ln>
-                    <a:solidFill>
-                      <a:srgbClr val="000000"/>
-                    </a:solidFill>
-                    <a:effectLst/>
-                    <a:uFillTx/>
-                    <a:latin typeface="Arial" panose="020B0604020202020204" pitchFamily="34" charset="0"/>
-                    <a:cs typeface="Arial" panose="020B0604020202020204" pitchFamily="34" charset="0"/>
-                    <a:sym typeface="Gill Sans Nova"/>
-                  </a:rPr>
-                  <a:t>Approach</a:t>
-                </a:r>
-                <a:endParaRPr kumimoji="0" lang="en-US" sz="2000" b="0" i="0" u="none" strike="noStrike" cap="none" spc="0" normalizeH="0" baseline="0" dirty="0">
-                  <a:ln>
-                    <a:noFill/>
-                  </a:ln>
-                  <a:solidFill>
-                    <a:srgbClr val="000000"/>
-                  </a:solidFill>
-                  <a:effectLst/>
-                  <a:uFillTx/>
-                  <a:latin typeface="Arial" panose="020B0604020202020204" pitchFamily="34" charset="0"/>
-                  <a:cs typeface="Arial" panose="020B0604020202020204" pitchFamily="34" charset="0"/>
-                  <a:sym typeface="Gill Sans Nova"/>
-                </a:endParaRPr>
-              </a:p>
-              <a:p>
-                <a:pPr defTabSz="411480"/>
-                <a:endParaRPr lang="en-US" sz="2000" dirty="0">
-                  <a:solidFill>
-                    <a:srgbClr val="000000"/>
-                  </a:solidFill>
-                  <a:latin typeface="Arial" panose="020B0604020202020204" pitchFamily="34" charset="0"/>
-                  <a:cs typeface="Arial" panose="020B0604020202020204" pitchFamily="34" charset="0"/>
-                </a:endParaRPr>
-              </a:p>
-              <a:p>
-                <a:pPr defTabSz="411480"/>
-                <a:r>
-                  <a:rPr lang="en-US" sz="2000" dirty="0">
-                    <a:solidFill>
-                      <a:srgbClr val="000000"/>
-                    </a:solidFill>
-                    <a:latin typeface="Arial" panose="020B0604020202020204" pitchFamily="34" charset="0"/>
-                    <a:cs typeface="Arial" panose="020B0604020202020204" pitchFamily="34" charset="0"/>
-                  </a:rPr>
-                  <a:t>	In order to create new inputs we need seed-inputs, since generating problems 	often results in the parser complaining that the problem does not make sense. 	We want to test deeper in the program, not just the parser.</a:t>
-                </a:r>
-              </a:p>
-              <a:p>
-                <a:pPr defTabSz="411480"/>
-                <a:endParaRPr lang="en-US" sz="2400" dirty="0">
-                  <a:solidFill>
-                    <a:srgbClr val="000000"/>
-                  </a:solidFill>
-                  <a:latin typeface="Arial" panose="020B0604020202020204" pitchFamily="34" charset="0"/>
-                  <a:cs typeface="Arial" panose="020B0604020202020204" pitchFamily="34" charset="0"/>
-                </a:endParaRPr>
-              </a:p>
-              <a:p>
-                <a:pPr defTabSz="411480"/>
-                <a:endParaRPr lang="en-US" sz="2000" dirty="0">
-                  <a:solidFill>
-                    <a:srgbClr val="000000"/>
-                  </a:solidFill>
-                  <a:latin typeface="Arial" panose="020B0604020202020204" pitchFamily="34" charset="0"/>
-                  <a:cs typeface="Arial" panose="020B0604020202020204" pitchFamily="34" charset="0"/>
-                </a:endParaRPr>
-              </a:p>
-              <a:p>
-                <a:pPr defTabSz="411480"/>
-                <a:endParaRPr lang="en-US" sz="2000" dirty="0">
-                  <a:solidFill>
-                    <a:srgbClr val="000000"/>
-                  </a:solidFill>
-                  <a:latin typeface="Arial" panose="020B0604020202020204" pitchFamily="34" charset="0"/>
-                  <a:cs typeface="Arial" panose="020B0604020202020204" pitchFamily="34" charset="0"/>
-                </a:endParaRPr>
-              </a:p>
-              <a:p>
-                <a:pPr defTabSz="411480"/>
-                <a:endParaRPr lang="en-US" sz="2000" dirty="0">
-                  <a:solidFill>
-                    <a:srgbClr val="000000"/>
-                  </a:solidFill>
-                  <a:latin typeface="Arial" panose="020B0604020202020204" pitchFamily="34" charset="0"/>
-                  <a:cs typeface="Arial" panose="020B0604020202020204" pitchFamily="34" charset="0"/>
-                </a:endParaRPr>
-              </a:p>
-              <a:p>
-                <a:pPr defTabSz="411480"/>
-                <a:endParaRPr lang="en-US" sz="2000" dirty="0">
-                  <a:solidFill>
-                    <a:srgbClr val="000000"/>
-                  </a:solidFill>
-                  <a:latin typeface="Arial" panose="020B0604020202020204" pitchFamily="34" charset="0"/>
-                  <a:cs typeface="Arial" panose="020B0604020202020204" pitchFamily="34" charset="0"/>
-                </a:endParaRPr>
-              </a:p>
-              <a:p>
-                <a:pPr defTabSz="411480"/>
-                <a:endParaRPr lang="en-US" sz="2000" dirty="0">
-                  <a:solidFill>
-                    <a:srgbClr val="000000"/>
-                  </a:solidFill>
-                  <a:latin typeface="Arial" panose="020B0604020202020204" pitchFamily="34" charset="0"/>
-                  <a:cs typeface="Arial" panose="020B0604020202020204" pitchFamily="34" charset="0"/>
-                </a:endParaRPr>
-              </a:p>
-              <a:p>
-                <a:pPr defTabSz="411480"/>
-                <a:endParaRPr lang="en-US" sz="2400" dirty="0">
-                  <a:solidFill>
-                    <a:srgbClr val="000000"/>
-                  </a:solidFill>
-                  <a:latin typeface="Arial" panose="020B0604020202020204" pitchFamily="34" charset="0"/>
-                  <a:cs typeface="Arial" panose="020B0604020202020204" pitchFamily="34" charset="0"/>
-                </a:endParaRPr>
-              </a:p>
-              <a:p>
-                <a:pPr defTabSz="411480"/>
-                <a:endParaRPr lang="en-US" sz="2400" dirty="0">
-                  <a:solidFill>
-                    <a:srgbClr val="000000"/>
-                  </a:solidFill>
-                  <a:latin typeface="Arial" panose="020B0604020202020204" pitchFamily="34" charset="0"/>
-                  <a:cs typeface="Arial" panose="020B0604020202020204" pitchFamily="34" charset="0"/>
-                </a:endParaRPr>
-              </a:p>
-              <a:p>
-                <a:pPr defTabSz="411480"/>
-                <a:endParaRPr lang="en-US" sz="2400" dirty="0">
-                  <a:solidFill>
-                    <a:srgbClr val="000000"/>
-                  </a:solidFill>
-                  <a:latin typeface="Arial" panose="020B0604020202020204" pitchFamily="34" charset="0"/>
-                  <a:cs typeface="Arial" panose="020B0604020202020204" pitchFamily="34" charset="0"/>
-                </a:endParaRPr>
-              </a:p>
-              <a:p>
-                <a:pPr defTabSz="411480"/>
-                <a:r>
-                  <a:rPr lang="en-US" sz="2400" dirty="0">
-                    <a:solidFill>
-                      <a:srgbClr val="000000"/>
-                    </a:solidFill>
-                    <a:latin typeface="Arial" panose="020B0604020202020204" pitchFamily="34" charset="0"/>
-                    <a:cs typeface="Arial" panose="020B0604020202020204" pitchFamily="34" charset="0"/>
-                  </a:rPr>
-                  <a:t>Technique 1: CTORM</a:t>
-                </a:r>
-                <a:endParaRPr lang="en-US" sz="1800" dirty="0">
-                  <a:solidFill>
-                    <a:srgbClr val="000000"/>
-                  </a:solidFill>
-                  <a:latin typeface="Arial" panose="020B0604020202020204" pitchFamily="34" charset="0"/>
-                  <a:cs typeface="Arial" panose="020B0604020202020204" pitchFamily="34" charset="0"/>
-                </a:endParaRPr>
-              </a:p>
-              <a:p>
-                <a:pPr defTabSz="411480"/>
-                <a:endParaRPr lang="en-US" sz="1800" dirty="0">
-                  <a:solidFill>
-                    <a:srgbClr val="000000"/>
-                  </a:solidFill>
-                  <a:latin typeface="Arial" panose="020B0604020202020204" pitchFamily="34" charset="0"/>
-                  <a:cs typeface="Arial" panose="020B0604020202020204" pitchFamily="34" charset="0"/>
-                </a:endParaRPr>
-              </a:p>
-              <a:p>
-                <a:pPr defTabSz="411480"/>
-                <a:r>
-                  <a:rPr lang="en-US" sz="2000" dirty="0">
-                    <a:solidFill>
-                      <a:srgbClr val="000000"/>
-                    </a:solidFill>
-                    <a:latin typeface="Arial" panose="020B0604020202020204" pitchFamily="34" charset="0"/>
-                    <a:cs typeface="Arial" panose="020B0604020202020204" pitchFamily="34" charset="0"/>
-                  </a:rPr>
-                  <a:t>	The first technique starts from an existing SMT fuzz tester, </a:t>
-                </a:r>
-                <a14:m>
-                  <m:oMath xmlns:m="http://schemas.openxmlformats.org/officeDocument/2006/math">
-                    <m:sSup>
-                      <m:sSupPr>
-                        <m:ctrlPr>
-                          <a:rPr kumimoji="0" lang="en-GB" sz="2000" b="0" i="1" u="none" strike="noStrike" kern="0" cap="none" spc="0" normalizeH="0" baseline="0" noProof="0" smtClean="0">
-                            <a:ln>
-                              <a:noFill/>
-                            </a:ln>
-                            <a:solidFill>
-                              <a:srgbClr val="3C3C3B"/>
-                            </a:solidFill>
-                            <a:effectLst/>
-                            <a:uLnTx/>
-                            <a:uFillTx/>
-                            <a:latin typeface="Cambria Math" panose="02040503050406030204" pitchFamily="18" charset="0"/>
-                            <a:sym typeface="Gill Sans Nova"/>
-                          </a:rPr>
-                        </m:ctrlPr>
-                      </m:sSupPr>
-                      <m:e>
-                        <m:r>
-                          <m:rPr>
-                            <m:sty m:val="p"/>
-                          </m:rPr>
-                          <a:rPr kumimoji="0" lang="en-GB" sz="2000" b="0" i="0" u="none" strike="noStrike" kern="0" cap="none" spc="0" normalizeH="0" baseline="0" noProof="0" smtClean="0">
-                            <a:ln>
-                              <a:noFill/>
-                            </a:ln>
-                            <a:solidFill>
-                              <a:srgbClr val="000000"/>
-                            </a:solidFill>
-                            <a:effectLst/>
-                            <a:uLnTx/>
-                            <a:uFillTx/>
-                            <a:latin typeface="Cambria Math" panose="02040503050406030204" pitchFamily="18" charset="0"/>
-                            <a:sym typeface="Gill Sans Nova"/>
-                          </a:rPr>
-                          <m:t>STORM</m:t>
-                        </m:r>
-                      </m:e>
-                      <m:sup>
-                        <m:r>
-                          <a:rPr kumimoji="0" lang="en-GB" sz="2000" b="0" i="1" u="none" strike="noStrike" kern="0" cap="none" spc="0" normalizeH="0" baseline="0" noProof="0" smtClean="0">
-                            <a:ln>
-                              <a:noFill/>
-                            </a:ln>
-                            <a:solidFill>
-                              <a:srgbClr val="3C3C3B"/>
-                            </a:solidFill>
-                            <a:effectLst/>
-                            <a:uLnTx/>
-                            <a:uFillTx/>
-                            <a:latin typeface="Cambria Math" panose="02040503050406030204" pitchFamily="18" charset="0"/>
-                            <a:sym typeface="Gill Sans Nova"/>
-                          </a:rPr>
-                          <m:t>[1]</m:t>
-                        </m:r>
-                      </m:sup>
-                    </m:sSup>
-                  </m:oMath>
-                </a14:m>
-                <a:r>
-                  <a:rPr lang="en-US" sz="2000" dirty="0">
-                    <a:solidFill>
-                      <a:srgbClr val="000000"/>
-                    </a:solidFill>
-                    <a:latin typeface="Arial" panose="020B0604020202020204" pitchFamily="34" charset="0"/>
-                    <a:cs typeface="Arial" panose="020B0604020202020204" pitchFamily="34" charset="0"/>
-                  </a:rPr>
-                  <a:t> and 	converts it to a CP fuzz tester in order to test CPMpy, hence the name CSTORM 	(from CPMpy-STORM).</a:t>
-                </a:r>
-              </a:p>
-              <a:p>
-                <a:pPr defTabSz="411480"/>
-                <a:endParaRPr lang="en-US" sz="2000" dirty="0">
-                  <a:solidFill>
-                    <a:srgbClr val="000000"/>
-                  </a:solidFill>
-                  <a:latin typeface="Arial" panose="020B0604020202020204" pitchFamily="34" charset="0"/>
-                  <a:cs typeface="Arial" panose="020B0604020202020204" pitchFamily="34" charset="0"/>
-                </a:endParaRPr>
-              </a:p>
-            </p:txBody>
-          </p:sp>
-        </mc:Choice>
-        <mc:Fallback>
-          <p:sp>
-            <p:nvSpPr>
-              <p:cNvPr id="15" name="TextBox 14">
-                <a:extLst>
-                  <a:ext uri="{FF2B5EF4-FFF2-40B4-BE49-F238E27FC236}">
-                    <a16:creationId xmlns:a16="http://schemas.microsoft.com/office/drawing/2014/main" id="{92A8A40A-7EC1-8A0D-20E4-59A347C53C8D}"/>
-                  </a:ext>
-                </a:extLst>
-              </p:cNvPr>
-              <p:cNvSpPr txBox="1">
-                <a:spLocks noRot="1" noChangeAspect="1" noMove="1" noResize="1" noEditPoints="1" noAdjustHandles="1" noChangeArrowheads="1" noChangeShapeType="1" noTextEdit="1"/>
-              </p:cNvSpPr>
-              <p:nvPr/>
-            </p:nvSpPr>
-            <p:spPr>
-              <a:xfrm>
-                <a:off x="504627" y="2277064"/>
-                <a:ext cx="9586795" cy="16479253"/>
-              </a:xfrm>
-              <a:prstGeom prst="rect">
-                <a:avLst/>
-              </a:prstGeom>
-              <a:blipFill>
-                <a:blip r:embed="rId5"/>
-                <a:stretch>
-                  <a:fillRect l="-1781" t="-407" r="-1399"/>
-                </a:stretch>
-              </a:blipFill>
-              <a:ln w="12700" cap="flat">
+              <a:uFillTx/>
+              <a:latin typeface="Arial" panose="020B0604020202020204" pitchFamily="34" charset="0"/>
+              <a:cs typeface="Arial" panose="020B0604020202020204" pitchFamily="34" charset="0"/>
+              <a:sym typeface="Gill Sans Nova"/>
+            </a:endParaRPr>
+          </a:p>
+          <a:p>
+            <a:pPr marL="0" marR="0" indent="0" algn="l" defTabSz="411480" rtl="0" fontAlgn="auto" latinLnBrk="0" hangingPunct="0">
+              <a:lnSpc>
+                <a:spcPct val="100000"/>
+              </a:lnSpc>
+              <a:spcBef>
+                <a:spcPts val="0"/>
+              </a:spcBef>
+              <a:spcAft>
+                <a:spcPts val="0"/>
+              </a:spcAft>
+              <a:buClrTx/>
+              <a:buSzTx/>
+              <a:buFontTx/>
+              <a:buNone/>
+              <a:tabLst/>
+            </a:pPr>
+            <a:r>
+              <a:rPr kumimoji="0" lang="en-US" sz="2000" b="0" i="0" u="none" strike="noStrike" cap="none" spc="0" normalizeH="0" baseline="0" dirty="0">
+                <a:ln>
+                  <a:noFill/>
+                </a:ln>
+                <a:solidFill>
+                  <a:srgbClr val="000000"/>
+                </a:solidFill>
+                <a:effectLst/>
+                <a:uFillTx/>
+                <a:latin typeface="Arial" panose="020B0604020202020204" pitchFamily="34" charset="0"/>
+                <a:cs typeface="Arial" panose="020B0604020202020204" pitchFamily="34" charset="0"/>
+                <a:sym typeface="Gill Sans Nova"/>
+              </a:rPr>
+              <a:t>	Given a program that returns the solutions on mathematical and logical problems 	with complex constraints, how can we test that it always give the correct 	solution?</a:t>
+            </a:r>
+          </a:p>
+          <a:p>
+            <a:pPr marL="0" marR="0" indent="0" algn="l" defTabSz="411480" rtl="0" fontAlgn="auto" latinLnBrk="0" hangingPunct="0">
+              <a:lnSpc>
+                <a:spcPct val="100000"/>
+              </a:lnSpc>
+              <a:spcBef>
+                <a:spcPts val="0"/>
+              </a:spcBef>
+              <a:spcAft>
+                <a:spcPts val="0"/>
+              </a:spcAft>
+              <a:buClrTx/>
+              <a:buSzTx/>
+              <a:buFontTx/>
+              <a:buNone/>
+              <a:tabLst/>
+            </a:pPr>
+            <a:endParaRPr lang="en-US" sz="2000" dirty="0">
+              <a:solidFill>
+                <a:srgbClr val="000000"/>
+              </a:solidFill>
+              <a:latin typeface="Arial" panose="020B0604020202020204" pitchFamily="34" charset="0"/>
+              <a:cs typeface="Arial" panose="020B0604020202020204" pitchFamily="34" charset="0"/>
+            </a:endParaRPr>
+          </a:p>
+          <a:p>
+            <a:pPr lvl="6" indent="0" defTabSz="411480"/>
+            <a:r>
+              <a:rPr kumimoji="0" lang="en-US" sz="1600" b="0" i="0" u="none" strike="noStrike" cap="none" spc="0" normalizeH="0" baseline="0" dirty="0">
+                <a:ln>
+                  <a:noFill/>
+                </a:ln>
+                <a:solidFill>
+                  <a:srgbClr val="000000"/>
+                </a:solidFill>
+                <a:effectLst/>
+                <a:uFillTx/>
+                <a:latin typeface="Arial" panose="020B0604020202020204" pitchFamily="34" charset="0"/>
+                <a:cs typeface="Arial" panose="020B0604020202020204" pitchFamily="34" charset="0"/>
+                <a:sym typeface="Gill Sans Nova"/>
+              </a:rPr>
+              <a:t>	Code review? 		(</a:t>
+            </a:r>
+            <a:r>
+              <a:rPr kumimoji="0" lang="en-US" sz="1600" b="0" i="0" u="none" strike="noStrike" cap="none" spc="0" normalizeH="0" baseline="0" dirty="0">
+                <a:ln>
+                  <a:noFill/>
+                </a:ln>
+                <a:solidFill>
+                  <a:srgbClr val="FF0000"/>
+                </a:solidFill>
+                <a:effectLst/>
+                <a:uFillTx/>
+                <a:latin typeface="Arial" panose="020B0604020202020204" pitchFamily="34" charset="0"/>
+                <a:cs typeface="Arial" panose="020B0604020202020204" pitchFamily="34" charset="0"/>
+                <a:sym typeface="Gill Sans Nova"/>
+              </a:rPr>
+              <a:t>Hard to find complex combinations bugs</a:t>
+            </a:r>
+            <a:r>
+              <a:rPr kumimoji="0" lang="en-US" sz="1600" b="0" i="0" u="none" strike="noStrike" cap="none" spc="0" normalizeH="0" baseline="0" dirty="0">
+                <a:ln>
+                  <a:noFill/>
+                </a:ln>
+                <a:solidFill>
+                  <a:srgbClr val="000000"/>
+                </a:solidFill>
+                <a:effectLst/>
+                <a:uFillTx/>
+                <a:latin typeface="Arial" panose="020B0604020202020204" pitchFamily="34" charset="0"/>
+                <a:cs typeface="Arial" panose="020B0604020202020204" pitchFamily="34" charset="0"/>
+                <a:sym typeface="Gill Sans Nova"/>
+              </a:rPr>
+              <a:t>,</a:t>
+            </a:r>
+            <a:r>
+              <a:rPr kumimoji="0" lang="en-US" sz="1600" b="0" i="0" u="none" strike="noStrike" cap="none" spc="0" normalizeH="0" baseline="0" dirty="0">
+                <a:ln>
+                  <a:noFill/>
+                </a:ln>
+                <a:solidFill>
+                  <a:srgbClr val="00B050"/>
+                </a:solidFill>
+                <a:effectLst/>
+                <a:uFillTx/>
+                <a:latin typeface="Arial" panose="020B0604020202020204" pitchFamily="34" charset="0"/>
+                <a:cs typeface="Arial" panose="020B0604020202020204" pitchFamily="34" charset="0"/>
+                <a:sym typeface="Gill Sans Nova"/>
+              </a:rPr>
+              <a:t> </a:t>
+            </a:r>
+            <a:r>
+              <a:rPr kumimoji="0" lang="en-US" sz="1600" b="0" i="0" u="none" strike="noStrike" cap="none" spc="0" normalizeH="0" baseline="0" dirty="0">
+                <a:ln>
+                  <a:noFill/>
+                </a:ln>
+                <a:solidFill>
+                  <a:srgbClr val="008A3E"/>
+                </a:solidFill>
+                <a:effectLst/>
+                <a:uFillTx/>
+                <a:latin typeface="Arial" panose="020B0604020202020204" pitchFamily="34" charset="0"/>
+                <a:cs typeface="Arial" panose="020B0604020202020204" pitchFamily="34" charset="0"/>
+                <a:sym typeface="Gill Sans Nova"/>
+              </a:rPr>
+              <a:t>Second pair of eyes</a:t>
+            </a:r>
+            <a:r>
+              <a:rPr kumimoji="0" lang="en-US" sz="1600" b="0" i="0" u="none" strike="noStrike" cap="none" spc="0" normalizeH="0" baseline="0" dirty="0">
+                <a:ln>
+                  <a:noFill/>
+                </a:ln>
+                <a:solidFill>
+                  <a:srgbClr val="000000"/>
+                </a:solidFill>
+                <a:effectLst/>
+                <a:uFillTx/>
+                <a:latin typeface="Arial" panose="020B0604020202020204" pitchFamily="34" charset="0"/>
+                <a:cs typeface="Arial" panose="020B0604020202020204" pitchFamily="34" charset="0"/>
+                <a:sym typeface="Gill Sans Nova"/>
+              </a:rPr>
+              <a:t>)</a:t>
+            </a:r>
+          </a:p>
+          <a:p>
+            <a:pPr lvl="6" indent="0" defTabSz="411480"/>
+            <a:r>
+              <a:rPr lang="en-US" sz="1600" dirty="0">
+                <a:solidFill>
+                  <a:srgbClr val="000000"/>
+                </a:solidFill>
+                <a:latin typeface="Arial" panose="020B0604020202020204" pitchFamily="34" charset="0"/>
+                <a:cs typeface="Arial" panose="020B0604020202020204" pitchFamily="34" charset="0"/>
+              </a:rPr>
+              <a:t>	Regression tests?		(</a:t>
+            </a:r>
+            <a:r>
+              <a:rPr lang="en-US" sz="1600" dirty="0">
+                <a:solidFill>
+                  <a:srgbClr val="FF0000"/>
+                </a:solidFill>
+                <a:latin typeface="Arial" panose="020B0604020202020204" pitchFamily="34" charset="0"/>
+                <a:cs typeface="Arial" panose="020B0604020202020204" pitchFamily="34" charset="0"/>
+              </a:rPr>
+              <a:t>No focus on finding new bugs</a:t>
+            </a:r>
+            <a:r>
+              <a:rPr lang="en-US" sz="1600" dirty="0">
+                <a:solidFill>
+                  <a:srgbClr val="000000"/>
+                </a:solidFill>
+                <a:latin typeface="Arial" panose="020B0604020202020204" pitchFamily="34" charset="0"/>
+                <a:cs typeface="Arial" panose="020B0604020202020204" pitchFamily="34" charset="0"/>
+              </a:rPr>
+              <a:t>, </a:t>
+            </a:r>
+            <a:r>
+              <a:rPr lang="en-US" sz="1600" dirty="0">
+                <a:solidFill>
+                  <a:srgbClr val="008A3E"/>
+                </a:solidFill>
+                <a:latin typeface="Arial" panose="020B0604020202020204" pitchFamily="34" charset="0"/>
+                <a:cs typeface="Arial" panose="020B0604020202020204" pitchFamily="34" charset="0"/>
+              </a:rPr>
+              <a:t>Once made is automatic</a:t>
+            </a:r>
+            <a:r>
+              <a:rPr lang="en-US" sz="1600" dirty="0">
+                <a:solidFill>
+                  <a:srgbClr val="000000"/>
+                </a:solidFill>
+                <a:latin typeface="Arial" panose="020B0604020202020204" pitchFamily="34" charset="0"/>
+                <a:cs typeface="Arial" panose="020B0604020202020204" pitchFamily="34" charset="0"/>
+              </a:rPr>
+              <a:t>)</a:t>
+            </a:r>
+            <a:endParaRPr kumimoji="0" lang="en-US" sz="1600" b="0" i="0" u="none" strike="noStrike" cap="none" spc="0" normalizeH="0" baseline="0" dirty="0">
+              <a:ln>
                 <a:noFill/>
-                <a:miter lim="400000"/>
               </a:ln>
+              <a:solidFill>
+                <a:srgbClr val="000000"/>
+              </a:solidFill>
               <a:effectLst/>
-            </p:spPr>
-            <p:txBody>
-              <a:bodyPr/>
-              <a:lstStyle/>
-              <a:p>
-                <a:r>
-                  <a:rPr lang="en-US">
-                    <a:noFill/>
-                  </a:rPr>
-                  <a:t> </a:t>
-                </a:r>
-              </a:p>
-            </p:txBody>
-          </p:sp>
-        </mc:Fallback>
-      </mc:AlternateContent>
+              <a:uFillTx/>
+              <a:latin typeface="Arial" panose="020B0604020202020204" pitchFamily="34" charset="0"/>
+              <a:cs typeface="Arial" panose="020B0604020202020204" pitchFamily="34" charset="0"/>
+              <a:sym typeface="Gill Sans Nova"/>
+            </a:endParaRPr>
+          </a:p>
+          <a:p>
+            <a:pPr lvl="6" indent="0" defTabSz="411480"/>
+            <a:r>
+              <a:rPr lang="en-US" sz="1600" dirty="0">
+                <a:solidFill>
+                  <a:srgbClr val="000000"/>
+                </a:solidFill>
+                <a:latin typeface="Arial" panose="020B0604020202020204" pitchFamily="34" charset="0"/>
+                <a:cs typeface="Arial" panose="020B0604020202020204" pitchFamily="34" charset="0"/>
+              </a:rPr>
+              <a:t>	Unit tests?			(</a:t>
+            </a:r>
+            <a:r>
+              <a:rPr lang="en-US" sz="1600" dirty="0">
+                <a:solidFill>
+                  <a:srgbClr val="FF0000"/>
+                </a:solidFill>
+                <a:latin typeface="Arial" panose="020B0604020202020204" pitchFamily="34" charset="0"/>
+                <a:cs typeface="Arial" panose="020B0604020202020204" pitchFamily="34" charset="0"/>
+              </a:rPr>
+              <a:t>No bigger picture view</a:t>
+            </a:r>
+            <a:r>
+              <a:rPr lang="en-US" sz="1600" dirty="0">
+                <a:solidFill>
+                  <a:srgbClr val="000000"/>
+                </a:solidFill>
+                <a:latin typeface="Arial" panose="020B0604020202020204" pitchFamily="34" charset="0"/>
+                <a:cs typeface="Arial" panose="020B0604020202020204" pitchFamily="34" charset="0"/>
+              </a:rPr>
+              <a:t>,</a:t>
+            </a:r>
+            <a:r>
+              <a:rPr lang="en-US" sz="1600" dirty="0">
+                <a:solidFill>
+                  <a:srgbClr val="FF0000"/>
+                </a:solidFill>
+                <a:latin typeface="Arial" panose="020B0604020202020204" pitchFamily="34" charset="0"/>
+                <a:cs typeface="Arial" panose="020B0604020202020204" pitchFamily="34" charset="0"/>
+              </a:rPr>
+              <a:t> </a:t>
+            </a:r>
+            <a:r>
+              <a:rPr lang="en-US" sz="1600" dirty="0">
+                <a:solidFill>
+                  <a:srgbClr val="008A3E"/>
+                </a:solidFill>
+                <a:latin typeface="Arial" panose="020B0604020202020204" pitchFamily="34" charset="0"/>
+                <a:cs typeface="Arial" panose="020B0604020202020204" pitchFamily="34" charset="0"/>
+              </a:rPr>
+              <a:t>Easier to make</a:t>
+            </a:r>
+            <a:r>
+              <a:rPr lang="en-US" sz="1600" dirty="0">
+                <a:solidFill>
+                  <a:srgbClr val="000000"/>
+                </a:solidFill>
+                <a:latin typeface="Arial" panose="020B0604020202020204" pitchFamily="34" charset="0"/>
+                <a:cs typeface="Arial" panose="020B0604020202020204" pitchFamily="34" charset="0"/>
+              </a:rPr>
+              <a:t>)</a:t>
+            </a:r>
+          </a:p>
+          <a:p>
+            <a:pPr lvl="6" indent="0" defTabSz="411480"/>
+            <a:r>
+              <a:rPr kumimoji="0" lang="en-US" sz="1600" b="0" i="0" u="none" strike="noStrike" cap="none" spc="0" normalizeH="0" baseline="0" dirty="0">
+                <a:ln>
+                  <a:noFill/>
+                </a:ln>
+                <a:solidFill>
+                  <a:srgbClr val="000000"/>
+                </a:solidFill>
+                <a:effectLst/>
+                <a:uFillTx/>
+                <a:latin typeface="Arial" panose="020B0604020202020204" pitchFamily="34" charset="0"/>
+                <a:cs typeface="Arial" panose="020B0604020202020204" pitchFamily="34" charset="0"/>
+                <a:sym typeface="Gill Sans Nova"/>
+              </a:rPr>
+              <a:t>	Integration tests?		(</a:t>
+            </a:r>
+            <a:r>
+              <a:rPr kumimoji="0" lang="en-US" sz="1600" b="0" i="0" u="none" strike="noStrike" cap="none" spc="0" normalizeH="0" baseline="0" dirty="0">
+                <a:ln>
+                  <a:noFill/>
+                </a:ln>
+                <a:solidFill>
+                  <a:srgbClr val="FF0000"/>
+                </a:solidFill>
+                <a:effectLst/>
+                <a:uFillTx/>
+                <a:latin typeface="Arial" panose="020B0604020202020204" pitchFamily="34" charset="0"/>
+                <a:cs typeface="Arial" panose="020B0604020202020204" pitchFamily="34" charset="0"/>
+                <a:sym typeface="Gill Sans Nova"/>
+              </a:rPr>
+              <a:t>Combinatorial explosions to test</a:t>
+            </a:r>
+            <a:r>
+              <a:rPr kumimoji="0" lang="en-GB" sz="1600" b="0" i="0" u="none" strike="noStrike" cap="none" spc="0" normalizeH="0" baseline="0" dirty="0">
+                <a:ln>
+                  <a:noFill/>
+                </a:ln>
+                <a:solidFill>
+                  <a:srgbClr val="000000"/>
+                </a:solidFill>
+                <a:effectLst/>
+                <a:uFillTx/>
+                <a:latin typeface="Arial" panose="020B0604020202020204" pitchFamily="34" charset="0"/>
+                <a:cs typeface="Arial" panose="020B0604020202020204" pitchFamily="34" charset="0"/>
+                <a:sym typeface="Gill Sans Nova"/>
+              </a:rPr>
+              <a:t>,</a:t>
+            </a:r>
+            <a:r>
+              <a:rPr kumimoji="0" lang="en-GB" sz="1600" b="0" i="0" u="none" strike="noStrike" cap="none" spc="0" normalizeH="0" baseline="0" dirty="0">
+                <a:ln>
+                  <a:noFill/>
+                </a:ln>
+                <a:solidFill>
+                  <a:srgbClr val="FF0000"/>
+                </a:solidFill>
+                <a:effectLst/>
+                <a:uFillTx/>
+                <a:latin typeface="Arial" panose="020B0604020202020204" pitchFamily="34" charset="0"/>
+                <a:cs typeface="Arial" panose="020B0604020202020204" pitchFamily="34" charset="0"/>
+                <a:sym typeface="Gill Sans Nova"/>
+              </a:rPr>
+              <a:t> </a:t>
+            </a:r>
+            <a:r>
+              <a:rPr kumimoji="0" lang="en-GB" sz="1600" b="0" i="0" u="none" strike="noStrike" cap="none" spc="0" normalizeH="0" baseline="0" dirty="0">
+                <a:ln>
+                  <a:noFill/>
+                </a:ln>
+                <a:solidFill>
+                  <a:srgbClr val="008A3E"/>
+                </a:solidFill>
+                <a:effectLst/>
+                <a:uFillTx/>
+                <a:latin typeface="Arial" panose="020B0604020202020204" pitchFamily="34" charset="0"/>
+                <a:cs typeface="Arial" panose="020B0604020202020204" pitchFamily="34" charset="0"/>
+                <a:sym typeface="Gill Sans Nova"/>
+              </a:rPr>
+              <a:t>Better at finding </a:t>
+            </a:r>
+            <a:r>
+              <a:rPr kumimoji="0" lang="en-US" sz="1600" b="0" i="0" u="none" strike="noStrike" cap="none" spc="0" normalizeH="0" baseline="0" dirty="0">
+                <a:ln>
+                  <a:noFill/>
+                </a:ln>
+                <a:solidFill>
+                  <a:srgbClr val="008A3E"/>
+                </a:solidFill>
+                <a:effectLst/>
+                <a:uFillTx/>
+                <a:latin typeface="Arial" panose="020B0604020202020204" pitchFamily="34" charset="0"/>
+                <a:cs typeface="Arial" panose="020B0604020202020204" pitchFamily="34" charset="0"/>
+                <a:sym typeface="Gill Sans Nova"/>
+              </a:rPr>
+              <a:t>complex bugs</a:t>
+            </a:r>
+            <a:r>
+              <a:rPr kumimoji="0" lang="en-US" sz="1600" b="0" i="0" u="none" strike="noStrike" cap="none" spc="0" normalizeH="0" baseline="0" dirty="0">
+                <a:ln>
+                  <a:noFill/>
+                </a:ln>
+                <a:solidFill>
+                  <a:srgbClr val="000000"/>
+                </a:solidFill>
+                <a:effectLst/>
+                <a:uFillTx/>
+                <a:latin typeface="Arial" panose="020B0604020202020204" pitchFamily="34" charset="0"/>
+                <a:cs typeface="Arial" panose="020B0604020202020204" pitchFamily="34" charset="0"/>
+                <a:sym typeface="Gill Sans Nova"/>
+              </a:rPr>
+              <a:t>)</a:t>
+            </a:r>
+          </a:p>
+          <a:p>
+            <a:pPr lvl="6" indent="0" defTabSz="411480"/>
+            <a:r>
+              <a:rPr lang="en-US" sz="1600" dirty="0">
+                <a:solidFill>
+                  <a:srgbClr val="000000"/>
+                </a:solidFill>
+                <a:latin typeface="Arial" panose="020B0604020202020204" pitchFamily="34" charset="0"/>
+                <a:cs typeface="Arial" panose="020B0604020202020204" pitchFamily="34" charset="0"/>
+              </a:rPr>
+              <a:t>	Fuzz tests?			(</a:t>
+            </a:r>
+            <a:r>
+              <a:rPr lang="en-US" sz="1600" dirty="0">
+                <a:solidFill>
+                  <a:srgbClr val="FF0000"/>
+                </a:solidFill>
+                <a:latin typeface="Arial" panose="020B0604020202020204" pitchFamily="34" charset="0"/>
+                <a:cs typeface="Arial" panose="020B0604020202020204" pitchFamily="34" charset="0"/>
+              </a:rPr>
+              <a:t>Inf. runtime needed</a:t>
+            </a:r>
+            <a:r>
+              <a:rPr lang="en-US" sz="1600" dirty="0">
+                <a:solidFill>
+                  <a:srgbClr val="000000"/>
+                </a:solidFill>
+                <a:latin typeface="Arial" panose="020B0604020202020204" pitchFamily="34" charset="0"/>
+                <a:cs typeface="Arial" panose="020B0604020202020204" pitchFamily="34" charset="0"/>
+              </a:rPr>
+              <a:t>, </a:t>
+            </a:r>
+            <a:r>
+              <a:rPr lang="en-US" sz="1600" dirty="0">
+                <a:solidFill>
+                  <a:srgbClr val="008A3E"/>
+                </a:solidFill>
+                <a:latin typeface="Arial" panose="020B0604020202020204" pitchFamily="34" charset="0"/>
+                <a:cs typeface="Arial" panose="020B0604020202020204" pitchFamily="34" charset="0"/>
+              </a:rPr>
+              <a:t>Excels in testing </a:t>
+            </a:r>
+            <a:r>
+              <a:rPr kumimoji="0" lang="en-US" sz="1600" b="0" i="0" u="none" strike="noStrike" cap="none" spc="0" normalizeH="0" baseline="0" dirty="0">
+                <a:ln>
+                  <a:noFill/>
+                </a:ln>
+                <a:solidFill>
+                  <a:srgbClr val="008A3E"/>
+                </a:solidFill>
+                <a:effectLst/>
+                <a:uFillTx/>
+                <a:latin typeface="Arial" panose="020B0604020202020204" pitchFamily="34" charset="0"/>
+                <a:cs typeface="Arial" panose="020B0604020202020204" pitchFamily="34" charset="0"/>
+                <a:sym typeface="Gill Sans Nova"/>
+              </a:rPr>
+              <a:t>complex combinations inputs</a:t>
+            </a:r>
+            <a:r>
+              <a:rPr lang="en-US" sz="1600" dirty="0">
+                <a:solidFill>
+                  <a:srgbClr val="000000"/>
+                </a:solidFill>
+                <a:latin typeface="Arial" panose="020B0604020202020204" pitchFamily="34" charset="0"/>
+                <a:cs typeface="Arial" panose="020B0604020202020204" pitchFamily="34" charset="0"/>
+              </a:rPr>
+              <a:t>)</a:t>
+            </a:r>
+          </a:p>
+          <a:p>
+            <a:pPr lvl="6" indent="0" defTabSz="411480"/>
+            <a:endParaRPr lang="en-US" sz="2000" dirty="0">
+              <a:solidFill>
+                <a:srgbClr val="000000"/>
+              </a:solidFill>
+              <a:latin typeface="Arial" panose="020B0604020202020204" pitchFamily="34" charset="0"/>
+              <a:cs typeface="Arial" panose="020B0604020202020204" pitchFamily="34" charset="0"/>
+            </a:endParaRPr>
+          </a:p>
+          <a:p>
+            <a:pPr marL="0" marR="0" indent="0" algn="l" defTabSz="411480" rtl="0" fontAlgn="auto" latinLnBrk="0" hangingPunct="0">
+              <a:lnSpc>
+                <a:spcPct val="100000"/>
+              </a:lnSpc>
+              <a:spcBef>
+                <a:spcPts val="0"/>
+              </a:spcBef>
+              <a:spcAft>
+                <a:spcPts val="0"/>
+              </a:spcAft>
+              <a:buClrTx/>
+              <a:buSzTx/>
+              <a:buFontTx/>
+              <a:buNone/>
+              <a:tabLst/>
+            </a:pPr>
+            <a:r>
+              <a:rPr kumimoji="0" lang="en-US" sz="2800" b="0" i="0" u="none" strike="noStrike" cap="none" spc="0" normalizeH="0" baseline="0" dirty="0">
+                <a:ln>
+                  <a:noFill/>
+                </a:ln>
+                <a:solidFill>
+                  <a:srgbClr val="000000"/>
+                </a:solidFill>
+                <a:effectLst/>
+                <a:uFillTx/>
+                <a:latin typeface="Arial" panose="020B0604020202020204" pitchFamily="34" charset="0"/>
+                <a:cs typeface="Arial" panose="020B0604020202020204" pitchFamily="34" charset="0"/>
+                <a:sym typeface="Gill Sans Nova"/>
+              </a:rPr>
+              <a:t>Problem</a:t>
+            </a:r>
+            <a:endParaRPr kumimoji="0" lang="en-US" sz="1800" b="0" i="0" u="none" strike="noStrike" cap="none" spc="0" normalizeH="0" baseline="0" dirty="0">
+              <a:ln>
+                <a:noFill/>
+              </a:ln>
+              <a:solidFill>
+                <a:srgbClr val="000000"/>
+              </a:solidFill>
+              <a:effectLst/>
+              <a:uFillTx/>
+              <a:latin typeface="Arial" panose="020B0604020202020204" pitchFamily="34" charset="0"/>
+              <a:cs typeface="Arial" panose="020B0604020202020204" pitchFamily="34" charset="0"/>
+              <a:sym typeface="Gill Sans Nova"/>
+            </a:endParaRPr>
+          </a:p>
+          <a:p>
+            <a:pPr defTabSz="411480"/>
+            <a:endParaRPr lang="en-US" sz="1800" dirty="0">
+              <a:solidFill>
+                <a:srgbClr val="000000"/>
+              </a:solidFill>
+              <a:latin typeface="Arial" panose="020B0604020202020204" pitchFamily="34" charset="0"/>
+              <a:cs typeface="Arial" panose="020B0604020202020204" pitchFamily="34" charset="0"/>
+            </a:endParaRPr>
+          </a:p>
+          <a:p>
+            <a:pPr defTabSz="411480"/>
+            <a:r>
+              <a:rPr lang="en-GB" sz="2000" dirty="0">
+                <a:solidFill>
+                  <a:srgbClr val="000000"/>
+                </a:solidFill>
+                <a:effectLst/>
+                <a:latin typeface="Arial" panose="020B0604020202020204" pitchFamily="34" charset="0"/>
+                <a:cs typeface="Arial" panose="020B0604020202020204" pitchFamily="34" charset="0"/>
+              </a:rPr>
+              <a:t>	Bugs are practically unavoidable and always unwanted, especially when a user 	can not easily double-check the result, which is the case in constraint 	programming (CP). On top of that, the possible expressivity of CP results in 	complex combinations of constraints to model a problem, these combinations of 	constraints may have never been seen by a CP-solver and therefore could 	include untested code and bugs. </a:t>
+            </a:r>
+          </a:p>
+          <a:p>
+            <a:pPr defTabSz="411480"/>
+            <a:r>
+              <a:rPr lang="en-GB" sz="2000" dirty="0">
+                <a:solidFill>
+                  <a:srgbClr val="000000"/>
+                </a:solidFill>
+                <a:effectLst/>
+                <a:latin typeface="Arial" panose="020B0604020202020204" pitchFamily="34" charset="0"/>
+                <a:cs typeface="Arial" panose="020B0604020202020204" pitchFamily="34" charset="0"/>
+              </a:rPr>
+              <a:t>	With fuzz testing we can create new problems to test and with smart design we 	can even know the true solution of the problem without having to search for it.</a:t>
+            </a:r>
+          </a:p>
+          <a:p>
+            <a:pPr defTabSz="411480"/>
+            <a:endParaRPr lang="en-GB" sz="2000" dirty="0">
+              <a:solidFill>
+                <a:srgbClr val="000000"/>
+              </a:solidFill>
+              <a:effectLst/>
+              <a:latin typeface="Arial" panose="020B0604020202020204" pitchFamily="34" charset="0"/>
+              <a:cs typeface="Arial" panose="020B0604020202020204" pitchFamily="34" charset="0"/>
+            </a:endParaRPr>
+          </a:p>
+          <a:p>
+            <a:pPr marL="0" marR="0" indent="0" algn="l" defTabSz="411480" rtl="0" fontAlgn="auto" latinLnBrk="0" hangingPunct="0">
+              <a:lnSpc>
+                <a:spcPct val="100000"/>
+              </a:lnSpc>
+              <a:spcBef>
+                <a:spcPts val="0"/>
+              </a:spcBef>
+              <a:spcAft>
+                <a:spcPts val="0"/>
+              </a:spcAft>
+              <a:buClrTx/>
+              <a:buSzTx/>
+              <a:buFontTx/>
+              <a:buNone/>
+              <a:tabLst/>
+            </a:pPr>
+            <a:r>
+              <a:rPr kumimoji="0" lang="en-US" sz="2400" b="0" i="0" u="none" strike="noStrike" cap="none" spc="0" normalizeH="0" baseline="0" dirty="0">
+                <a:ln>
+                  <a:noFill/>
+                </a:ln>
+                <a:solidFill>
+                  <a:srgbClr val="000000"/>
+                </a:solidFill>
+                <a:effectLst/>
+                <a:uFillTx/>
+                <a:latin typeface="Arial" panose="020B0604020202020204" pitchFamily="34" charset="0"/>
+                <a:cs typeface="Arial" panose="020B0604020202020204" pitchFamily="34" charset="0"/>
+                <a:sym typeface="Gill Sans Nova"/>
+              </a:rPr>
+              <a:t>Background</a:t>
+            </a:r>
+            <a:endParaRPr kumimoji="0" lang="en-US" sz="2000" b="0" i="0" u="none" strike="noStrike" cap="none" spc="0" normalizeH="0" baseline="0" dirty="0">
+              <a:ln>
+                <a:noFill/>
+              </a:ln>
+              <a:solidFill>
+                <a:srgbClr val="000000"/>
+              </a:solidFill>
+              <a:effectLst/>
+              <a:uFillTx/>
+              <a:latin typeface="Arial" panose="020B0604020202020204" pitchFamily="34" charset="0"/>
+              <a:cs typeface="Arial" panose="020B0604020202020204" pitchFamily="34" charset="0"/>
+              <a:sym typeface="Gill Sans Nova"/>
+            </a:endParaRPr>
+          </a:p>
+          <a:p>
+            <a:pPr defTabSz="411480"/>
+            <a:r>
+              <a:rPr lang="en-US" sz="2000" dirty="0">
+                <a:solidFill>
+                  <a:srgbClr val="000000"/>
+                </a:solidFill>
+                <a:latin typeface="Arial" panose="020B0604020202020204" pitchFamily="34" charset="0"/>
+                <a:cs typeface="Arial" panose="020B0604020202020204" pitchFamily="34" charset="0"/>
+              </a:rPr>
+              <a:t>	</a:t>
+            </a:r>
+          </a:p>
+          <a:p>
+            <a:pPr defTabSz="411480"/>
+            <a:r>
+              <a:rPr lang="en-US" sz="2000" dirty="0">
+                <a:solidFill>
+                  <a:srgbClr val="000000"/>
+                </a:solidFill>
+                <a:latin typeface="Arial" panose="020B0604020202020204" pitchFamily="34" charset="0"/>
+                <a:cs typeface="Arial" panose="020B0604020202020204" pitchFamily="34" charset="0"/>
+              </a:rPr>
+              <a:t>	CP is used to give solutions to </a:t>
+            </a:r>
+            <a:r>
+              <a:rPr kumimoji="0" lang="en-US" sz="2000" b="0" i="0" u="none" strike="noStrike" cap="none" spc="0" normalizeH="0" baseline="0" dirty="0">
+                <a:ln>
+                  <a:noFill/>
+                </a:ln>
+                <a:solidFill>
+                  <a:srgbClr val="000000"/>
+                </a:solidFill>
+                <a:effectLst/>
+                <a:uFillTx/>
+                <a:latin typeface="Arial" panose="020B0604020202020204" pitchFamily="34" charset="0"/>
+                <a:cs typeface="Arial" panose="020B0604020202020204" pitchFamily="34" charset="0"/>
+                <a:sym typeface="Gill Sans Nova"/>
+              </a:rPr>
+              <a:t>mathematical</a:t>
+            </a:r>
+            <a:r>
+              <a:rPr lang="en-US" sz="2000" dirty="0">
+                <a:solidFill>
+                  <a:srgbClr val="000000"/>
+                </a:solidFill>
+                <a:latin typeface="Arial" panose="020B0604020202020204" pitchFamily="34" charset="0"/>
+                <a:cs typeface="Arial" panose="020B0604020202020204" pitchFamily="34" charset="0"/>
+              </a:rPr>
+              <a:t> and logical problems, these 	problems are made of constraints. In order to convey the problem to the solver, 	modeling languages have been created like MiniZinc and CPMpy. </a:t>
+            </a:r>
+          </a:p>
+          <a:p>
+            <a:pPr defTabSz="411480"/>
+            <a:r>
+              <a:rPr lang="en-US" sz="2000" dirty="0">
+                <a:solidFill>
+                  <a:srgbClr val="000000"/>
+                </a:solidFill>
+                <a:latin typeface="Arial" panose="020B0604020202020204" pitchFamily="34" charset="0"/>
+                <a:cs typeface="Arial" panose="020B0604020202020204" pitchFamily="34" charset="0"/>
+              </a:rPr>
+              <a:t>	Fuzz testing is a way of creating new and complex inputs, in order to test the 	software.</a:t>
+            </a:r>
+          </a:p>
+          <a:p>
+            <a:pPr defTabSz="411480"/>
+            <a:endParaRPr lang="en-US" sz="2000" dirty="0">
+              <a:solidFill>
+                <a:srgbClr val="000000"/>
+              </a:solidFill>
+              <a:latin typeface="Arial" panose="020B0604020202020204" pitchFamily="34" charset="0"/>
+              <a:cs typeface="Arial" panose="020B0604020202020204" pitchFamily="34" charset="0"/>
+            </a:endParaRPr>
+          </a:p>
+          <a:p>
+            <a:pPr defTabSz="411480"/>
+            <a:r>
+              <a:rPr kumimoji="0" lang="en-US" sz="2800" b="0" i="0" u="none" strike="noStrike" cap="none" spc="0" normalizeH="0" baseline="0" dirty="0">
+                <a:ln>
+                  <a:noFill/>
+                </a:ln>
+                <a:solidFill>
+                  <a:srgbClr val="000000"/>
+                </a:solidFill>
+                <a:effectLst/>
+                <a:uFillTx/>
+                <a:latin typeface="Arial" panose="020B0604020202020204" pitchFamily="34" charset="0"/>
+                <a:cs typeface="Arial" panose="020B0604020202020204" pitchFamily="34" charset="0"/>
+                <a:sym typeface="Gill Sans Nova"/>
+              </a:rPr>
+              <a:t>Approach</a:t>
+            </a:r>
+            <a:endParaRPr kumimoji="0" lang="en-US" sz="2000" b="0" i="0" u="none" strike="noStrike" cap="none" spc="0" normalizeH="0" baseline="0" dirty="0">
+              <a:ln>
+                <a:noFill/>
+              </a:ln>
+              <a:solidFill>
+                <a:srgbClr val="000000"/>
+              </a:solidFill>
+              <a:effectLst/>
+              <a:uFillTx/>
+              <a:latin typeface="Arial" panose="020B0604020202020204" pitchFamily="34" charset="0"/>
+              <a:cs typeface="Arial" panose="020B0604020202020204" pitchFamily="34" charset="0"/>
+              <a:sym typeface="Gill Sans Nova"/>
+            </a:endParaRPr>
+          </a:p>
+          <a:p>
+            <a:pPr defTabSz="411480"/>
+            <a:endParaRPr lang="en-US" sz="2000" dirty="0">
+              <a:solidFill>
+                <a:srgbClr val="000000"/>
+              </a:solidFill>
+              <a:latin typeface="Arial" panose="020B0604020202020204" pitchFamily="34" charset="0"/>
+              <a:cs typeface="Arial" panose="020B0604020202020204" pitchFamily="34" charset="0"/>
+            </a:endParaRPr>
+          </a:p>
+          <a:p>
+            <a:pPr defTabSz="411480"/>
+            <a:r>
+              <a:rPr lang="en-US" sz="2000" dirty="0">
+                <a:solidFill>
+                  <a:srgbClr val="000000"/>
+                </a:solidFill>
+                <a:latin typeface="Arial" panose="020B0604020202020204" pitchFamily="34" charset="0"/>
+                <a:cs typeface="Arial" panose="020B0604020202020204" pitchFamily="34" charset="0"/>
+              </a:rPr>
+              <a:t>	In order to create new inputs we need seed-inputs to modify. Since, generating 	problems from zero often results in the parser complaining that the problem does 	not make sense. We want to test deeper in the program, not just the parser.</a:t>
+            </a:r>
+          </a:p>
+          <a:p>
+            <a:pPr defTabSz="411480"/>
+            <a:endParaRPr lang="en-US" sz="2400" dirty="0">
+              <a:solidFill>
+                <a:srgbClr val="000000"/>
+              </a:solidFill>
+              <a:latin typeface="Arial" panose="020B0604020202020204" pitchFamily="34" charset="0"/>
+              <a:cs typeface="Arial" panose="020B0604020202020204" pitchFamily="34" charset="0"/>
+            </a:endParaRPr>
+          </a:p>
+          <a:p>
+            <a:pPr defTabSz="411480"/>
+            <a:endParaRPr lang="en-US" sz="2000" dirty="0">
+              <a:solidFill>
+                <a:srgbClr val="000000"/>
+              </a:solidFill>
+              <a:latin typeface="Arial" panose="020B0604020202020204" pitchFamily="34" charset="0"/>
+              <a:cs typeface="Arial" panose="020B0604020202020204" pitchFamily="34" charset="0"/>
+            </a:endParaRPr>
+          </a:p>
+          <a:p>
+            <a:pPr defTabSz="411480"/>
+            <a:endParaRPr lang="en-US" sz="2000" dirty="0">
+              <a:solidFill>
+                <a:srgbClr val="000000"/>
+              </a:solidFill>
+              <a:latin typeface="Arial" panose="020B0604020202020204" pitchFamily="34" charset="0"/>
+              <a:cs typeface="Arial" panose="020B0604020202020204" pitchFamily="34" charset="0"/>
+            </a:endParaRPr>
+          </a:p>
+          <a:p>
+            <a:pPr defTabSz="411480"/>
+            <a:endParaRPr lang="en-US" sz="2000" dirty="0">
+              <a:solidFill>
+                <a:srgbClr val="000000"/>
+              </a:solidFill>
+              <a:latin typeface="Arial" panose="020B0604020202020204" pitchFamily="34" charset="0"/>
+              <a:cs typeface="Arial" panose="020B0604020202020204" pitchFamily="34" charset="0"/>
+            </a:endParaRPr>
+          </a:p>
+          <a:p>
+            <a:pPr defTabSz="411480"/>
+            <a:endParaRPr lang="en-US" sz="2000" dirty="0">
+              <a:solidFill>
+                <a:srgbClr val="000000"/>
+              </a:solidFill>
+              <a:latin typeface="Arial" panose="020B0604020202020204" pitchFamily="34" charset="0"/>
+              <a:cs typeface="Arial" panose="020B0604020202020204" pitchFamily="34" charset="0"/>
+            </a:endParaRPr>
+          </a:p>
+          <a:p>
+            <a:pPr defTabSz="411480"/>
+            <a:endParaRPr lang="en-US" sz="2000" dirty="0">
+              <a:solidFill>
+                <a:srgbClr val="000000"/>
+              </a:solidFill>
+              <a:latin typeface="Arial" panose="020B0604020202020204" pitchFamily="34" charset="0"/>
+              <a:cs typeface="Arial" panose="020B0604020202020204" pitchFamily="34" charset="0"/>
+            </a:endParaRPr>
+          </a:p>
+          <a:p>
+            <a:pPr defTabSz="411480"/>
+            <a:endParaRPr lang="en-US" sz="2400" dirty="0">
+              <a:solidFill>
+                <a:srgbClr val="000000"/>
+              </a:solidFill>
+              <a:latin typeface="Arial" panose="020B0604020202020204" pitchFamily="34" charset="0"/>
+              <a:cs typeface="Arial" panose="020B0604020202020204" pitchFamily="34" charset="0"/>
+            </a:endParaRPr>
+          </a:p>
+          <a:p>
+            <a:pPr defTabSz="411480"/>
+            <a:endParaRPr lang="en-US" sz="2400" dirty="0">
+              <a:solidFill>
+                <a:srgbClr val="000000"/>
+              </a:solidFill>
+              <a:latin typeface="Arial" panose="020B0604020202020204" pitchFamily="34" charset="0"/>
+              <a:cs typeface="Arial" panose="020B0604020202020204" pitchFamily="34" charset="0"/>
+            </a:endParaRPr>
+          </a:p>
+          <a:p>
+            <a:pPr defTabSz="411480"/>
+            <a:r>
+              <a:rPr lang="en-US" sz="2400" dirty="0">
+                <a:solidFill>
+                  <a:srgbClr val="000000"/>
+                </a:solidFill>
+                <a:latin typeface="Arial" panose="020B0604020202020204" pitchFamily="34" charset="0"/>
+                <a:cs typeface="Arial" panose="020B0604020202020204" pitchFamily="34" charset="0"/>
+              </a:rPr>
+              <a:t>Technique 1: CTORM</a:t>
+            </a:r>
+            <a:endParaRPr lang="en-US" sz="1800" dirty="0">
+              <a:solidFill>
+                <a:srgbClr val="000000"/>
+              </a:solidFill>
+              <a:latin typeface="Arial" panose="020B0604020202020204" pitchFamily="34" charset="0"/>
+              <a:cs typeface="Arial" panose="020B0604020202020204" pitchFamily="34" charset="0"/>
+            </a:endParaRPr>
+          </a:p>
+          <a:p>
+            <a:pPr defTabSz="411480"/>
+            <a:endParaRPr lang="en-US" sz="1800" dirty="0">
+              <a:solidFill>
+                <a:srgbClr val="000000"/>
+              </a:solidFill>
+              <a:latin typeface="Arial" panose="020B0604020202020204" pitchFamily="34" charset="0"/>
+              <a:cs typeface="Arial" panose="020B0604020202020204" pitchFamily="34" charset="0"/>
+            </a:endParaRPr>
+          </a:p>
+          <a:p>
+            <a:pPr defTabSz="411480"/>
+            <a:r>
+              <a:rPr lang="en-US" sz="2000" dirty="0">
+                <a:solidFill>
+                  <a:srgbClr val="000000"/>
+                </a:solidFill>
+                <a:latin typeface="Arial" panose="020B0604020202020204" pitchFamily="34" charset="0"/>
+                <a:cs typeface="Arial" panose="020B0604020202020204" pitchFamily="34" charset="0"/>
+              </a:rPr>
+              <a:t>	The first technique starts from an existing SMT fuzz. SMT is used to determine 	the satisfiability of formulas. This fuzz tester is called STORM </a:t>
+            </a:r>
+            <a:r>
+              <a:rPr lang="en-US" sz="1600" dirty="0">
+                <a:solidFill>
+                  <a:srgbClr val="000000"/>
+                </a:solidFill>
+                <a:latin typeface="Arial" panose="020B0604020202020204" pitchFamily="34" charset="0"/>
+                <a:cs typeface="Arial" panose="020B0604020202020204" pitchFamily="34" charset="0"/>
+              </a:rPr>
+              <a:t>   </a:t>
+            </a:r>
+            <a:r>
+              <a:rPr lang="en-US" sz="2000" dirty="0">
+                <a:solidFill>
+                  <a:srgbClr val="000000"/>
+                </a:solidFill>
+                <a:latin typeface="Arial" panose="020B0604020202020204" pitchFamily="34" charset="0"/>
+                <a:cs typeface="Arial" panose="020B0604020202020204" pitchFamily="34" charset="0"/>
+              </a:rPr>
+              <a:t>, and here we 	convert it to a CP fuzz tester in order to test CPMpy, hence the name CSTORM 	(from CPMpy-STORM).</a:t>
+            </a:r>
+          </a:p>
+          <a:p>
+            <a:pPr defTabSz="411480"/>
+            <a:endParaRPr lang="en-US" sz="2000" dirty="0">
+              <a:solidFill>
+                <a:srgbClr val="000000"/>
+              </a:solidFill>
+              <a:latin typeface="Arial" panose="020B0604020202020204" pitchFamily="34" charset="0"/>
+              <a:cs typeface="Arial" panose="020B0604020202020204" pitchFamily="34" charset="0"/>
+            </a:endParaRPr>
+          </a:p>
+        </p:txBody>
+      </p:sp>
       <p:sp>
         <p:nvSpPr>
           <p:cNvPr id="44" name="Rectangle 43">
@@ -4137,7 +4356,7 @@
         </p:nvSpPr>
         <p:spPr>
           <a:xfrm>
-            <a:off x="4182527" y="14092181"/>
+            <a:off x="4332804" y="13777525"/>
             <a:ext cx="2190176" cy="1569658"/>
           </a:xfrm>
           <a:prstGeom prst="rect">
@@ -4196,13 +4415,12 @@
                   <a:noFill/>
                 </a:ln>
                 <a:solidFill>
-                  <a:srgbClr val="3C3C3B"/>
+                  <a:srgbClr val="000000"/>
                 </a:solidFill>
                 <a:effectLst/>
                 <a:uFillTx/>
-                <a:latin typeface="Gill Sans Nova"/>
-                <a:ea typeface="Gill Sans Nova"/>
-                <a:cs typeface="Gill Sans Nova"/>
+                <a:latin typeface="Arial" panose="020B0604020202020204" pitchFamily="34" charset="0"/>
+                <a:cs typeface="Arial" panose="020B0604020202020204" pitchFamily="34" charset="0"/>
                 <a:sym typeface="Gill Sans Nova"/>
               </a:rPr>
               <a:t>Temporary modified CPMpy</a:t>
@@ -4212,13 +4430,12 @@
                 <a:noFill/>
               </a:ln>
               <a:solidFill>
-                <a:srgbClr val="3C3C3B"/>
+                <a:srgbClr val="000000"/>
               </a:solidFill>
               <a:effectLst/>
               <a:uFillTx/>
-              <a:latin typeface="Gill Sans Nova"/>
-              <a:ea typeface="Gill Sans Nova"/>
-              <a:cs typeface="Gill Sans Nova"/>
+              <a:latin typeface="Arial" panose="020B0604020202020204" pitchFamily="34" charset="0"/>
+              <a:cs typeface="Arial" panose="020B0604020202020204" pitchFamily="34" charset="0"/>
               <a:sym typeface="Gill Sans Nova"/>
             </a:endParaRPr>
           </a:p>
@@ -4238,8 +4455,8 @@
         </p:nvSpPr>
         <p:spPr>
           <a:xfrm>
-            <a:off x="994845" y="13665480"/>
-            <a:ext cx="3099098" cy="2092879"/>
+            <a:off x="1101263" y="13570470"/>
+            <a:ext cx="3272646" cy="1938990"/>
           </a:xfrm>
           <a:prstGeom prst="rect">
             <a:avLst/>
@@ -4287,7 +4504,7 @@
               <a:tabLst/>
             </a:pPr>
             <a:r>
-              <a:rPr kumimoji="0" lang="en-GB" sz="3200" b="0" i="0" u="none" strike="noStrike" cap="none" spc="0" normalizeH="0" baseline="0" dirty="0">
+              <a:rPr kumimoji="0" lang="en-GB" sz="2800" b="0" i="0" u="none" strike="noStrike" cap="none" spc="0" normalizeH="0" baseline="0" dirty="0">
                 <a:ln>
                   <a:noFill/>
                 </a:ln>
@@ -4296,13 +4513,305 @@
                 </a:solidFill>
                 <a:effectLst/>
                 <a:uFillTx/>
-                <a:latin typeface="Gill Sans Nova"/>
-                <a:ea typeface="Gill Sans Nova"/>
-                <a:cs typeface="Gill Sans Nova"/>
+                <a:latin typeface="Arial" panose="020B0604020202020204" pitchFamily="34" charset="0"/>
+                <a:cs typeface="Arial" panose="020B0604020202020204" pitchFamily="34" charset="0"/>
                 <a:sym typeface="Gill Sans Nova"/>
               </a:rPr>
               <a:t>CPMpy example problems</a:t>
             </a:r>
+          </a:p>
+          <a:p>
+            <a:pPr marL="0" marR="0" indent="0" algn="l" defTabSz="411480" rtl="0" fontAlgn="auto" latinLnBrk="0" hangingPunct="0">
+              <a:lnSpc>
+                <a:spcPct val="100000"/>
+              </a:lnSpc>
+              <a:spcBef>
+                <a:spcPts val="0"/>
+              </a:spcBef>
+              <a:spcAft>
+                <a:spcPts val="0"/>
+              </a:spcAft>
+              <a:buClrTx/>
+              <a:buSzTx/>
+              <a:buFontTx/>
+              <a:buNone/>
+              <a:tabLst/>
+            </a:pPr>
+            <a:br>
+              <a:rPr kumimoji="0" lang="en-GB" sz="2000" b="0" i="0" u="none" strike="noStrike" cap="none" spc="0" normalizeH="0" baseline="0" dirty="0">
+                <a:ln>
+                  <a:noFill/>
+                </a:ln>
+                <a:solidFill>
+                  <a:srgbClr val="000000"/>
+                </a:solidFill>
+                <a:effectLst/>
+                <a:uFillTx/>
+                <a:latin typeface="Arial" panose="020B0604020202020204" pitchFamily="34" charset="0"/>
+                <a:cs typeface="Arial" panose="020B0604020202020204" pitchFamily="34" charset="0"/>
+                <a:sym typeface="Gill Sans Nova"/>
+              </a:rPr>
+            </a:br>
+            <a:r>
+              <a:rPr kumimoji="0" lang="en-GB" sz="2000" b="0" i="0" u="none" strike="noStrike" cap="none" spc="0" normalizeH="0" baseline="0" dirty="0">
+                <a:ln>
+                  <a:noFill/>
+                </a:ln>
+                <a:solidFill>
+                  <a:srgbClr val="000000"/>
+                </a:solidFill>
+                <a:effectLst/>
+                <a:uFillTx/>
+                <a:latin typeface="Arial" panose="020B0604020202020204" pitchFamily="34" charset="0"/>
+                <a:cs typeface="Arial" panose="020B0604020202020204" pitchFamily="34" charset="0"/>
+                <a:sym typeface="Gill Sans Nova"/>
+              </a:rPr>
+              <a:t>with other imports</a:t>
+            </a:r>
+            <a:r>
+              <a:rPr lang="en-GB" sz="2000" dirty="0">
+                <a:solidFill>
+                  <a:srgbClr val="000000"/>
+                </a:solidFill>
+                <a:latin typeface="Arial" panose="020B0604020202020204" pitchFamily="34" charset="0"/>
+                <a:cs typeface="Arial" panose="020B0604020202020204" pitchFamily="34" charset="0"/>
+              </a:rPr>
+              <a:t>, multiple models per file</a:t>
+            </a:r>
+            <a:endParaRPr kumimoji="0" lang="en-US" sz="2000" b="0" i="0" u="none" strike="noStrike" cap="none" spc="0" normalizeH="0" baseline="0" dirty="0">
+              <a:ln>
+                <a:noFill/>
+              </a:ln>
+              <a:solidFill>
+                <a:srgbClr val="000000"/>
+              </a:solidFill>
+              <a:effectLst/>
+              <a:uFillTx/>
+              <a:latin typeface="Arial" panose="020B0604020202020204" pitchFamily="34" charset="0"/>
+              <a:cs typeface="Arial" panose="020B0604020202020204" pitchFamily="34" charset="0"/>
+              <a:sym typeface="Gill Sans Nova"/>
+            </a:endParaRPr>
+          </a:p>
+        </p:txBody>
+      </p:sp>
+      <p:cxnSp>
+        <p:nvCxnSpPr>
+          <p:cNvPr id="46" name="Straight Arrow Connector 45">
+            <a:extLst>
+              <a:ext uri="{FF2B5EF4-FFF2-40B4-BE49-F238E27FC236}">
+                <a16:creationId xmlns:a16="http://schemas.microsoft.com/office/drawing/2014/main" id="{3678985D-5710-E419-0059-F7360E8704D3}"/>
+              </a:ext>
+            </a:extLst>
+          </p:cNvPr>
+          <p:cNvCxnSpPr>
+            <a:cxnSpLocks/>
+          </p:cNvCxnSpPr>
+          <p:nvPr/>
+        </p:nvCxnSpPr>
+        <p:spPr>
+          <a:xfrm flipV="1">
+            <a:off x="1153747" y="14555140"/>
+            <a:ext cx="3126573" cy="7214"/>
+          </a:xfrm>
+          <a:prstGeom prst="straightConnector1">
+            <a:avLst/>
+          </a:prstGeom>
+          <a:noFill/>
+          <a:ln w="152400" cap="flat">
+            <a:solidFill>
+              <a:schemeClr val="accent1"/>
+            </a:solidFill>
+            <a:prstDash val="solid"/>
+            <a:round/>
+            <a:tailEnd type="triangle"/>
+          </a:ln>
+          <a:effectLst>
+            <a:outerShdw blurRad="38100" dist="20000" dir="5400000" rotWithShape="0">
+              <a:srgbClr val="000000">
+                <a:alpha val="38000"/>
+              </a:srgbClr>
+            </a:outerShdw>
+          </a:effectLst>
+          <a:sp3d/>
+        </p:spPr>
+        <p:style>
+          <a:lnRef idx="0">
+            <a:scrgbClr r="0" g="0" b="0"/>
+          </a:lnRef>
+          <a:fillRef idx="0">
+            <a:scrgbClr r="0" g="0" b="0"/>
+          </a:fillRef>
+          <a:effectRef idx="0">
+            <a:scrgbClr r="0" g="0" b="0"/>
+          </a:effectRef>
+          <a:fontRef idx="none"/>
+        </p:style>
+      </p:cxnSp>
+      <p:cxnSp>
+        <p:nvCxnSpPr>
+          <p:cNvPr id="47" name="Straight Arrow Connector 46">
+            <a:extLst>
+              <a:ext uri="{FF2B5EF4-FFF2-40B4-BE49-F238E27FC236}">
+                <a16:creationId xmlns:a16="http://schemas.microsoft.com/office/drawing/2014/main" id="{57522CD0-D7AD-673E-4FEA-D29B6983837B}"/>
+              </a:ext>
+            </a:extLst>
+          </p:cNvPr>
+          <p:cNvCxnSpPr>
+            <a:cxnSpLocks/>
+          </p:cNvCxnSpPr>
+          <p:nvPr/>
+        </p:nvCxnSpPr>
+        <p:spPr>
+          <a:xfrm>
+            <a:off x="6559485" y="14562354"/>
+            <a:ext cx="2893447" cy="0"/>
+          </a:xfrm>
+          <a:prstGeom prst="straightConnector1">
+            <a:avLst/>
+          </a:prstGeom>
+          <a:noFill/>
+          <a:ln w="152400" cap="flat">
+            <a:solidFill>
+              <a:schemeClr val="accent1"/>
+            </a:solidFill>
+            <a:prstDash val="solid"/>
+            <a:round/>
+            <a:tailEnd type="triangle"/>
+          </a:ln>
+          <a:effectLst>
+            <a:outerShdw blurRad="38100" dist="20000" dir="5400000" rotWithShape="0">
+              <a:srgbClr val="000000">
+                <a:alpha val="38000"/>
+              </a:srgbClr>
+            </a:outerShdw>
+          </a:effectLst>
+          <a:sp3d/>
+        </p:spPr>
+        <p:style>
+          <a:lnRef idx="0">
+            <a:scrgbClr r="0" g="0" b="0"/>
+          </a:lnRef>
+          <a:fillRef idx="0">
+            <a:scrgbClr r="0" g="0" b="0"/>
+          </a:fillRef>
+          <a:effectRef idx="0">
+            <a:scrgbClr r="0" g="0" b="0"/>
+          </a:effectRef>
+          <a:fontRef idx="none"/>
+        </p:style>
+      </p:cxnSp>
+      <p:sp>
+        <p:nvSpPr>
+          <p:cNvPr id="48" name="TextBox 47">
+            <a:extLst>
+              <a:ext uri="{FF2B5EF4-FFF2-40B4-BE49-F238E27FC236}">
+                <a16:creationId xmlns:a16="http://schemas.microsoft.com/office/drawing/2014/main" id="{414A9A17-5D3F-575E-C641-B9A8838A26AB}"/>
+              </a:ext>
+            </a:extLst>
+          </p:cNvPr>
+          <p:cNvSpPr txBox="1"/>
+          <p:nvPr/>
+        </p:nvSpPr>
+        <p:spPr>
+          <a:xfrm>
+            <a:off x="6591873" y="13840303"/>
+            <a:ext cx="3039388" cy="1631214"/>
+          </a:xfrm>
+          <a:prstGeom prst="rect">
+            <a:avLst/>
+          </a:prstGeom>
+          <a:noFill/>
+          <a:ln w="12700" cap="flat">
+            <a:noFill/>
+            <a:miter lim="400000"/>
+          </a:ln>
+          <a:effectLst/>
+          <a:sp3d/>
+        </p:spPr>
+        <p:style>
+          <a:lnRef idx="0">
+            <a:scrgbClr r="0" g="0" b="0"/>
+          </a:lnRef>
+          <a:fillRef idx="0">
+            <a:scrgbClr r="0" g="0" b="0"/>
+          </a:fillRef>
+          <a:effectRef idx="0">
+            <a:scrgbClr r="0" g="0" b="0"/>
+          </a:effectRef>
+          <a:fontRef idx="none"/>
+        </p:style>
+        <p:txBody>
+          <a:bodyPr rot="0" spcFirstLastPara="1" vertOverflow="overflow" horzOverflow="overflow" vert="horz" wrap="square" lIns="45719" tIns="45719" rIns="45719" bIns="45719" numCol="1" spcCol="38100" rtlCol="0" anchor="t">
+            <a:spAutoFit/>
+          </a:bodyPr>
+          <a:lstStyle/>
+          <a:p>
+            <a:pPr marL="0" marR="0" indent="0" algn="l" defTabSz="411480" rtl="0" fontAlgn="auto" latinLnBrk="0" hangingPunct="0">
+              <a:lnSpc>
+                <a:spcPct val="100000"/>
+              </a:lnSpc>
+              <a:spcBef>
+                <a:spcPts val="0"/>
+              </a:spcBef>
+              <a:spcAft>
+                <a:spcPts val="0"/>
+              </a:spcAft>
+              <a:buClrTx/>
+              <a:buSzTx/>
+              <a:buFontTx/>
+              <a:buNone/>
+              <a:tabLst/>
+            </a:pPr>
+            <a:r>
+              <a:rPr kumimoji="0" lang="en-GB" sz="2800" b="0" i="0" u="none" strike="noStrike" cap="none" spc="0" normalizeH="0" baseline="0" dirty="0">
+                <a:ln>
+                  <a:noFill/>
+                </a:ln>
+                <a:solidFill>
+                  <a:srgbClr val="000000"/>
+                </a:solidFill>
+                <a:effectLst/>
+                <a:uFillTx/>
+                <a:latin typeface="Arial" panose="020B0604020202020204" pitchFamily="34" charset="0"/>
+                <a:cs typeface="Arial" panose="020B0604020202020204" pitchFamily="34" charset="0"/>
+                <a:sym typeface="Gill Sans Nova"/>
+              </a:rPr>
+              <a:t>CP Seed files</a:t>
+            </a:r>
+            <a:r>
+              <a:rPr kumimoji="0" lang="en-GB" sz="1600" b="0" i="0" u="none" strike="noStrike" cap="none" spc="0" normalizeH="0" baseline="0" dirty="0">
+                <a:ln>
+                  <a:noFill/>
+                </a:ln>
+                <a:solidFill>
+                  <a:srgbClr val="000000"/>
+                </a:solidFill>
+                <a:effectLst/>
+                <a:uFillTx/>
+                <a:latin typeface="Arial" panose="020B0604020202020204" pitchFamily="34" charset="0"/>
+                <a:cs typeface="Arial" panose="020B0604020202020204" pitchFamily="34" charset="0"/>
+                <a:sym typeface="Gill Sans Nova"/>
+              </a:rPr>
+              <a:t> </a:t>
+            </a:r>
+          </a:p>
+          <a:p>
+            <a:pPr marL="0" marR="0" indent="0" algn="l" defTabSz="411480" rtl="0" fontAlgn="auto" latinLnBrk="0" hangingPunct="0">
+              <a:lnSpc>
+                <a:spcPct val="100000"/>
+              </a:lnSpc>
+              <a:spcBef>
+                <a:spcPts val="0"/>
+              </a:spcBef>
+              <a:spcAft>
+                <a:spcPts val="0"/>
+              </a:spcAft>
+              <a:buClrTx/>
+              <a:buSzTx/>
+              <a:buFontTx/>
+              <a:buNone/>
+              <a:tabLst/>
+            </a:pPr>
             <a:endParaRPr kumimoji="0" lang="en-GB" sz="1600" b="0" i="0" u="none" strike="noStrike" cap="none" spc="0" normalizeH="0" baseline="0" dirty="0">
               <a:ln>
                 <a:noFill/>
@@ -4312,9 +4821,8 @@
               </a:solidFill>
               <a:effectLst/>
               <a:uFillTx/>
-              <a:latin typeface="Gill Sans Nova"/>
-              <a:ea typeface="Gill Sans Nova"/>
-              <a:cs typeface="Gill Sans Nova"/>
+              <a:latin typeface="Arial" panose="020B0604020202020204" pitchFamily="34" charset="0"/>
+              <a:cs typeface="Arial" panose="020B0604020202020204" pitchFamily="34" charset="0"/>
               <a:sym typeface="Gill Sans Nova"/>
             </a:endParaRPr>
           </a:p>
@@ -4345,12 +4853,105 @@
                 </a:solidFill>
                 <a:effectLst/>
                 <a:uFillTx/>
-                <a:latin typeface="Gill Sans Nova"/>
-                <a:ea typeface="Gill Sans Nova"/>
-                <a:cs typeface="Gill Sans Nova"/>
+                <a:latin typeface="Arial" panose="020B0604020202020204" pitchFamily="34" charset="0"/>
+                <a:cs typeface="Arial" panose="020B0604020202020204" pitchFamily="34" charset="0"/>
                 <a:sym typeface="Gill Sans Nova"/>
               </a:rPr>
             </a:br>
+            <a:r>
+              <a:rPr kumimoji="0" lang="en-GB" sz="2000" b="0" i="0" u="none" strike="noStrike" cap="none" spc="0" normalizeH="0" baseline="0" dirty="0">
+                <a:ln>
+                  <a:noFill/>
+                </a:ln>
+                <a:solidFill>
+                  <a:srgbClr val="000000"/>
+                </a:solidFill>
+                <a:effectLst/>
+                <a:uFillTx/>
+                <a:latin typeface="Arial" panose="020B0604020202020204" pitchFamily="34" charset="0"/>
+                <a:cs typeface="Arial" panose="020B0604020202020204" pitchFamily="34" charset="0"/>
+                <a:sym typeface="Gill Sans Nova"/>
+              </a:rPr>
+              <a:t>variables, constraints, objective function </a:t>
+            </a:r>
+            <a:endParaRPr kumimoji="0" lang="en-US" sz="1600" b="0" i="0" u="none" strike="noStrike" cap="none" spc="0" normalizeH="0" baseline="0" dirty="0">
+              <a:ln>
+                <a:noFill/>
+              </a:ln>
+              <a:solidFill>
+                <a:srgbClr val="000000"/>
+              </a:solidFill>
+              <a:effectLst/>
+              <a:uFillTx/>
+              <a:latin typeface="Arial" panose="020B0604020202020204" pitchFamily="34" charset="0"/>
+              <a:cs typeface="Arial" panose="020B0604020202020204" pitchFamily="34" charset="0"/>
+              <a:sym typeface="Gill Sans Nova"/>
+            </a:endParaRPr>
+          </a:p>
+        </p:txBody>
+      </p:sp>
+      <p:sp>
+        <p:nvSpPr>
+          <p:cNvPr id="63" name="TextBox 62">
+            <a:extLst>
+              <a:ext uri="{FF2B5EF4-FFF2-40B4-BE49-F238E27FC236}">
+                <a16:creationId xmlns:a16="http://schemas.microsoft.com/office/drawing/2014/main" id="{1820E2A3-D0CB-9DC0-79F9-BEF820B59065}"/>
+              </a:ext>
+            </a:extLst>
+          </p:cNvPr>
+          <p:cNvSpPr txBox="1"/>
+          <p:nvPr/>
+        </p:nvSpPr>
+        <p:spPr>
+          <a:xfrm>
+            <a:off x="66299" y="18898605"/>
+            <a:ext cx="1652893" cy="461663"/>
+          </a:xfrm>
+          <a:prstGeom prst="rect">
+            <a:avLst/>
+          </a:prstGeom>
+          <a:noFill/>
+          <a:ln w="12700" cap="flat">
+            <a:noFill/>
+            <a:miter lim="400000"/>
+          </a:ln>
+          <a:effectLst/>
+          <a:sp3d/>
+        </p:spPr>
+        <p:style>
+          <a:lnRef idx="0">
+            <a:scrgbClr r="0" g="0" b="0"/>
+          </a:lnRef>
+          <a:fillRef idx="0">
+            <a:scrgbClr r="0" g="0" b="0"/>
+          </a:fillRef>
+          <a:effectRef idx="0">
+            <a:scrgbClr r="0" g="0" b="0"/>
+          </a:effectRef>
+          <a:fontRef idx="none"/>
+        </p:style>
+        <p:txBody>
+          <a:bodyPr rot="0" spcFirstLastPara="1" vertOverflow="overflow" horzOverflow="overflow" vert="horz" wrap="square" lIns="45719" tIns="45719" rIns="45719" bIns="45719" numCol="1" spcCol="38100" rtlCol="0" anchor="t">
+            <a:spAutoFit/>
+          </a:bodyPr>
+          <a:lstStyle/>
+          <a:p>
+            <a:pPr marL="0" marR="0" indent="0" algn="l" defTabSz="411480" rtl="0" fontAlgn="auto" latinLnBrk="0" hangingPunct="0">
+              <a:lnSpc>
+                <a:spcPct val="100000"/>
+              </a:lnSpc>
+              <a:spcBef>
+                <a:spcPts val="0"/>
+              </a:spcBef>
+              <a:spcAft>
+                <a:spcPts val="0"/>
+              </a:spcAft>
+              <a:buClrTx/>
+              <a:buSzTx/>
+              <a:buFontTx/>
+              <a:buNone/>
+              <a:tabLst/>
+            </a:pPr>
             <a:r>
               <a:rPr kumimoji="0" lang="en-GB" sz="2400" b="0" i="0" u="none" strike="noStrike" cap="none" spc="0" normalizeH="0" baseline="0" dirty="0">
                 <a:ln>
@@ -4361,22 +4962,13 @@
                 </a:solidFill>
                 <a:effectLst/>
                 <a:uFillTx/>
-                <a:latin typeface="Gill Sans Nova"/>
-                <a:ea typeface="Gill Sans Nova"/>
-                <a:cs typeface="Gill Sans Nova"/>
+                <a:latin typeface="Arial" panose="020B0604020202020204" pitchFamily="34" charset="0"/>
+                <a:cs typeface="Arial" panose="020B0604020202020204" pitchFamily="34" charset="0"/>
                 <a:sym typeface="Gill Sans Nova"/>
               </a:rPr>
-              <a:t>with other imports</a:t>
-            </a:r>
-            <a:r>
-              <a:rPr lang="en-GB" sz="2400" dirty="0">
-                <a:solidFill>
-                  <a:srgbClr val="000000"/>
-                </a:solidFill>
-              </a:rPr>
-              <a:t>, multiple models per file</a:t>
-            </a:r>
-            <a:endParaRPr kumimoji="0" lang="en-US" sz="2000" b="0" i="0" u="none" strike="noStrike" cap="none" spc="0" normalizeH="0" baseline="0" dirty="0">
+              <a:t>SMT seeds</a:t>
+            </a:r>
+            <a:endParaRPr kumimoji="0" lang="en-US" sz="1600" b="0" i="0" u="none" strike="noStrike" cap="none" spc="0" normalizeH="0" baseline="0" dirty="0">
               <a:ln>
                 <a:noFill/>
               </a:ln>
@@ -4385,9 +4977,8 @@
               </a:solidFill>
               <a:effectLst/>
               <a:uFillTx/>
-              <a:latin typeface="Gill Sans Nova"/>
-              <a:ea typeface="Gill Sans Nova"/>
-              <a:cs typeface="Gill Sans Nova"/>
+              <a:latin typeface="Arial" panose="020B0604020202020204" pitchFamily="34" charset="0"/>
+              <a:cs typeface="Arial" panose="020B0604020202020204" pitchFamily="34" charset="0"/>
               <a:sym typeface="Gill Sans Nova"/>
             </a:endParaRPr>
           </a:p>
@@ -4395,10 +4986,10 @@
       </p:sp>
       <p:cxnSp>
         <p:nvCxnSpPr>
-          <p:cNvPr id="46" name="Straight Arrow Connector 45">
+          <p:cNvPr id="64" name="Straight Arrow Connector 63">
             <a:extLst>
               <a:ext uri="{FF2B5EF4-FFF2-40B4-BE49-F238E27FC236}">
-                <a16:creationId xmlns:a16="http://schemas.microsoft.com/office/drawing/2014/main" id="{3678985D-5710-E419-0059-F7360E8704D3}"/>
+                <a16:creationId xmlns:a16="http://schemas.microsoft.com/office/drawing/2014/main" id="{11CBFF6A-DFB0-6A44-0C13-80F27C018592}"/>
               </a:ext>
             </a:extLst>
           </p:cNvPr>
@@ -4409,8 +5000,8 @@
         </p:nvCxnSpPr>
         <p:spPr>
           <a:xfrm>
-            <a:off x="994845" y="14877010"/>
-            <a:ext cx="3187682" cy="1"/>
+            <a:off x="187987" y="19521205"/>
+            <a:ext cx="1518561" cy="0"/>
           </a:xfrm>
           <a:prstGeom prst="straightConnector1">
             <a:avLst/>
@@ -4446,65 +5037,12 @@
           <a:fontRef idx="none"/>
         </p:style>
       </p:cxnSp>
-      <p:cxnSp>
-        <p:nvCxnSpPr>
-          <p:cNvPr id="47" name="Straight Arrow Connector 46">
+      <p:sp>
+        <p:nvSpPr>
+          <p:cNvPr id="66" name="TextBox 65">
             <a:extLst>
               <a:ext uri="{FF2B5EF4-FFF2-40B4-BE49-F238E27FC236}">
-                <a16:creationId xmlns:a16="http://schemas.microsoft.com/office/drawing/2014/main" id="{57522CD0-D7AD-673E-4FEA-D29B6983837B}"/>
-              </a:ext>
-            </a:extLst>
-          </p:cNvPr>
-          <p:cNvCxnSpPr>
-            <a:cxnSpLocks/>
-          </p:cNvCxnSpPr>
-          <p:nvPr/>
-        </p:nvCxnSpPr>
-        <p:spPr>
-          <a:xfrm>
-            <a:off x="6409208" y="14877010"/>
-            <a:ext cx="2893447" cy="0"/>
-          </a:xfrm>
-          <a:prstGeom prst="straightConnector1">
-            <a:avLst/>
-          </a:prstGeom>
-          <a:noFill/>
-          <a:ln w="152400" cap="flat">
-            <a:solidFill>
-              <a:schemeClr val="accent1"/>
-            </a:solidFill>
-            <a:prstDash val="solid"/>
-            <a:round/>
-            <a:tailEnd type="triangle"/>
-          </a:ln>
-          <a:effectLst>
-            <a:outerShdw blurRad="38100" dist="20000" dir="5400000" rotWithShape="0">
-              <a:srgbClr val="000000">
-                <a:alpha val="38000"/>
-              </a:srgbClr>
-            </a:outerShdw>
-          </a:effectLst>
-          <a:sp3d/>
-        </p:spPr>
-        <p:style>
-          <a:lnRef idx="0">
-            <a:scrgbClr r="0" g="0" b="0"/>
-          </a:lnRef>
-          <a:fillRef idx="0">
-            <a:scrgbClr r="0" g="0" b="0"/>
-          </a:fillRef>
-          <a:effectRef idx="0">
-            <a:scrgbClr r="0" g="0" b="0"/>
-          </a:effectRef>
-          <a:fontRef idx="none"/>
-        </p:style>
-      </p:cxnSp>
-      <p:sp>
-        <p:nvSpPr>
-          <p:cNvPr id="48" name="TextBox 47">
-            <a:extLst>
-              <a:ext uri="{FF2B5EF4-FFF2-40B4-BE49-F238E27FC236}">
-                <a16:creationId xmlns:a16="http://schemas.microsoft.com/office/drawing/2014/main" id="{414A9A17-5D3F-575E-C641-B9A8838A26AB}"/>
+                <a16:creationId xmlns:a16="http://schemas.microsoft.com/office/drawing/2014/main" id="{C450AD40-2CE6-719B-B4B6-EC5777CAF6ED}"/>
               </a:ext>
             </a:extLst>
           </p:cNvPr>
@@ -4513,8 +5051,8 @@
         </p:nvSpPr>
         <p:spPr>
           <a:xfrm>
-            <a:off x="6530302" y="14188701"/>
-            <a:ext cx="3039388" cy="1569658"/>
+            <a:off x="1706548" y="17854370"/>
+            <a:ext cx="7647854" cy="523218"/>
           </a:xfrm>
           <a:prstGeom prst="rect">
             <a:avLst/>
@@ -4540,12 +5078,12 @@
           <a:fontRef idx="none"/>
         </p:style>
         <p:txBody>
-          <a:bodyPr rot="0" spcFirstLastPara="1" vertOverflow="overflow" horzOverflow="overflow" vert="horz" wrap="square" lIns="45719" tIns="45719" rIns="45719" bIns="45719" numCol="1" spcCol="38100" rtlCol="0" anchor="t">
+          <a:bodyPr rot="0" spcFirstLastPara="1" vertOverflow="overflow" horzOverflow="overflow" vert="horz" wrap="square" lIns="45719" tIns="45719" rIns="45719" bIns="45719" numCol="1" spcCol="38100" rtlCol="0" anchor="ctr">
             <a:spAutoFit/>
           </a:bodyPr>
           <a:lstStyle/>
           <a:p>
-            <a:pPr marL="0" marR="0" indent="0" algn="l" defTabSz="411480" rtl="0" fontAlgn="auto" latinLnBrk="0" hangingPunct="0">
+            <a:pPr marL="0" marR="0" indent="0" algn="ctr" defTabSz="411480" rtl="0" fontAlgn="auto" latinLnBrk="0" hangingPunct="0">
               <a:lnSpc>
                 <a:spcPct val="100000"/>
               </a:lnSpc>
@@ -4562,169 +5100,7 @@
               <a:tabLst/>
             </a:pPr>
             <a:r>
-              <a:rPr kumimoji="0" lang="en-GB" sz="3200" b="0" i="0" u="none" strike="noStrike" cap="none" spc="0" normalizeH="0" baseline="0" dirty="0">
-                <a:ln>
-                  <a:noFill/>
-                </a:ln>
-                <a:solidFill>
-                  <a:srgbClr val="3C3C3B"/>
-                </a:solidFill>
-                <a:effectLst/>
-                <a:uFillTx/>
-                <a:latin typeface="Gill Sans Nova"/>
-                <a:ea typeface="Gill Sans Nova"/>
-                <a:cs typeface="Gill Sans Nova"/>
-                <a:sym typeface="Gill Sans Nova"/>
-              </a:rPr>
-              <a:t>CP Seed files</a:t>
-            </a:r>
-            <a:r>
-              <a:rPr kumimoji="0" lang="en-GB" sz="1600" b="0" i="0" u="none" strike="noStrike" cap="none" spc="0" normalizeH="0" baseline="0" dirty="0">
-                <a:ln>
-                  <a:noFill/>
-                </a:ln>
-                <a:solidFill>
-                  <a:srgbClr val="3C3C3B"/>
-                </a:solidFill>
-                <a:effectLst/>
-                <a:uFillTx/>
-                <a:latin typeface="Gill Sans Nova"/>
-                <a:ea typeface="Gill Sans Nova"/>
-                <a:cs typeface="Gill Sans Nova"/>
-                <a:sym typeface="Gill Sans Nova"/>
-              </a:rPr>
-              <a:t> </a:t>
-            </a:r>
-            <a:br>
-              <a:rPr kumimoji="0" lang="en-GB" sz="1600" b="0" i="0" u="none" strike="noStrike" cap="none" spc="0" normalizeH="0" baseline="0" dirty="0">
-                <a:ln>
-                  <a:noFill/>
-                </a:ln>
-                <a:solidFill>
-                  <a:srgbClr val="3C3C3B"/>
-                </a:solidFill>
-                <a:effectLst/>
-                <a:uFillTx/>
-                <a:latin typeface="Gill Sans Nova"/>
-                <a:ea typeface="Gill Sans Nova"/>
-                <a:cs typeface="Gill Sans Nova"/>
-                <a:sym typeface="Gill Sans Nova"/>
-              </a:rPr>
-            </a:br>
-            <a:br>
-              <a:rPr kumimoji="0" lang="en-GB" sz="1600" b="0" i="0" u="none" strike="noStrike" cap="none" spc="0" normalizeH="0" baseline="0" dirty="0">
-                <a:ln>
-                  <a:noFill/>
-                </a:ln>
-                <a:solidFill>
-                  <a:srgbClr val="3C3C3B"/>
-                </a:solidFill>
-                <a:effectLst/>
-                <a:uFillTx/>
-                <a:latin typeface="Gill Sans Nova"/>
-                <a:ea typeface="Gill Sans Nova"/>
-                <a:cs typeface="Gill Sans Nova"/>
-                <a:sym typeface="Gill Sans Nova"/>
-              </a:rPr>
-            </a:br>
-            <a:r>
-              <a:rPr kumimoji="0" lang="en-GB" sz="2400" b="0" i="0" u="none" strike="noStrike" cap="none" spc="0" normalizeH="0" baseline="0" dirty="0">
-                <a:ln>
-                  <a:noFill/>
-                </a:ln>
-                <a:solidFill>
-                  <a:srgbClr val="3C3C3B"/>
-                </a:solidFill>
-                <a:effectLst/>
-                <a:uFillTx/>
-                <a:latin typeface="Gill Sans Nova"/>
-                <a:ea typeface="Gill Sans Nova"/>
-                <a:cs typeface="Gill Sans Nova"/>
-                <a:sym typeface="Gill Sans Nova"/>
-              </a:rPr>
-              <a:t>variables, constraints, objective function </a:t>
-            </a:r>
-            <a:endParaRPr kumimoji="0" lang="en-US" sz="1600" b="0" i="0" u="none" strike="noStrike" cap="none" spc="0" normalizeH="0" baseline="0" dirty="0">
-              <a:ln>
-                <a:noFill/>
-              </a:ln>
-              <a:solidFill>
-                <a:srgbClr val="3C3C3B"/>
-              </a:solidFill>
-              <a:effectLst/>
-              <a:uFillTx/>
-              <a:latin typeface="Gill Sans Nova"/>
-              <a:ea typeface="Gill Sans Nova"/>
-              <a:cs typeface="Gill Sans Nova"/>
-              <a:sym typeface="Gill Sans Nova"/>
-            </a:endParaRPr>
-          </a:p>
-        </p:txBody>
-      </p:sp>
-      <p:sp>
-        <p:nvSpPr>
-          <p:cNvPr id="63" name="TextBox 62">
-            <a:extLst>
-              <a:ext uri="{FF2B5EF4-FFF2-40B4-BE49-F238E27FC236}">
-                <a16:creationId xmlns:a16="http://schemas.microsoft.com/office/drawing/2014/main" id="{1820E2A3-D0CB-9DC0-79F9-BEF820B59065}"/>
-              </a:ext>
-            </a:extLst>
-          </p:cNvPr>
-          <p:cNvSpPr txBox="1"/>
-          <p:nvPr/>
-        </p:nvSpPr>
-        <p:spPr>
-          <a:xfrm>
-            <a:off x="58333" y="19610023"/>
-            <a:ext cx="1574196" cy="461663"/>
-          </a:xfrm>
-          <a:prstGeom prst="rect">
-            <a:avLst/>
-          </a:prstGeom>
-          <a:noFill/>
-          <a:ln w="12700" cap="flat">
-            <a:noFill/>
-            <a:miter lim="400000"/>
-          </a:ln>
-          <a:effectLst/>
-          <a:sp3d/>
-        </p:spPr>
-        <p:style>
-          <a:lnRef idx="0">
-            <a:scrgbClr r="0" g="0" b="0"/>
-          </a:lnRef>
-          <a:fillRef idx="0">
-            <a:scrgbClr r="0" g="0" b="0"/>
-          </a:fillRef>
-          <a:effectRef idx="0">
-            <a:scrgbClr r="0" g="0" b="0"/>
-          </a:effectRef>
-          <a:fontRef idx="none"/>
-        </p:style>
-        <p:txBody>
-          <a:bodyPr rot="0" spcFirstLastPara="1" vertOverflow="overflow" horzOverflow="overflow" vert="horz" wrap="square" lIns="45719" tIns="45719" rIns="45719" bIns="45719" numCol="1" spcCol="38100" rtlCol="0" anchor="t">
-            <a:spAutoFit/>
-          </a:bodyPr>
-          <a:lstStyle/>
-          <a:p>
-            <a:pPr marL="0" marR="0" indent="0" algn="l" defTabSz="411480" rtl="0" fontAlgn="auto" latinLnBrk="0" hangingPunct="0">
-              <a:lnSpc>
-                <a:spcPct val="100000"/>
-              </a:lnSpc>
-              <a:spcBef>
-                <a:spcPts val="0"/>
-              </a:spcBef>
-              <a:spcAft>
-                <a:spcPts val="0"/>
-              </a:spcAft>
-              <a:buClrTx/>
-              <a:buSzTx/>
-              <a:buFontTx/>
-              <a:buNone/>
-              <a:tabLst/>
-            </a:pPr>
-            <a:r>
-              <a:rPr kumimoji="0" lang="en-GB" sz="2400" b="0" i="0" u="none" strike="noStrike" cap="none" spc="0" normalizeH="0" baseline="0" dirty="0">
+              <a:rPr kumimoji="0" lang="en-GB" sz="2800" b="0" u="none" strike="noStrike" cap="none" spc="0" normalizeH="0" baseline="0" dirty="0">
                 <a:ln>
                   <a:noFill/>
                 </a:ln>
@@ -4733,14 +5109,13 @@
                 </a:solidFill>
                 <a:effectLst/>
                 <a:uFillTx/>
-                <a:latin typeface="Gill Sans Nova"/>
-                <a:ea typeface="Gill Sans Nova"/>
-                <a:cs typeface="Gill Sans Nova"/>
+                <a:latin typeface="Arial" panose="020B0604020202020204" pitchFamily="34" charset="0"/>
+                <a:cs typeface="Arial" panose="020B0604020202020204" pitchFamily="34" charset="0"/>
                 <a:sym typeface="Gill Sans Nova"/>
               </a:rPr>
-              <a:t>SMT seeds</a:t>
-            </a:r>
-            <a:endParaRPr kumimoji="0" lang="en-US" sz="1600" b="0" i="0" u="none" strike="noStrike" cap="none" spc="0" normalizeH="0" baseline="0" dirty="0">
+              <a:t>STORM</a:t>
+            </a:r>
+            <a:endParaRPr kumimoji="0" lang="en-US" sz="1600" b="0" u="none" strike="noStrike" cap="none" spc="0" normalizeH="0" baseline="0" dirty="0">
               <a:ln>
                 <a:noFill/>
               </a:ln>
@@ -4749,225 +5124,13 @@
               </a:solidFill>
               <a:effectLst/>
               <a:uFillTx/>
-              <a:latin typeface="Gill Sans Nova"/>
-              <a:ea typeface="Gill Sans Nova"/>
-              <a:cs typeface="Gill Sans Nova"/>
+              <a:latin typeface="Arial" panose="020B0604020202020204" pitchFamily="34" charset="0"/>
+              <a:cs typeface="Arial" panose="020B0604020202020204" pitchFamily="34" charset="0"/>
               <a:sym typeface="Gill Sans Nova"/>
             </a:endParaRPr>
           </a:p>
         </p:txBody>
       </p:sp>
-      <p:cxnSp>
-        <p:nvCxnSpPr>
-          <p:cNvPr id="64" name="Straight Arrow Connector 63">
-            <a:extLst>
-              <a:ext uri="{FF2B5EF4-FFF2-40B4-BE49-F238E27FC236}">
-                <a16:creationId xmlns:a16="http://schemas.microsoft.com/office/drawing/2014/main" id="{11CBFF6A-DFB0-6A44-0C13-80F27C018592}"/>
-              </a:ext>
-            </a:extLst>
-          </p:cNvPr>
-          <p:cNvCxnSpPr>
-            <a:cxnSpLocks/>
-          </p:cNvCxnSpPr>
-          <p:nvPr/>
-        </p:nvCxnSpPr>
-        <p:spPr>
-          <a:xfrm>
-            <a:off x="180021" y="19393850"/>
-            <a:ext cx="1397675" cy="0"/>
-          </a:xfrm>
-          <a:prstGeom prst="straightConnector1">
-            <a:avLst/>
-          </a:prstGeom>
-          <a:noFill/>
-          <a:ln w="152400" cap="flat">
-            <a:solidFill>
-              <a:schemeClr val="accent1"/>
-            </a:solidFill>
-            <a:prstDash val="solid"/>
-            <a:round/>
-            <a:tailEnd type="triangle"/>
-          </a:ln>
-          <a:effectLst>
-            <a:outerShdw blurRad="38100" dist="20000" dir="5400000" rotWithShape="0">
-              <a:srgbClr val="000000">
-                <a:alpha val="38000"/>
-              </a:srgbClr>
-            </a:outerShdw>
-          </a:effectLst>
-          <a:sp3d/>
-        </p:spPr>
-        <p:style>
-          <a:lnRef idx="0">
-            <a:scrgbClr r="0" g="0" b="0"/>
-          </a:lnRef>
-          <a:fillRef idx="0">
-            <a:scrgbClr r="0" g="0" b="0"/>
-          </a:fillRef>
-          <a:effectRef idx="0">
-            <a:scrgbClr r="0" g="0" b="0"/>
-          </a:effectRef>
-          <a:fontRef idx="none"/>
-        </p:style>
-      </p:cxnSp>
-      <mc:AlternateContent xmlns:mc="http://schemas.openxmlformats.org/markup-compatibility/2006" xmlns:a14="http://schemas.microsoft.com/office/drawing/2010/main">
-        <mc:Choice Requires="a14">
-          <p:sp>
-            <p:nvSpPr>
-              <p:cNvPr id="66" name="TextBox 65">
-                <a:extLst>
-                  <a:ext uri="{FF2B5EF4-FFF2-40B4-BE49-F238E27FC236}">
-                    <a16:creationId xmlns:a16="http://schemas.microsoft.com/office/drawing/2014/main" id="{C450AD40-2CE6-719B-B4B6-EC5777CAF6ED}"/>
-                  </a:ext>
-                </a:extLst>
-              </p:cNvPr>
-              <p:cNvSpPr txBox="1"/>
-              <p:nvPr/>
-            </p:nvSpPr>
-            <p:spPr>
-              <a:xfrm>
-                <a:off x="1565052" y="17981519"/>
-                <a:ext cx="7647854" cy="523218"/>
-              </a:xfrm>
-              <a:prstGeom prst="rect">
-                <a:avLst/>
-              </a:prstGeom>
-              <a:noFill/>
-              <a:ln w="12700" cap="flat">
-                <a:noFill/>
-                <a:miter lim="400000"/>
-              </a:ln>
-              <a:effectLst/>
-              <a:sp3d/>
-            </p:spPr>
-            <p:style>
-              <a:lnRef idx="0">
-                <a:scrgbClr r="0" g="0" b="0"/>
-              </a:lnRef>
-              <a:fillRef idx="0">
-                <a:scrgbClr r="0" g="0" b="0"/>
-              </a:fillRef>
-              <a:effectRef idx="0">
-                <a:scrgbClr r="0" g="0" b="0"/>
-              </a:effectRef>
-              <a:fontRef idx="none"/>
-            </p:style>
-            <p:txBody>
-              <a:bodyPr rot="0" spcFirstLastPara="1" vertOverflow="overflow" horzOverflow="overflow" vert="horz" wrap="square" lIns="45719" tIns="45719" rIns="45719" bIns="45719" numCol="1" spcCol="38100" rtlCol="0" anchor="ctr">
-                <a:spAutoFit/>
-              </a:bodyPr>
-              <a:lstStyle/>
-              <a:p>
-                <a:pPr marL="0" marR="0" indent="0" algn="ctr" defTabSz="411480" rtl="0" fontAlgn="auto" latinLnBrk="0" hangingPunct="0">
-                  <a:lnSpc>
-                    <a:spcPct val="100000"/>
-                  </a:lnSpc>
-                  <a:spcBef>
-                    <a:spcPts val="0"/>
-                  </a:spcBef>
-                  <a:spcAft>
-                    <a:spcPts val="0"/>
-                  </a:spcAft>
-                  <a:buClrTx/>
-                  <a:buSzTx/>
-                  <a:buFontTx/>
-                  <a:buNone/>
-                  <a:tabLst/>
-                </a:pPr>
-                <a14:m>
-                  <m:oMathPara xmlns:m="http://schemas.openxmlformats.org/officeDocument/2006/math">
-                    <m:oMathParaPr>
-                      <m:jc m:val="centerGroup"/>
-                    </m:oMathParaPr>
-                    <m:oMath xmlns:m="http://schemas.openxmlformats.org/officeDocument/2006/math">
-                      <m:r>
-                        <m:rPr>
-                          <m:sty m:val="p"/>
-                        </m:rPr>
-                        <a:rPr kumimoji="0" lang="en-GB" sz="2800" b="0" i="0" u="none" strike="noStrike" cap="none" spc="0" normalizeH="0" baseline="0" smtClean="0">
-                          <a:ln>
-                            <a:noFill/>
-                          </a:ln>
-                          <a:solidFill>
-                            <a:srgbClr val="3C3C3B"/>
-                          </a:solidFill>
-                          <a:effectLst/>
-                          <a:uFillTx/>
-                          <a:latin typeface="Cambria Math" panose="02040503050406030204" pitchFamily="18" charset="0"/>
-                          <a:sym typeface="Gill Sans Nova"/>
-                        </a:rPr>
-                        <m:t>STORM</m:t>
-                      </m:r>
-                    </m:oMath>
-                  </m:oMathPara>
-                </a14:m>
-                <a:endParaRPr kumimoji="0" lang="en-US" sz="1600" b="0" u="none" strike="noStrike" cap="none" spc="0" normalizeH="0" baseline="0" dirty="0">
-                  <a:ln>
-                    <a:noFill/>
-                  </a:ln>
-                  <a:solidFill>
-                    <a:srgbClr val="3C3C3B"/>
-                  </a:solidFill>
-                  <a:effectLst/>
-                  <a:uFillTx/>
-                  <a:latin typeface="Arial" panose="020B0604020202020204" pitchFamily="34" charset="0"/>
-                  <a:cs typeface="Arial" panose="020B0604020202020204" pitchFamily="34" charset="0"/>
-                  <a:sym typeface="Gill Sans Nova"/>
-                </a:endParaRPr>
-              </a:p>
-            </p:txBody>
-          </p:sp>
-        </mc:Choice>
-        <mc:Fallback xmlns="">
-          <p:sp>
-            <p:nvSpPr>
-              <p:cNvPr id="66" name="TextBox 65">
-                <a:extLst>
-                  <a:ext uri="{FF2B5EF4-FFF2-40B4-BE49-F238E27FC236}">
-                    <a16:creationId xmlns:a16="http://schemas.microsoft.com/office/drawing/2014/main" id="{C450AD40-2CE6-719B-B4B6-EC5777CAF6ED}"/>
-                  </a:ext>
-                </a:extLst>
-              </p:cNvPr>
-              <p:cNvSpPr txBox="1">
-                <a:spLocks noRot="1" noChangeAspect="1" noMove="1" noResize="1" noEditPoints="1" noAdjustHandles="1" noChangeArrowheads="1" noChangeShapeType="1" noTextEdit="1"/>
-              </p:cNvSpPr>
-              <p:nvPr/>
-            </p:nvSpPr>
-            <p:spPr>
-              <a:xfrm>
-                <a:off x="1565052" y="17981519"/>
-                <a:ext cx="7647854" cy="523218"/>
-              </a:xfrm>
-              <a:prstGeom prst="rect">
-                <a:avLst/>
-              </a:prstGeom>
-              <a:blipFill>
-                <a:blip r:embed="rId6"/>
-                <a:stretch>
-                  <a:fillRect/>
-                </a:stretch>
-              </a:blipFill>
-              <a:ln w="12700" cap="flat">
-                <a:noFill/>
-                <a:miter lim="400000"/>
-              </a:ln>
-              <a:effectLst/>
-            </p:spPr>
-            <p:txBody>
-              <a:bodyPr/>
-              <a:lstStyle/>
-              <a:p>
-                <a:r>
-                  <a:rPr lang="en-US">
-                    <a:noFill/>
-                  </a:rPr>
-                  <a:t> </a:t>
-                </a:r>
-              </a:p>
-            </p:txBody>
-          </p:sp>
-        </mc:Fallback>
-      </mc:AlternateContent>
       <p:sp>
         <p:nvSpPr>
           <p:cNvPr id="68" name="Rectangle 67">
@@ -4982,8 +5145,8 @@
         </p:nvSpPr>
         <p:spPr>
           <a:xfrm>
-            <a:off x="1698608" y="18685594"/>
-            <a:ext cx="1355888" cy="1200327"/>
+            <a:off x="1840103" y="18558444"/>
+            <a:ext cx="1499987" cy="1200327"/>
           </a:xfrm>
           <a:prstGeom prst="rect">
             <a:avLst/>
@@ -5041,13 +5204,12 @@
                   <a:noFill/>
                 </a:ln>
                 <a:solidFill>
-                  <a:srgbClr val="3C3C3B"/>
+                  <a:srgbClr val="000000"/>
                 </a:solidFill>
                 <a:effectLst/>
                 <a:uFillTx/>
-                <a:latin typeface="Gill Sans Nova"/>
-                <a:ea typeface="Gill Sans Nova"/>
-                <a:cs typeface="Gill Sans Nova"/>
+                <a:latin typeface="Arial" panose="020B0604020202020204" pitchFamily="34" charset="0"/>
+                <a:cs typeface="Arial" panose="020B0604020202020204" pitchFamily="34" charset="0"/>
                 <a:sym typeface="Gill Sans Nova"/>
               </a:rPr>
               <a:t>Solve original SMT seed</a:t>
@@ -5057,13 +5219,12 @@
                 <a:noFill/>
               </a:ln>
               <a:solidFill>
-                <a:srgbClr val="3C3C3B"/>
+                <a:srgbClr val="000000"/>
               </a:solidFill>
               <a:effectLst/>
               <a:uFillTx/>
-              <a:latin typeface="Gill Sans Nova"/>
-              <a:ea typeface="Gill Sans Nova"/>
-              <a:cs typeface="Gill Sans Nova"/>
+              <a:latin typeface="Arial" panose="020B0604020202020204" pitchFamily="34" charset="0"/>
+              <a:cs typeface="Arial" panose="020B0604020202020204" pitchFamily="34" charset="0"/>
               <a:sym typeface="Gill Sans Nova"/>
             </a:endParaRPr>
           </a:p>
@@ -5085,7 +5246,7 @@
         </p:nvCxnSpPr>
         <p:spPr>
           <a:xfrm>
-            <a:off x="3109269" y="19250669"/>
+            <a:off x="3340090" y="19123519"/>
             <a:ext cx="382797" cy="0"/>
           </a:xfrm>
           <a:prstGeom prst="straightConnector1">
@@ -5136,8 +5297,8 @@
         </p:nvSpPr>
         <p:spPr>
           <a:xfrm>
-            <a:off x="3531460" y="18685594"/>
-            <a:ext cx="1499988" cy="1200327"/>
+            <a:off x="3672955" y="18558444"/>
+            <a:ext cx="1623199" cy="1200327"/>
           </a:xfrm>
           <a:prstGeom prst="rect">
             <a:avLst/>
@@ -5195,13 +5356,12 @@
                   <a:noFill/>
                 </a:ln>
                 <a:solidFill>
-                  <a:srgbClr val="3C3C3B"/>
+                  <a:srgbClr val="000000"/>
                 </a:solidFill>
                 <a:effectLst/>
                 <a:uFillTx/>
-                <a:latin typeface="Gill Sans Nova"/>
-                <a:ea typeface="Gill Sans Nova"/>
-                <a:cs typeface="Gill Sans Nova"/>
+                <a:latin typeface="Arial" panose="020B0604020202020204" pitchFamily="34" charset="0"/>
+                <a:cs typeface="Arial" panose="020B0604020202020204" pitchFamily="34" charset="0"/>
                 <a:sym typeface="Gill Sans Nova"/>
               </a:rPr>
               <a:t>Label constraints True/False</a:t>
@@ -5211,13 +5371,12 @@
                 <a:noFill/>
               </a:ln>
               <a:solidFill>
-                <a:srgbClr val="3C3C3B"/>
+                <a:srgbClr val="000000"/>
               </a:solidFill>
               <a:effectLst/>
               <a:uFillTx/>
-              <a:latin typeface="Gill Sans Nova"/>
-              <a:ea typeface="Gill Sans Nova"/>
-              <a:cs typeface="Gill Sans Nova"/>
+              <a:latin typeface="Arial" panose="020B0604020202020204" pitchFamily="34" charset="0"/>
+              <a:cs typeface="Arial" panose="020B0604020202020204" pitchFamily="34" charset="0"/>
               <a:sym typeface="Gill Sans Nova"/>
             </a:endParaRPr>
           </a:p>
@@ -5239,7 +5398,7 @@
         </p:nvCxnSpPr>
         <p:spPr>
           <a:xfrm>
-            <a:off x="5056935" y="19250669"/>
+            <a:off x="5296154" y="19123519"/>
             <a:ext cx="382797" cy="0"/>
           </a:xfrm>
           <a:prstGeom prst="straightConnector1">
@@ -5290,8 +5449,8 @@
         </p:nvSpPr>
         <p:spPr>
           <a:xfrm>
-            <a:off x="5486126" y="18721735"/>
-            <a:ext cx="1836391" cy="1200327"/>
+            <a:off x="5627622" y="18594585"/>
+            <a:ext cx="1928195" cy="1200327"/>
           </a:xfrm>
           <a:prstGeom prst="rect">
             <a:avLst/>
@@ -5349,13 +5508,12 @@
                   <a:noFill/>
                 </a:ln>
                 <a:solidFill>
-                  <a:srgbClr val="3C3C3B"/>
+                  <a:srgbClr val="000000"/>
                 </a:solidFill>
                 <a:effectLst/>
                 <a:uFillTx/>
-                <a:latin typeface="Gill Sans Nova"/>
-                <a:ea typeface="Gill Sans Nova"/>
-                <a:cs typeface="Gill Sans Nova"/>
+                <a:latin typeface="Arial" panose="020B0604020202020204" pitchFamily="34" charset="0"/>
+                <a:cs typeface="Arial" panose="020B0604020202020204" pitchFamily="34" charset="0"/>
                 <a:sym typeface="Gill Sans Nova"/>
               </a:rPr>
               <a:t>Create new</a:t>
@@ -5384,13 +5542,12 @@
                   <a:noFill/>
                 </a:ln>
                 <a:solidFill>
-                  <a:srgbClr val="3C3C3B"/>
+                  <a:srgbClr val="000000"/>
                 </a:solidFill>
                 <a:effectLst/>
                 <a:uFillTx/>
-                <a:latin typeface="Gill Sans Nova"/>
-                <a:ea typeface="Gill Sans Nova"/>
-                <a:cs typeface="Gill Sans Nova"/>
+                <a:latin typeface="Arial" panose="020B0604020202020204" pitchFamily="34" charset="0"/>
+                <a:cs typeface="Arial" panose="020B0604020202020204" pitchFamily="34" charset="0"/>
                 <a:sym typeface="Gill Sans Nova"/>
               </a:rPr>
               <a:t>combinations</a:t>
@@ -5412,8 +5569,8 @@
         </p:nvSpPr>
         <p:spPr>
           <a:xfrm>
-            <a:off x="7745788" y="18743333"/>
-            <a:ext cx="1355888" cy="1200327"/>
+            <a:off x="7934256" y="18616183"/>
+            <a:ext cx="1467117" cy="1200327"/>
           </a:xfrm>
           <a:prstGeom prst="rect">
             <a:avLst/>
@@ -5471,13 +5628,12 @@
                   <a:noFill/>
                 </a:ln>
                 <a:solidFill>
-                  <a:srgbClr val="3C3C3B"/>
+                  <a:srgbClr val="000000"/>
                 </a:solidFill>
                 <a:effectLst/>
                 <a:uFillTx/>
-                <a:latin typeface="Gill Sans Nova"/>
-                <a:ea typeface="Gill Sans Nova"/>
-                <a:cs typeface="Gill Sans Nova"/>
+                <a:latin typeface="Arial" panose="020B0604020202020204" pitchFamily="34" charset="0"/>
+                <a:cs typeface="Arial" panose="020B0604020202020204" pitchFamily="34" charset="0"/>
                 <a:sym typeface="Gill Sans Nova"/>
               </a:rPr>
               <a:t>Solve new SMT problem</a:t>
@@ -5487,13 +5643,12 @@
                 <a:noFill/>
               </a:ln>
               <a:solidFill>
-                <a:srgbClr val="3C3C3B"/>
+                <a:srgbClr val="000000"/>
               </a:solidFill>
               <a:effectLst/>
               <a:uFillTx/>
-              <a:latin typeface="Gill Sans Nova"/>
-              <a:ea typeface="Gill Sans Nova"/>
-              <a:cs typeface="Gill Sans Nova"/>
+              <a:latin typeface="Arial" panose="020B0604020202020204" pitchFamily="34" charset="0"/>
+              <a:cs typeface="Arial" panose="020B0604020202020204" pitchFamily="34" charset="0"/>
               <a:sym typeface="Gill Sans Nova"/>
             </a:endParaRPr>
           </a:p>
@@ -5515,7 +5670,7 @@
         </p:nvCxnSpPr>
         <p:spPr>
           <a:xfrm>
-            <a:off x="7362991" y="19393850"/>
+            <a:off x="7555817" y="19123519"/>
             <a:ext cx="382797" cy="0"/>
           </a:xfrm>
           <a:prstGeom prst="straightConnector1">
@@ -5568,7 +5723,7 @@
         </p:nvCxnSpPr>
         <p:spPr>
           <a:xfrm rot="5400000">
-            <a:off x="6225676" y="20077320"/>
+            <a:off x="6379789" y="20025908"/>
             <a:ext cx="382797" cy="0"/>
           </a:xfrm>
           <a:prstGeom prst="straightConnector1">
@@ -5619,7 +5774,7 @@
         </p:nvSpPr>
         <p:spPr>
           <a:xfrm>
-            <a:off x="5622513" y="20340119"/>
+            <a:off x="5929175" y="20236140"/>
             <a:ext cx="3479163" cy="890023"/>
           </a:xfrm>
           <a:prstGeom prst="rect">
@@ -5678,13 +5833,12 @@
                   <a:noFill/>
                 </a:ln>
                 <a:solidFill>
-                  <a:srgbClr val="3C3C3B"/>
+                  <a:srgbClr val="000000"/>
                 </a:solidFill>
                 <a:effectLst/>
                 <a:uFillTx/>
-                <a:latin typeface="Gill Sans Nova"/>
-                <a:ea typeface="Gill Sans Nova"/>
-                <a:cs typeface="Gill Sans Nova"/>
+                <a:latin typeface="Arial" panose="020B0604020202020204" pitchFamily="34" charset="0"/>
+                <a:cs typeface="Arial" panose="020B0604020202020204" pitchFamily="34" charset="0"/>
                 <a:sym typeface="Gill Sans Nova"/>
               </a:rPr>
               <a:t>Compare </a:t>
@@ -5713,13 +5867,12 @@
                   <a:noFill/>
                 </a:ln>
                 <a:solidFill>
-                  <a:srgbClr val="3C3C3B"/>
+                  <a:srgbClr val="000000"/>
                 </a:solidFill>
                 <a:effectLst/>
                 <a:uFillTx/>
-                <a:latin typeface="Gill Sans Nova"/>
-                <a:ea typeface="Gill Sans Nova"/>
-                <a:cs typeface="Gill Sans Nova"/>
+                <a:latin typeface="Arial" panose="020B0604020202020204" pitchFamily="34" charset="0"/>
+                <a:cs typeface="Arial" panose="020B0604020202020204" pitchFamily="34" charset="0"/>
                 <a:sym typeface="Gill Sans Nova"/>
               </a:rPr>
               <a:t>expected to gotten result</a:t>
@@ -5729,13 +5882,12 @@
                 <a:noFill/>
               </a:ln>
               <a:solidFill>
-                <a:srgbClr val="3C3C3B"/>
+                <a:srgbClr val="000000"/>
               </a:solidFill>
               <a:effectLst/>
               <a:uFillTx/>
-              <a:latin typeface="Gill Sans Nova"/>
-              <a:ea typeface="Gill Sans Nova"/>
-              <a:cs typeface="Gill Sans Nova"/>
+              <a:latin typeface="Arial" panose="020B0604020202020204" pitchFamily="34" charset="0"/>
+              <a:cs typeface="Arial" panose="020B0604020202020204" pitchFamily="34" charset="0"/>
               <a:sym typeface="Gill Sans Nova"/>
             </a:endParaRPr>
           </a:p>
@@ -5757,7 +5909,7 @@
         </p:nvCxnSpPr>
         <p:spPr>
           <a:xfrm rot="5400000">
-            <a:off x="8109504" y="20157395"/>
+            <a:off x="8476415" y="20025908"/>
             <a:ext cx="382797" cy="0"/>
           </a:xfrm>
           <a:prstGeom prst="straightConnector1">
@@ -5808,8 +5960,8 @@
         </p:nvSpPr>
         <p:spPr>
           <a:xfrm>
-            <a:off x="9400372" y="20254868"/>
-            <a:ext cx="784353" cy="461663"/>
+            <a:off x="9601682" y="20025908"/>
+            <a:ext cx="947349" cy="461663"/>
           </a:xfrm>
           <a:prstGeom prst="rect">
             <a:avLst/>
@@ -5861,6 +6013,8 @@
                 <a:solidFill>
                   <a:srgbClr val="000000"/>
                 </a:solidFill>
+                <a:latin typeface="Arial" panose="020B0604020202020204" pitchFamily="34" charset="0"/>
+                <a:cs typeface="Arial" panose="020B0604020202020204" pitchFamily="34" charset="0"/>
               </a:rPr>
               <a:t>B</a:t>
             </a:r>
@@ -5874,9 +6028,8 @@
                 </a:solidFill>
                 <a:effectLst/>
                 <a:uFillTx/>
-                <a:latin typeface="Gill Sans Nova"/>
-                <a:ea typeface="Gill Sans Nova"/>
-                <a:cs typeface="Gill Sans Nova"/>
+                <a:latin typeface="Arial" panose="020B0604020202020204" pitchFamily="34" charset="0"/>
+                <a:cs typeface="Arial" panose="020B0604020202020204" pitchFamily="34" charset="0"/>
                 <a:sym typeface="Gill Sans Nova"/>
               </a:rPr>
               <a:t>ugs</a:t>
@@ -5890,9 +6043,8 @@
               </a:solidFill>
               <a:effectLst/>
               <a:uFillTx/>
-              <a:latin typeface="Gill Sans Nova"/>
-              <a:ea typeface="Gill Sans Nova"/>
-              <a:cs typeface="Gill Sans Nova"/>
+              <a:latin typeface="Arial" panose="020B0604020202020204" pitchFamily="34" charset="0"/>
+              <a:cs typeface="Arial" panose="020B0604020202020204" pitchFamily="34" charset="0"/>
               <a:sym typeface="Gill Sans Nova"/>
             </a:endParaRPr>
           </a:p>
@@ -5914,7 +6066,7 @@
         </p:nvCxnSpPr>
         <p:spPr>
           <a:xfrm>
-            <a:off x="9229052" y="20886427"/>
+            <a:off x="9565985" y="20650631"/>
             <a:ext cx="1066805" cy="0"/>
           </a:xfrm>
           <a:prstGeom prst="straightConnector1">
@@ -5965,8 +6117,8 @@
         </p:nvSpPr>
         <p:spPr>
           <a:xfrm>
-            <a:off x="1590315" y="22277563"/>
-            <a:ext cx="7638738" cy="3530822"/>
+            <a:off x="1590314" y="22277563"/>
+            <a:ext cx="7732965" cy="3530822"/>
           </a:xfrm>
           <a:prstGeom prst="rect">
             <a:avLst/>
@@ -6049,7 +6201,7 @@
         </p:nvSpPr>
         <p:spPr>
           <a:xfrm>
-            <a:off x="71516" y="23490662"/>
+            <a:off x="124386" y="22472087"/>
             <a:ext cx="1574196" cy="461663"/>
           </a:xfrm>
           <a:prstGeom prst="rect">
@@ -6107,9 +6259,8 @@
                 </a:solidFill>
                 <a:effectLst/>
                 <a:uFillTx/>
-                <a:latin typeface="Gill Sans Nova"/>
-                <a:ea typeface="Gill Sans Nova"/>
-                <a:cs typeface="Gill Sans Nova"/>
+                <a:latin typeface="Arial" panose="020B0604020202020204" pitchFamily="34" charset="0"/>
+                <a:cs typeface="Arial" panose="020B0604020202020204" pitchFamily="34" charset="0"/>
                 <a:sym typeface="Gill Sans Nova"/>
               </a:rPr>
               <a:t>CP</a:t>
@@ -6124,9 +6275,8 @@
                 </a:solidFill>
                 <a:effectLst/>
                 <a:uFillTx/>
-                <a:latin typeface="Gill Sans Nova"/>
-                <a:ea typeface="Gill Sans Nova"/>
-                <a:cs typeface="Gill Sans Nova"/>
+                <a:latin typeface="Arial" panose="020B0604020202020204" pitchFamily="34" charset="0"/>
+                <a:cs typeface="Arial" panose="020B0604020202020204" pitchFamily="34" charset="0"/>
                 <a:sym typeface="Gill Sans Nova"/>
               </a:rPr>
               <a:t> seeds</a:t>
@@ -6140,9 +6290,8 @@
               </a:solidFill>
               <a:effectLst/>
               <a:uFillTx/>
-              <a:latin typeface="Gill Sans Nova"/>
-              <a:ea typeface="Gill Sans Nova"/>
-              <a:cs typeface="Gill Sans Nova"/>
+              <a:latin typeface="Arial" panose="020B0604020202020204" pitchFamily="34" charset="0"/>
+              <a:cs typeface="Arial" panose="020B0604020202020204" pitchFamily="34" charset="0"/>
               <a:sym typeface="Gill Sans Nova"/>
             </a:endParaRPr>
           </a:p>
@@ -6215,7 +6364,7 @@
         </p:nvSpPr>
         <p:spPr>
           <a:xfrm>
-            <a:off x="1581198" y="21744668"/>
+            <a:off x="1598280" y="21719593"/>
             <a:ext cx="7647854" cy="523218"/>
           </a:xfrm>
           <a:prstGeom prst="rect">
@@ -6268,6 +6417,8 @@
                 <a:solidFill>
                   <a:srgbClr val="FF0000"/>
                 </a:solidFill>
+                <a:latin typeface="Arial" panose="020B0604020202020204" pitchFamily="34" charset="0"/>
+                <a:cs typeface="Arial" panose="020B0604020202020204" pitchFamily="34" charset="0"/>
               </a:rPr>
               <a:t>C</a:t>
             </a:r>
@@ -6277,13 +6428,12 @@
                   <a:noFill/>
                 </a:ln>
                 <a:solidFill>
-                  <a:srgbClr val="3C3C3B"/>
+                  <a:srgbClr val="000000"/>
                 </a:solidFill>
                 <a:effectLst/>
                 <a:uFillTx/>
-                <a:latin typeface="Gill Sans Nova"/>
-                <a:ea typeface="Gill Sans Nova"/>
-                <a:cs typeface="Gill Sans Nova"/>
+                <a:latin typeface="Arial" panose="020B0604020202020204" pitchFamily="34" charset="0"/>
+                <a:cs typeface="Arial" panose="020B0604020202020204" pitchFamily="34" charset="0"/>
                 <a:sym typeface="Gill Sans Nova"/>
               </a:rPr>
               <a:t>TORM</a:t>
@@ -6293,13 +6443,12 @@
                 <a:noFill/>
               </a:ln>
               <a:solidFill>
-                <a:srgbClr val="3C3C3B"/>
+                <a:srgbClr val="000000"/>
               </a:solidFill>
               <a:effectLst/>
               <a:uFillTx/>
-              <a:latin typeface="Gill Sans Nova"/>
-              <a:ea typeface="Gill Sans Nova"/>
-              <a:cs typeface="Gill Sans Nova"/>
+              <a:latin typeface="Arial" panose="020B0604020202020204" pitchFamily="34" charset="0"/>
+              <a:cs typeface="Arial" panose="020B0604020202020204" pitchFamily="34" charset="0"/>
               <a:sym typeface="Gill Sans Nova"/>
             </a:endParaRPr>
           </a:p>
@@ -6378,13 +6527,12 @@
                   <a:noFill/>
                 </a:ln>
                 <a:solidFill>
-                  <a:srgbClr val="3C3C3B"/>
+                  <a:srgbClr val="000000"/>
                 </a:solidFill>
                 <a:effectLst/>
                 <a:uFillTx/>
-                <a:latin typeface="Gill Sans Nova"/>
-                <a:ea typeface="Gill Sans Nova"/>
-                <a:cs typeface="Gill Sans Nova"/>
+                <a:latin typeface="Arial" panose="020B0604020202020204" pitchFamily="34" charset="0"/>
+                <a:cs typeface="Arial" panose="020B0604020202020204" pitchFamily="34" charset="0"/>
                 <a:sym typeface="Gill Sans Nova"/>
               </a:rPr>
               <a:t>Solve original </a:t>
@@ -6399,9 +6547,8 @@
                 </a:solidFill>
                 <a:effectLst/>
                 <a:uFillTx/>
-                <a:latin typeface="Gill Sans Nova"/>
-                <a:ea typeface="Gill Sans Nova"/>
-                <a:cs typeface="Gill Sans Nova"/>
+                <a:latin typeface="Arial" panose="020B0604020202020204" pitchFamily="34" charset="0"/>
+                <a:cs typeface="Arial" panose="020B0604020202020204" pitchFamily="34" charset="0"/>
                 <a:sym typeface="Gill Sans Nova"/>
               </a:rPr>
               <a:t>CP</a:t>
@@ -6416,25 +6563,39 @@
                 </a:solidFill>
                 <a:effectLst/>
                 <a:uFillTx/>
-                <a:latin typeface="Gill Sans Nova"/>
-                <a:ea typeface="Gill Sans Nova"/>
-                <a:cs typeface="Gill Sans Nova"/>
+                <a:latin typeface="Arial" panose="020B0604020202020204" pitchFamily="34" charset="0"/>
+                <a:cs typeface="Arial" panose="020B0604020202020204" pitchFamily="34" charset="0"/>
                 <a:sym typeface="Gill Sans Nova"/>
               </a:rPr>
-              <a:t> seed</a:t>
+              <a:t> </a:t>
+            </a:r>
+            <a:r>
+              <a:rPr kumimoji="0" lang="en-GB" sz="2400" b="0" i="0" u="none" strike="noStrike" cap="none" spc="0" normalizeH="0" baseline="0" dirty="0">
+                <a:ln>
+                  <a:noFill/>
+                </a:ln>
+                <a:solidFill>
+                  <a:srgbClr val="000000"/>
+                </a:solidFill>
+                <a:effectLst/>
+                <a:uFillTx/>
+                <a:latin typeface="Arial" panose="020B0604020202020204" pitchFamily="34" charset="0"/>
+                <a:cs typeface="Arial" panose="020B0604020202020204" pitchFamily="34" charset="0"/>
+                <a:sym typeface="Gill Sans Nova"/>
+              </a:rPr>
+              <a:t>seed</a:t>
             </a:r>
             <a:endParaRPr kumimoji="0" lang="en-US" sz="2400" b="0" i="0" u="none" strike="noStrike" cap="none" spc="0" normalizeH="0" baseline="0" dirty="0">
               <a:ln>
                 <a:noFill/>
               </a:ln>
               <a:solidFill>
-                <a:srgbClr val="3C3C3B"/>
+                <a:srgbClr val="000000"/>
               </a:solidFill>
               <a:effectLst/>
               <a:uFillTx/>
-              <a:latin typeface="Gill Sans Nova"/>
-              <a:ea typeface="Gill Sans Nova"/>
-              <a:cs typeface="Gill Sans Nova"/>
+              <a:latin typeface="Arial" panose="020B0604020202020204" pitchFamily="34" charset="0"/>
+              <a:cs typeface="Arial" panose="020B0604020202020204" pitchFamily="34" charset="0"/>
               <a:sym typeface="Gill Sans Nova"/>
             </a:endParaRPr>
           </a:p>
@@ -6507,8 +6668,8 @@
         </p:nvSpPr>
         <p:spPr>
           <a:xfrm>
-            <a:off x="3544078" y="22450655"/>
-            <a:ext cx="1499988" cy="1200327"/>
+            <a:off x="3544077" y="22450655"/>
+            <a:ext cx="1589155" cy="1200327"/>
           </a:xfrm>
           <a:prstGeom prst="rect">
             <a:avLst/>
@@ -6566,13 +6727,12 @@
                   <a:noFill/>
                 </a:ln>
                 <a:solidFill>
-                  <a:srgbClr val="3C3C3B"/>
+                  <a:srgbClr val="000000"/>
                 </a:solidFill>
                 <a:effectLst/>
                 <a:uFillTx/>
-                <a:latin typeface="Gill Sans Nova"/>
-                <a:ea typeface="Gill Sans Nova"/>
-                <a:cs typeface="Gill Sans Nova"/>
+                <a:latin typeface="Arial" panose="020B0604020202020204" pitchFamily="34" charset="0"/>
+                <a:cs typeface="Arial" panose="020B0604020202020204" pitchFamily="34" charset="0"/>
                 <a:sym typeface="Gill Sans Nova"/>
               </a:rPr>
               <a:t>Label constraints True/False</a:t>
@@ -6582,13 +6742,12 @@
                 <a:noFill/>
               </a:ln>
               <a:solidFill>
-                <a:srgbClr val="3C3C3B"/>
+                <a:srgbClr val="000000"/>
               </a:solidFill>
               <a:effectLst/>
               <a:uFillTx/>
-              <a:latin typeface="Gill Sans Nova"/>
-              <a:ea typeface="Gill Sans Nova"/>
-              <a:cs typeface="Gill Sans Nova"/>
+              <a:latin typeface="Arial" panose="020B0604020202020204" pitchFamily="34" charset="0"/>
+              <a:cs typeface="Arial" panose="020B0604020202020204" pitchFamily="34" charset="0"/>
               <a:sym typeface="Gill Sans Nova"/>
             </a:endParaRPr>
           </a:p>
@@ -6610,7 +6769,7 @@
         </p:nvCxnSpPr>
         <p:spPr>
           <a:xfrm>
-            <a:off x="5069553" y="23015730"/>
+            <a:off x="5133232" y="23015730"/>
             <a:ext cx="382797" cy="0"/>
           </a:xfrm>
           <a:prstGeom prst="straightConnector1">
@@ -6661,8 +6820,8 @@
         </p:nvSpPr>
         <p:spPr>
           <a:xfrm>
-            <a:off x="5498744" y="22486796"/>
-            <a:ext cx="1836391" cy="1200327"/>
+            <a:off x="5522509" y="22472087"/>
+            <a:ext cx="1928194" cy="1200327"/>
           </a:xfrm>
           <a:prstGeom prst="rect">
             <a:avLst/>
@@ -6720,13 +6879,12 @@
                   <a:noFill/>
                 </a:ln>
                 <a:solidFill>
-                  <a:srgbClr val="3C3C3B"/>
+                  <a:srgbClr val="000000"/>
                 </a:solidFill>
                 <a:effectLst/>
                 <a:uFillTx/>
-                <a:latin typeface="Gill Sans Nova"/>
-                <a:ea typeface="Gill Sans Nova"/>
-                <a:cs typeface="Gill Sans Nova"/>
+                <a:latin typeface="Arial" panose="020B0604020202020204" pitchFamily="34" charset="0"/>
+                <a:cs typeface="Arial" panose="020B0604020202020204" pitchFamily="34" charset="0"/>
                 <a:sym typeface="Gill Sans Nova"/>
               </a:rPr>
               <a:t>Create new</a:t>
@@ -6755,13 +6913,12 @@
                   <a:noFill/>
                 </a:ln>
                 <a:solidFill>
-                  <a:srgbClr val="3C3C3B"/>
+                  <a:srgbClr val="000000"/>
                 </a:solidFill>
                 <a:effectLst/>
                 <a:uFillTx/>
-                <a:latin typeface="Gill Sans Nova"/>
-                <a:ea typeface="Gill Sans Nova"/>
-                <a:cs typeface="Gill Sans Nova"/>
+                <a:latin typeface="Arial" panose="020B0604020202020204" pitchFamily="34" charset="0"/>
+                <a:cs typeface="Arial" panose="020B0604020202020204" pitchFamily="34" charset="0"/>
                 <a:sym typeface="Gill Sans Nova"/>
               </a:rPr>
               <a:t>combinations</a:t>
@@ -6783,7 +6940,7 @@
         </p:nvSpPr>
         <p:spPr>
           <a:xfrm>
-            <a:off x="7758406" y="22508394"/>
+            <a:off x="7846658" y="22480924"/>
             <a:ext cx="1355888" cy="1200327"/>
           </a:xfrm>
           <a:prstGeom prst="rect">
@@ -6842,13 +6999,12 @@
                   <a:noFill/>
                 </a:ln>
                 <a:solidFill>
-                  <a:srgbClr val="3C3C3B"/>
+                  <a:srgbClr val="000000"/>
                 </a:solidFill>
                 <a:effectLst/>
                 <a:uFillTx/>
-                <a:latin typeface="Gill Sans Nova"/>
-                <a:ea typeface="Gill Sans Nova"/>
-                <a:cs typeface="Gill Sans Nova"/>
+                <a:latin typeface="Arial" panose="020B0604020202020204" pitchFamily="34" charset="0"/>
+                <a:cs typeface="Arial" panose="020B0604020202020204" pitchFamily="34" charset="0"/>
                 <a:sym typeface="Gill Sans Nova"/>
               </a:rPr>
               <a:t>Solve new </a:t>
@@ -6863,9 +7019,8 @@
                 </a:solidFill>
                 <a:effectLst/>
                 <a:uFillTx/>
-                <a:latin typeface="Gill Sans Nova"/>
-                <a:ea typeface="Gill Sans Nova"/>
-                <a:cs typeface="Gill Sans Nova"/>
+                <a:latin typeface="Arial" panose="020B0604020202020204" pitchFamily="34" charset="0"/>
+                <a:cs typeface="Arial" panose="020B0604020202020204" pitchFamily="34" charset="0"/>
                 <a:sym typeface="Gill Sans Nova"/>
               </a:rPr>
               <a:t>CP</a:t>
@@ -6880,25 +7035,39 @@
                 </a:solidFill>
                 <a:effectLst/>
                 <a:uFillTx/>
-                <a:latin typeface="Gill Sans Nova"/>
-                <a:ea typeface="Gill Sans Nova"/>
-                <a:cs typeface="Gill Sans Nova"/>
+                <a:latin typeface="Arial" panose="020B0604020202020204" pitchFamily="34" charset="0"/>
+                <a:cs typeface="Arial" panose="020B0604020202020204" pitchFamily="34" charset="0"/>
                 <a:sym typeface="Gill Sans Nova"/>
               </a:rPr>
-              <a:t> problem</a:t>
+              <a:t> </a:t>
+            </a:r>
+            <a:r>
+              <a:rPr kumimoji="0" lang="en-GB" sz="2400" b="0" i="0" u="none" strike="noStrike" cap="none" spc="0" normalizeH="0" baseline="0" dirty="0">
+                <a:ln>
+                  <a:noFill/>
+                </a:ln>
+                <a:solidFill>
+                  <a:srgbClr val="000000"/>
+                </a:solidFill>
+                <a:effectLst/>
+                <a:uFillTx/>
+                <a:latin typeface="Arial" panose="020B0604020202020204" pitchFamily="34" charset="0"/>
+                <a:cs typeface="Arial" panose="020B0604020202020204" pitchFamily="34" charset="0"/>
+                <a:sym typeface="Gill Sans Nova"/>
+              </a:rPr>
+              <a:t>problem</a:t>
             </a:r>
             <a:endParaRPr kumimoji="0" lang="en-US" sz="2400" b="0" i="0" u="none" strike="noStrike" cap="none" spc="0" normalizeH="0" baseline="0" dirty="0">
               <a:ln>
                 <a:noFill/>
               </a:ln>
               <a:solidFill>
-                <a:srgbClr val="3C3C3B"/>
+                <a:srgbClr val="000000"/>
               </a:solidFill>
               <a:effectLst/>
               <a:uFillTx/>
-              <a:latin typeface="Gill Sans Nova"/>
-              <a:ea typeface="Gill Sans Nova"/>
-              <a:cs typeface="Gill Sans Nova"/>
+              <a:latin typeface="Arial" panose="020B0604020202020204" pitchFamily="34" charset="0"/>
+              <a:cs typeface="Arial" panose="020B0604020202020204" pitchFamily="34" charset="0"/>
               <a:sym typeface="Gill Sans Nova"/>
             </a:endParaRPr>
           </a:p>
@@ -6920,7 +7089,7 @@
         </p:nvCxnSpPr>
         <p:spPr>
           <a:xfrm>
-            <a:off x="7375609" y="23158911"/>
+            <a:off x="7450703" y="23002861"/>
             <a:ext cx="382797" cy="0"/>
           </a:xfrm>
           <a:prstGeom prst="straightConnector1">
@@ -7024,7 +7193,7 @@
         </p:nvSpPr>
         <p:spPr>
           <a:xfrm>
-            <a:off x="5635131" y="24105180"/>
+            <a:off x="5736196" y="24110870"/>
             <a:ext cx="3479163" cy="1569658"/>
           </a:xfrm>
           <a:prstGeom prst="rect">
@@ -7083,13 +7252,12 @@
                   <a:noFill/>
                 </a:ln>
                 <a:solidFill>
-                  <a:srgbClr val="3C3C3B"/>
+                  <a:srgbClr val="000000"/>
                 </a:solidFill>
                 <a:effectLst/>
                 <a:uFillTx/>
-                <a:latin typeface="Gill Sans Nova"/>
-                <a:ea typeface="Gill Sans Nova"/>
-                <a:cs typeface="Gill Sans Nova"/>
+                <a:latin typeface="Arial" panose="020B0604020202020204" pitchFamily="34" charset="0"/>
+                <a:cs typeface="Arial" panose="020B0604020202020204" pitchFamily="34" charset="0"/>
                 <a:sym typeface="Gill Sans Nova"/>
               </a:rPr>
               <a:t>Compare </a:t>
@@ -7118,13 +7286,12 @@
                   <a:noFill/>
                 </a:ln>
                 <a:solidFill>
-                  <a:srgbClr val="3C3C3B"/>
+                  <a:srgbClr val="000000"/>
                 </a:solidFill>
                 <a:effectLst/>
                 <a:uFillTx/>
-                <a:latin typeface="Gill Sans Nova"/>
-                <a:ea typeface="Gill Sans Nova"/>
-                <a:cs typeface="Gill Sans Nova"/>
+                <a:latin typeface="Arial" panose="020B0604020202020204" pitchFamily="34" charset="0"/>
+                <a:cs typeface="Arial" panose="020B0604020202020204" pitchFamily="34" charset="0"/>
                 <a:sym typeface="Gill Sans Nova"/>
               </a:rPr>
               <a:t>expected to gotten result</a:t>
@@ -7157,9 +7324,8 @@
                 </a:solidFill>
                 <a:effectLst/>
                 <a:uFillTx/>
-                <a:latin typeface="Gill Sans Nova"/>
-                <a:ea typeface="Gill Sans Nova"/>
-                <a:cs typeface="Gill Sans Nova"/>
+                <a:latin typeface="Arial" panose="020B0604020202020204" pitchFamily="34" charset="0"/>
+                <a:cs typeface="Arial" panose="020B0604020202020204" pitchFamily="34" charset="0"/>
                 <a:sym typeface="Gill Sans Nova"/>
               </a:rPr>
               <a:t>crashed? </a:t>
@@ -7192,9 +7358,8 @@
                 </a:solidFill>
                 <a:effectLst/>
                 <a:uFillTx/>
-                <a:latin typeface="Gill Sans Nova"/>
-                <a:ea typeface="Gill Sans Nova"/>
-                <a:cs typeface="Gill Sans Nova"/>
+                <a:latin typeface="Arial" panose="020B0604020202020204" pitchFamily="34" charset="0"/>
+                <a:cs typeface="Arial" panose="020B0604020202020204" pitchFamily="34" charset="0"/>
                 <a:sym typeface="Gill Sans Nova"/>
               </a:rPr>
               <a:t>hanging?</a:t>
@@ -7208,9 +7373,8 @@
               </a:solidFill>
               <a:effectLst/>
               <a:uFillTx/>
-              <a:latin typeface="Gill Sans Nova"/>
-              <a:ea typeface="Gill Sans Nova"/>
-              <a:cs typeface="Gill Sans Nova"/>
+              <a:latin typeface="Arial" panose="020B0604020202020204" pitchFamily="34" charset="0"/>
+              <a:cs typeface="Arial" panose="020B0604020202020204" pitchFamily="34" charset="0"/>
               <a:sym typeface="Gill Sans Nova"/>
             </a:endParaRPr>
           </a:p>
@@ -7283,8 +7447,8 @@
         </p:nvSpPr>
         <p:spPr>
           <a:xfrm>
-            <a:off x="9412995" y="24113855"/>
-            <a:ext cx="784353" cy="461663"/>
+            <a:off x="9412995" y="24177938"/>
+            <a:ext cx="913306" cy="461663"/>
           </a:xfrm>
           <a:prstGeom prst="rect">
             <a:avLst/>
@@ -7336,6 +7500,8 @@
                 <a:solidFill>
                   <a:srgbClr val="000000"/>
                 </a:solidFill>
+                <a:latin typeface="Arial" panose="020B0604020202020204" pitchFamily="34" charset="0"/>
+                <a:cs typeface="Arial" panose="020B0604020202020204" pitchFamily="34" charset="0"/>
               </a:rPr>
               <a:t>B</a:t>
             </a:r>
@@ -7349,9 +7515,8 @@
                 </a:solidFill>
                 <a:effectLst/>
                 <a:uFillTx/>
-                <a:latin typeface="Gill Sans Nova"/>
-                <a:ea typeface="Gill Sans Nova"/>
-                <a:cs typeface="Gill Sans Nova"/>
+                <a:latin typeface="Arial" panose="020B0604020202020204" pitchFamily="34" charset="0"/>
+                <a:cs typeface="Arial" panose="020B0604020202020204" pitchFamily="34" charset="0"/>
                 <a:sym typeface="Gill Sans Nova"/>
               </a:rPr>
               <a:t>ugs</a:t>
@@ -7365,9 +7530,8 @@
               </a:solidFill>
               <a:effectLst/>
               <a:uFillTx/>
-              <a:latin typeface="Gill Sans Nova"/>
-              <a:ea typeface="Gill Sans Nova"/>
-              <a:cs typeface="Gill Sans Nova"/>
+              <a:latin typeface="Arial" panose="020B0604020202020204" pitchFamily="34" charset="0"/>
+              <a:cs typeface="Arial" panose="020B0604020202020204" pitchFamily="34" charset="0"/>
               <a:sym typeface="Gill Sans Nova"/>
             </a:endParaRPr>
           </a:p>
@@ -7389,7 +7553,7 @@
         </p:nvCxnSpPr>
         <p:spPr>
           <a:xfrm>
-            <a:off x="9229052" y="24854688"/>
+            <a:off x="9346436" y="24920238"/>
             <a:ext cx="1066805" cy="0"/>
           </a:xfrm>
           <a:prstGeom prst="straightConnector1">
@@ -7440,7 +7604,7 @@
         </p:nvSpPr>
         <p:spPr>
           <a:xfrm>
-            <a:off x="13359556" y="4679882"/>
+            <a:off x="13309037" y="4600519"/>
             <a:ext cx="6221283" cy="3474583"/>
           </a:xfrm>
           <a:prstGeom prst="rect">
@@ -7524,8 +7688,8 @@
         </p:nvSpPr>
         <p:spPr>
           <a:xfrm>
-            <a:off x="11668916" y="4915970"/>
-            <a:ext cx="1204435" cy="461663"/>
+            <a:off x="11578573" y="4734538"/>
+            <a:ext cx="1538284" cy="461663"/>
           </a:xfrm>
           <a:prstGeom prst="rect">
             <a:avLst/>
@@ -7582,9 +7746,8 @@
                 </a:solidFill>
                 <a:effectLst/>
                 <a:uFillTx/>
-                <a:latin typeface="Gill Sans Nova"/>
-                <a:ea typeface="Gill Sans Nova"/>
-                <a:cs typeface="Gill Sans Nova"/>
+                <a:latin typeface="Arial" panose="020B0604020202020204" pitchFamily="34" charset="0"/>
+                <a:cs typeface="Arial" panose="020B0604020202020204" pitchFamily="34" charset="0"/>
                 <a:sym typeface="Gill Sans Nova"/>
               </a:rPr>
               <a:t>CP seeds</a:t>
@@ -7598,9 +7761,8 @@
               </a:solidFill>
               <a:effectLst/>
               <a:uFillTx/>
-              <a:latin typeface="Gill Sans Nova"/>
-              <a:ea typeface="Gill Sans Nova"/>
-              <a:cs typeface="Gill Sans Nova"/>
+              <a:latin typeface="Arial" panose="020B0604020202020204" pitchFamily="34" charset="0"/>
+              <a:cs typeface="Arial" panose="020B0604020202020204" pitchFamily="34" charset="0"/>
               <a:sym typeface="Gill Sans Nova"/>
             </a:endParaRPr>
           </a:p>
@@ -7622,7 +7784,7 @@
         </p:nvCxnSpPr>
         <p:spPr>
           <a:xfrm flipV="1">
-            <a:off x="11629092" y="5405383"/>
+            <a:off x="11578573" y="5326020"/>
             <a:ext cx="1730463" cy="7335"/>
           </a:xfrm>
           <a:prstGeom prst="straightConnector1">
@@ -7673,7 +7835,7 @@
         </p:nvSpPr>
         <p:spPr>
           <a:xfrm>
-            <a:off x="13523841" y="6632226"/>
+            <a:off x="13473322" y="6552863"/>
             <a:ext cx="1355888" cy="1200327"/>
           </a:xfrm>
           <a:prstGeom prst="rect">
@@ -7736,9 +7898,8 @@
                 </a:solidFill>
                 <a:effectLst/>
                 <a:uFillTx/>
-                <a:latin typeface="Gill Sans Nova"/>
-                <a:ea typeface="Gill Sans Nova"/>
-                <a:cs typeface="Gill Sans Nova"/>
+                <a:latin typeface="Arial" panose="020B0604020202020204" pitchFamily="34" charset="0"/>
+                <a:cs typeface="Arial" panose="020B0604020202020204" pitchFamily="34" charset="0"/>
                 <a:sym typeface="Gill Sans Nova"/>
               </a:rPr>
               <a:t>Solve original CP seed</a:t>
@@ -7752,9 +7913,8 @@
               </a:solidFill>
               <a:effectLst/>
               <a:uFillTx/>
-              <a:latin typeface="Gill Sans Nova"/>
-              <a:ea typeface="Gill Sans Nova"/>
-              <a:cs typeface="Gill Sans Nova"/>
+              <a:latin typeface="Arial" panose="020B0604020202020204" pitchFamily="34" charset="0"/>
+              <a:cs typeface="Arial" panose="020B0604020202020204" pitchFamily="34" charset="0"/>
               <a:sym typeface="Gill Sans Nova"/>
             </a:endParaRPr>
           </a:p>
@@ -7776,7 +7936,7 @@
         </p:nvCxnSpPr>
         <p:spPr>
           <a:xfrm>
-            <a:off x="13414388" y="5377630"/>
+            <a:off x="13363869" y="5298267"/>
             <a:ext cx="500699" cy="0"/>
           </a:xfrm>
           <a:prstGeom prst="straightConnector1">
@@ -7827,7 +7987,7 @@
         </p:nvSpPr>
         <p:spPr>
           <a:xfrm>
-            <a:off x="13954481" y="4812555"/>
+            <a:off x="13903962" y="4733192"/>
             <a:ext cx="3776758" cy="1200327"/>
           </a:xfrm>
           <a:prstGeom prst="rect">
@@ -7886,13 +8046,12 @@
                   <a:noFill/>
                 </a:ln>
                 <a:solidFill>
-                  <a:srgbClr val="3C3C3B"/>
+                  <a:srgbClr val="000000"/>
                 </a:solidFill>
                 <a:effectLst/>
                 <a:uFillTx/>
-                <a:latin typeface="Gill Sans Nova"/>
-                <a:ea typeface="Gill Sans Nova"/>
-                <a:cs typeface="Gill Sans Nova"/>
+                <a:latin typeface="Arial" panose="020B0604020202020204" pitchFamily="34" charset="0"/>
+                <a:cs typeface="Arial" panose="020B0604020202020204" pitchFamily="34" charset="0"/>
                 <a:sym typeface="Gill Sans Nova"/>
               </a:rPr>
               <a:t>Transform constraints to complex but equivalent</a:t>
@@ -7916,7 +8075,13 @@
               <a:tabLst/>
             </a:pPr>
             <a:r>
-              <a:rPr lang="en-GB" sz="2400" dirty="0"/>
+              <a:rPr lang="en-GB" sz="2400" dirty="0">
+                <a:solidFill>
+                  <a:srgbClr val="000000"/>
+                </a:solidFill>
+                <a:latin typeface="Arial" panose="020B0604020202020204" pitchFamily="34" charset="0"/>
+                <a:cs typeface="Arial" panose="020B0604020202020204" pitchFamily="34" charset="0"/>
+              </a:rPr>
               <a:t>constraints</a:t>
             </a:r>
             <a:endParaRPr kumimoji="0" lang="en-US" sz="2400" b="0" i="0" u="none" strike="noStrike" cap="none" spc="0" normalizeH="0" baseline="0" dirty="0">
@@ -7924,13 +8089,12 @@
                 <a:noFill/>
               </a:ln>
               <a:solidFill>
-                <a:srgbClr val="3C3C3B"/>
+                <a:srgbClr val="000000"/>
               </a:solidFill>
               <a:effectLst/>
               <a:uFillTx/>
-              <a:latin typeface="Gill Sans Nova"/>
-              <a:ea typeface="Gill Sans Nova"/>
-              <a:cs typeface="Gill Sans Nova"/>
+              <a:latin typeface="Arial" panose="020B0604020202020204" pitchFamily="34" charset="0"/>
+              <a:cs typeface="Arial" panose="020B0604020202020204" pitchFamily="34" charset="0"/>
               <a:sym typeface="Gill Sans Nova"/>
             </a:endParaRPr>
           </a:p>
@@ -7950,7 +8114,7 @@
         </p:nvSpPr>
         <p:spPr>
           <a:xfrm>
-            <a:off x="18104879" y="4807386"/>
+            <a:off x="18054360" y="4728023"/>
             <a:ext cx="1355888" cy="1200327"/>
           </a:xfrm>
           <a:prstGeom prst="rect">
@@ -8013,9 +8177,8 @@
                 </a:solidFill>
                 <a:effectLst/>
                 <a:uFillTx/>
-                <a:latin typeface="Gill Sans Nova"/>
-                <a:ea typeface="Gill Sans Nova"/>
-                <a:cs typeface="Gill Sans Nova"/>
+                <a:latin typeface="Arial" panose="020B0604020202020204" pitchFamily="34" charset="0"/>
+                <a:cs typeface="Arial" panose="020B0604020202020204" pitchFamily="34" charset="0"/>
                 <a:sym typeface="Gill Sans Nova"/>
               </a:rPr>
               <a:t>Solve new CP problem</a:t>
@@ -8029,9 +8192,8 @@
               </a:solidFill>
               <a:effectLst/>
               <a:uFillTx/>
-              <a:latin typeface="Gill Sans Nova"/>
-              <a:ea typeface="Gill Sans Nova"/>
-              <a:cs typeface="Gill Sans Nova"/>
+              <a:latin typeface="Arial" panose="020B0604020202020204" pitchFamily="34" charset="0"/>
+              <a:cs typeface="Arial" panose="020B0604020202020204" pitchFamily="34" charset="0"/>
               <a:sym typeface="Gill Sans Nova"/>
             </a:endParaRPr>
           </a:p>
@@ -8053,7 +8215,7 @@
         </p:nvCxnSpPr>
         <p:spPr>
           <a:xfrm>
-            <a:off x="17748453" y="5463072"/>
+            <a:off x="17697934" y="5383709"/>
             <a:ext cx="382797" cy="0"/>
           </a:xfrm>
           <a:prstGeom prst="straightConnector1">
@@ -8104,7 +8266,7 @@
         </p:nvSpPr>
         <p:spPr>
           <a:xfrm>
-            <a:off x="16008871" y="6447560"/>
+            <a:off x="15958352" y="6368197"/>
             <a:ext cx="3479163" cy="1569658"/>
           </a:xfrm>
           <a:prstGeom prst="rect">
@@ -8167,9 +8329,8 @@
                 </a:solidFill>
                 <a:effectLst/>
                 <a:uFillTx/>
-                <a:latin typeface="Gill Sans Nova"/>
-                <a:ea typeface="Gill Sans Nova"/>
-                <a:cs typeface="Gill Sans Nova"/>
+                <a:latin typeface="Arial" panose="020B0604020202020204" pitchFamily="34" charset="0"/>
+                <a:cs typeface="Arial" panose="020B0604020202020204" pitchFamily="34" charset="0"/>
                 <a:sym typeface="Gill Sans Nova"/>
               </a:rPr>
               <a:t>Compare </a:t>
@@ -8202,9 +8363,8 @@
                 </a:solidFill>
                 <a:effectLst/>
                 <a:uFillTx/>
-                <a:latin typeface="Gill Sans Nova"/>
-                <a:ea typeface="Gill Sans Nova"/>
-                <a:cs typeface="Gill Sans Nova"/>
+                <a:latin typeface="Arial" panose="020B0604020202020204" pitchFamily="34" charset="0"/>
+                <a:cs typeface="Arial" panose="020B0604020202020204" pitchFamily="34" charset="0"/>
                 <a:sym typeface="Gill Sans Nova"/>
               </a:rPr>
               <a:t>expected to gotten result</a:t>
@@ -8237,9 +8397,8 @@
                 </a:solidFill>
                 <a:effectLst/>
                 <a:uFillTx/>
-                <a:latin typeface="Gill Sans Nova"/>
-                <a:ea typeface="Gill Sans Nova"/>
-                <a:cs typeface="Gill Sans Nova"/>
+                <a:latin typeface="Arial" panose="020B0604020202020204" pitchFamily="34" charset="0"/>
+                <a:cs typeface="Arial" panose="020B0604020202020204" pitchFamily="34" charset="0"/>
                 <a:sym typeface="Gill Sans Nova"/>
               </a:rPr>
               <a:t>crashed? </a:t>
@@ -8272,9 +8431,8 @@
                 </a:solidFill>
                 <a:effectLst/>
                 <a:uFillTx/>
-                <a:latin typeface="Gill Sans Nova"/>
-                <a:ea typeface="Gill Sans Nova"/>
-                <a:cs typeface="Gill Sans Nova"/>
+                <a:latin typeface="Arial" panose="020B0604020202020204" pitchFamily="34" charset="0"/>
+                <a:cs typeface="Arial" panose="020B0604020202020204" pitchFamily="34" charset="0"/>
                 <a:sym typeface="Gill Sans Nova"/>
               </a:rPr>
               <a:t>hanging?</a:t>
@@ -8288,9 +8446,8 @@
               </a:solidFill>
               <a:effectLst/>
               <a:uFillTx/>
-              <a:latin typeface="Gill Sans Nova"/>
-              <a:ea typeface="Gill Sans Nova"/>
-              <a:cs typeface="Gill Sans Nova"/>
+              <a:latin typeface="Arial" panose="020B0604020202020204" pitchFamily="34" charset="0"/>
+              <a:cs typeface="Arial" panose="020B0604020202020204" pitchFamily="34" charset="0"/>
               <a:sym typeface="Gill Sans Nova"/>
             </a:endParaRPr>
           </a:p>
@@ -8312,7 +8469,7 @@
         </p:nvCxnSpPr>
         <p:spPr>
           <a:xfrm rot="5400000">
-            <a:off x="18611098" y="6175273"/>
+            <a:off x="18560579" y="6095910"/>
             <a:ext cx="382797" cy="0"/>
           </a:xfrm>
           <a:prstGeom prst="straightConnector1">
@@ -8363,8 +8520,8 @@
         </p:nvSpPr>
         <p:spPr>
           <a:xfrm>
-            <a:off x="19597737" y="6687692"/>
-            <a:ext cx="734205" cy="461663"/>
+            <a:off x="19437515" y="6575225"/>
+            <a:ext cx="1019439" cy="461663"/>
           </a:xfrm>
           <a:prstGeom prst="rect">
             <a:avLst/>
@@ -8416,6 +8573,8 @@
                 <a:solidFill>
                   <a:srgbClr val="000000"/>
                 </a:solidFill>
+                <a:latin typeface="Arial" panose="020B0604020202020204" pitchFamily="34" charset="0"/>
+                <a:cs typeface="Arial" panose="020B0604020202020204" pitchFamily="34" charset="0"/>
               </a:rPr>
               <a:t>B</a:t>
             </a:r>
@@ -8429,9 +8588,8 @@
                 </a:solidFill>
                 <a:effectLst/>
                 <a:uFillTx/>
-                <a:latin typeface="Gill Sans Nova"/>
-                <a:ea typeface="Gill Sans Nova"/>
-                <a:cs typeface="Gill Sans Nova"/>
+                <a:latin typeface="Arial" panose="020B0604020202020204" pitchFamily="34" charset="0"/>
+                <a:cs typeface="Arial" panose="020B0604020202020204" pitchFamily="34" charset="0"/>
                 <a:sym typeface="Gill Sans Nova"/>
               </a:rPr>
               <a:t>ugs</a:t>
@@ -8445,9 +8603,8 @@
               </a:solidFill>
               <a:effectLst/>
               <a:uFillTx/>
-              <a:latin typeface="Gill Sans Nova"/>
-              <a:ea typeface="Gill Sans Nova"/>
-              <a:cs typeface="Gill Sans Nova"/>
+              <a:latin typeface="Arial" panose="020B0604020202020204" pitchFamily="34" charset="0"/>
+              <a:cs typeface="Arial" panose="020B0604020202020204" pitchFamily="34" charset="0"/>
               <a:sym typeface="Gill Sans Nova"/>
             </a:endParaRPr>
           </a:p>
@@ -8469,8 +8626,8 @@
         </p:nvCxnSpPr>
         <p:spPr>
           <a:xfrm>
-            <a:off x="19556617" y="7186102"/>
-            <a:ext cx="1203434" cy="0"/>
+            <a:off x="19533089" y="7153026"/>
+            <a:ext cx="1355627" cy="0"/>
           </a:xfrm>
           <a:prstGeom prst="straightConnector1">
             <a:avLst/>
@@ -8522,7 +8679,7 @@
         </p:nvCxnSpPr>
         <p:spPr>
           <a:xfrm>
-            <a:off x="13580840" y="5412718"/>
+            <a:off x="13530321" y="5333355"/>
             <a:ext cx="0" cy="1192303"/>
           </a:xfrm>
           <a:prstGeom prst="straightConnector1">
@@ -8575,7 +8732,7 @@
         </p:nvCxnSpPr>
         <p:spPr>
           <a:xfrm>
-            <a:off x="14905076" y="7232389"/>
+            <a:off x="14854557" y="7153026"/>
             <a:ext cx="1103795" cy="0"/>
           </a:xfrm>
           <a:prstGeom prst="straightConnector1">
@@ -8626,7 +8783,7 @@
         </p:nvSpPr>
         <p:spPr>
           <a:xfrm>
-            <a:off x="13359556" y="10335589"/>
+            <a:off x="13359556" y="10081465"/>
             <a:ext cx="6221283" cy="2200908"/>
           </a:xfrm>
           <a:prstGeom prst="rect">
@@ -8710,8 +8867,8 @@
         </p:nvSpPr>
         <p:spPr>
           <a:xfrm>
-            <a:off x="11668916" y="10571676"/>
-            <a:ext cx="1204435" cy="461663"/>
+            <a:off x="11310245" y="10279409"/>
+            <a:ext cx="1690639" cy="461663"/>
           </a:xfrm>
           <a:prstGeom prst="rect">
             <a:avLst/>
@@ -8768,9 +8925,8 @@
                 </a:solidFill>
                 <a:effectLst/>
                 <a:uFillTx/>
-                <a:latin typeface="Gill Sans Nova"/>
-                <a:ea typeface="Gill Sans Nova"/>
-                <a:cs typeface="Gill Sans Nova"/>
+                <a:latin typeface="Arial" panose="020B0604020202020204" pitchFamily="34" charset="0"/>
+                <a:cs typeface="Arial" panose="020B0604020202020204" pitchFamily="34" charset="0"/>
                 <a:sym typeface="Gill Sans Nova"/>
               </a:rPr>
               <a:t>CP seeds</a:t>
@@ -8784,9 +8940,8 @@
               </a:solidFill>
               <a:effectLst/>
               <a:uFillTx/>
-              <a:latin typeface="Gill Sans Nova"/>
-              <a:ea typeface="Gill Sans Nova"/>
-              <a:cs typeface="Gill Sans Nova"/>
+              <a:latin typeface="Arial" panose="020B0604020202020204" pitchFamily="34" charset="0"/>
+              <a:cs typeface="Arial" panose="020B0604020202020204" pitchFamily="34" charset="0"/>
               <a:sym typeface="Gill Sans Nova"/>
             </a:endParaRPr>
           </a:p>
@@ -8808,8 +8963,8 @@
         </p:nvCxnSpPr>
         <p:spPr>
           <a:xfrm flipV="1">
-            <a:off x="11629092" y="11061089"/>
-            <a:ext cx="1730463" cy="7335"/>
+            <a:off x="11372575" y="10806965"/>
+            <a:ext cx="1986980" cy="7335"/>
           </a:xfrm>
           <a:prstGeom prst="straightConnector1">
             <a:avLst/>
@@ -8861,7 +9016,7 @@
         </p:nvCxnSpPr>
         <p:spPr>
           <a:xfrm>
-            <a:off x="13414388" y="11033336"/>
+            <a:off x="13414388" y="10779212"/>
             <a:ext cx="500699" cy="0"/>
           </a:xfrm>
           <a:prstGeom prst="straightConnector1">
@@ -8912,7 +9067,7 @@
         </p:nvSpPr>
         <p:spPr>
           <a:xfrm>
-            <a:off x="13942078" y="10579699"/>
+            <a:off x="13942078" y="10325575"/>
             <a:ext cx="1355888" cy="830995"/>
           </a:xfrm>
           <a:prstGeom prst="rect">
@@ -8975,9 +9130,8 @@
                 </a:solidFill>
                 <a:effectLst/>
                 <a:uFillTx/>
-                <a:latin typeface="Gill Sans Nova"/>
-                <a:ea typeface="Gill Sans Nova"/>
-                <a:cs typeface="Gill Sans Nova"/>
+                <a:latin typeface="Arial" panose="020B0604020202020204" pitchFamily="34" charset="0"/>
+                <a:cs typeface="Arial" panose="020B0604020202020204" pitchFamily="34" charset="0"/>
                 <a:sym typeface="Gill Sans Nova"/>
               </a:rPr>
               <a:t>Solve by solver 1</a:t>
@@ -8991,9 +9145,8 @@
               </a:solidFill>
               <a:effectLst/>
               <a:uFillTx/>
-              <a:latin typeface="Gill Sans Nova"/>
-              <a:ea typeface="Gill Sans Nova"/>
-              <a:cs typeface="Gill Sans Nova"/>
+              <a:latin typeface="Arial" panose="020B0604020202020204" pitchFamily="34" charset="0"/>
+              <a:cs typeface="Arial" panose="020B0604020202020204" pitchFamily="34" charset="0"/>
               <a:sym typeface="Gill Sans Nova"/>
             </a:endParaRPr>
           </a:p>
@@ -9013,7 +9166,7 @@
         </p:nvSpPr>
         <p:spPr>
           <a:xfrm>
-            <a:off x="15991169" y="10513814"/>
+            <a:off x="15991169" y="10259690"/>
             <a:ext cx="3479163" cy="1903047"/>
           </a:xfrm>
           <a:prstGeom prst="rect">
@@ -9076,9 +9229,8 @@
                 </a:solidFill>
                 <a:effectLst/>
                 <a:uFillTx/>
-                <a:latin typeface="Gill Sans Nova"/>
-                <a:ea typeface="Gill Sans Nova"/>
-                <a:cs typeface="Gill Sans Nova"/>
+                <a:latin typeface="Arial" panose="020B0604020202020204" pitchFamily="34" charset="0"/>
+                <a:cs typeface="Arial" panose="020B0604020202020204" pitchFamily="34" charset="0"/>
                 <a:sym typeface="Gill Sans Nova"/>
               </a:rPr>
               <a:t>Compare </a:t>
@@ -9106,6 +9258,8 @@
                 <a:solidFill>
                   <a:srgbClr val="000000"/>
                 </a:solidFill>
+                <a:latin typeface="Arial" panose="020B0604020202020204" pitchFamily="34" charset="0"/>
+                <a:cs typeface="Arial" panose="020B0604020202020204" pitchFamily="34" charset="0"/>
               </a:rPr>
               <a:t>s</a:t>
             </a:r>
@@ -9119,9 +9273,8 @@
                 </a:solidFill>
                 <a:effectLst/>
                 <a:uFillTx/>
-                <a:latin typeface="Gill Sans Nova"/>
-                <a:ea typeface="Gill Sans Nova"/>
-                <a:cs typeface="Gill Sans Nova"/>
+                <a:latin typeface="Arial" panose="020B0604020202020204" pitchFamily="34" charset="0"/>
+                <a:cs typeface="Arial" panose="020B0604020202020204" pitchFamily="34" charset="0"/>
                 <a:sym typeface="Gill Sans Nova"/>
               </a:rPr>
               <a:t>olution 1 to solution 2 </a:t>
@@ -9131,6 +9284,8 @@
                 <a:solidFill>
                   <a:srgbClr val="000000"/>
                 </a:solidFill>
+                <a:latin typeface="Arial" panose="020B0604020202020204" pitchFamily="34" charset="0"/>
+                <a:cs typeface="Arial" panose="020B0604020202020204" pitchFamily="34" charset="0"/>
               </a:rPr>
               <a:t>and amount of solutions</a:t>
             </a:r>
@@ -9143,9 +9298,8 @@
               </a:solidFill>
               <a:effectLst/>
               <a:uFillTx/>
-              <a:latin typeface="Gill Sans Nova"/>
-              <a:ea typeface="Gill Sans Nova"/>
-              <a:cs typeface="Gill Sans Nova"/>
+              <a:latin typeface="Arial" panose="020B0604020202020204" pitchFamily="34" charset="0"/>
+              <a:cs typeface="Arial" panose="020B0604020202020204" pitchFamily="34" charset="0"/>
               <a:sym typeface="Gill Sans Nova"/>
             </a:endParaRPr>
           </a:p>
@@ -9176,9 +9330,8 @@
                 </a:solidFill>
                 <a:effectLst/>
                 <a:uFillTx/>
-                <a:latin typeface="Gill Sans Nova"/>
-                <a:ea typeface="Gill Sans Nova"/>
-                <a:cs typeface="Gill Sans Nova"/>
+                <a:latin typeface="Arial" panose="020B0604020202020204" pitchFamily="34" charset="0"/>
+                <a:cs typeface="Arial" panose="020B0604020202020204" pitchFamily="34" charset="0"/>
                 <a:sym typeface="Gill Sans Nova"/>
               </a:rPr>
               <a:t>crashed? </a:t>
@@ -9211,9 +9364,8 @@
                 </a:solidFill>
                 <a:effectLst/>
                 <a:uFillTx/>
-                <a:latin typeface="Gill Sans Nova"/>
-                <a:ea typeface="Gill Sans Nova"/>
-                <a:cs typeface="Gill Sans Nova"/>
+                <a:latin typeface="Arial" panose="020B0604020202020204" pitchFamily="34" charset="0"/>
+                <a:cs typeface="Arial" panose="020B0604020202020204" pitchFamily="34" charset="0"/>
                 <a:sym typeface="Gill Sans Nova"/>
               </a:rPr>
               <a:t>hanging?</a:t>
@@ -9227,171 +9379,13 @@
               </a:solidFill>
               <a:effectLst/>
               <a:uFillTx/>
-              <a:latin typeface="Gill Sans Nova"/>
-              <a:ea typeface="Gill Sans Nova"/>
-              <a:cs typeface="Gill Sans Nova"/>
+              <a:latin typeface="Arial" panose="020B0604020202020204" pitchFamily="34" charset="0"/>
+              <a:cs typeface="Arial" panose="020B0604020202020204" pitchFamily="34" charset="0"/>
               <a:sym typeface="Gill Sans Nova"/>
             </a:endParaRPr>
           </a:p>
         </p:txBody>
       </p:sp>
-      <p:sp>
-        <p:nvSpPr>
-          <p:cNvPr id="160" name="TextBox 159">
-            <a:extLst>
-              <a:ext uri="{FF2B5EF4-FFF2-40B4-BE49-F238E27FC236}">
-                <a16:creationId xmlns:a16="http://schemas.microsoft.com/office/drawing/2014/main" id="{05C5F226-AAD3-A70B-5AB6-5EF9981661A3}"/>
-              </a:ext>
-            </a:extLst>
-          </p:cNvPr>
-          <p:cNvSpPr txBox="1"/>
-          <p:nvPr/>
-        </p:nvSpPr>
-        <p:spPr>
-          <a:xfrm>
-            <a:off x="19597738" y="11194708"/>
-            <a:ext cx="734205" cy="461663"/>
-          </a:xfrm>
-          <a:prstGeom prst="rect">
-            <a:avLst/>
-          </a:prstGeom>
-          <a:noFill/>
-          <a:ln w="12700" cap="flat">
-            <a:noFill/>
-            <a:miter lim="400000"/>
-          </a:ln>
-          <a:effectLst/>
-          <a:sp3d/>
-        </p:spPr>
-        <p:style>
-          <a:lnRef idx="0">
-            <a:scrgbClr r="0" g="0" b="0"/>
-          </a:lnRef>
-          <a:fillRef idx="0">
-            <a:scrgbClr r="0" g="0" b="0"/>
-          </a:fillRef>
-          <a:effectRef idx="0">
-            <a:scrgbClr r="0" g="0" b="0"/>
-          </a:effectRef>
-          <a:fontRef idx="none"/>
-        </p:style>
-        <p:txBody>
-          <a:bodyPr rot="0" spcFirstLastPara="1" vertOverflow="overflow" horzOverflow="overflow" vert="horz" wrap="square" lIns="45719" tIns="45719" rIns="45719" bIns="45719" numCol="1" spcCol="38100" rtlCol="0" anchor="t">
-            <a:spAutoFit/>
-          </a:bodyPr>
-          <a:lstStyle/>
-          <a:p>
-            <a:pPr marL="0" marR="0" indent="0" algn="ctr" defTabSz="411480" rtl="0" fontAlgn="auto" latinLnBrk="0" hangingPunct="0">
-              <a:lnSpc>
-                <a:spcPct val="100000"/>
-              </a:lnSpc>
-              <a:spcBef>
-                <a:spcPts val="0"/>
-              </a:spcBef>
-              <a:spcAft>
-                <a:spcPts val="0"/>
-              </a:spcAft>
-              <a:buClrTx/>
-              <a:buSzTx/>
-              <a:buFontTx/>
-              <a:buNone/>
-              <a:tabLst/>
-            </a:pPr>
-            <a:r>
-              <a:rPr lang="en-GB" sz="2400" dirty="0">
-                <a:solidFill>
-                  <a:srgbClr val="000000"/>
-                </a:solidFill>
-              </a:rPr>
-              <a:t>B</a:t>
-            </a:r>
-            <a:r>
-              <a:rPr kumimoji="0" lang="en-GB" sz="2400" b="0" i="0" u="none" strike="noStrike" cap="none" spc="0" normalizeH="0" baseline="0" dirty="0">
-                <a:ln>
-                  <a:noFill/>
-                </a:ln>
-                <a:solidFill>
-                  <a:srgbClr val="000000"/>
-                </a:solidFill>
-                <a:effectLst/>
-                <a:uFillTx/>
-                <a:latin typeface="Gill Sans Nova"/>
-                <a:ea typeface="Gill Sans Nova"/>
-                <a:cs typeface="Gill Sans Nova"/>
-                <a:sym typeface="Gill Sans Nova"/>
-              </a:rPr>
-              <a:t>ugs</a:t>
-            </a:r>
-            <a:endParaRPr kumimoji="0" lang="en-US" sz="1600" b="0" i="0" u="none" strike="noStrike" cap="none" spc="0" normalizeH="0" baseline="0" dirty="0">
-              <a:ln>
-                <a:noFill/>
-              </a:ln>
-              <a:solidFill>
-                <a:srgbClr val="000000"/>
-              </a:solidFill>
-              <a:effectLst/>
-              <a:uFillTx/>
-              <a:latin typeface="Gill Sans Nova"/>
-              <a:ea typeface="Gill Sans Nova"/>
-              <a:cs typeface="Gill Sans Nova"/>
-              <a:sym typeface="Gill Sans Nova"/>
-            </a:endParaRPr>
-          </a:p>
-        </p:txBody>
-      </p:sp>
-      <p:cxnSp>
-        <p:nvCxnSpPr>
-          <p:cNvPr id="161" name="Straight Arrow Connector 160">
-            <a:extLst>
-              <a:ext uri="{FF2B5EF4-FFF2-40B4-BE49-F238E27FC236}">
-                <a16:creationId xmlns:a16="http://schemas.microsoft.com/office/drawing/2014/main" id="{0D5335B1-2C9D-ED13-56F9-B85EFDD5F4CE}"/>
-              </a:ext>
-            </a:extLst>
-          </p:cNvPr>
-          <p:cNvCxnSpPr>
-            <a:cxnSpLocks/>
-          </p:cNvCxnSpPr>
-          <p:nvPr/>
-        </p:nvCxnSpPr>
-        <p:spPr>
-          <a:xfrm>
-            <a:off x="19556618" y="11693118"/>
-            <a:ext cx="1203434" cy="0"/>
-          </a:xfrm>
-          <a:prstGeom prst="straightConnector1">
-            <a:avLst/>
-          </a:prstGeom>
-          <a:noFill/>
-          <a:ln w="152400" cap="flat">
-            <a:solidFill>
-              <a:schemeClr val="accent1"/>
-            </a:solidFill>
-            <a:prstDash val="solid"/>
-            <a:round/>
-            <a:tailEnd type="triangle"/>
-          </a:ln>
-          <a:effectLst>
-            <a:outerShdw blurRad="38100" dist="20000" dir="5400000" rotWithShape="0">
-              <a:srgbClr val="000000">
-                <a:alpha val="38000"/>
-              </a:srgbClr>
-            </a:outerShdw>
-          </a:effectLst>
-          <a:sp3d/>
-        </p:spPr>
-        <p:style>
-          <a:lnRef idx="0">
-            <a:scrgbClr r="0" g="0" b="0"/>
-          </a:lnRef>
-          <a:fillRef idx="0">
-            <a:scrgbClr r="0" g="0" b="0"/>
-          </a:fillRef>
-          <a:effectRef idx="0">
-            <a:scrgbClr r="0" g="0" b="0"/>
-          </a:effectRef>
-          <a:fontRef idx="none"/>
-        </p:style>
-      </p:cxnSp>
       <p:cxnSp>
         <p:nvCxnSpPr>
           <p:cNvPr id="162" name="Straight Arrow Connector 161">
@@ -9408,7 +9402,7 @@
         </p:nvCxnSpPr>
         <p:spPr>
           <a:xfrm>
-            <a:off x="13580840" y="11068424"/>
+            <a:off x="13580840" y="10814300"/>
             <a:ext cx="0" cy="849991"/>
           </a:xfrm>
           <a:prstGeom prst="straightConnector1">
@@ -9461,7 +9455,7 @@
         </p:nvCxnSpPr>
         <p:spPr>
           <a:xfrm>
-            <a:off x="15316434" y="11961341"/>
+            <a:off x="15316434" y="11707217"/>
             <a:ext cx="710905" cy="0"/>
           </a:xfrm>
           <a:prstGeom prst="straightConnector1">
@@ -9514,7 +9508,7 @@
         </p:nvCxnSpPr>
         <p:spPr>
           <a:xfrm>
-            <a:off x="13599308" y="11940483"/>
+            <a:off x="13599308" y="11686359"/>
             <a:ext cx="334247" cy="20858"/>
           </a:xfrm>
           <a:prstGeom prst="straightConnector1">
@@ -9565,7 +9559,7 @@
         </p:nvSpPr>
         <p:spPr>
           <a:xfrm>
-            <a:off x="13960546" y="11507704"/>
+            <a:off x="13960546" y="11253580"/>
             <a:ext cx="1355888" cy="830995"/>
           </a:xfrm>
           <a:prstGeom prst="rect">
@@ -9628,9 +9622,8 @@
                 </a:solidFill>
                 <a:effectLst/>
                 <a:uFillTx/>
-                <a:latin typeface="Gill Sans Nova"/>
-                <a:ea typeface="Gill Sans Nova"/>
-                <a:cs typeface="Gill Sans Nova"/>
+                <a:latin typeface="Arial" panose="020B0604020202020204" pitchFamily="34" charset="0"/>
+                <a:cs typeface="Arial" panose="020B0604020202020204" pitchFamily="34" charset="0"/>
                 <a:sym typeface="Gill Sans Nova"/>
               </a:rPr>
               <a:t>Solve by solver 2</a:t>
@@ -9644,9 +9637,8 @@
               </a:solidFill>
               <a:effectLst/>
               <a:uFillTx/>
-              <a:latin typeface="Gill Sans Nova"/>
-              <a:ea typeface="Gill Sans Nova"/>
-              <a:cs typeface="Gill Sans Nova"/>
+              <a:latin typeface="Arial" panose="020B0604020202020204" pitchFamily="34" charset="0"/>
+              <a:cs typeface="Arial" panose="020B0604020202020204" pitchFamily="34" charset="0"/>
               <a:sym typeface="Gill Sans Nova"/>
             </a:endParaRPr>
           </a:p>
@@ -9668,7 +9660,7 @@
         </p:nvCxnSpPr>
         <p:spPr>
           <a:xfrm>
-            <a:off x="15297966" y="11033336"/>
+            <a:off x="15297966" y="10779212"/>
             <a:ext cx="710905" cy="0"/>
           </a:xfrm>
           <a:prstGeom prst="straightConnector1">
@@ -9705,12 +9697,926 @@
           <a:fontRef idx="none"/>
         </p:style>
       </p:cxnSp>
+      <p:sp>
+        <p:nvSpPr>
+          <p:cNvPr id="226" name="Line">
+            <a:extLst>
+              <a:ext uri="{FF2B5EF4-FFF2-40B4-BE49-F238E27FC236}">
+                <a16:creationId xmlns:a16="http://schemas.microsoft.com/office/drawing/2014/main" id="{5C1530A3-8890-AB57-B441-ADCDD75C52F0}"/>
+              </a:ext>
+            </a:extLst>
+          </p:cNvPr>
+          <p:cNvSpPr/>
+          <p:nvPr/>
+        </p:nvSpPr>
+        <p:spPr>
+          <a:xfrm>
+            <a:off x="-78885" y="26260566"/>
+            <a:ext cx="21383631" cy="3"/>
+          </a:xfrm>
+          <a:prstGeom prst="line">
+            <a:avLst/>
+          </a:prstGeom>
+          <a:ln w="25400">
+            <a:solidFill>
+              <a:schemeClr val="accent1"/>
+            </a:solidFill>
+          </a:ln>
+          <a:effectLst>
+            <a:outerShdw blurRad="38100" dist="20000" dir="5400000" rotWithShape="0">
+              <a:srgbClr val="000000">
+                <a:alpha val="38000"/>
+              </a:srgbClr>
+            </a:outerShdw>
+          </a:effectLst>
+        </p:spPr>
+        <p:txBody>
+          <a:bodyPr lIns="129377" rIns="129377"/>
+          <a:lstStyle/>
+          <a:p>
+            <a:endParaRPr lang="en-US" sz="12825"/>
+          </a:p>
+        </p:txBody>
+      </p:sp>
+      <p:pic>
+        <p:nvPicPr>
+          <p:cNvPr id="229" name="Picture 228">
+            <a:extLst>
+              <a:ext uri="{FF2B5EF4-FFF2-40B4-BE49-F238E27FC236}">
+                <a16:creationId xmlns:a16="http://schemas.microsoft.com/office/drawing/2014/main" id="{DFAEB716-D2C7-9EF6-86F0-EA2C53A9B6C6}"/>
+              </a:ext>
+            </a:extLst>
+          </p:cNvPr>
+          <p:cNvPicPr>
+            <a:picLocks noChangeAspect="1"/>
+          </p:cNvPicPr>
+          <p:nvPr/>
+        </p:nvPicPr>
+        <p:blipFill>
+          <a:blip r:embed="rId5" cstate="print">
+            <a:extLst>
+              <a:ext uri="{28A0092B-C50C-407E-A947-70E740481C1C}">
+                <a14:useLocalDpi xmlns:a14="http://schemas.microsoft.com/office/drawing/2010/main" val="0"/>
+              </a:ext>
+            </a:extLst>
+          </a:blip>
+          <a:stretch>
+            <a:fillRect/>
+          </a:stretch>
+        </p:blipFill>
+        <p:spPr>
+          <a:xfrm>
+            <a:off x="20833572" y="29750720"/>
+            <a:ext cx="645307" cy="645307"/>
+          </a:xfrm>
+          <a:prstGeom prst="rect">
+            <a:avLst/>
+          </a:prstGeom>
+        </p:spPr>
+      </p:pic>
+      <p:sp>
+        <p:nvSpPr>
+          <p:cNvPr id="231" name="TextBox 230">
+            <a:extLst>
+              <a:ext uri="{FF2B5EF4-FFF2-40B4-BE49-F238E27FC236}">
+                <a16:creationId xmlns:a16="http://schemas.microsoft.com/office/drawing/2014/main" id="{377A16EA-ED4A-2611-C422-4AEBA56B73EF}"/>
+              </a:ext>
+            </a:extLst>
+          </p:cNvPr>
+          <p:cNvSpPr txBox="1"/>
+          <p:nvPr/>
+        </p:nvSpPr>
+        <p:spPr>
+          <a:xfrm>
+            <a:off x="504627" y="26554923"/>
+            <a:ext cx="9944365" cy="3600984"/>
+          </a:xfrm>
+          <a:prstGeom prst="rect">
+            <a:avLst/>
+          </a:prstGeom>
+          <a:noFill/>
+          <a:ln w="12700" cap="flat">
+            <a:noFill/>
+            <a:miter lim="400000"/>
+          </a:ln>
+          <a:effectLst/>
+          <a:sp3d/>
+        </p:spPr>
+        <p:style>
+          <a:lnRef idx="0">
+            <a:scrgbClr r="0" g="0" b="0"/>
+          </a:lnRef>
+          <a:fillRef idx="0">
+            <a:scrgbClr r="0" g="0" b="0"/>
+          </a:fillRef>
+          <a:effectRef idx="0">
+            <a:scrgbClr r="0" g="0" b="0"/>
+          </a:effectRef>
+          <a:fontRef idx="none"/>
+        </p:style>
+        <p:txBody>
+          <a:bodyPr rot="0" spcFirstLastPara="1" vertOverflow="overflow" horzOverflow="overflow" vert="horz" wrap="square" lIns="45719" tIns="45719" rIns="45719" bIns="45719" numCol="1" spcCol="38100" rtlCol="0" anchor="t">
+            <a:spAutoFit/>
+          </a:bodyPr>
+          <a:lstStyle/>
+          <a:p>
+            <a:pPr marL="0" marR="0" indent="0" algn="l" defTabSz="411480" rtl="0" fontAlgn="auto" latinLnBrk="0" hangingPunct="0">
+              <a:lnSpc>
+                <a:spcPct val="100000"/>
+              </a:lnSpc>
+              <a:spcBef>
+                <a:spcPts val="0"/>
+              </a:spcBef>
+              <a:spcAft>
+                <a:spcPts val="0"/>
+              </a:spcAft>
+              <a:buClrTx/>
+              <a:buSzTx/>
+              <a:buFontTx/>
+              <a:buNone/>
+              <a:tabLst/>
+            </a:pPr>
+            <a:r>
+              <a:rPr kumimoji="0" lang="en-US" sz="2800" b="0" i="0" u="none" strike="noStrike" cap="none" spc="0" normalizeH="0" baseline="0" dirty="0">
+                <a:ln>
+                  <a:noFill/>
+                </a:ln>
+                <a:solidFill>
+                  <a:srgbClr val="000000"/>
+                </a:solidFill>
+                <a:effectLst/>
+                <a:uFillTx/>
+                <a:latin typeface="Arial" panose="020B0604020202020204" pitchFamily="34" charset="0"/>
+                <a:cs typeface="Arial" panose="020B0604020202020204" pitchFamily="34" charset="0"/>
+                <a:sym typeface="Gill Sans Nova"/>
+              </a:rPr>
+              <a:t>Acknowledgements</a:t>
+            </a:r>
+            <a:endParaRPr kumimoji="0" lang="en-US" sz="2000" b="0" i="0" u="none" strike="noStrike" cap="none" spc="0" normalizeH="0" baseline="0" dirty="0">
+              <a:ln>
+                <a:noFill/>
+              </a:ln>
+              <a:solidFill>
+                <a:srgbClr val="000000"/>
+              </a:solidFill>
+              <a:effectLst/>
+              <a:uFillTx/>
+              <a:latin typeface="Arial" panose="020B0604020202020204" pitchFamily="34" charset="0"/>
+              <a:cs typeface="Arial" panose="020B0604020202020204" pitchFamily="34" charset="0"/>
+              <a:sym typeface="Gill Sans Nova"/>
+            </a:endParaRPr>
+          </a:p>
+          <a:p>
+            <a:pPr marL="0" marR="0" indent="0" algn="l" defTabSz="411480" rtl="0" fontAlgn="auto" latinLnBrk="0" hangingPunct="0">
+              <a:lnSpc>
+                <a:spcPct val="100000"/>
+              </a:lnSpc>
+              <a:spcBef>
+                <a:spcPts val="0"/>
+              </a:spcBef>
+              <a:spcAft>
+                <a:spcPts val="0"/>
+              </a:spcAft>
+              <a:buClrTx/>
+              <a:buSzTx/>
+              <a:buFontTx/>
+              <a:buNone/>
+              <a:tabLst/>
+            </a:pPr>
+            <a:endParaRPr lang="en-GB" sz="2000" dirty="0">
+              <a:solidFill>
+                <a:srgbClr val="000000"/>
+              </a:solidFill>
+              <a:effectLst/>
+              <a:latin typeface="Arial" panose="020B0604020202020204" pitchFamily="34" charset="0"/>
+              <a:cs typeface="Arial" panose="020B0604020202020204" pitchFamily="34" charset="0"/>
+            </a:endParaRPr>
+          </a:p>
+          <a:p>
+            <a:pPr marL="0" marR="0" indent="0" algn="l" defTabSz="411480" rtl="0" fontAlgn="auto" latinLnBrk="0" hangingPunct="0">
+              <a:lnSpc>
+                <a:spcPct val="100000"/>
+              </a:lnSpc>
+              <a:spcBef>
+                <a:spcPts val="0"/>
+              </a:spcBef>
+              <a:spcAft>
+                <a:spcPts val="0"/>
+              </a:spcAft>
+              <a:buClrTx/>
+              <a:buSzTx/>
+              <a:buFontTx/>
+              <a:buNone/>
+              <a:tabLst/>
+            </a:pPr>
+            <a:r>
+              <a:rPr lang="en-GB" sz="2000" dirty="0">
+                <a:solidFill>
+                  <a:srgbClr val="000000"/>
+                </a:solidFill>
+                <a:effectLst/>
+                <a:latin typeface="Arial" panose="020B0604020202020204" pitchFamily="34" charset="0"/>
+              </a:rPr>
+              <a:t>	Firstly, I would like to thank professor dr. Tias Guns for the guidance and the</a:t>
+            </a:r>
+            <a:br>
+              <a:rPr lang="en-GB" sz="2000" dirty="0">
+                <a:solidFill>
+                  <a:srgbClr val="000000"/>
+                </a:solidFill>
+              </a:rPr>
+            </a:br>
+            <a:r>
+              <a:rPr lang="en-GB" sz="2000" dirty="0">
+                <a:solidFill>
+                  <a:srgbClr val="000000"/>
+                </a:solidFill>
+              </a:rPr>
+              <a:t>	</a:t>
+            </a:r>
+            <a:r>
+              <a:rPr lang="en-GB" sz="2000" dirty="0">
+                <a:solidFill>
+                  <a:srgbClr val="000000"/>
+                </a:solidFill>
+                <a:effectLst/>
+                <a:latin typeface="Arial" panose="020B0604020202020204" pitchFamily="34" charset="0"/>
+              </a:rPr>
+              <a:t>proposal of this fascinating topic, ir. Ignace Bleukx for answering many questions,</a:t>
+            </a:r>
+            <a:br>
+              <a:rPr lang="en-GB" sz="2000" dirty="0">
+                <a:solidFill>
+                  <a:srgbClr val="000000"/>
+                </a:solidFill>
+              </a:rPr>
+            </a:br>
+            <a:r>
+              <a:rPr lang="en-GB" sz="2000" dirty="0">
+                <a:solidFill>
+                  <a:srgbClr val="000000"/>
+                </a:solidFill>
+              </a:rPr>
+              <a:t>	</a:t>
+            </a:r>
+            <a:r>
+              <a:rPr lang="en-GB" sz="2000" dirty="0">
+                <a:solidFill>
+                  <a:srgbClr val="000000"/>
+                </a:solidFill>
+                <a:effectLst/>
+                <a:latin typeface="Arial" panose="020B0604020202020204" pitchFamily="34" charset="0"/>
+              </a:rPr>
+              <a:t>intensive thesis meetings, proofreading and the cleverness for coming up with the</a:t>
+            </a:r>
+            <a:br>
+              <a:rPr lang="en-GB" sz="2000" dirty="0">
+                <a:solidFill>
+                  <a:srgbClr val="000000"/>
+                </a:solidFill>
+              </a:rPr>
+            </a:br>
+            <a:r>
+              <a:rPr lang="en-GB" sz="2000" dirty="0">
+                <a:solidFill>
+                  <a:srgbClr val="000000"/>
+                </a:solidFill>
+              </a:rPr>
+              <a:t>	</a:t>
+            </a:r>
+            <a:r>
+              <a:rPr lang="en-GB" sz="2000" dirty="0">
+                <a:solidFill>
+                  <a:srgbClr val="000000"/>
+                </a:solidFill>
+                <a:effectLst/>
+                <a:latin typeface="Arial" panose="020B0604020202020204" pitchFamily="34" charset="0"/>
+              </a:rPr>
+              <a:t>name of CTORM, dr. ir. Jo Devriendt for finding bugs within our bug finder, the</a:t>
+            </a:r>
+            <a:br>
+              <a:rPr lang="en-GB" sz="2000" dirty="0">
+                <a:solidFill>
+                  <a:srgbClr val="000000"/>
+                </a:solidFill>
+              </a:rPr>
+            </a:br>
+            <a:r>
+              <a:rPr lang="en-GB" sz="2000" dirty="0">
+                <a:solidFill>
+                  <a:srgbClr val="000000"/>
+                </a:solidFill>
+              </a:rPr>
+              <a:t>	</a:t>
+            </a:r>
+            <a:r>
+              <a:rPr lang="en-GB" sz="2000" dirty="0">
+                <a:solidFill>
+                  <a:srgbClr val="000000"/>
+                </a:solidFill>
+                <a:effectLst/>
+                <a:latin typeface="Arial" panose="020B0604020202020204" pitchFamily="34" charset="0"/>
+              </a:rPr>
+              <a:t>rest of the CPMpy-team, Hakan Kjellerstrand for publishing a significant number of</a:t>
+            </a:r>
+            <a:br>
+              <a:rPr lang="en-GB" sz="2000" dirty="0">
+                <a:solidFill>
+                  <a:srgbClr val="000000"/>
+                </a:solidFill>
+              </a:rPr>
+            </a:br>
+            <a:r>
+              <a:rPr lang="en-GB" sz="2000" dirty="0">
+                <a:solidFill>
+                  <a:srgbClr val="000000"/>
+                </a:solidFill>
+              </a:rPr>
+              <a:t>	</a:t>
+            </a:r>
+            <a:r>
+              <a:rPr lang="en-GB" sz="2000" dirty="0">
+                <a:solidFill>
+                  <a:srgbClr val="000000"/>
+                </a:solidFill>
+                <a:effectLst/>
+                <a:latin typeface="Arial" panose="020B0604020202020204" pitchFamily="34" charset="0"/>
+              </a:rPr>
+              <a:t>examples which we used as seeds, friends for proofreading even all the way back 	from industrial engineering on campus De </a:t>
+            </a:r>
+            <a:r>
+              <a:rPr lang="en-GB" sz="2000" dirty="0" err="1">
+                <a:solidFill>
+                  <a:srgbClr val="000000"/>
+                </a:solidFill>
+                <a:effectLst/>
+                <a:latin typeface="Arial" panose="020B0604020202020204" pitchFamily="34" charset="0"/>
+              </a:rPr>
+              <a:t>Nayer</a:t>
+            </a:r>
+            <a:r>
+              <a:rPr lang="en-GB" sz="2000" dirty="0">
+                <a:solidFill>
+                  <a:srgbClr val="000000"/>
+                </a:solidFill>
+                <a:effectLst/>
+                <a:latin typeface="Arial" panose="020B0604020202020204" pitchFamily="34" charset="0"/>
+              </a:rPr>
+              <a:t> like ing. Simon </a:t>
+            </a:r>
+            <a:r>
+              <a:rPr lang="en-GB" sz="2000" dirty="0" err="1">
+                <a:solidFill>
+                  <a:srgbClr val="000000"/>
+                </a:solidFill>
+                <a:effectLst/>
+                <a:latin typeface="Arial" panose="020B0604020202020204" pitchFamily="34" charset="0"/>
+              </a:rPr>
+              <a:t>Vandevelde</a:t>
+            </a:r>
+            <a:r>
+              <a:rPr lang="en-GB" sz="2000" dirty="0">
+                <a:solidFill>
+                  <a:srgbClr val="000000"/>
+                </a:solidFill>
+                <a:effectLst/>
+                <a:latin typeface="Arial" panose="020B0604020202020204" pitchFamily="34" charset="0"/>
+              </a:rPr>
+              <a:t>. 	Finally, I would like to thank my family for the support during my further studies.</a:t>
+            </a:r>
+          </a:p>
+          <a:p>
+            <a:pPr marL="0" marR="0" indent="0" algn="r" defTabSz="411480" rtl="0" fontAlgn="auto" latinLnBrk="0" hangingPunct="0">
+              <a:lnSpc>
+                <a:spcPct val="100000"/>
+              </a:lnSpc>
+              <a:spcBef>
+                <a:spcPts val="0"/>
+              </a:spcBef>
+              <a:spcAft>
+                <a:spcPts val="0"/>
+              </a:spcAft>
+              <a:buClrTx/>
+              <a:buSzTx/>
+              <a:buFontTx/>
+              <a:buNone/>
+              <a:tabLst/>
+            </a:pPr>
+            <a:r>
+              <a:rPr lang="en-GB" sz="2000" i="1" dirty="0">
+                <a:solidFill>
+                  <a:srgbClr val="000000"/>
+                </a:solidFill>
+                <a:latin typeface="Arial" panose="020B0604020202020204" pitchFamily="34" charset="0"/>
+                <a:cs typeface="Arial" panose="020B0604020202020204" pitchFamily="34" charset="0"/>
+              </a:rPr>
+              <a:t>- Ruben Kindt</a:t>
+            </a:r>
+            <a:endParaRPr lang="en-GB" sz="2000" i="1" dirty="0">
+              <a:solidFill>
+                <a:srgbClr val="000000"/>
+              </a:solidFill>
+              <a:effectLst/>
+              <a:latin typeface="Arial" panose="020B0604020202020204" pitchFamily="34" charset="0"/>
+              <a:cs typeface="Arial" panose="020B0604020202020204" pitchFamily="34" charset="0"/>
+            </a:endParaRPr>
+          </a:p>
+        </p:txBody>
+      </p:sp>
+      <p:sp>
+        <p:nvSpPr>
+          <p:cNvPr id="232" name="TextBox 231">
+            <a:extLst>
+              <a:ext uri="{FF2B5EF4-FFF2-40B4-BE49-F238E27FC236}">
+                <a16:creationId xmlns:a16="http://schemas.microsoft.com/office/drawing/2014/main" id="{0258F6E3-DB83-22F3-8645-D87DCCAFA604}"/>
+              </a:ext>
+            </a:extLst>
+          </p:cNvPr>
+          <p:cNvSpPr txBox="1"/>
+          <p:nvPr/>
+        </p:nvSpPr>
+        <p:spPr>
+          <a:xfrm>
+            <a:off x="10765646" y="26595688"/>
+            <a:ext cx="10396579" cy="3293207"/>
+          </a:xfrm>
+          <a:prstGeom prst="rect">
+            <a:avLst/>
+          </a:prstGeom>
+          <a:noFill/>
+          <a:ln w="12700" cap="flat">
+            <a:noFill/>
+            <a:miter lim="400000"/>
+          </a:ln>
+          <a:effectLst/>
+          <a:sp3d/>
+        </p:spPr>
+        <p:style>
+          <a:lnRef idx="0">
+            <a:scrgbClr r="0" g="0" b="0"/>
+          </a:lnRef>
+          <a:fillRef idx="0">
+            <a:scrgbClr r="0" g="0" b="0"/>
+          </a:fillRef>
+          <a:effectRef idx="0">
+            <a:scrgbClr r="0" g="0" b="0"/>
+          </a:effectRef>
+          <a:fontRef idx="none"/>
+        </p:style>
+        <p:txBody>
+          <a:bodyPr rot="0" spcFirstLastPara="1" vertOverflow="overflow" horzOverflow="overflow" vert="horz" wrap="square" lIns="45719" tIns="45719" rIns="45719" bIns="45719" numCol="1" spcCol="38100" rtlCol="0" anchor="t">
+            <a:spAutoFit/>
+          </a:bodyPr>
+          <a:lstStyle/>
+          <a:p>
+            <a:pPr marL="0" marR="0" indent="0" algn="l" defTabSz="411480" rtl="0" fontAlgn="auto" latinLnBrk="0" hangingPunct="0">
+              <a:lnSpc>
+                <a:spcPct val="100000"/>
+              </a:lnSpc>
+              <a:spcBef>
+                <a:spcPts val="0"/>
+              </a:spcBef>
+              <a:spcAft>
+                <a:spcPts val="0"/>
+              </a:spcAft>
+              <a:buClrTx/>
+              <a:buSzTx/>
+              <a:buFontTx/>
+              <a:buNone/>
+              <a:tabLst/>
+            </a:pPr>
+            <a:r>
+              <a:rPr kumimoji="0" lang="en-US" sz="2800" b="0" i="0" u="none" strike="noStrike" cap="none" spc="0" normalizeH="0" baseline="0" dirty="0">
+                <a:ln>
+                  <a:noFill/>
+                </a:ln>
+                <a:solidFill>
+                  <a:srgbClr val="000000"/>
+                </a:solidFill>
+                <a:effectLst/>
+                <a:uFillTx/>
+                <a:latin typeface="Arial" panose="020B0604020202020204" pitchFamily="34" charset="0"/>
+                <a:cs typeface="Arial" panose="020B0604020202020204" pitchFamily="34" charset="0"/>
+                <a:sym typeface="Gill Sans Nova"/>
+              </a:rPr>
+              <a:t>References</a:t>
+            </a:r>
+            <a:endParaRPr kumimoji="0" lang="en-US" sz="2000" b="0" i="0" u="none" strike="noStrike" cap="none" spc="0" normalizeH="0" baseline="0" dirty="0">
+              <a:ln>
+                <a:noFill/>
+              </a:ln>
+              <a:solidFill>
+                <a:srgbClr val="000000"/>
+              </a:solidFill>
+              <a:effectLst/>
+              <a:uFillTx/>
+              <a:latin typeface="Arial" panose="020B0604020202020204" pitchFamily="34" charset="0"/>
+              <a:cs typeface="Arial" panose="020B0604020202020204" pitchFamily="34" charset="0"/>
+              <a:sym typeface="Gill Sans Nova"/>
+            </a:endParaRPr>
+          </a:p>
+          <a:p>
+            <a:pPr marL="0" marR="0" indent="0" algn="l" defTabSz="411480" rtl="0" fontAlgn="auto" latinLnBrk="0" hangingPunct="0">
+              <a:lnSpc>
+                <a:spcPct val="100000"/>
+              </a:lnSpc>
+              <a:spcBef>
+                <a:spcPts val="0"/>
+              </a:spcBef>
+              <a:spcAft>
+                <a:spcPts val="0"/>
+              </a:spcAft>
+              <a:buClrTx/>
+              <a:buSzTx/>
+              <a:buFontTx/>
+              <a:buNone/>
+              <a:tabLst/>
+            </a:pPr>
+            <a:endParaRPr kumimoji="0" lang="en-US" sz="2000" b="0" i="0" u="none" strike="noStrike" cap="none" spc="0" normalizeH="0" baseline="0" dirty="0">
+              <a:ln>
+                <a:noFill/>
+              </a:ln>
+              <a:solidFill>
+                <a:srgbClr val="000000"/>
+              </a:solidFill>
+              <a:effectLst/>
+              <a:uFillTx/>
+              <a:latin typeface="Arial" panose="020B0604020202020204" pitchFamily="34" charset="0"/>
+              <a:cs typeface="Arial" panose="020B0604020202020204" pitchFamily="34" charset="0"/>
+              <a:sym typeface="Gill Sans Nova"/>
+            </a:endParaRPr>
+          </a:p>
+          <a:p>
+            <a:pPr marL="0" marR="0" indent="0" algn="l" defTabSz="411480" rtl="0" fontAlgn="auto" latinLnBrk="0" hangingPunct="0">
+              <a:lnSpc>
+                <a:spcPct val="100000"/>
+              </a:lnSpc>
+              <a:spcBef>
+                <a:spcPts val="0"/>
+              </a:spcBef>
+              <a:spcAft>
+                <a:spcPts val="0"/>
+              </a:spcAft>
+              <a:buClrTx/>
+              <a:buSzTx/>
+              <a:buFontTx/>
+              <a:buNone/>
+              <a:tabLst/>
+            </a:pPr>
+            <a:r>
+              <a:rPr kumimoji="0" lang="en-US" sz="1600" b="0" i="0" u="none" strike="noStrike" cap="none" spc="0" normalizeH="0" baseline="0" dirty="0">
+                <a:ln>
+                  <a:noFill/>
+                </a:ln>
+                <a:solidFill>
+                  <a:srgbClr val="000000"/>
+                </a:solidFill>
+                <a:effectLst/>
+                <a:uFillTx/>
+                <a:latin typeface="Arial" panose="020B0604020202020204" pitchFamily="34" charset="0"/>
+                <a:cs typeface="Arial" panose="020B0604020202020204" pitchFamily="34" charset="0"/>
+                <a:sym typeface="Gill Sans Nova"/>
+              </a:rPr>
+              <a:t>	</a:t>
+            </a:r>
+            <a:r>
+              <a:rPr kumimoji="0" lang="en-US" sz="2000" b="0" i="0" u="none" strike="noStrike" cap="none" spc="0" normalizeH="0" baseline="0" dirty="0">
+                <a:ln>
+                  <a:noFill/>
+                </a:ln>
+                <a:solidFill>
+                  <a:srgbClr val="000000"/>
+                </a:solidFill>
+                <a:effectLst/>
+                <a:uFillTx/>
+                <a:latin typeface="Arial" panose="020B0604020202020204" pitchFamily="34" charset="0"/>
+                <a:cs typeface="Arial" panose="020B0604020202020204" pitchFamily="34" charset="0"/>
+                <a:sym typeface="Gill Sans Nova"/>
+              </a:rPr>
+              <a:t>[1] Muhammad Numair Mansur et al. “Detecting critical bugs in SMT solvers using 	</a:t>
+            </a:r>
+            <a:r>
+              <a:rPr kumimoji="0" lang="en-US" sz="2000" b="0" i="0" u="none" strike="noStrike" cap="none" spc="0" normalizeH="0" baseline="0" dirty="0" err="1">
+                <a:ln>
+                  <a:noFill/>
+                </a:ln>
+                <a:solidFill>
+                  <a:srgbClr val="000000"/>
+                </a:solidFill>
+                <a:effectLst/>
+                <a:uFillTx/>
+                <a:latin typeface="Arial" panose="020B0604020202020204" pitchFamily="34" charset="0"/>
+                <a:cs typeface="Arial" panose="020B0604020202020204" pitchFamily="34" charset="0"/>
+                <a:sym typeface="Gill Sans Nova"/>
+              </a:rPr>
+              <a:t>blackbox</a:t>
+            </a:r>
+            <a:r>
+              <a:rPr kumimoji="0" lang="en-US" sz="2000" b="0" i="0" u="none" strike="noStrike" cap="none" spc="0" normalizeH="0" baseline="0" dirty="0">
+                <a:ln>
+                  <a:noFill/>
+                </a:ln>
+                <a:solidFill>
+                  <a:srgbClr val="000000"/>
+                </a:solidFill>
+                <a:effectLst/>
+                <a:uFillTx/>
+                <a:latin typeface="Arial" panose="020B0604020202020204" pitchFamily="34" charset="0"/>
+                <a:cs typeface="Arial" panose="020B0604020202020204" pitchFamily="34" charset="0"/>
+                <a:sym typeface="Gill Sans Nova"/>
+              </a:rPr>
+              <a:t> mutational fuzzing”. In: Proceedings of the 28th ACM Joint Meeting on 	European Software Engineering Conference and Symposium on the Foundations of 	Software Engineering. 2020, pp. 701–712.</a:t>
+            </a:r>
+          </a:p>
+          <a:p>
+            <a:pPr marL="0" marR="0" indent="0" algn="l" defTabSz="411480" rtl="0" fontAlgn="auto" latinLnBrk="0" hangingPunct="0">
+              <a:lnSpc>
+                <a:spcPct val="100000"/>
+              </a:lnSpc>
+              <a:spcBef>
+                <a:spcPts val="0"/>
+              </a:spcBef>
+              <a:spcAft>
+                <a:spcPts val="0"/>
+              </a:spcAft>
+              <a:buClrTx/>
+              <a:buSzTx/>
+              <a:buFontTx/>
+              <a:buNone/>
+              <a:tabLst/>
+            </a:pPr>
+            <a:r>
+              <a:rPr kumimoji="0" lang="en-US" sz="2000" b="0" i="0" u="none" strike="noStrike" cap="none" spc="0" normalizeH="0" baseline="0" dirty="0">
+                <a:ln>
+                  <a:noFill/>
+                </a:ln>
+                <a:solidFill>
+                  <a:srgbClr val="000000"/>
+                </a:solidFill>
+                <a:effectLst/>
+                <a:uFillTx/>
+                <a:latin typeface="Arial" panose="020B0604020202020204" pitchFamily="34" charset="0"/>
+                <a:cs typeface="Arial" panose="020B0604020202020204" pitchFamily="34" charset="0"/>
+                <a:sym typeface="Gill Sans Nova"/>
+              </a:rPr>
+              <a:t>	</a:t>
+            </a:r>
+          </a:p>
+          <a:p>
+            <a:pPr marL="0" marR="0" indent="0" algn="l" defTabSz="411480" rtl="0" fontAlgn="auto" latinLnBrk="0" hangingPunct="0">
+              <a:lnSpc>
+                <a:spcPct val="100000"/>
+              </a:lnSpc>
+              <a:spcBef>
+                <a:spcPts val="0"/>
+              </a:spcBef>
+              <a:spcAft>
+                <a:spcPts val="0"/>
+              </a:spcAft>
+              <a:buClrTx/>
+              <a:buSzTx/>
+              <a:buFontTx/>
+              <a:buNone/>
+              <a:tabLst/>
+            </a:pPr>
+            <a:r>
+              <a:rPr lang="en-US" sz="2000" dirty="0">
+                <a:solidFill>
+                  <a:srgbClr val="000000"/>
+                </a:solidFill>
+                <a:latin typeface="Arial" panose="020B0604020202020204" pitchFamily="34" charset="0"/>
+                <a:cs typeface="Arial" panose="020B0604020202020204" pitchFamily="34" charset="0"/>
+              </a:rPr>
+              <a:t>	</a:t>
+            </a:r>
+            <a:r>
+              <a:rPr kumimoji="0" lang="en-US" sz="2000" b="0" i="0" u="none" strike="noStrike" cap="none" spc="0" normalizeH="0" baseline="0" dirty="0">
+                <a:ln>
+                  <a:noFill/>
+                </a:ln>
+                <a:solidFill>
+                  <a:srgbClr val="000000"/>
+                </a:solidFill>
+                <a:effectLst/>
+                <a:uFillTx/>
+                <a:latin typeface="Arial" panose="020B0604020202020204" pitchFamily="34" charset="0"/>
+                <a:cs typeface="Arial" panose="020B0604020202020204" pitchFamily="34" charset="0"/>
+                <a:sym typeface="Gill Sans Nova"/>
+              </a:rPr>
+              <a:t>[2] Peisen Yao et al. “Fuzzing </a:t>
+            </a:r>
+            <a:r>
+              <a:rPr kumimoji="0" lang="en-US" sz="2000" b="0" i="0" u="none" strike="noStrike" cap="none" spc="0" normalizeH="0" baseline="0" dirty="0" err="1">
+                <a:ln>
+                  <a:noFill/>
+                </a:ln>
+                <a:solidFill>
+                  <a:srgbClr val="000000"/>
+                </a:solidFill>
+                <a:effectLst/>
+                <a:uFillTx/>
+                <a:latin typeface="Arial" panose="020B0604020202020204" pitchFamily="34" charset="0"/>
+                <a:cs typeface="Arial" panose="020B0604020202020204" pitchFamily="34" charset="0"/>
+                <a:sym typeface="Gill Sans Nova"/>
+              </a:rPr>
+              <a:t>smt</a:t>
+            </a:r>
+            <a:r>
+              <a:rPr kumimoji="0" lang="en-US" sz="2000" b="0" i="0" u="none" strike="noStrike" cap="none" spc="0" normalizeH="0" baseline="0" dirty="0">
+                <a:ln>
+                  <a:noFill/>
+                </a:ln>
+                <a:solidFill>
+                  <a:srgbClr val="000000"/>
+                </a:solidFill>
+                <a:effectLst/>
+                <a:uFillTx/>
+                <a:latin typeface="Arial" panose="020B0604020202020204" pitchFamily="34" charset="0"/>
+                <a:cs typeface="Arial" panose="020B0604020202020204" pitchFamily="34" charset="0"/>
+                <a:sym typeface="Gill Sans Nova"/>
+              </a:rPr>
+              <a:t> solvers via two-dimensional input space exploration”. 	In: Proceedings of the 30th ACM SIGSOFT International Symposium on Software 	Testing and Analysis. 2021, pp. 322–335.</a:t>
+            </a:r>
+            <a:endParaRPr kumimoji="0" lang="en-US" sz="2000" b="0" i="0" u="none" strike="noStrike" cap="none" spc="0" normalizeH="0" baseline="0" dirty="0">
+              <a:ln>
+                <a:noFill/>
+              </a:ln>
+              <a:solidFill>
+                <a:srgbClr val="000000"/>
+              </a:solidFill>
+              <a:effectLst/>
+              <a:uFillTx/>
+              <a:latin typeface="Gill Sans Nova"/>
+              <a:ea typeface="Gill Sans Nova"/>
+              <a:cs typeface="Gill Sans Nova"/>
+              <a:sym typeface="Gill Sans Nova"/>
+            </a:endParaRPr>
+          </a:p>
+        </p:txBody>
+      </p:sp>
+      <p:sp>
+        <p:nvSpPr>
+          <p:cNvPr id="17" name="TextBox 16">
+            <a:extLst>
+              <a:ext uri="{FF2B5EF4-FFF2-40B4-BE49-F238E27FC236}">
+                <a16:creationId xmlns:a16="http://schemas.microsoft.com/office/drawing/2014/main" id="{B2E1269D-D15E-D106-3A08-8213AE69F9E8}"/>
+              </a:ext>
+            </a:extLst>
+          </p:cNvPr>
+          <p:cNvSpPr txBox="1"/>
+          <p:nvPr/>
+        </p:nvSpPr>
+        <p:spPr>
+          <a:xfrm>
+            <a:off x="19515025" y="10773344"/>
+            <a:ext cx="1019439" cy="461663"/>
+          </a:xfrm>
+          <a:prstGeom prst="rect">
+            <a:avLst/>
+          </a:prstGeom>
+          <a:noFill/>
+          <a:ln w="12700" cap="flat">
+            <a:noFill/>
+            <a:miter lim="400000"/>
+          </a:ln>
+          <a:effectLst/>
+          <a:sp3d/>
+        </p:spPr>
+        <p:style>
+          <a:lnRef idx="0">
+            <a:scrgbClr r="0" g="0" b="0"/>
+          </a:lnRef>
+          <a:fillRef idx="0">
+            <a:scrgbClr r="0" g="0" b="0"/>
+          </a:fillRef>
+          <a:effectRef idx="0">
+            <a:scrgbClr r="0" g="0" b="0"/>
+          </a:effectRef>
+          <a:fontRef idx="none"/>
+        </p:style>
+        <p:txBody>
+          <a:bodyPr rot="0" spcFirstLastPara="1" vertOverflow="overflow" horzOverflow="overflow" vert="horz" wrap="square" lIns="45719" tIns="45719" rIns="45719" bIns="45719" numCol="1" spcCol="38100" rtlCol="0" anchor="t">
+            <a:spAutoFit/>
+          </a:bodyPr>
+          <a:lstStyle/>
+          <a:p>
+            <a:pPr marL="0" marR="0" indent="0" algn="ctr" defTabSz="411480" rtl="0" fontAlgn="auto" latinLnBrk="0" hangingPunct="0">
+              <a:lnSpc>
+                <a:spcPct val="100000"/>
+              </a:lnSpc>
+              <a:spcBef>
+                <a:spcPts val="0"/>
+              </a:spcBef>
+              <a:spcAft>
+                <a:spcPts val="0"/>
+              </a:spcAft>
+              <a:buClrTx/>
+              <a:buSzTx/>
+              <a:buFontTx/>
+              <a:buNone/>
+              <a:tabLst/>
+            </a:pPr>
+            <a:r>
+              <a:rPr lang="en-GB" sz="2400" dirty="0">
+                <a:solidFill>
+                  <a:srgbClr val="000000"/>
+                </a:solidFill>
+                <a:latin typeface="Arial" panose="020B0604020202020204" pitchFamily="34" charset="0"/>
+                <a:cs typeface="Arial" panose="020B0604020202020204" pitchFamily="34" charset="0"/>
+              </a:rPr>
+              <a:t>B</a:t>
+            </a:r>
+            <a:r>
+              <a:rPr kumimoji="0" lang="en-GB" sz="2400" b="0" i="0" u="none" strike="noStrike" cap="none" spc="0" normalizeH="0" baseline="0" dirty="0">
+                <a:ln>
+                  <a:noFill/>
+                </a:ln>
+                <a:solidFill>
+                  <a:srgbClr val="000000"/>
+                </a:solidFill>
+                <a:effectLst/>
+                <a:uFillTx/>
+                <a:latin typeface="Arial" panose="020B0604020202020204" pitchFamily="34" charset="0"/>
+                <a:cs typeface="Arial" panose="020B0604020202020204" pitchFamily="34" charset="0"/>
+                <a:sym typeface="Gill Sans Nova"/>
+              </a:rPr>
+              <a:t>ugs</a:t>
+            </a:r>
+            <a:endParaRPr kumimoji="0" lang="en-US" sz="1600" b="0" i="0" u="none" strike="noStrike" cap="none" spc="0" normalizeH="0" baseline="0" dirty="0">
+              <a:ln>
+                <a:noFill/>
+              </a:ln>
+              <a:solidFill>
+                <a:srgbClr val="000000"/>
+              </a:solidFill>
+              <a:effectLst/>
+              <a:uFillTx/>
+              <a:latin typeface="Arial" panose="020B0604020202020204" pitchFamily="34" charset="0"/>
+              <a:cs typeface="Arial" panose="020B0604020202020204" pitchFamily="34" charset="0"/>
+              <a:sym typeface="Gill Sans Nova"/>
+            </a:endParaRPr>
+          </a:p>
+        </p:txBody>
+      </p:sp>
+      <p:cxnSp>
+        <p:nvCxnSpPr>
+          <p:cNvPr id="18" name="Straight Arrow Connector 17">
+            <a:extLst>
+              <a:ext uri="{FF2B5EF4-FFF2-40B4-BE49-F238E27FC236}">
+                <a16:creationId xmlns:a16="http://schemas.microsoft.com/office/drawing/2014/main" id="{B7B84871-355B-C9DE-C4C4-90DB56C06A48}"/>
+              </a:ext>
+            </a:extLst>
+          </p:cNvPr>
+          <p:cNvCxnSpPr>
+            <a:cxnSpLocks/>
+          </p:cNvCxnSpPr>
+          <p:nvPr/>
+        </p:nvCxnSpPr>
+        <p:spPr>
+          <a:xfrm>
+            <a:off x="19583608" y="11304858"/>
+            <a:ext cx="1382618" cy="0"/>
+          </a:xfrm>
+          <a:prstGeom prst="straightConnector1">
+            <a:avLst/>
+          </a:prstGeom>
+          <a:noFill/>
+          <a:ln w="152400" cap="flat">
+            <a:solidFill>
+              <a:schemeClr val="accent1"/>
+            </a:solidFill>
+            <a:prstDash val="solid"/>
+            <a:round/>
+            <a:tailEnd type="triangle"/>
+          </a:ln>
+          <a:effectLst>
+            <a:outerShdw blurRad="38100" dist="20000" dir="5400000" rotWithShape="0">
+              <a:srgbClr val="000000">
+                <a:alpha val="38000"/>
+              </a:srgbClr>
+            </a:outerShdw>
+          </a:effectLst>
+          <a:sp3d/>
+        </p:spPr>
+        <p:style>
+          <a:lnRef idx="0">
+            <a:scrgbClr r="0" g="0" b="0"/>
+          </a:lnRef>
+          <a:fillRef idx="0">
+            <a:scrgbClr r="0" g="0" b="0"/>
+          </a:fillRef>
+          <a:effectRef idx="0">
+            <a:scrgbClr r="0" g="0" b="0"/>
+          </a:effectRef>
+          <a:fontRef idx="none"/>
+        </p:style>
+      </p:cxnSp>
       <p:graphicFrame>
         <p:nvGraphicFramePr>
-          <p:cNvPr id="172" name="Table 171">
+          <p:cNvPr id="20" name="Table 19">
             <a:extLst>
               <a:ext uri="{FF2B5EF4-FFF2-40B4-BE49-F238E27FC236}">
-                <a16:creationId xmlns:a16="http://schemas.microsoft.com/office/drawing/2014/main" id="{23155F4C-ABDF-BA7A-511D-4BCB542CEA97}"/>
+                <a16:creationId xmlns:a16="http://schemas.microsoft.com/office/drawing/2014/main" id="{07FA47D9-BFE4-897E-3764-02841C0C0444}"/>
               </a:ext>
             </a:extLst>
           </p:cNvPr>
@@ -9720,14 +10626,14 @@
           <p:nvPr>
             <p:extLst>
               <p:ext uri="{D42A27DB-BD31-4B8C-83A1-F6EECF244321}">
-                <p14:modId xmlns:p14="http://schemas.microsoft.com/office/powerpoint/2010/main" val="4036583298"/>
+                <p14:modId xmlns:p14="http://schemas.microsoft.com/office/powerpoint/2010/main" val="4034527215"/>
               </p:ext>
             </p:extLst>
           </p:nvPr>
         </p:nvGraphicFramePr>
         <p:xfrm>
-          <a:off x="10945733" y="15665463"/>
-          <a:ext cx="10478610" cy="5109930"/>
+          <a:off x="10854016" y="15363929"/>
+          <a:ext cx="10405784" cy="5539980"/>
         </p:xfrm>
         <a:graphic>
           <a:graphicData uri="http://schemas.openxmlformats.org/drawingml/2006/table">
@@ -9736,49 +10642,56 @@
                 <a:tableStyleId>{5C22544A-7EE6-4342-B048-85BDC9FD1C3A}</a:tableStyleId>
               </a:tblPr>
               <a:tblGrid>
-                <a:gridCol w="1424625">
+                <a:gridCol w="1172884">
                   <a:extLst>
                     <a:ext uri="{9D8B030D-6E8A-4147-A177-3AD203B41FA5}">
                       <a16:colId xmlns:a16="http://schemas.microsoft.com/office/drawing/2014/main" val="1812985436"/>
                     </a:ext>
                   </a:extLst>
                 </a:gridCol>
-                <a:gridCol w="1515009">
+                <a:gridCol w="1668054">
                   <a:extLst>
                     <a:ext uri="{9D8B030D-6E8A-4147-A177-3AD203B41FA5}">
                       <a16:colId xmlns:a16="http://schemas.microsoft.com/office/drawing/2014/main" val="232988425"/>
                     </a:ext>
                   </a:extLst>
                 </a:gridCol>
-                <a:gridCol w="1695367">
+                <a:gridCol w="719546">
+                  <a:extLst>
+                    <a:ext uri="{9D8B030D-6E8A-4147-A177-3AD203B41FA5}">
+                      <a16:colId xmlns:a16="http://schemas.microsoft.com/office/drawing/2014/main" val="1781101691"/>
+                    </a:ext>
+                  </a:extLst>
+                </a:gridCol>
+                <a:gridCol w="1206512">
                   <a:extLst>
                     <a:ext uri="{9D8B030D-6E8A-4147-A177-3AD203B41FA5}">
                       <a16:colId xmlns:a16="http://schemas.microsoft.com/office/drawing/2014/main" val="657530299"/>
                     </a:ext>
                   </a:extLst>
                 </a:gridCol>
-                <a:gridCol w="1161430">
+                <a:gridCol w="1305158">
                   <a:extLst>
                     <a:ext uri="{9D8B030D-6E8A-4147-A177-3AD203B41FA5}">
                       <a16:colId xmlns:a16="http://schemas.microsoft.com/office/drawing/2014/main" val="1596028876"/>
                     </a:ext>
                   </a:extLst>
                 </a:gridCol>
-                <a:gridCol w="1640136">
+                <a:gridCol w="1748658">
                   <a:extLst>
                     <a:ext uri="{9D8B030D-6E8A-4147-A177-3AD203B41FA5}">
                       <a16:colId xmlns:a16="http://schemas.microsoft.com/office/drawing/2014/main" val="2350317185"/>
                     </a:ext>
                   </a:extLst>
                 </a:gridCol>
-                <a:gridCol w="1766905">
+                <a:gridCol w="1571258">
                   <a:extLst>
                     <a:ext uri="{9D8B030D-6E8A-4147-A177-3AD203B41FA5}">
                       <a16:colId xmlns:a16="http://schemas.microsoft.com/office/drawing/2014/main" val="4288953535"/>
                     </a:ext>
                   </a:extLst>
                 </a:gridCol>
-                <a:gridCol w="1275138">
+                <a:gridCol w="1013714">
                   <a:extLst>
                     <a:ext uri="{9D8B030D-6E8A-4147-A177-3AD203B41FA5}">
                       <a16:colId xmlns:a16="http://schemas.microsoft.com/office/drawing/2014/main" val="2723608080"/>
@@ -9786,7 +10699,7 @@
                   </a:extLst>
                 </a:gridCol>
               </a:tblGrid>
-              <a:tr h="676686">
+              <a:tr h="733635">
                 <a:tc>
                   <a:txBody>
                     <a:bodyPr/>
@@ -9794,14 +10707,10 @@
                     <a:p>
                       <a:pPr algn="ctr" fontAlgn="b"/>
                       <a:r>
-                        <a:rPr lang="en-GB" sz="1400" b="1" i="0" u="none" strike="noStrike" dirty="0">
-                          <a:solidFill>
-                            <a:srgbClr val="000000"/>
-                          </a:solidFill>
+                        <a:rPr lang="en-US" sz="1400" b="1" u="none" strike="noStrike" dirty="0">
                           <a:effectLst/>
-                          <a:latin typeface="Calibri" panose="020F0502020204030204" pitchFamily="34" charset="0"/>
                         </a:rPr>
-                        <a:t>Location of bug within CPMpy</a:t>
+                        <a:t>Location of bugs withing CPMpy</a:t>
                       </a:r>
                       <a:endParaRPr lang="en-US" sz="1400" b="1" i="0" u="none" strike="noStrike" dirty="0">
                         <a:solidFill>
@@ -9867,6 +10776,48 @@
                         <a:rPr lang="en-US" sz="1400" b="1" u="none" strike="noStrike" dirty="0">
                           <a:effectLst/>
                         </a:rPr>
+                        <a:t>Bug nr on GitHub</a:t>
+                      </a:r>
+                      <a:endParaRPr lang="en-US" sz="1400" b="1" i="0" u="none" strike="noStrike" dirty="0">
+                        <a:solidFill>
+                          <a:srgbClr val="000000"/>
+                        </a:solidFill>
+                        <a:effectLst/>
+                        <a:latin typeface="Calibri" panose="020F0502020204030204" pitchFamily="34" charset="0"/>
+                      </a:endParaRPr>
+                    </a:p>
+                  </a:txBody>
+                  <a:tcPr marL="9525" marR="9525" marT="9525" marB="0" anchor="ctr">
+                    <a:lnR w="12700" cap="flat" cmpd="sng" algn="ctr">
+                      <a:solidFill>
+                        <a:schemeClr val="tx1"/>
+                      </a:solidFill>
+                      <a:prstDash val="solid"/>
+                      <a:round/>
+                      <a:headEnd type="none" w="med" len="med"/>
+                      <a:tailEnd type="none" w="med" len="med"/>
+                    </a:lnR>
+                    <a:lnB w="12700" cap="flat" cmpd="sng" algn="ctr">
+                      <a:solidFill>
+                        <a:schemeClr val="tx1"/>
+                      </a:solidFill>
+                      <a:prstDash val="solid"/>
+                      <a:round/>
+                      <a:headEnd type="none" w="med" len="med"/>
+                      <a:tailEnd type="none" w="med" len="med"/>
+                    </a:lnB>
+                  </a:tcPr>
+                </a:tc>
+                <a:tc>
+                  <a:txBody>
+                    <a:bodyPr/>
+                    <a:lstStyle/>
+                    <a:p>
+                      <a:pPr algn="ctr" fontAlgn="b"/>
+                      <a:r>
+                        <a:rPr lang="en-US" sz="1400" b="1" u="none" strike="noStrike" dirty="0">
+                          <a:effectLst/>
+                        </a:rPr>
                         <a:t>solver independent Bug</a:t>
                       </a:r>
                       <a:endParaRPr lang="en-US" sz="1400" b="1" i="0" u="none" strike="noStrike" dirty="0">
@@ -9879,6 +10830,15 @@
                     </a:p>
                   </a:txBody>
                   <a:tcPr marL="9525" marR="9525" marT="9525" marB="0" anchor="ctr">
+                    <a:lnL w="12700" cap="flat" cmpd="sng" algn="ctr">
+                      <a:solidFill>
+                        <a:schemeClr val="tx1"/>
+                      </a:solidFill>
+                      <a:prstDash val="solid"/>
+                      <a:round/>
+                      <a:headEnd type="none" w="med" len="med"/>
+                      <a:tailEnd type="none" w="med" len="med"/>
+                    </a:lnL>
                     <a:lnB w="12700" cap="flat" cmpd="sng" algn="ctr">
                       <a:solidFill>
                         <a:schemeClr val="tx1"/>
@@ -9901,17 +10861,6 @@
                           <a:effectLst/>
                         </a:rPr>
                         <a:t>OR-Tools</a:t>
-                      </a:r>
-                      <a:br>
-                        <a:rPr lang="en-US" sz="1400" b="1" u="none" strike="noStrike" dirty="0">
-                          <a:effectLst/>
-                        </a:rPr>
-                      </a:br>
-                      <a:r>
-                        <a:rPr lang="en-US" sz="1400" b="1" u="none" strike="noStrike" dirty="0">
-                          <a:effectLst/>
-                        </a:rPr>
-                        <a:t>solver</a:t>
                       </a:r>
                       <a:endParaRPr lang="en-US" sz="1400" b="1" i="0" u="none" strike="noStrike" dirty="0">
                         <a:solidFill>
@@ -9945,17 +10894,6 @@
                           <a:effectLst/>
                         </a:rPr>
                         <a:t>Gurobi</a:t>
-                      </a:r>
-                      <a:br>
-                        <a:rPr lang="en-US" sz="1400" b="1" u="none" strike="noStrike" dirty="0">
-                          <a:effectLst/>
-                        </a:rPr>
-                      </a:br>
-                      <a:r>
-                        <a:rPr lang="en-US" sz="1400" b="1" u="none" strike="noStrike" dirty="0">
-                          <a:effectLst/>
-                        </a:rPr>
-                        <a:t>solver</a:t>
                       </a:r>
                       <a:endParaRPr lang="en-US" sz="1400" b="1" i="0" u="none" strike="noStrike" dirty="0">
                         <a:solidFill>
@@ -10018,16 +10956,10 @@
                     <a:p>
                       <a:pPr algn="ctr" fontAlgn="b"/>
                       <a:r>
-                        <a:rPr lang="en-US" sz="1400" b="1" u="none" strike="noStrike" dirty="0" err="1">
-                          <a:effectLst/>
-                        </a:rPr>
-                        <a:t>Pysat</a:t>
-                      </a:r>
-                      <a:r>
                         <a:rPr lang="en-US" sz="1400" b="1" u="none" strike="noStrike" dirty="0">
                           <a:effectLst/>
                         </a:rPr>
-                        <a:t> subsolvers</a:t>
+                        <a:t>PySAT subsolvers</a:t>
                       </a:r>
                       <a:endParaRPr lang="en-US" sz="1400" b="1" i="0" u="none" strike="noStrike" dirty="0">
                         <a:solidFill>
@@ -10056,7 +10988,7 @@
                   </a:ext>
                 </a:extLst>
               </a:tr>
-              <a:tr h="232177">
+              <a:tr h="251717">
                 <a:tc>
                   <a:txBody>
                     <a:bodyPr/>
@@ -10130,6 +11062,48 @@
                     <a:p>
                       <a:pPr algn="ctr" fontAlgn="b"/>
                       <a:r>
+                        <a:rPr lang="en-US" sz="1200" u="none" strike="noStrike" dirty="0">
+                          <a:effectLst/>
+                        </a:rPr>
+                        <a:t>145</a:t>
+                      </a:r>
+                      <a:endParaRPr lang="en-US" sz="1200" b="0" i="0" u="none" strike="noStrike" dirty="0">
+                        <a:solidFill>
+                          <a:srgbClr val="000000"/>
+                        </a:solidFill>
+                        <a:effectLst/>
+                        <a:latin typeface="Calibri" panose="020F0502020204030204" pitchFamily="34" charset="0"/>
+                      </a:endParaRPr>
+                    </a:p>
+                  </a:txBody>
+                  <a:tcPr marL="9525" marR="9525" marT="9525" marB="0" anchor="b">
+                    <a:lnR w="12700" cap="flat" cmpd="sng" algn="ctr">
+                      <a:solidFill>
+                        <a:schemeClr val="tx1"/>
+                      </a:solidFill>
+                      <a:prstDash val="solid"/>
+                      <a:round/>
+                      <a:headEnd type="none" w="med" len="med"/>
+                      <a:tailEnd type="none" w="med" len="med"/>
+                    </a:lnR>
+                    <a:lnT w="12700" cap="flat" cmpd="sng" algn="ctr">
+                      <a:solidFill>
+                        <a:schemeClr val="tx1"/>
+                      </a:solidFill>
+                      <a:prstDash val="solid"/>
+                      <a:round/>
+                      <a:headEnd type="none" w="med" len="med"/>
+                      <a:tailEnd type="none" w="med" len="med"/>
+                    </a:lnT>
+                  </a:tcPr>
+                </a:tc>
+                <a:tc>
+                  <a:txBody>
+                    <a:bodyPr/>
+                    <a:lstStyle/>
+                    <a:p>
+                      <a:pPr algn="ctr" fontAlgn="b"/>
+                      <a:r>
                         <a:rPr lang="en-US" sz="1400" u="none" strike="noStrike" dirty="0">
                           <a:solidFill>
                             <a:srgbClr val="765B16"/>
@@ -10148,6 +11122,15 @@
                     </a:p>
                   </a:txBody>
                   <a:tcPr marL="9525" marR="9525" marT="9525" marB="0" anchor="b">
+                    <a:lnL w="12700" cap="flat" cmpd="sng" algn="ctr">
+                      <a:solidFill>
+                        <a:schemeClr val="tx1"/>
+                      </a:solidFill>
+                      <a:prstDash val="solid"/>
+                      <a:round/>
+                      <a:headEnd type="none" w="med" len="med"/>
+                      <a:tailEnd type="none" w="med" len="med"/>
+                    </a:lnL>
                     <a:lnT w="12700" cap="flat" cmpd="sng" algn="ctr">
                       <a:solidFill>
                         <a:schemeClr val="tx1"/>
@@ -10165,7 +11148,7 @@
                     <a:lstStyle/>
                     <a:p>
                       <a:pPr algn="ctr" fontAlgn="b"/>
-                      <a:endParaRPr lang="en-US" sz="1400" b="0" i="0" u="none" strike="noStrike">
+                      <a:endParaRPr lang="en-US" sz="1400" b="0" i="0" u="none" strike="noStrike" dirty="0">
                         <a:solidFill>
                           <a:srgbClr val="000000"/>
                         </a:solidFill>
@@ -10273,7 +11256,7 @@
                   </a:ext>
                 </a:extLst>
               </a:tr>
-              <a:tr h="232177">
+              <a:tr h="251717">
                 <a:tc>
                   <a:txBody>
                     <a:bodyPr/>
@@ -10327,6 +11310,39 @@
                     <a:p>
                       <a:pPr algn="ctr" fontAlgn="b"/>
                       <a:r>
+                        <a:rPr lang="en-US" sz="1200" u="none" strike="noStrike" dirty="0">
+                          <a:effectLst/>
+                        </a:rPr>
+                        <a:t>158</a:t>
+                      </a:r>
+                      <a:endParaRPr lang="en-US" sz="1200" b="0" i="0" u="none" strike="noStrike" dirty="0">
+                        <a:solidFill>
+                          <a:srgbClr val="000000"/>
+                        </a:solidFill>
+                        <a:effectLst/>
+                        <a:latin typeface="Calibri" panose="020F0502020204030204" pitchFamily="34" charset="0"/>
+                      </a:endParaRPr>
+                    </a:p>
+                  </a:txBody>
+                  <a:tcPr marL="9525" marR="9525" marT="9525" marB="0" anchor="b">
+                    <a:lnR w="12700" cap="flat" cmpd="sng" algn="ctr">
+                      <a:solidFill>
+                        <a:schemeClr val="tx1"/>
+                      </a:solidFill>
+                      <a:prstDash val="solid"/>
+                      <a:round/>
+                      <a:headEnd type="none" w="med" len="med"/>
+                      <a:tailEnd type="none" w="med" len="med"/>
+                    </a:lnR>
+                  </a:tcPr>
+                </a:tc>
+                <a:tc>
+                  <a:txBody>
+                    <a:bodyPr/>
+                    <a:lstStyle/>
+                    <a:p>
+                      <a:pPr algn="ctr" fontAlgn="b"/>
+                      <a:r>
                         <a:rPr lang="en-US" sz="1400" u="none" strike="noStrike" dirty="0">
                           <a:solidFill>
                             <a:srgbClr val="FF0000"/>
@@ -10344,7 +11360,17 @@
                       </a:endParaRPr>
                     </a:p>
                   </a:txBody>
-                  <a:tcPr marL="9525" marR="9525" marT="9525" marB="0" anchor="b"/>
+                  <a:tcPr marL="9525" marR="9525" marT="9525" marB="0" anchor="b">
+                    <a:lnL w="12700" cap="flat" cmpd="sng" algn="ctr">
+                      <a:solidFill>
+                        <a:schemeClr val="tx1"/>
+                      </a:solidFill>
+                      <a:prstDash val="solid"/>
+                      <a:round/>
+                      <a:headEnd type="none" w="med" len="med"/>
+                      <a:tailEnd type="none" w="med" len="med"/>
+                    </a:lnL>
+                  </a:tcPr>
                 </a:tc>
                 <a:tc>
                   <a:txBody>
@@ -10420,7 +11446,7 @@
                   </a:ext>
                 </a:extLst>
               </a:tr>
-              <a:tr h="232177">
+              <a:tr h="251717">
                 <a:tc>
                   <a:txBody>
                     <a:bodyPr/>
@@ -10474,6 +11500,39 @@
                     <a:p>
                       <a:pPr algn="ctr" fontAlgn="b"/>
                       <a:r>
+                        <a:rPr lang="en-US" sz="1200" u="none" strike="noStrike" dirty="0">
+                          <a:effectLst/>
+                        </a:rPr>
+                        <a:t>161</a:t>
+                      </a:r>
+                      <a:endParaRPr lang="en-US" sz="1200" b="0" i="0" u="none" strike="noStrike" dirty="0">
+                        <a:solidFill>
+                          <a:srgbClr val="000000"/>
+                        </a:solidFill>
+                        <a:effectLst/>
+                        <a:latin typeface="Calibri" panose="020F0502020204030204" pitchFamily="34" charset="0"/>
+                      </a:endParaRPr>
+                    </a:p>
+                  </a:txBody>
+                  <a:tcPr marL="9525" marR="9525" marT="9525" marB="0" anchor="b">
+                    <a:lnR w="12700" cap="flat" cmpd="sng" algn="ctr">
+                      <a:solidFill>
+                        <a:schemeClr val="tx1"/>
+                      </a:solidFill>
+                      <a:prstDash val="solid"/>
+                      <a:round/>
+                      <a:headEnd type="none" w="med" len="med"/>
+                      <a:tailEnd type="none" w="med" len="med"/>
+                    </a:lnR>
+                  </a:tcPr>
+                </a:tc>
+                <a:tc>
+                  <a:txBody>
+                    <a:bodyPr/>
+                    <a:lstStyle/>
+                    <a:p>
+                      <a:pPr algn="ctr" fontAlgn="b"/>
+                      <a:r>
                         <a:rPr lang="en-US" sz="1400" u="none" strike="noStrike" dirty="0">
                           <a:solidFill>
                             <a:srgbClr val="0070C0"/>
@@ -10500,6 +11559,33 @@
                       <a:endParaRPr lang="en-US" sz="1400" b="0" i="0" u="none" strike="noStrike" dirty="0">
                         <a:solidFill>
                           <a:srgbClr val="FF0000"/>
+                        </a:solidFill>
+                        <a:effectLst/>
+                        <a:latin typeface="Calibri" panose="020F0502020204030204" pitchFamily="34" charset="0"/>
+                      </a:endParaRPr>
+                    </a:p>
+                  </a:txBody>
+                  <a:tcPr marL="9525" marR="9525" marT="9525" marB="0" anchor="b">
+                    <a:lnL w="12700" cap="flat" cmpd="sng" algn="ctr">
+                      <a:solidFill>
+                        <a:schemeClr val="tx1"/>
+                      </a:solidFill>
+                      <a:prstDash val="solid"/>
+                      <a:round/>
+                      <a:headEnd type="none" w="med" len="med"/>
+                      <a:tailEnd type="none" w="med" len="med"/>
+                    </a:lnL>
+                  </a:tcPr>
+                </a:tc>
+                <a:tc>
+                  <a:txBody>
+                    <a:bodyPr/>
+                    <a:lstStyle/>
+                    <a:p>
+                      <a:pPr algn="ctr" fontAlgn="b"/>
+                      <a:endParaRPr lang="en-US" sz="1400" b="0" i="0" u="none" strike="noStrike" dirty="0">
+                        <a:solidFill>
+                          <a:srgbClr val="000000"/>
                         </a:solidFill>
                         <a:effectLst/>
                         <a:latin typeface="Calibri" panose="020F0502020204030204" pitchFamily="34" charset="0"/>
@@ -10559,30 +11645,13 @@
                   </a:txBody>
                   <a:tcPr marL="9525" marR="9525" marT="9525" marB="0" anchor="b"/>
                 </a:tc>
-                <a:tc>
-                  <a:txBody>
-                    <a:bodyPr/>
-                    <a:lstStyle/>
-                    <a:p>
-                      <a:pPr algn="ctr" fontAlgn="b"/>
-                      <a:endParaRPr lang="en-US" sz="1400" b="0" i="0" u="none" strike="noStrike">
-                        <a:solidFill>
-                          <a:srgbClr val="000000"/>
-                        </a:solidFill>
-                        <a:effectLst/>
-                        <a:latin typeface="Calibri" panose="020F0502020204030204" pitchFamily="34" charset="0"/>
-                      </a:endParaRPr>
-                    </a:p>
-                  </a:txBody>
-                  <a:tcPr marL="9525" marR="9525" marT="9525" marB="0" anchor="b"/>
-                </a:tc>
                 <a:extLst>
                   <a:ext uri="{0D108BD9-81ED-4DB2-BD59-A6C34878D82A}">
                     <a16:rowId xmlns:a16="http://schemas.microsoft.com/office/drawing/2014/main" val="3822732990"/>
                   </a:ext>
                 </a:extLst>
               </a:tr>
-              <a:tr h="232177">
+              <a:tr h="251717">
                 <a:tc>
                   <a:txBody>
                     <a:bodyPr/>
@@ -10636,6 +11705,39 @@
                     <a:p>
                       <a:pPr algn="ctr" fontAlgn="b"/>
                       <a:r>
+                        <a:rPr lang="en-US" sz="1200" u="none" strike="noStrike" dirty="0">
+                          <a:effectLst/>
+                        </a:rPr>
+                        <a:t>156</a:t>
+                      </a:r>
+                      <a:endParaRPr lang="en-US" sz="1200" b="0" i="0" u="none" strike="noStrike" dirty="0">
+                        <a:solidFill>
+                          <a:srgbClr val="000000"/>
+                        </a:solidFill>
+                        <a:effectLst/>
+                        <a:latin typeface="Calibri" panose="020F0502020204030204" pitchFamily="34" charset="0"/>
+                      </a:endParaRPr>
+                    </a:p>
+                  </a:txBody>
+                  <a:tcPr marL="9525" marR="9525" marT="9525" marB="0" anchor="b">
+                    <a:lnR w="12700" cap="flat" cmpd="sng" algn="ctr">
+                      <a:solidFill>
+                        <a:schemeClr val="tx1"/>
+                      </a:solidFill>
+                      <a:prstDash val="solid"/>
+                      <a:round/>
+                      <a:headEnd type="none" w="med" len="med"/>
+                      <a:tailEnd type="none" w="med" len="med"/>
+                    </a:lnR>
+                  </a:tcPr>
+                </a:tc>
+                <a:tc>
+                  <a:txBody>
+                    <a:bodyPr/>
+                    <a:lstStyle/>
+                    <a:p>
+                      <a:pPr algn="ctr" fontAlgn="b"/>
+                      <a:r>
                         <a:rPr lang="en-US" sz="1400" u="none" strike="noStrike" dirty="0">
                           <a:effectLst/>
                         </a:rPr>
@@ -10650,7 +11752,17 @@
                       </a:endParaRPr>
                     </a:p>
                   </a:txBody>
-                  <a:tcPr marL="9525" marR="9525" marT="9525" marB="0" anchor="b"/>
+                  <a:tcPr marL="9525" marR="9525" marT="9525" marB="0" anchor="b">
+                    <a:lnL w="12700" cap="flat" cmpd="sng" algn="ctr">
+                      <a:solidFill>
+                        <a:schemeClr val="tx1"/>
+                      </a:solidFill>
+                      <a:prstDash val="solid"/>
+                      <a:round/>
+                      <a:headEnd type="none" w="med" len="med"/>
+                      <a:tailEnd type="none" w="med" len="med"/>
+                    </a:lnL>
+                  </a:tcPr>
                 </a:tc>
                 <a:tc>
                   <a:txBody>
@@ -10675,7 +11787,7 @@
                     <a:lstStyle/>
                     <a:p>
                       <a:pPr algn="ctr" fontAlgn="b"/>
-                      <a:endParaRPr lang="en-US" sz="1400" b="0" i="0" u="none" strike="noStrike">
+                      <a:endParaRPr lang="en-US" sz="1400" b="0" i="0" u="none" strike="noStrike" dirty="0">
                         <a:solidFill>
                           <a:srgbClr val="000000"/>
                         </a:solidFill>
@@ -10765,7 +11877,7 @@
                   </a:ext>
                 </a:extLst>
               </a:tr>
-              <a:tr h="232177">
+              <a:tr h="251717">
                 <a:tc>
                   <a:txBody>
                     <a:bodyPr/>
@@ -10819,6 +11931,39 @@
                     <a:p>
                       <a:pPr algn="ctr" fontAlgn="b"/>
                       <a:r>
+                        <a:rPr lang="en-US" sz="1200" u="none" strike="noStrike" dirty="0">
+                          <a:effectLst/>
+                        </a:rPr>
+                        <a:t>149</a:t>
+                      </a:r>
+                      <a:endParaRPr lang="en-US" sz="1200" b="0" i="0" u="none" strike="noStrike" dirty="0">
+                        <a:solidFill>
+                          <a:srgbClr val="000000"/>
+                        </a:solidFill>
+                        <a:effectLst/>
+                        <a:latin typeface="Calibri" panose="020F0502020204030204" pitchFamily="34" charset="0"/>
+                      </a:endParaRPr>
+                    </a:p>
+                  </a:txBody>
+                  <a:tcPr marL="9525" marR="9525" marT="9525" marB="0" anchor="b">
+                    <a:lnR w="12700" cap="flat" cmpd="sng" algn="ctr">
+                      <a:solidFill>
+                        <a:schemeClr val="tx1"/>
+                      </a:solidFill>
+                      <a:prstDash val="solid"/>
+                      <a:round/>
+                      <a:headEnd type="none" w="med" len="med"/>
+                      <a:tailEnd type="none" w="med" len="med"/>
+                    </a:lnR>
+                  </a:tcPr>
+                </a:tc>
+                <a:tc>
+                  <a:txBody>
+                    <a:bodyPr/>
+                    <a:lstStyle/>
+                    <a:p>
+                      <a:pPr algn="ctr" fontAlgn="b"/>
+                      <a:r>
                         <a:rPr lang="en-US" sz="1400" u="none" strike="noStrike" dirty="0">
                           <a:effectLst/>
                         </a:rPr>
@@ -10833,7 +11978,17 @@
                       </a:endParaRPr>
                     </a:p>
                   </a:txBody>
-                  <a:tcPr marL="9525" marR="9525" marT="9525" marB="0" anchor="b"/>
+                  <a:tcPr marL="9525" marR="9525" marT="9525" marB="0" anchor="b">
+                    <a:lnL w="12700" cap="flat" cmpd="sng" algn="ctr">
+                      <a:solidFill>
+                        <a:schemeClr val="tx1"/>
+                      </a:solidFill>
+                      <a:prstDash val="solid"/>
+                      <a:round/>
+                      <a:headEnd type="none" w="med" len="med"/>
+                      <a:tailEnd type="none" w="med" len="med"/>
+                    </a:lnL>
+                  </a:tcPr>
                 </a:tc>
                 <a:tc>
                   <a:txBody>
@@ -10933,7 +12088,7 @@
                   </a:ext>
                 </a:extLst>
               </a:tr>
-              <a:tr h="232177">
+              <a:tr h="251717">
                 <a:tc>
                   <a:txBody>
                     <a:bodyPr/>
@@ -10987,6 +12142,39 @@
                     <a:p>
                       <a:pPr algn="ctr" fontAlgn="b"/>
                       <a:r>
+                        <a:rPr lang="en-US" sz="1200" u="none" strike="noStrike" dirty="0">
+                          <a:effectLst/>
+                        </a:rPr>
+                        <a:t>150</a:t>
+                      </a:r>
+                      <a:endParaRPr lang="en-US" sz="1200" b="0" i="0" u="none" strike="noStrike" dirty="0">
+                        <a:solidFill>
+                          <a:srgbClr val="000000"/>
+                        </a:solidFill>
+                        <a:effectLst/>
+                        <a:latin typeface="Calibri" panose="020F0502020204030204" pitchFamily="34" charset="0"/>
+                      </a:endParaRPr>
+                    </a:p>
+                  </a:txBody>
+                  <a:tcPr marL="9525" marR="9525" marT="9525" marB="0" anchor="b">
+                    <a:lnR w="12700" cap="flat" cmpd="sng" algn="ctr">
+                      <a:solidFill>
+                        <a:schemeClr val="tx1"/>
+                      </a:solidFill>
+                      <a:prstDash val="solid"/>
+                      <a:round/>
+                      <a:headEnd type="none" w="med" len="med"/>
+                      <a:tailEnd type="none" w="med" len="med"/>
+                    </a:lnR>
+                  </a:tcPr>
+                </a:tc>
+                <a:tc>
+                  <a:txBody>
+                    <a:bodyPr/>
+                    <a:lstStyle/>
+                    <a:p>
+                      <a:pPr algn="ctr" fontAlgn="b"/>
+                      <a:r>
                         <a:rPr lang="en-US" sz="1400" u="none" strike="noStrike">
                           <a:effectLst/>
                         </a:rPr>
@@ -11001,7 +12189,17 @@
                       </a:endParaRPr>
                     </a:p>
                   </a:txBody>
-                  <a:tcPr marL="9525" marR="9525" marT="9525" marB="0" anchor="b"/>
+                  <a:tcPr marL="9525" marR="9525" marT="9525" marB="0" anchor="b">
+                    <a:lnL w="12700" cap="flat" cmpd="sng" algn="ctr">
+                      <a:solidFill>
+                        <a:schemeClr val="tx1"/>
+                      </a:solidFill>
+                      <a:prstDash val="solid"/>
+                      <a:round/>
+                      <a:headEnd type="none" w="med" len="med"/>
+                      <a:tailEnd type="none" w="med" len="med"/>
+                    </a:lnL>
+                  </a:tcPr>
                 </a:tc>
                 <a:tc>
                   <a:txBody>
@@ -11086,7 +12284,7 @@
                   </a:ext>
                 </a:extLst>
               </a:tr>
-              <a:tr h="232177">
+              <a:tr h="251717">
                 <a:tc>
                   <a:txBody>
                     <a:bodyPr/>
@@ -11140,6 +12338,39 @@
                     <a:p>
                       <a:pPr algn="ctr" fontAlgn="b"/>
                       <a:r>
+                        <a:rPr lang="en-US" sz="1200" u="none" strike="noStrike" dirty="0">
+                          <a:effectLst/>
+                        </a:rPr>
+                        <a:t>152</a:t>
+                      </a:r>
+                      <a:endParaRPr lang="en-US" sz="1200" b="0" i="0" u="none" strike="noStrike" dirty="0">
+                        <a:solidFill>
+                          <a:srgbClr val="000000"/>
+                        </a:solidFill>
+                        <a:effectLst/>
+                        <a:latin typeface="Calibri" panose="020F0502020204030204" pitchFamily="34" charset="0"/>
+                      </a:endParaRPr>
+                    </a:p>
+                  </a:txBody>
+                  <a:tcPr marL="9525" marR="9525" marT="9525" marB="0" anchor="b">
+                    <a:lnR w="12700" cap="flat" cmpd="sng" algn="ctr">
+                      <a:solidFill>
+                        <a:schemeClr val="tx1"/>
+                      </a:solidFill>
+                      <a:prstDash val="solid"/>
+                      <a:round/>
+                      <a:headEnd type="none" w="med" len="med"/>
+                      <a:tailEnd type="none" w="med" len="med"/>
+                    </a:lnR>
+                  </a:tcPr>
+                </a:tc>
+                <a:tc>
+                  <a:txBody>
+                    <a:bodyPr/>
+                    <a:lstStyle/>
+                    <a:p>
+                      <a:pPr algn="ctr" fontAlgn="b"/>
+                      <a:r>
                         <a:rPr lang="en-US" sz="1400" u="none" strike="noStrike" dirty="0">
                           <a:solidFill>
                             <a:srgbClr val="FF0000"/>
@@ -11172,7 +12403,17 @@
                       </a:endParaRPr>
                     </a:p>
                   </a:txBody>
-                  <a:tcPr marL="9525" marR="9525" marT="9525" marB="0" anchor="b"/>
+                  <a:tcPr marL="9525" marR="9525" marT="9525" marB="0" anchor="b">
+                    <a:lnL w="12700" cap="flat" cmpd="sng" algn="ctr">
+                      <a:solidFill>
+                        <a:schemeClr val="tx1"/>
+                      </a:solidFill>
+                      <a:prstDash val="solid"/>
+                      <a:round/>
+                      <a:headEnd type="none" w="med" len="med"/>
+                      <a:tailEnd type="none" w="med" len="med"/>
+                    </a:lnL>
+                  </a:tcPr>
                 </a:tc>
                 <a:tc>
                   <a:txBody>
@@ -11248,7 +12489,7 @@
                   </a:ext>
                 </a:extLst>
               </a:tr>
-              <a:tr h="232177">
+              <a:tr h="251717">
                 <a:tc>
                   <a:txBody>
                     <a:bodyPr/>
@@ -11302,6 +12543,39 @@
                     <a:p>
                       <a:pPr algn="ctr" fontAlgn="b"/>
                       <a:r>
+                        <a:rPr lang="en-US" sz="1200" u="none" strike="noStrike" dirty="0">
+                          <a:effectLst/>
+                        </a:rPr>
+                        <a:t>153</a:t>
+                      </a:r>
+                      <a:endParaRPr lang="en-US" sz="1200" b="0" i="0" u="none" strike="noStrike" dirty="0">
+                        <a:solidFill>
+                          <a:srgbClr val="000000"/>
+                        </a:solidFill>
+                        <a:effectLst/>
+                        <a:latin typeface="Calibri" panose="020F0502020204030204" pitchFamily="34" charset="0"/>
+                      </a:endParaRPr>
+                    </a:p>
+                  </a:txBody>
+                  <a:tcPr marL="9525" marR="9525" marT="9525" marB="0" anchor="b">
+                    <a:lnR w="12700" cap="flat" cmpd="sng" algn="ctr">
+                      <a:solidFill>
+                        <a:schemeClr val="tx1"/>
+                      </a:solidFill>
+                      <a:prstDash val="solid"/>
+                      <a:round/>
+                      <a:headEnd type="none" w="med" len="med"/>
+                      <a:tailEnd type="none" w="med" len="med"/>
+                    </a:lnR>
+                  </a:tcPr>
+                </a:tc>
+                <a:tc>
+                  <a:txBody>
+                    <a:bodyPr/>
+                    <a:lstStyle/>
+                    <a:p>
+                      <a:pPr algn="ctr" fontAlgn="b"/>
+                      <a:r>
                         <a:rPr lang="en-US" sz="1400" u="none" strike="noStrike">
                           <a:effectLst/>
                         </a:rPr>
@@ -11316,7 +12590,17 @@
                       </a:endParaRPr>
                     </a:p>
                   </a:txBody>
-                  <a:tcPr marL="9525" marR="9525" marT="9525" marB="0" anchor="b"/>
+                  <a:tcPr marL="9525" marR="9525" marT="9525" marB="0" anchor="b">
+                    <a:lnL w="12700" cap="flat" cmpd="sng" algn="ctr">
+                      <a:solidFill>
+                        <a:schemeClr val="tx1"/>
+                      </a:solidFill>
+                      <a:prstDash val="solid"/>
+                      <a:round/>
+                      <a:headEnd type="none" w="med" len="med"/>
+                      <a:tailEnd type="none" w="med" len="med"/>
+                    </a:lnL>
+                  </a:tcPr>
                 </a:tc>
                 <a:tc>
                   <a:txBody>
@@ -11401,7 +12685,7 @@
                   </a:ext>
                 </a:extLst>
               </a:tr>
-              <a:tr h="232177">
+              <a:tr h="251717">
                 <a:tc>
                   <a:txBody>
                     <a:bodyPr/>
@@ -11455,6 +12739,39 @@
                     <a:p>
                       <a:pPr algn="ctr" fontAlgn="b"/>
                       <a:r>
+                        <a:rPr lang="en-US" sz="1200" u="none" strike="noStrike" dirty="0">
+                          <a:effectLst/>
+                        </a:rPr>
+                        <a:t>154</a:t>
+                      </a:r>
+                      <a:endParaRPr lang="en-US" sz="1200" b="0" i="0" u="none" strike="noStrike" dirty="0">
+                        <a:solidFill>
+                          <a:srgbClr val="000000"/>
+                        </a:solidFill>
+                        <a:effectLst/>
+                        <a:latin typeface="Calibri" panose="020F0502020204030204" pitchFamily="34" charset="0"/>
+                      </a:endParaRPr>
+                    </a:p>
+                  </a:txBody>
+                  <a:tcPr marL="9525" marR="9525" marT="9525" marB="0" anchor="b">
+                    <a:lnR w="12700" cap="flat" cmpd="sng" algn="ctr">
+                      <a:solidFill>
+                        <a:schemeClr val="tx1"/>
+                      </a:solidFill>
+                      <a:prstDash val="solid"/>
+                      <a:round/>
+                      <a:headEnd type="none" w="med" len="med"/>
+                      <a:tailEnd type="none" w="med" len="med"/>
+                    </a:lnR>
+                  </a:tcPr>
+                </a:tc>
+                <a:tc>
+                  <a:txBody>
+                    <a:bodyPr/>
+                    <a:lstStyle/>
+                    <a:p>
+                      <a:pPr algn="ctr" fontAlgn="b"/>
+                      <a:r>
                         <a:rPr lang="en-US" sz="1400" u="none" strike="noStrike">
                           <a:effectLst/>
                         </a:rPr>
@@ -11469,7 +12786,17 @@
                       </a:endParaRPr>
                     </a:p>
                   </a:txBody>
-                  <a:tcPr marL="9525" marR="9525" marT="9525" marB="0" anchor="b"/>
+                  <a:tcPr marL="9525" marR="9525" marT="9525" marB="0" anchor="b">
+                    <a:lnL w="12700" cap="flat" cmpd="sng" algn="ctr">
+                      <a:solidFill>
+                        <a:schemeClr val="tx1"/>
+                      </a:solidFill>
+                      <a:prstDash val="solid"/>
+                      <a:round/>
+                      <a:headEnd type="none" w="med" len="med"/>
+                      <a:tailEnd type="none" w="med" len="med"/>
+                    </a:lnL>
+                  </a:tcPr>
                 </a:tc>
                 <a:tc>
                   <a:txBody>
@@ -11584,7 +12911,7 @@
                   </a:ext>
                 </a:extLst>
               </a:tr>
-              <a:tr h="233264">
+              <a:tr h="252895">
                 <a:tc>
                   <a:txBody>
                     <a:bodyPr/>
@@ -11638,6 +12965,39 @@
                     <a:p>
                       <a:pPr algn="ctr" fontAlgn="b"/>
                       <a:r>
+                        <a:rPr lang="en-US" sz="1200" u="none" strike="noStrike" dirty="0">
+                          <a:effectLst/>
+                        </a:rPr>
+                        <a:t>155</a:t>
+                      </a:r>
+                      <a:endParaRPr lang="en-US" sz="1200" b="0" i="0" u="none" strike="noStrike" dirty="0">
+                        <a:solidFill>
+                          <a:srgbClr val="000000"/>
+                        </a:solidFill>
+                        <a:effectLst/>
+                        <a:latin typeface="Calibri" panose="020F0502020204030204" pitchFamily="34" charset="0"/>
+                      </a:endParaRPr>
+                    </a:p>
+                  </a:txBody>
+                  <a:tcPr marL="9525" marR="9525" marT="9525" marB="0" anchor="b">
+                    <a:lnR w="12700" cap="flat" cmpd="sng" algn="ctr">
+                      <a:solidFill>
+                        <a:schemeClr val="tx1"/>
+                      </a:solidFill>
+                      <a:prstDash val="solid"/>
+                      <a:round/>
+                      <a:headEnd type="none" w="med" len="med"/>
+                      <a:tailEnd type="none" w="med" len="med"/>
+                    </a:lnR>
+                  </a:tcPr>
+                </a:tc>
+                <a:tc>
+                  <a:txBody>
+                    <a:bodyPr/>
+                    <a:lstStyle/>
+                    <a:p>
+                      <a:pPr algn="ctr" fontAlgn="b"/>
+                      <a:r>
                         <a:rPr lang="en-US" sz="1400" u="none" strike="noStrike">
                           <a:effectLst/>
                         </a:rPr>
@@ -11652,7 +13012,17 @@
                       </a:endParaRPr>
                     </a:p>
                   </a:txBody>
-                  <a:tcPr marL="9525" marR="9525" marT="9525" marB="0" anchor="b"/>
+                  <a:tcPr marL="9525" marR="9525" marT="9525" marB="0" anchor="b">
+                    <a:lnL w="12700" cap="flat" cmpd="sng" algn="ctr">
+                      <a:solidFill>
+                        <a:schemeClr val="tx1"/>
+                      </a:solidFill>
+                      <a:prstDash val="solid"/>
+                      <a:round/>
+                      <a:headEnd type="none" w="med" len="med"/>
+                      <a:tailEnd type="none" w="med" len="med"/>
+                    </a:lnL>
+                  </a:tcPr>
                 </a:tc>
                 <a:tc>
                   <a:txBody>
@@ -11733,7 +13103,7 @@
                     <a:lstStyle/>
                     <a:p>
                       <a:pPr algn="ctr" fontAlgn="b"/>
-                      <a:endParaRPr lang="en-US" sz="1400" b="0" i="0" u="none" strike="noStrike">
+                      <a:endParaRPr lang="en-US" sz="1400" b="0" i="0" u="none" strike="noStrike" dirty="0">
                         <a:solidFill>
                           <a:srgbClr val="000000"/>
                         </a:solidFill>
@@ -11767,7 +13137,7 @@
                   </a:ext>
                 </a:extLst>
               </a:tr>
-              <a:tr h="232177">
+              <a:tr h="251717">
                 <a:tc>
                   <a:txBody>
                     <a:bodyPr/>
@@ -11821,6 +13191,39 @@
                     <a:p>
                       <a:pPr algn="ctr" fontAlgn="b"/>
                       <a:r>
+                        <a:rPr lang="en-US" sz="1200" u="none" strike="noStrike" dirty="0">
+                          <a:effectLst/>
+                        </a:rPr>
+                        <a:t>159</a:t>
+                      </a:r>
+                      <a:endParaRPr lang="en-US" sz="1200" b="0" i="0" u="none" strike="noStrike" dirty="0">
+                        <a:solidFill>
+                          <a:srgbClr val="000000"/>
+                        </a:solidFill>
+                        <a:effectLst/>
+                        <a:latin typeface="Calibri" panose="020F0502020204030204" pitchFamily="34" charset="0"/>
+                      </a:endParaRPr>
+                    </a:p>
+                  </a:txBody>
+                  <a:tcPr marL="9525" marR="9525" marT="9525" marB="0" anchor="b">
+                    <a:lnR w="12700" cap="flat" cmpd="sng" algn="ctr">
+                      <a:solidFill>
+                        <a:schemeClr val="tx1"/>
+                      </a:solidFill>
+                      <a:prstDash val="solid"/>
+                      <a:round/>
+                      <a:headEnd type="none" w="med" len="med"/>
+                      <a:tailEnd type="none" w="med" len="med"/>
+                    </a:lnR>
+                  </a:tcPr>
+                </a:tc>
+                <a:tc>
+                  <a:txBody>
+                    <a:bodyPr/>
+                    <a:lstStyle/>
+                    <a:p>
+                      <a:pPr algn="ctr" fontAlgn="b"/>
+                      <a:r>
                         <a:rPr lang="en-US" sz="1400" u="none" strike="noStrike">
                           <a:effectLst/>
                         </a:rPr>
@@ -11835,7 +13238,17 @@
                       </a:endParaRPr>
                     </a:p>
                   </a:txBody>
-                  <a:tcPr marL="9525" marR="9525" marT="9525" marB="0" anchor="b"/>
+                  <a:tcPr marL="9525" marR="9525" marT="9525" marB="0" anchor="b">
+                    <a:lnL w="12700" cap="flat" cmpd="sng" algn="ctr">
+                      <a:solidFill>
+                        <a:schemeClr val="tx1"/>
+                      </a:solidFill>
+                      <a:prstDash val="solid"/>
+                      <a:round/>
+                      <a:headEnd type="none" w="med" len="med"/>
+                      <a:tailEnd type="none" w="med" len="med"/>
+                    </a:lnL>
+                  </a:tcPr>
                 </a:tc>
                 <a:tc>
                   <a:txBody>
@@ -11901,7 +13314,7 @@
                     <a:lstStyle/>
                     <a:p>
                       <a:pPr algn="ctr" fontAlgn="b"/>
-                      <a:endParaRPr lang="en-US" sz="1400" b="0" i="0" u="none" strike="noStrike">
+                      <a:endParaRPr lang="en-US" sz="1400" b="0" i="0" u="none" strike="noStrike" dirty="0">
                         <a:solidFill>
                           <a:srgbClr val="000000"/>
                         </a:solidFill>
@@ -11918,7 +13331,7 @@
                     <a:lstStyle/>
                     <a:p>
                       <a:pPr algn="ctr" fontAlgn="b"/>
-                      <a:endParaRPr lang="en-US" sz="1400" b="0" i="0" u="none" strike="noStrike" dirty="0">
+                      <a:endParaRPr lang="en-US" sz="1400" b="0" i="0" u="none" strike="noStrike">
                         <a:solidFill>
                           <a:srgbClr val="000000"/>
                         </a:solidFill>
@@ -11935,7 +13348,7 @@
                   </a:ext>
                 </a:extLst>
               </a:tr>
-              <a:tr h="232177">
+              <a:tr h="251717">
                 <a:tc>
                   <a:txBody>
                     <a:bodyPr/>
@@ -11989,6 +13402,39 @@
                     <a:p>
                       <a:pPr algn="ctr" fontAlgn="b"/>
                       <a:r>
+                        <a:rPr lang="en-US" sz="1200" u="none" strike="noStrike" dirty="0">
+                          <a:effectLst/>
+                        </a:rPr>
+                        <a:t>162</a:t>
+                      </a:r>
+                      <a:endParaRPr lang="en-US" sz="1200" b="0" i="0" u="none" strike="noStrike" dirty="0">
+                        <a:solidFill>
+                          <a:srgbClr val="000000"/>
+                        </a:solidFill>
+                        <a:effectLst/>
+                        <a:latin typeface="Calibri" panose="020F0502020204030204" pitchFamily="34" charset="0"/>
+                      </a:endParaRPr>
+                    </a:p>
+                  </a:txBody>
+                  <a:tcPr marL="9525" marR="9525" marT="9525" marB="0" anchor="b">
+                    <a:lnR w="12700" cap="flat" cmpd="sng" algn="ctr">
+                      <a:solidFill>
+                        <a:schemeClr val="tx1"/>
+                      </a:solidFill>
+                      <a:prstDash val="solid"/>
+                      <a:round/>
+                      <a:headEnd type="none" w="med" len="med"/>
+                      <a:tailEnd type="none" w="med" len="med"/>
+                    </a:lnR>
+                  </a:tcPr>
+                </a:tc>
+                <a:tc>
+                  <a:txBody>
+                    <a:bodyPr/>
+                    <a:lstStyle/>
+                    <a:p>
+                      <a:pPr algn="ctr" fontAlgn="b"/>
+                      <a:r>
                         <a:rPr lang="en-US" sz="1400" u="none" strike="noStrike" dirty="0">
                           <a:effectLst/>
                         </a:rPr>
@@ -12003,7 +13449,17 @@
                       </a:endParaRPr>
                     </a:p>
                   </a:txBody>
-                  <a:tcPr marL="9525" marR="9525" marT="9525" marB="0" anchor="b"/>
+                  <a:tcPr marL="9525" marR="9525" marT="9525" marB="0" anchor="b">
+                    <a:lnL w="12700" cap="flat" cmpd="sng" algn="ctr">
+                      <a:solidFill>
+                        <a:schemeClr val="tx1"/>
+                      </a:solidFill>
+                      <a:prstDash val="solid"/>
+                      <a:round/>
+                      <a:headEnd type="none" w="med" len="med"/>
+                      <a:tailEnd type="none" w="med" len="med"/>
+                    </a:lnL>
+                  </a:tcPr>
                 </a:tc>
                 <a:tc>
                   <a:txBody>
@@ -12088,7 +13544,7 @@
                   </a:ext>
                 </a:extLst>
               </a:tr>
-              <a:tr h="232177">
+              <a:tr h="251717">
                 <a:tc>
                   <a:txBody>
                     <a:bodyPr/>
@@ -12142,6 +13598,39 @@
                     <a:p>
                       <a:pPr algn="ctr" fontAlgn="b"/>
                       <a:r>
+                        <a:rPr lang="en-US" sz="1200" u="none" strike="noStrike" dirty="0">
+                          <a:effectLst/>
+                        </a:rPr>
+                        <a:t>142</a:t>
+                      </a:r>
+                      <a:endParaRPr lang="en-US" sz="1200" b="0" i="0" u="none" strike="noStrike" dirty="0">
+                        <a:solidFill>
+                          <a:srgbClr val="000000"/>
+                        </a:solidFill>
+                        <a:effectLst/>
+                        <a:latin typeface="Calibri" panose="020F0502020204030204" pitchFamily="34" charset="0"/>
+                      </a:endParaRPr>
+                    </a:p>
+                  </a:txBody>
+                  <a:tcPr marL="9525" marR="9525" marT="9525" marB="0" anchor="b">
+                    <a:lnR w="12700" cap="flat" cmpd="sng" algn="ctr">
+                      <a:solidFill>
+                        <a:schemeClr val="tx1"/>
+                      </a:solidFill>
+                      <a:prstDash val="solid"/>
+                      <a:round/>
+                      <a:headEnd type="none" w="med" len="med"/>
+                      <a:tailEnd type="none" w="med" len="med"/>
+                    </a:lnR>
+                  </a:tcPr>
+                </a:tc>
+                <a:tc>
+                  <a:txBody>
+                    <a:bodyPr/>
+                    <a:lstStyle/>
+                    <a:p>
+                      <a:pPr algn="ctr" fontAlgn="b"/>
+                      <a:r>
                         <a:rPr lang="en-US" sz="1400" u="none" strike="noStrike">
                           <a:effectLst/>
                         </a:rPr>
@@ -12156,7 +13645,17 @@
                       </a:endParaRPr>
                     </a:p>
                   </a:txBody>
-                  <a:tcPr marL="9525" marR="9525" marT="9525" marB="0" anchor="b"/>
+                  <a:tcPr marL="9525" marR="9525" marT="9525" marB="0" anchor="b">
+                    <a:lnL w="12700" cap="flat" cmpd="sng" algn="ctr">
+                      <a:solidFill>
+                        <a:schemeClr val="tx1"/>
+                      </a:solidFill>
+                      <a:prstDash val="solid"/>
+                      <a:round/>
+                      <a:headEnd type="none" w="med" len="med"/>
+                      <a:tailEnd type="none" w="med" len="med"/>
+                    </a:lnL>
+                  </a:tcPr>
                 </a:tc>
                 <a:tc>
                   <a:txBody>
@@ -12233,7 +13732,7 @@
                     <a:lstStyle/>
                     <a:p>
                       <a:pPr algn="ctr" fontAlgn="b"/>
-                      <a:endParaRPr lang="en-US" sz="1400" b="0" i="0" u="none" strike="noStrike">
+                      <a:endParaRPr lang="en-US" sz="1400" b="0" i="0" u="none" strike="noStrike" dirty="0">
                         <a:solidFill>
                           <a:srgbClr val="000000"/>
                         </a:solidFill>
@@ -12250,7 +13749,7 @@
                   </a:ext>
                 </a:extLst>
               </a:tr>
-              <a:tr h="232177">
+              <a:tr h="251717">
                 <a:tc>
                   <a:txBody>
                     <a:bodyPr/>
@@ -12304,6 +13803,39 @@
                     <a:p>
                       <a:pPr algn="ctr" fontAlgn="b"/>
                       <a:r>
+                        <a:rPr lang="en-US" sz="1200" u="none" strike="noStrike" dirty="0">
+                          <a:effectLst/>
+                        </a:rPr>
+                        <a:t>143</a:t>
+                      </a:r>
+                      <a:endParaRPr lang="en-US" sz="1200" b="0" i="0" u="none" strike="noStrike" dirty="0">
+                        <a:solidFill>
+                          <a:srgbClr val="000000"/>
+                        </a:solidFill>
+                        <a:effectLst/>
+                        <a:latin typeface="Calibri" panose="020F0502020204030204" pitchFamily="34" charset="0"/>
+                      </a:endParaRPr>
+                    </a:p>
+                  </a:txBody>
+                  <a:tcPr marL="9525" marR="9525" marT="9525" marB="0" anchor="b">
+                    <a:lnR w="12700" cap="flat" cmpd="sng" algn="ctr">
+                      <a:solidFill>
+                        <a:schemeClr val="tx1"/>
+                      </a:solidFill>
+                      <a:prstDash val="solid"/>
+                      <a:round/>
+                      <a:headEnd type="none" w="med" len="med"/>
+                      <a:tailEnd type="none" w="med" len="med"/>
+                    </a:lnR>
+                  </a:tcPr>
+                </a:tc>
+                <a:tc>
+                  <a:txBody>
+                    <a:bodyPr/>
+                    <a:lstStyle/>
+                    <a:p>
+                      <a:pPr algn="ctr" fontAlgn="b"/>
+                      <a:r>
                         <a:rPr lang="en-US" sz="1400" u="none" strike="noStrike">
                           <a:effectLst/>
                         </a:rPr>
@@ -12318,7 +13850,17 @@
                       </a:endParaRPr>
                     </a:p>
                   </a:txBody>
-                  <a:tcPr marL="9525" marR="9525" marT="9525" marB="0" anchor="b"/>
+                  <a:tcPr marL="9525" marR="9525" marT="9525" marB="0" anchor="b">
+                    <a:lnL w="12700" cap="flat" cmpd="sng" algn="ctr">
+                      <a:solidFill>
+                        <a:schemeClr val="tx1"/>
+                      </a:solidFill>
+                      <a:prstDash val="solid"/>
+                      <a:round/>
+                      <a:headEnd type="none" w="med" len="med"/>
+                      <a:tailEnd type="none" w="med" len="med"/>
+                    </a:lnL>
+                  </a:tcPr>
                 </a:tc>
                 <a:tc>
                   <a:txBody>
@@ -12425,7 +13967,7 @@
                     <a:lstStyle/>
                     <a:p>
                       <a:pPr algn="ctr" fontAlgn="b"/>
-                      <a:endParaRPr lang="en-US" sz="1400" b="0" i="0" u="none" strike="noStrike">
+                      <a:endParaRPr lang="en-US" sz="1400" b="0" i="0" u="none" strike="noStrike" dirty="0">
                         <a:solidFill>
                           <a:srgbClr val="000000"/>
                         </a:solidFill>
@@ -12442,7 +13984,7 @@
                   </a:ext>
                 </a:extLst>
               </a:tr>
-              <a:tr h="232177">
+              <a:tr h="251717">
                 <a:tc>
                   <a:txBody>
                     <a:bodyPr/>
@@ -12496,6 +14038,39 @@
                     <a:p>
                       <a:pPr algn="ctr" fontAlgn="b"/>
                       <a:r>
+                        <a:rPr lang="en-US" sz="1200" u="none" strike="noStrike" dirty="0">
+                          <a:effectLst/>
+                        </a:rPr>
+                        <a:t>157</a:t>
+                      </a:r>
+                      <a:endParaRPr lang="en-US" sz="1200" b="0" i="0" u="none" strike="noStrike" dirty="0">
+                        <a:solidFill>
+                          <a:srgbClr val="000000"/>
+                        </a:solidFill>
+                        <a:effectLst/>
+                        <a:latin typeface="Calibri" panose="020F0502020204030204" pitchFamily="34" charset="0"/>
+                      </a:endParaRPr>
+                    </a:p>
+                  </a:txBody>
+                  <a:tcPr marL="9525" marR="9525" marT="9525" marB="0" anchor="b">
+                    <a:lnR w="12700" cap="flat" cmpd="sng" algn="ctr">
+                      <a:solidFill>
+                        <a:schemeClr val="tx1"/>
+                      </a:solidFill>
+                      <a:prstDash val="solid"/>
+                      <a:round/>
+                      <a:headEnd type="none" w="med" len="med"/>
+                      <a:tailEnd type="none" w="med" len="med"/>
+                    </a:lnR>
+                  </a:tcPr>
+                </a:tc>
+                <a:tc>
+                  <a:txBody>
+                    <a:bodyPr/>
+                    <a:lstStyle/>
+                    <a:p>
+                      <a:pPr algn="ctr" fontAlgn="b"/>
+                      <a:r>
                         <a:rPr lang="en-US" sz="1400" u="none" strike="noStrike" dirty="0">
                           <a:solidFill>
                             <a:srgbClr val="FF0000"/>
@@ -12513,7 +14088,17 @@
                       </a:endParaRPr>
                     </a:p>
                   </a:txBody>
-                  <a:tcPr marL="9525" marR="9525" marT="9525" marB="0" anchor="b"/>
+                  <a:tcPr marL="9525" marR="9525" marT="9525" marB="0" anchor="b">
+                    <a:lnL w="12700" cap="flat" cmpd="sng" algn="ctr">
+                      <a:solidFill>
+                        <a:schemeClr val="tx1"/>
+                      </a:solidFill>
+                      <a:prstDash val="solid"/>
+                      <a:round/>
+                      <a:headEnd type="none" w="med" len="med"/>
+                      <a:tailEnd type="none" w="med" len="med"/>
+                    </a:lnL>
+                  </a:tcPr>
                 </a:tc>
                 <a:tc>
                   <a:txBody>
@@ -12589,7 +14174,7 @@
                   </a:ext>
                 </a:extLst>
               </a:tr>
-              <a:tr h="232177">
+              <a:tr h="251717">
                 <a:tc>
                   <a:txBody>
                     <a:bodyPr/>
@@ -12643,6 +14228,39 @@
                     <a:p>
                       <a:pPr algn="ctr" fontAlgn="b"/>
                       <a:r>
+                        <a:rPr lang="en-US" sz="1200" u="none" strike="noStrike" dirty="0">
+                          <a:effectLst/>
+                        </a:rPr>
+                        <a:t>164</a:t>
+                      </a:r>
+                      <a:endParaRPr lang="en-US" sz="1200" b="0" i="0" u="none" strike="noStrike" dirty="0">
+                        <a:solidFill>
+                          <a:srgbClr val="000000"/>
+                        </a:solidFill>
+                        <a:effectLst/>
+                        <a:latin typeface="Calibri" panose="020F0502020204030204" pitchFamily="34" charset="0"/>
+                      </a:endParaRPr>
+                    </a:p>
+                  </a:txBody>
+                  <a:tcPr marL="9525" marR="9525" marT="9525" marB="0" anchor="b">
+                    <a:lnR w="12700" cap="flat" cmpd="sng" algn="ctr">
+                      <a:solidFill>
+                        <a:schemeClr val="tx1"/>
+                      </a:solidFill>
+                      <a:prstDash val="solid"/>
+                      <a:round/>
+                      <a:headEnd type="none" w="med" len="med"/>
+                      <a:tailEnd type="none" w="med" len="med"/>
+                    </a:lnR>
+                  </a:tcPr>
+                </a:tc>
+                <a:tc>
+                  <a:txBody>
+                    <a:bodyPr/>
+                    <a:lstStyle/>
+                    <a:p>
+                      <a:pPr algn="ctr" fontAlgn="b"/>
+                      <a:r>
                         <a:rPr lang="en-US" sz="1400" u="none" strike="noStrike">
                           <a:effectLst/>
                         </a:rPr>
@@ -12657,7 +14275,17 @@
                       </a:endParaRPr>
                     </a:p>
                   </a:txBody>
-                  <a:tcPr marL="9525" marR="9525" marT="9525" marB="0" anchor="b"/>
+                  <a:tcPr marL="9525" marR="9525" marT="9525" marB="0" anchor="b">
+                    <a:lnL w="12700" cap="flat" cmpd="sng" algn="ctr">
+                      <a:solidFill>
+                        <a:schemeClr val="tx1"/>
+                      </a:solidFill>
+                      <a:prstDash val="solid"/>
+                      <a:round/>
+                      <a:headEnd type="none" w="med" len="med"/>
+                      <a:tailEnd type="none" w="med" len="med"/>
+                    </a:lnL>
+                  </a:tcPr>
                 </a:tc>
                 <a:tc>
                   <a:txBody>
@@ -12742,7 +14370,7 @@
                   </a:ext>
                 </a:extLst>
               </a:tr>
-              <a:tr h="232177">
+              <a:tr h="251717">
                 <a:tc>
                   <a:txBody>
                     <a:bodyPr/>
@@ -12796,6 +14424,39 @@
                     <a:p>
                       <a:pPr algn="ctr" fontAlgn="b"/>
                       <a:r>
+                        <a:rPr lang="en-US" sz="1200" u="none" strike="noStrike" dirty="0">
+                          <a:effectLst/>
+                        </a:rPr>
+                        <a:t>165</a:t>
+                      </a:r>
+                      <a:endParaRPr lang="en-US" sz="1200" b="0" i="0" u="none" strike="noStrike" dirty="0">
+                        <a:solidFill>
+                          <a:srgbClr val="000000"/>
+                        </a:solidFill>
+                        <a:effectLst/>
+                        <a:latin typeface="Calibri" panose="020F0502020204030204" pitchFamily="34" charset="0"/>
+                      </a:endParaRPr>
+                    </a:p>
+                  </a:txBody>
+                  <a:tcPr marL="9525" marR="9525" marT="9525" marB="0" anchor="b">
+                    <a:lnR w="12700" cap="flat" cmpd="sng" algn="ctr">
+                      <a:solidFill>
+                        <a:schemeClr val="tx1"/>
+                      </a:solidFill>
+                      <a:prstDash val="solid"/>
+                      <a:round/>
+                      <a:headEnd type="none" w="med" len="med"/>
+                      <a:tailEnd type="none" w="med" len="med"/>
+                    </a:lnR>
+                  </a:tcPr>
+                </a:tc>
+                <a:tc>
+                  <a:txBody>
+                    <a:bodyPr/>
+                    <a:lstStyle/>
+                    <a:p>
+                      <a:pPr algn="ctr" fontAlgn="b"/>
+                      <a:r>
                         <a:rPr lang="en-US" sz="1400" u="none" strike="noStrike">
                           <a:effectLst/>
                         </a:rPr>
@@ -12810,7 +14471,17 @@
                       </a:endParaRPr>
                     </a:p>
                   </a:txBody>
-                  <a:tcPr marL="9525" marR="9525" marT="9525" marB="0" anchor="b"/>
+                  <a:tcPr marL="9525" marR="9525" marT="9525" marB="0" anchor="b">
+                    <a:lnL w="12700" cap="flat" cmpd="sng" algn="ctr">
+                      <a:solidFill>
+                        <a:schemeClr val="tx1"/>
+                      </a:solidFill>
+                      <a:prstDash val="solid"/>
+                      <a:round/>
+                      <a:headEnd type="none" w="med" len="med"/>
+                      <a:tailEnd type="none" w="med" len="med"/>
+                    </a:lnL>
+                  </a:tcPr>
                 </a:tc>
                 <a:tc>
                   <a:txBody>
@@ -12910,7 +14581,7 @@
                   </a:ext>
                 </a:extLst>
               </a:tr>
-              <a:tr h="252971">
+              <a:tr h="274261">
                 <a:tc>
                   <a:txBody>
                     <a:bodyPr/>
@@ -12964,6 +14635,39 @@
                     <a:p>
                       <a:pPr algn="ctr" fontAlgn="b"/>
                       <a:r>
+                        <a:rPr lang="en-US" sz="1200" u="none" strike="noStrike" dirty="0">
+                          <a:effectLst/>
+                        </a:rPr>
+                        <a:t>168</a:t>
+                      </a:r>
+                      <a:endParaRPr lang="en-US" sz="1200" b="0" i="0" u="none" strike="noStrike" dirty="0">
+                        <a:solidFill>
+                          <a:srgbClr val="000000"/>
+                        </a:solidFill>
+                        <a:effectLst/>
+                        <a:latin typeface="Calibri" panose="020F0502020204030204" pitchFamily="34" charset="0"/>
+                      </a:endParaRPr>
+                    </a:p>
+                  </a:txBody>
+                  <a:tcPr marL="9525" marR="9525" marT="9525" marB="0" anchor="b">
+                    <a:lnR w="12700" cap="flat" cmpd="sng" algn="ctr">
+                      <a:solidFill>
+                        <a:schemeClr val="tx1"/>
+                      </a:solidFill>
+                      <a:prstDash val="solid"/>
+                      <a:round/>
+                      <a:headEnd type="none" w="med" len="med"/>
+                      <a:tailEnd type="none" w="med" len="med"/>
+                    </a:lnR>
+                  </a:tcPr>
+                </a:tc>
+                <a:tc>
+                  <a:txBody>
+                    <a:bodyPr/>
+                    <a:lstStyle/>
+                    <a:p>
+                      <a:pPr algn="ctr" fontAlgn="b"/>
+                      <a:r>
                         <a:rPr lang="en-US" sz="1400" u="none" strike="noStrike">
                           <a:effectLst/>
                         </a:rPr>
@@ -12978,7 +14682,17 @@
                       </a:endParaRPr>
                     </a:p>
                   </a:txBody>
-                  <a:tcPr marL="9525" marR="9525" marT="9525" marB="0" anchor="b"/>
+                  <a:tcPr marL="9525" marR="9525" marT="9525" marB="0" anchor="b">
+                    <a:lnL w="12700" cap="flat" cmpd="sng" algn="ctr">
+                      <a:solidFill>
+                        <a:schemeClr val="tx1"/>
+                      </a:solidFill>
+                      <a:prstDash val="solid"/>
+                      <a:round/>
+                      <a:headEnd type="none" w="med" len="med"/>
+                      <a:tailEnd type="none" w="med" len="med"/>
+                    </a:lnL>
+                  </a:tcPr>
                 </a:tc>
                 <a:tc>
                   <a:txBody>
@@ -13093,7 +14807,7 @@
                   </a:ext>
                 </a:extLst>
               </a:tr>
-              <a:tr h="232177">
+              <a:tr h="251717">
                 <a:tc>
                   <a:txBody>
                     <a:bodyPr/>
@@ -13124,12 +14838,12 @@
                     <a:p>
                       <a:pPr algn="l" fontAlgn="b"/>
                       <a:r>
-                        <a:rPr lang="en-US" sz="1200" u="none" strike="noStrike" dirty="0">
+                        <a:rPr lang="en-US" sz="1200" u="none" strike="noStrike">
                           <a:effectLst/>
                         </a:rPr>
                         <a:t>(UN)SATISFIABLE</a:t>
                       </a:r>
-                      <a:endParaRPr lang="en-US" sz="1200" b="0" i="0" u="none" strike="noStrike" dirty="0">
+                      <a:endParaRPr lang="en-US" sz="1200" b="0" i="0" u="none" strike="noStrike">
                         <a:solidFill>
                           <a:srgbClr val="000000"/>
                         </a:solidFill>
@@ -13147,12 +14861,12 @@
                     <a:p>
                       <a:pPr algn="ctr" fontAlgn="b"/>
                       <a:r>
-                        <a:rPr lang="en-US" sz="1400" u="none" strike="noStrike" dirty="0">
+                        <a:rPr lang="en-US" sz="1200" u="none" strike="noStrike" dirty="0">
                           <a:effectLst/>
                         </a:rPr>
-                        <a:t> </a:t>
+                        <a:t>170</a:t>
                       </a:r>
-                      <a:endParaRPr lang="en-US" sz="1400" b="0" i="0" u="none" strike="noStrike" dirty="0">
+                      <a:endParaRPr lang="en-US" sz="1200" b="0" i="0" u="none" strike="noStrike" dirty="0">
                         <a:solidFill>
                           <a:srgbClr val="000000"/>
                         </a:solidFill>
@@ -13161,7 +14875,50 @@
                       </a:endParaRPr>
                     </a:p>
                   </a:txBody>
-                  <a:tcPr marL="9525" marR="9525" marT="9525" marB="0" anchor="b"/>
+                  <a:tcPr marL="9525" marR="9525" marT="9525" marB="0" anchor="b">
+                    <a:lnR w="12700" cap="flat" cmpd="sng" algn="ctr">
+                      <a:solidFill>
+                        <a:schemeClr val="tx1"/>
+                      </a:solidFill>
+                      <a:prstDash val="solid"/>
+                      <a:round/>
+                      <a:headEnd type="none" w="med" len="med"/>
+                      <a:tailEnd type="none" w="med" len="med"/>
+                    </a:lnR>
+                  </a:tcPr>
+                </a:tc>
+                <a:tc>
+                  <a:txBody>
+                    <a:bodyPr/>
+                    <a:lstStyle/>
+                    <a:p>
+                      <a:pPr algn="ctr" fontAlgn="b"/>
+                      <a:r>
+                        <a:rPr lang="en-US" sz="1400" u="none" strike="noStrike">
+                          <a:effectLst/>
+                        </a:rPr>
+                        <a:t> </a:t>
+                      </a:r>
+                      <a:endParaRPr lang="en-US" sz="1400" b="0" i="0" u="none" strike="noStrike">
+                        <a:solidFill>
+                          <a:srgbClr val="000000"/>
+                        </a:solidFill>
+                        <a:effectLst/>
+                        <a:latin typeface="Calibri" panose="020F0502020204030204" pitchFamily="34" charset="0"/>
+                      </a:endParaRPr>
+                    </a:p>
+                  </a:txBody>
+                  <a:tcPr marL="9525" marR="9525" marT="9525" marB="0" anchor="b">
+                    <a:lnL w="12700" cap="flat" cmpd="sng" algn="ctr">
+                      <a:solidFill>
+                        <a:schemeClr val="tx1"/>
+                      </a:solidFill>
+                      <a:prstDash val="solid"/>
+                      <a:round/>
+                      <a:headEnd type="none" w="med" len="med"/>
+                      <a:tailEnd type="none" w="med" len="med"/>
+                    </a:lnL>
+                  </a:tcPr>
                 </a:tc>
                 <a:tc>
                   <a:txBody>
@@ -13291,87 +15048,10 @@
       </p:graphicFrame>
       <p:sp>
         <p:nvSpPr>
-          <p:cNvPr id="226" name="Line">
+          <p:cNvPr id="21" name="TextBox 20">
             <a:extLst>
               <a:ext uri="{FF2B5EF4-FFF2-40B4-BE49-F238E27FC236}">
-                <a16:creationId xmlns:a16="http://schemas.microsoft.com/office/drawing/2014/main" id="{5C1530A3-8890-AB57-B441-ADCDD75C52F0}"/>
-              </a:ext>
-            </a:extLst>
-          </p:cNvPr>
-          <p:cNvSpPr/>
-          <p:nvPr/>
-        </p:nvSpPr>
-        <p:spPr>
-          <a:xfrm>
-            <a:off x="-78885" y="26260566"/>
-            <a:ext cx="21383631" cy="3"/>
-          </a:xfrm>
-          <a:prstGeom prst="line">
-            <a:avLst/>
-          </a:prstGeom>
-          <a:ln w="25400">
-            <a:solidFill>
-              <a:schemeClr val="accent1"/>
-            </a:solidFill>
-          </a:ln>
-          <a:effectLst>
-            <a:outerShdw blurRad="38100" dist="20000" dir="5400000" rotWithShape="0">
-              <a:srgbClr val="000000">
-                <a:alpha val="38000"/>
-              </a:srgbClr>
-            </a:outerShdw>
-          </a:effectLst>
-        </p:spPr>
-        <p:txBody>
-          <a:bodyPr lIns="129377" rIns="129377"/>
-          <a:lstStyle/>
-          <a:p>
-            <a:endParaRPr lang="en-US" sz="12825"/>
-          </a:p>
-        </p:txBody>
-      </p:sp>
-      <p:pic>
-        <p:nvPicPr>
-          <p:cNvPr id="229" name="Picture 228">
-            <a:extLst>
-              <a:ext uri="{FF2B5EF4-FFF2-40B4-BE49-F238E27FC236}">
-                <a16:creationId xmlns:a16="http://schemas.microsoft.com/office/drawing/2014/main" id="{DFAEB716-D2C7-9EF6-86F0-EA2C53A9B6C6}"/>
-              </a:ext>
-            </a:extLst>
-          </p:cNvPr>
-          <p:cNvPicPr>
-            <a:picLocks noChangeAspect="1"/>
-          </p:cNvPicPr>
-          <p:nvPr/>
-        </p:nvPicPr>
-        <p:blipFill>
-          <a:blip r:embed="rId7" cstate="print">
-            <a:extLst>
-              <a:ext uri="{28A0092B-C50C-407E-A947-70E740481C1C}">
-                <a14:useLocalDpi xmlns:a14="http://schemas.microsoft.com/office/drawing/2010/main" val="0"/>
-              </a:ext>
-            </a:extLst>
-          </a:blip>
-          <a:stretch>
-            <a:fillRect/>
-          </a:stretch>
-        </p:blipFill>
-        <p:spPr>
-          <a:xfrm>
-            <a:off x="20833572" y="29750720"/>
-            <a:ext cx="645307" cy="645307"/>
-          </a:xfrm>
-          <a:prstGeom prst="rect">
-            <a:avLst/>
-          </a:prstGeom>
-        </p:spPr>
-      </p:pic>
-      <p:sp>
-        <p:nvSpPr>
-          <p:cNvPr id="231" name="TextBox 230">
-            <a:extLst>
-              <a:ext uri="{FF2B5EF4-FFF2-40B4-BE49-F238E27FC236}">
-                <a16:creationId xmlns:a16="http://schemas.microsoft.com/office/drawing/2014/main" id="{377A16EA-ED4A-2611-C422-4AEBA56B73EF}"/>
+                <a16:creationId xmlns:a16="http://schemas.microsoft.com/office/drawing/2014/main" id="{889CBE6E-3389-8233-01A8-A4941F67D0B9}"/>
               </a:ext>
             </a:extLst>
           </p:cNvPr>
@@ -13380,8 +15060,8 @@
         </p:nvSpPr>
         <p:spPr>
           <a:xfrm>
-            <a:off x="504627" y="26554923"/>
-            <a:ext cx="9944365" cy="3600984"/>
+            <a:off x="7812098" y="16845089"/>
+            <a:ext cx="501422" cy="338552"/>
           </a:xfrm>
           <a:prstGeom prst="rect">
             <a:avLst/>
@@ -13429,12 +15109,12 @@
               <a:tabLst/>
             </a:pPr>
             <a:r>
-              <a:rPr kumimoji="0" lang="en-US" sz="2800" b="0" i="0" u="none" strike="noStrike" cap="none" spc="0" normalizeH="0" baseline="0" dirty="0">
+              <a:rPr kumimoji="0" lang="en-GB" sz="1600" b="0" i="0" u="none" strike="noStrike" cap="none" spc="0" normalizeH="0" baseline="0" dirty="0">
                 <a:ln>
                   <a:noFill/>
                 </a:ln>
                 <a:solidFill>
-                  <a:srgbClr val="000000"/>
+                  <a:srgbClr val="3C3C3B"/>
                 </a:solidFill>
                 <a:effectLst/>
                 <a:uFillTx/>
@@ -13442,524 +15122,9 @@
                 <a:cs typeface="Arial" panose="020B0604020202020204" pitchFamily="34" charset="0"/>
                 <a:sym typeface="Gill Sans Nova"/>
               </a:rPr>
-              <a:t>Acknowledgements</a:t>
-            </a:r>
-            <a:endParaRPr kumimoji="0" lang="en-US" sz="2000" b="0" i="0" u="none" strike="noStrike" cap="none" spc="0" normalizeH="0" baseline="0" dirty="0">
-              <a:ln>
-                <a:noFill/>
-              </a:ln>
-              <a:solidFill>
-                <a:srgbClr val="000000"/>
-              </a:solidFill>
-              <a:effectLst/>
-              <a:uFillTx/>
-              <a:latin typeface="Arial" panose="020B0604020202020204" pitchFamily="34" charset="0"/>
-              <a:cs typeface="Arial" panose="020B0604020202020204" pitchFamily="34" charset="0"/>
-              <a:sym typeface="Gill Sans Nova"/>
-            </a:endParaRPr>
-          </a:p>
-          <a:p>
-            <a:pPr marL="0" marR="0" indent="0" algn="l" defTabSz="411480" rtl="0" fontAlgn="auto" latinLnBrk="0" hangingPunct="0">
-              <a:lnSpc>
-                <a:spcPct val="100000"/>
-              </a:lnSpc>
-              <a:spcBef>
-                <a:spcPts val="0"/>
-              </a:spcBef>
-              <a:spcAft>
-                <a:spcPts val="0"/>
-              </a:spcAft>
-              <a:buClrTx/>
-              <a:buSzTx/>
-              <a:buFontTx/>
-              <a:buNone/>
-              <a:tabLst/>
-            </a:pPr>
-            <a:endParaRPr lang="en-GB" sz="2000" dirty="0">
-              <a:solidFill>
-                <a:srgbClr val="000000"/>
-              </a:solidFill>
-              <a:effectLst/>
-              <a:latin typeface="Arial" panose="020B0604020202020204" pitchFamily="34" charset="0"/>
-              <a:cs typeface="Arial" panose="020B0604020202020204" pitchFamily="34" charset="0"/>
-            </a:endParaRPr>
-          </a:p>
-          <a:p>
-            <a:pPr marL="0" marR="0" indent="0" algn="l" defTabSz="411480" rtl="0" fontAlgn="auto" latinLnBrk="0" hangingPunct="0">
-              <a:lnSpc>
-                <a:spcPct val="100000"/>
-              </a:lnSpc>
-              <a:spcBef>
-                <a:spcPts val="0"/>
-              </a:spcBef>
-              <a:spcAft>
-                <a:spcPts val="0"/>
-              </a:spcAft>
-              <a:buClrTx/>
-              <a:buSzTx/>
-              <a:buFontTx/>
-              <a:buNone/>
-              <a:tabLst/>
-            </a:pPr>
-            <a:r>
-              <a:rPr lang="en-GB" sz="2000" dirty="0">
-                <a:effectLst/>
-                <a:latin typeface="Arial" panose="020B0604020202020204" pitchFamily="34" charset="0"/>
-              </a:rPr>
-              <a:t>	Firstly, I would like to thank professor dr. Tias Guns for the guidance and the</a:t>
-            </a:r>
-            <a:br>
-              <a:rPr lang="en-GB" sz="2000" dirty="0"/>
-            </a:br>
-            <a:r>
-              <a:rPr lang="en-GB" sz="2000" dirty="0"/>
-              <a:t>	</a:t>
-            </a:r>
-            <a:r>
-              <a:rPr lang="en-GB" sz="2000" dirty="0">
-                <a:effectLst/>
-                <a:latin typeface="Arial" panose="020B0604020202020204" pitchFamily="34" charset="0"/>
-              </a:rPr>
-              <a:t>proposal of this fascinating topic, ir. Ignace Bleukx for answering many questions,</a:t>
-            </a:r>
-            <a:br>
-              <a:rPr lang="en-GB" sz="2000" dirty="0"/>
-            </a:br>
-            <a:r>
-              <a:rPr lang="en-GB" sz="2000" dirty="0"/>
-              <a:t>	</a:t>
-            </a:r>
-            <a:r>
-              <a:rPr lang="en-GB" sz="2000" dirty="0">
-                <a:effectLst/>
-                <a:latin typeface="Arial" panose="020B0604020202020204" pitchFamily="34" charset="0"/>
-              </a:rPr>
-              <a:t>intensive thesis meetings, proofreading and the cleverness for coming up with the</a:t>
-            </a:r>
-            <a:br>
-              <a:rPr lang="en-GB" sz="2000" dirty="0"/>
-            </a:br>
-            <a:r>
-              <a:rPr lang="en-GB" sz="2000" dirty="0"/>
-              <a:t>	</a:t>
-            </a:r>
-            <a:r>
-              <a:rPr lang="en-GB" sz="2000" dirty="0">
-                <a:effectLst/>
-                <a:latin typeface="Arial" panose="020B0604020202020204" pitchFamily="34" charset="0"/>
-              </a:rPr>
-              <a:t>name of CTORM, dr. ir. Jo Devriendt for finding bugs within our bug finder, the</a:t>
-            </a:r>
-            <a:br>
-              <a:rPr lang="en-GB" sz="2000" dirty="0"/>
-            </a:br>
-            <a:r>
-              <a:rPr lang="en-GB" sz="2000" dirty="0"/>
-              <a:t>	</a:t>
-            </a:r>
-            <a:r>
-              <a:rPr lang="en-GB" sz="2000" dirty="0">
-                <a:effectLst/>
-                <a:latin typeface="Arial" panose="020B0604020202020204" pitchFamily="34" charset="0"/>
-              </a:rPr>
-              <a:t>rest of the CPMpy-team, Hakan Kjellerstrand for publishing a significant number of</a:t>
-            </a:r>
-            <a:br>
-              <a:rPr lang="en-GB" sz="2000" dirty="0"/>
-            </a:br>
-            <a:r>
-              <a:rPr lang="en-GB" sz="2000" dirty="0"/>
-              <a:t>	</a:t>
-            </a:r>
-            <a:r>
-              <a:rPr lang="en-GB" sz="2000" dirty="0">
-                <a:effectLst/>
-                <a:latin typeface="Arial" panose="020B0604020202020204" pitchFamily="34" charset="0"/>
-              </a:rPr>
-              <a:t>examples which we used as seeds, friends for proofreading even all the way back 	from industrial engineering on campus De </a:t>
-            </a:r>
-            <a:r>
-              <a:rPr lang="en-GB" sz="2000" dirty="0" err="1">
-                <a:effectLst/>
-                <a:latin typeface="Arial" panose="020B0604020202020204" pitchFamily="34" charset="0"/>
-              </a:rPr>
-              <a:t>Nayer</a:t>
-            </a:r>
-            <a:r>
-              <a:rPr lang="en-GB" sz="2000" dirty="0">
-                <a:effectLst/>
-                <a:latin typeface="Arial" panose="020B0604020202020204" pitchFamily="34" charset="0"/>
-              </a:rPr>
-              <a:t> like ing. Simon </a:t>
-            </a:r>
-            <a:r>
-              <a:rPr lang="en-GB" sz="2000" dirty="0" err="1">
-                <a:effectLst/>
-                <a:latin typeface="Arial" panose="020B0604020202020204" pitchFamily="34" charset="0"/>
-              </a:rPr>
-              <a:t>Vandevelde</a:t>
-            </a:r>
-            <a:r>
-              <a:rPr lang="en-GB" sz="2000" dirty="0">
-                <a:effectLst/>
-                <a:latin typeface="Arial" panose="020B0604020202020204" pitchFamily="34" charset="0"/>
-              </a:rPr>
-              <a:t>. 	Finally, I would like to thank my family for the support during my further studies.</a:t>
-            </a:r>
-          </a:p>
-          <a:p>
-            <a:pPr marL="0" marR="0" indent="0" algn="r" defTabSz="411480" rtl="0" fontAlgn="auto" latinLnBrk="0" hangingPunct="0">
-              <a:lnSpc>
-                <a:spcPct val="100000"/>
-              </a:lnSpc>
-              <a:spcBef>
-                <a:spcPts val="0"/>
-              </a:spcBef>
-              <a:spcAft>
-                <a:spcPts val="0"/>
-              </a:spcAft>
-              <a:buClrTx/>
-              <a:buSzTx/>
-              <a:buFontTx/>
-              <a:buNone/>
-              <a:tabLst/>
-            </a:pPr>
-            <a:r>
-              <a:rPr lang="en-GB" sz="2000" i="1" dirty="0">
-                <a:solidFill>
-                  <a:srgbClr val="000000"/>
-                </a:solidFill>
-                <a:latin typeface="Arial" panose="020B0604020202020204" pitchFamily="34" charset="0"/>
-                <a:cs typeface="Arial" panose="020B0604020202020204" pitchFamily="34" charset="0"/>
-              </a:rPr>
-              <a:t>- Ruben Kindt</a:t>
-            </a:r>
-            <a:endParaRPr lang="en-GB" sz="2000" i="1" dirty="0">
-              <a:solidFill>
-                <a:srgbClr val="000000"/>
-              </a:solidFill>
-              <a:effectLst/>
-              <a:latin typeface="Arial" panose="020B0604020202020204" pitchFamily="34" charset="0"/>
-              <a:cs typeface="Arial" panose="020B0604020202020204" pitchFamily="34" charset="0"/>
-            </a:endParaRPr>
-          </a:p>
-        </p:txBody>
-      </p:sp>
-      <p:sp>
-        <p:nvSpPr>
-          <p:cNvPr id="232" name="TextBox 231">
-            <a:extLst>
-              <a:ext uri="{FF2B5EF4-FFF2-40B4-BE49-F238E27FC236}">
-                <a16:creationId xmlns:a16="http://schemas.microsoft.com/office/drawing/2014/main" id="{0258F6E3-DB83-22F3-8645-D87DCCAFA604}"/>
-              </a:ext>
-            </a:extLst>
-          </p:cNvPr>
-          <p:cNvSpPr txBox="1"/>
-          <p:nvPr/>
-        </p:nvSpPr>
-        <p:spPr>
-          <a:xfrm>
-            <a:off x="10765646" y="26595688"/>
-            <a:ext cx="10396579" cy="3293207"/>
-          </a:xfrm>
-          <a:prstGeom prst="rect">
-            <a:avLst/>
-          </a:prstGeom>
-          <a:noFill/>
-          <a:ln w="12700" cap="flat">
-            <a:noFill/>
-            <a:miter lim="400000"/>
-          </a:ln>
-          <a:effectLst/>
-          <a:sp3d/>
-        </p:spPr>
-        <p:style>
-          <a:lnRef idx="0">
-            <a:scrgbClr r="0" g="0" b="0"/>
-          </a:lnRef>
-          <a:fillRef idx="0">
-            <a:scrgbClr r="0" g="0" b="0"/>
-          </a:fillRef>
-          <a:effectRef idx="0">
-            <a:scrgbClr r="0" g="0" b="0"/>
-          </a:effectRef>
-          <a:fontRef idx="none"/>
-        </p:style>
-        <p:txBody>
-          <a:bodyPr rot="0" spcFirstLastPara="1" vertOverflow="overflow" horzOverflow="overflow" vert="horz" wrap="square" lIns="45719" tIns="45719" rIns="45719" bIns="45719" numCol="1" spcCol="38100" rtlCol="0" anchor="t">
-            <a:spAutoFit/>
-          </a:bodyPr>
-          <a:lstStyle/>
-          <a:p>
-            <a:pPr marL="0" marR="0" indent="0" algn="l" defTabSz="411480" rtl="0" fontAlgn="auto" latinLnBrk="0" hangingPunct="0">
-              <a:lnSpc>
-                <a:spcPct val="100000"/>
-              </a:lnSpc>
-              <a:spcBef>
-                <a:spcPts val="0"/>
-              </a:spcBef>
-              <a:spcAft>
-                <a:spcPts val="0"/>
-              </a:spcAft>
-              <a:buClrTx/>
-              <a:buSzTx/>
-              <a:buFontTx/>
-              <a:buNone/>
-              <a:tabLst/>
-            </a:pPr>
-            <a:r>
-              <a:rPr kumimoji="0" lang="en-US" sz="2800" b="0" i="0" u="none" strike="noStrike" cap="none" spc="0" normalizeH="0" baseline="0" dirty="0">
-                <a:ln>
-                  <a:noFill/>
-                </a:ln>
-                <a:solidFill>
-                  <a:srgbClr val="000000"/>
-                </a:solidFill>
-                <a:effectLst/>
-                <a:uFillTx/>
-                <a:latin typeface="Arial" panose="020B0604020202020204" pitchFamily="34" charset="0"/>
-                <a:cs typeface="Arial" panose="020B0604020202020204" pitchFamily="34" charset="0"/>
-                <a:sym typeface="Gill Sans Nova"/>
-              </a:rPr>
-              <a:t>References</a:t>
-            </a:r>
-            <a:endParaRPr kumimoji="0" lang="en-US" sz="2000" b="0" i="0" u="none" strike="noStrike" cap="none" spc="0" normalizeH="0" baseline="0" dirty="0">
-              <a:ln>
-                <a:noFill/>
-              </a:ln>
-              <a:solidFill>
-                <a:srgbClr val="000000"/>
-              </a:solidFill>
-              <a:effectLst/>
-              <a:uFillTx/>
-              <a:latin typeface="Arial" panose="020B0604020202020204" pitchFamily="34" charset="0"/>
-              <a:cs typeface="Arial" panose="020B0604020202020204" pitchFamily="34" charset="0"/>
-              <a:sym typeface="Gill Sans Nova"/>
-            </a:endParaRPr>
-          </a:p>
-          <a:p>
-            <a:pPr marL="0" marR="0" indent="0" algn="l" defTabSz="411480" rtl="0" fontAlgn="auto" latinLnBrk="0" hangingPunct="0">
-              <a:lnSpc>
-                <a:spcPct val="100000"/>
-              </a:lnSpc>
-              <a:spcBef>
-                <a:spcPts val="0"/>
-              </a:spcBef>
-              <a:spcAft>
-                <a:spcPts val="0"/>
-              </a:spcAft>
-              <a:buClrTx/>
-              <a:buSzTx/>
-              <a:buFontTx/>
-              <a:buNone/>
-              <a:tabLst/>
-            </a:pPr>
-            <a:endParaRPr kumimoji="0" lang="en-US" sz="2000" b="0" i="0" u="none" strike="noStrike" cap="none" spc="0" normalizeH="0" baseline="0" dirty="0">
-              <a:ln>
-                <a:noFill/>
-              </a:ln>
-              <a:solidFill>
-                <a:srgbClr val="000000"/>
-              </a:solidFill>
-              <a:effectLst/>
-              <a:uFillTx/>
-              <a:latin typeface="Arial" panose="020B0604020202020204" pitchFamily="34" charset="0"/>
-              <a:cs typeface="Arial" panose="020B0604020202020204" pitchFamily="34" charset="0"/>
-              <a:sym typeface="Gill Sans Nova"/>
-            </a:endParaRPr>
-          </a:p>
-          <a:p>
-            <a:pPr marL="0" marR="0" indent="0" algn="l" defTabSz="411480" rtl="0" fontAlgn="auto" latinLnBrk="0" hangingPunct="0">
-              <a:lnSpc>
-                <a:spcPct val="100000"/>
-              </a:lnSpc>
-              <a:spcBef>
-                <a:spcPts val="0"/>
-              </a:spcBef>
-              <a:spcAft>
-                <a:spcPts val="0"/>
-              </a:spcAft>
-              <a:buClrTx/>
-              <a:buSzTx/>
-              <a:buFontTx/>
-              <a:buNone/>
-              <a:tabLst/>
-            </a:pPr>
-            <a:r>
-              <a:rPr kumimoji="0" lang="en-US" sz="1600" b="0" i="0" u="none" strike="noStrike" cap="none" spc="0" normalizeH="0" baseline="0" dirty="0">
-                <a:ln>
-                  <a:noFill/>
-                </a:ln>
-                <a:solidFill>
-                  <a:srgbClr val="000000"/>
-                </a:solidFill>
-                <a:effectLst/>
-                <a:uFillTx/>
-                <a:latin typeface="Arial" panose="020B0604020202020204" pitchFamily="34" charset="0"/>
-                <a:cs typeface="Arial" panose="020B0604020202020204" pitchFamily="34" charset="0"/>
-                <a:sym typeface="Gill Sans Nova"/>
-              </a:rPr>
-              <a:t>	</a:t>
-            </a:r>
-            <a:r>
-              <a:rPr kumimoji="0" lang="en-US" sz="2000" b="0" i="0" u="none" strike="noStrike" cap="none" spc="0" normalizeH="0" baseline="0" dirty="0">
-                <a:ln>
-                  <a:noFill/>
-                </a:ln>
-                <a:solidFill>
-                  <a:srgbClr val="000000"/>
-                </a:solidFill>
-                <a:effectLst/>
-                <a:uFillTx/>
-                <a:latin typeface="Arial" panose="020B0604020202020204" pitchFamily="34" charset="0"/>
-                <a:cs typeface="Arial" panose="020B0604020202020204" pitchFamily="34" charset="0"/>
-                <a:sym typeface="Gill Sans Nova"/>
-              </a:rPr>
-              <a:t>[1] Muhammad Numair Mansur et al. “Detecting critical bugs in SMT solvers using 	</a:t>
-            </a:r>
-            <a:r>
-              <a:rPr kumimoji="0" lang="en-US" sz="2000" b="0" i="0" u="none" strike="noStrike" cap="none" spc="0" normalizeH="0" baseline="0" dirty="0" err="1">
-                <a:ln>
-                  <a:noFill/>
-                </a:ln>
-                <a:solidFill>
-                  <a:srgbClr val="000000"/>
-                </a:solidFill>
-                <a:effectLst/>
-                <a:uFillTx/>
-                <a:latin typeface="Arial" panose="020B0604020202020204" pitchFamily="34" charset="0"/>
-                <a:cs typeface="Arial" panose="020B0604020202020204" pitchFamily="34" charset="0"/>
-                <a:sym typeface="Gill Sans Nova"/>
-              </a:rPr>
-              <a:t>blackbox</a:t>
-            </a:r>
-            <a:r>
-              <a:rPr kumimoji="0" lang="en-US" sz="2000" b="0" i="0" u="none" strike="noStrike" cap="none" spc="0" normalizeH="0" baseline="0" dirty="0">
-                <a:ln>
-                  <a:noFill/>
-                </a:ln>
-                <a:solidFill>
-                  <a:srgbClr val="000000"/>
-                </a:solidFill>
-                <a:effectLst/>
-                <a:uFillTx/>
-                <a:latin typeface="Arial" panose="020B0604020202020204" pitchFamily="34" charset="0"/>
-                <a:cs typeface="Arial" panose="020B0604020202020204" pitchFamily="34" charset="0"/>
-                <a:sym typeface="Gill Sans Nova"/>
-              </a:rPr>
-              <a:t> mutational fuzzing”. In: Proceedings of the 28th ACM Joint Meeting on 	European Software Engineering Conference and Symposium on the Foundations of 	Software Engineering. 2020, pp. 701–712.</a:t>
-            </a:r>
-          </a:p>
-          <a:p>
-            <a:pPr marL="0" marR="0" indent="0" algn="l" defTabSz="411480" rtl="0" fontAlgn="auto" latinLnBrk="0" hangingPunct="0">
-              <a:lnSpc>
-                <a:spcPct val="100000"/>
-              </a:lnSpc>
-              <a:spcBef>
-                <a:spcPts val="0"/>
-              </a:spcBef>
-              <a:spcAft>
-                <a:spcPts val="0"/>
-              </a:spcAft>
-              <a:buClrTx/>
-              <a:buSzTx/>
-              <a:buFontTx/>
-              <a:buNone/>
-              <a:tabLst/>
-            </a:pPr>
-            <a:r>
-              <a:rPr kumimoji="0" lang="en-US" sz="2000" b="0" i="0" u="none" strike="noStrike" cap="none" spc="0" normalizeH="0" baseline="0" dirty="0">
-                <a:ln>
-                  <a:noFill/>
-                </a:ln>
-                <a:solidFill>
-                  <a:srgbClr val="000000"/>
-                </a:solidFill>
-                <a:effectLst/>
-                <a:uFillTx/>
-                <a:latin typeface="Arial" panose="020B0604020202020204" pitchFamily="34" charset="0"/>
-                <a:cs typeface="Arial" panose="020B0604020202020204" pitchFamily="34" charset="0"/>
-                <a:sym typeface="Gill Sans Nova"/>
-              </a:rPr>
-              <a:t>	</a:t>
-            </a:r>
-          </a:p>
-          <a:p>
-            <a:pPr marL="0" marR="0" indent="0" algn="l" defTabSz="411480" rtl="0" fontAlgn="auto" latinLnBrk="0" hangingPunct="0">
-              <a:lnSpc>
-                <a:spcPct val="100000"/>
-              </a:lnSpc>
-              <a:spcBef>
-                <a:spcPts val="0"/>
-              </a:spcBef>
-              <a:spcAft>
-                <a:spcPts val="0"/>
-              </a:spcAft>
-              <a:buClrTx/>
-              <a:buSzTx/>
-              <a:buFontTx/>
-              <a:buNone/>
-              <a:tabLst/>
-            </a:pPr>
-            <a:r>
-              <a:rPr lang="en-US" sz="2000" dirty="0">
-                <a:solidFill>
-                  <a:srgbClr val="000000"/>
-                </a:solidFill>
-                <a:latin typeface="Arial" panose="020B0604020202020204" pitchFamily="34" charset="0"/>
-                <a:cs typeface="Arial" panose="020B0604020202020204" pitchFamily="34" charset="0"/>
-              </a:rPr>
-              <a:t>	</a:t>
-            </a:r>
-            <a:r>
-              <a:rPr kumimoji="0" lang="en-US" sz="2000" b="0" i="0" u="none" strike="noStrike" cap="none" spc="0" normalizeH="0" baseline="0" dirty="0">
-                <a:ln>
-                  <a:noFill/>
-                </a:ln>
-                <a:solidFill>
-                  <a:srgbClr val="000000"/>
-                </a:solidFill>
-                <a:effectLst/>
-                <a:uFillTx/>
-                <a:latin typeface="Arial" panose="020B0604020202020204" pitchFamily="34" charset="0"/>
-                <a:cs typeface="Arial" panose="020B0604020202020204" pitchFamily="34" charset="0"/>
-                <a:sym typeface="Gill Sans Nova"/>
-              </a:rPr>
-              <a:t>[2] Peisen Yao et al. “Fuzzing </a:t>
-            </a:r>
-            <a:r>
-              <a:rPr kumimoji="0" lang="en-US" sz="2000" b="0" i="0" u="none" strike="noStrike" cap="none" spc="0" normalizeH="0" baseline="0" dirty="0" err="1">
-                <a:ln>
-                  <a:noFill/>
-                </a:ln>
-                <a:solidFill>
-                  <a:srgbClr val="000000"/>
-                </a:solidFill>
-                <a:effectLst/>
-                <a:uFillTx/>
-                <a:latin typeface="Arial" panose="020B0604020202020204" pitchFamily="34" charset="0"/>
-                <a:cs typeface="Arial" panose="020B0604020202020204" pitchFamily="34" charset="0"/>
-                <a:sym typeface="Gill Sans Nova"/>
-              </a:rPr>
-              <a:t>smt</a:t>
-            </a:r>
-            <a:r>
-              <a:rPr kumimoji="0" lang="en-US" sz="2000" b="0" i="0" u="none" strike="noStrike" cap="none" spc="0" normalizeH="0" baseline="0" dirty="0">
-                <a:ln>
-                  <a:noFill/>
-                </a:ln>
-                <a:solidFill>
-                  <a:srgbClr val="000000"/>
-                </a:solidFill>
-                <a:effectLst/>
-                <a:uFillTx/>
-                <a:latin typeface="Arial" panose="020B0604020202020204" pitchFamily="34" charset="0"/>
-                <a:cs typeface="Arial" panose="020B0604020202020204" pitchFamily="34" charset="0"/>
-                <a:sym typeface="Gill Sans Nova"/>
-              </a:rPr>
-              <a:t> solvers via two-dimensional input space exploration”. 	In: Proceedings of the 30th ACM SIGSOFT International Symposium on Software 	Testing and Analysis. 2021, pp. 322–335.</a:t>
-            </a:r>
-            <a:endParaRPr kumimoji="0" lang="en-US" sz="2000" b="0" i="0" u="none" strike="noStrike" cap="none" spc="0" normalizeH="0" baseline="0" dirty="0">
+              <a:t>[1]</a:t>
+            </a:r>
+            <a:endParaRPr kumimoji="0" lang="en-US" sz="1600" b="0" i="0" u="none" strike="noStrike" cap="none" spc="0" normalizeH="0" baseline="0" dirty="0">
               <a:ln>
                 <a:noFill/>
               </a:ln>
@@ -13968,9 +15133,8 @@
               </a:solidFill>
               <a:effectLst/>
               <a:uFillTx/>
-              <a:latin typeface="Gill Sans Nova"/>
-              <a:ea typeface="Gill Sans Nova"/>
-              <a:cs typeface="Gill Sans Nova"/>
+              <a:latin typeface="Arial" panose="020B0604020202020204" pitchFamily="34" charset="0"/>
+              <a:cs typeface="Arial" panose="020B0604020202020204" pitchFamily="34" charset="0"/>
               <a:sym typeface="Gill Sans Nova"/>
             </a:endParaRPr>
           </a:p>

--- a/Milestones/M6 poster event/poster.pptx
+++ b/Milestones/M6 poster event/poster.pptx
@@ -1193,7 +1193,7 @@
           </a:ln>
           <a:extLst>
             <a:ext uri="{C572A759-6A51-4108-AA02-DFA0A04FC94B}">
-              <ma14:wrappingTextBoxFlag xmlns="" xmlns:m="http://schemas.openxmlformats.org/officeDocument/2006/math" xmlns:a14="http://schemas.microsoft.com/office/drawing/2010/main" xmlns:ma14="http://schemas.microsoft.com/office/mac/drawingml/2011/main" val="1"/>
+              <ma14:wrappingTextBoxFlag xmlns:ma14="http://schemas.microsoft.com/office/mac/drawingml/2011/main" xmlns:a14="http://schemas.microsoft.com/office/drawing/2010/main" xmlns:m="http://schemas.openxmlformats.org/officeDocument/2006/math" xmlns="" val="1"/>
             </a:ext>
           </a:extLst>
         </p:spPr>
@@ -1264,7 +1264,7 @@
           </a:ln>
           <a:extLst>
             <a:ext uri="{C572A759-6A51-4108-AA02-DFA0A04FC94B}">
-              <ma14:wrappingTextBoxFlag xmlns="" xmlns:m="http://schemas.openxmlformats.org/officeDocument/2006/math" xmlns:a14="http://schemas.microsoft.com/office/drawing/2010/main" xmlns:ma14="http://schemas.microsoft.com/office/mac/drawingml/2011/main" val="1"/>
+              <ma14:wrappingTextBoxFlag xmlns:ma14="http://schemas.microsoft.com/office/mac/drawingml/2011/main" xmlns:a14="http://schemas.microsoft.com/office/drawing/2010/main" xmlns:m="http://schemas.openxmlformats.org/officeDocument/2006/math" xmlns="" val="1"/>
             </a:ext>
           </a:extLst>
         </p:spPr>
@@ -1366,7 +1366,7 @@
           </a:ln>
           <a:extLst>
             <a:ext uri="{C572A759-6A51-4108-AA02-DFA0A04FC94B}">
-              <ma14:wrappingTextBoxFlag xmlns="" xmlns:m="http://schemas.openxmlformats.org/officeDocument/2006/math" xmlns:a14="http://schemas.microsoft.com/office/drawing/2010/main" xmlns:ma14="http://schemas.microsoft.com/office/mac/drawingml/2011/main" val="1"/>
+              <ma14:wrappingTextBoxFlag xmlns:ma14="http://schemas.microsoft.com/office/mac/drawingml/2011/main" xmlns:a14="http://schemas.microsoft.com/office/drawing/2010/main" xmlns:m="http://schemas.openxmlformats.org/officeDocument/2006/math" xmlns="" val="1"/>
             </a:ext>
           </a:extLst>
         </p:spPr>
@@ -1429,7 +1429,7 @@
           </a:ln>
           <a:extLst>
             <a:ext uri="{C572A759-6A51-4108-AA02-DFA0A04FC94B}">
-              <ma14:wrappingTextBoxFlag xmlns="" xmlns:m="http://schemas.openxmlformats.org/officeDocument/2006/math" xmlns:a14="http://schemas.microsoft.com/office/drawing/2010/main" xmlns:ma14="http://schemas.microsoft.com/office/mac/drawingml/2011/main" val="1"/>
+              <ma14:wrappingTextBoxFlag xmlns:ma14="http://schemas.microsoft.com/office/mac/drawingml/2011/main" xmlns:a14="http://schemas.microsoft.com/office/drawing/2010/main" xmlns:m="http://schemas.openxmlformats.org/officeDocument/2006/math" xmlns="" val="1"/>
             </a:ext>
           </a:extLst>
         </p:spPr>
@@ -3105,8 +3105,8 @@
         </p:nvSpPr>
         <p:spPr>
           <a:xfrm>
-            <a:off x="6372703" y="529718"/>
-            <a:ext cx="12192820" cy="1042750"/>
+            <a:off x="6522980" y="498407"/>
+            <a:ext cx="12192820" cy="1075391"/>
           </a:xfrm>
           <a:prstGeom prst="rect">
             <a:avLst/>
@@ -3337,7 +3337,7 @@
         </p:nvSpPr>
         <p:spPr>
           <a:xfrm>
-            <a:off x="504627" y="2277064"/>
+            <a:off x="504627" y="2265299"/>
             <a:ext cx="9586795" cy="16725474"/>
           </a:xfrm>
           <a:prstGeom prst="rect">
@@ -5774,8 +5774,8 @@
         </p:nvSpPr>
         <p:spPr>
           <a:xfrm>
-            <a:off x="5929175" y="20236140"/>
-            <a:ext cx="3479163" cy="890023"/>
+            <a:off x="5929176" y="20236140"/>
+            <a:ext cx="3472198" cy="890023"/>
           </a:xfrm>
           <a:prstGeom prst="rect">
             <a:avLst/>
@@ -6117,8 +6117,8 @@
         </p:nvSpPr>
         <p:spPr>
           <a:xfrm>
-            <a:off x="1590314" y="22277563"/>
-            <a:ext cx="7732965" cy="3530822"/>
+            <a:off x="1706548" y="22273868"/>
+            <a:ext cx="7835319" cy="3553369"/>
           </a:xfrm>
           <a:prstGeom prst="rect">
             <a:avLst/>
@@ -6201,7 +6201,7 @@
         </p:nvSpPr>
         <p:spPr>
           <a:xfrm>
-            <a:off x="124386" y="22472087"/>
+            <a:off x="260176" y="22468393"/>
             <a:ext cx="1574196" cy="461663"/>
           </a:xfrm>
           <a:prstGeom prst="rect">
@@ -6313,7 +6313,7 @@
         </p:nvCxnSpPr>
         <p:spPr>
           <a:xfrm>
-            <a:off x="192639" y="23158911"/>
+            <a:off x="328429" y="23155217"/>
             <a:ext cx="1397675" cy="0"/>
           </a:xfrm>
           <a:prstGeom prst="straightConnector1">
@@ -6364,7 +6364,7 @@
         </p:nvSpPr>
         <p:spPr>
           <a:xfrm>
-            <a:off x="1598280" y="21719593"/>
+            <a:off x="1734070" y="21715899"/>
             <a:ext cx="7647854" cy="523218"/>
           </a:xfrm>
           <a:prstGeom prst="rect">
@@ -6468,7 +6468,7 @@
         </p:nvSpPr>
         <p:spPr>
           <a:xfrm>
-            <a:off x="1711226" y="22450655"/>
+            <a:off x="1847016" y="22446961"/>
             <a:ext cx="1355888" cy="1200327"/>
           </a:xfrm>
           <a:prstGeom prst="rect">
@@ -6617,7 +6617,7 @@
         </p:nvCxnSpPr>
         <p:spPr>
           <a:xfrm>
-            <a:off x="3121887" y="23015730"/>
+            <a:off x="3257677" y="23012036"/>
             <a:ext cx="382797" cy="0"/>
           </a:xfrm>
           <a:prstGeom prst="straightConnector1">
@@ -6668,7 +6668,7 @@
         </p:nvSpPr>
         <p:spPr>
           <a:xfrm>
-            <a:off x="3544077" y="22450655"/>
+            <a:off x="3679867" y="22446961"/>
             <a:ext cx="1589155" cy="1200327"/>
           </a:xfrm>
           <a:prstGeom prst="rect">
@@ -6769,7 +6769,7 @@
         </p:nvCxnSpPr>
         <p:spPr>
           <a:xfrm>
-            <a:off x="5133232" y="23015730"/>
+            <a:off x="5269022" y="23012036"/>
             <a:ext cx="382797" cy="0"/>
           </a:xfrm>
           <a:prstGeom prst="straightConnector1">
@@ -6820,7 +6820,7 @@
         </p:nvSpPr>
         <p:spPr>
           <a:xfrm>
-            <a:off x="5522509" y="22472087"/>
+            <a:off x="5658299" y="22468393"/>
             <a:ext cx="1928194" cy="1200327"/>
           </a:xfrm>
           <a:prstGeom prst="rect">
@@ -6940,8 +6940,8 @@
         </p:nvSpPr>
         <p:spPr>
           <a:xfrm>
-            <a:off x="7846658" y="22480924"/>
-            <a:ext cx="1355888" cy="1200327"/>
+            <a:off x="7982448" y="22477230"/>
+            <a:ext cx="1415552" cy="1200327"/>
           </a:xfrm>
           <a:prstGeom prst="rect">
             <a:avLst/>
@@ -7089,7 +7089,7 @@
         </p:nvCxnSpPr>
         <p:spPr>
           <a:xfrm>
-            <a:off x="7450703" y="23002861"/>
+            <a:off x="7586493" y="22999167"/>
             <a:ext cx="382797" cy="0"/>
           </a:xfrm>
           <a:prstGeom prst="straightConnector1">
@@ -7142,7 +7142,7 @@
         </p:nvCxnSpPr>
         <p:spPr>
           <a:xfrm rot="5400000">
-            <a:off x="6238294" y="23842381"/>
+            <a:off x="6387094" y="23868956"/>
             <a:ext cx="382797" cy="0"/>
           </a:xfrm>
           <a:prstGeom prst="straightConnector1">
@@ -7193,8 +7193,8 @@
         </p:nvSpPr>
         <p:spPr>
           <a:xfrm>
-            <a:off x="5736196" y="24110870"/>
-            <a:ext cx="3479163" cy="1569658"/>
+            <a:off x="5678951" y="24109736"/>
+            <a:ext cx="3719049" cy="1569658"/>
           </a:xfrm>
           <a:prstGeom prst="rect">
             <a:avLst/>
@@ -7396,7 +7396,7 @@
         </p:nvCxnSpPr>
         <p:spPr>
           <a:xfrm rot="5400000">
-            <a:off x="8122122" y="23922456"/>
+            <a:off x="8476413" y="23868957"/>
             <a:ext cx="382797" cy="0"/>
           </a:xfrm>
           <a:prstGeom prst="straightConnector1">
@@ -7447,7 +7447,7 @@
         </p:nvSpPr>
         <p:spPr>
           <a:xfrm>
-            <a:off x="9412995" y="24177938"/>
+            <a:off x="9548785" y="24174244"/>
             <a:ext cx="913306" cy="461663"/>
           </a:xfrm>
           <a:prstGeom prst="rect">
@@ -7553,7 +7553,7 @@
         </p:nvCxnSpPr>
         <p:spPr>
           <a:xfrm>
-            <a:off x="9346436" y="24920238"/>
+            <a:off x="9548785" y="24853044"/>
             <a:ext cx="1066805" cy="0"/>
           </a:xfrm>
           <a:prstGeom prst="straightConnector1">
@@ -8114,8 +8114,8 @@
         </p:nvSpPr>
         <p:spPr>
           <a:xfrm>
-            <a:off x="18054360" y="4728023"/>
-            <a:ext cx="1355888" cy="1200327"/>
+            <a:off x="18054359" y="4728023"/>
+            <a:ext cx="1383153" cy="1200327"/>
           </a:xfrm>
           <a:prstGeom prst="rect">
             <a:avLst/>
